--- a/P2669-DeprecateKindChange/DeprecateKindChange.pptx
+++ b/P2669-DeprecateKindChange/DeprecateKindChange.pptx
@@ -9,8 +9,10 @@
     <p:sldId id="319" r:id="rId3"/>
     <p:sldId id="320" r:id="rId4"/>
     <p:sldId id="321" r:id="rId5"/>
-    <p:sldId id="322" r:id="rId6"/>
-    <p:sldId id="323" r:id="rId7"/>
+    <p:sldId id="325" r:id="rId6"/>
+    <p:sldId id="324" r:id="rId7"/>
+    <p:sldId id="322" r:id="rId8"/>
+    <p:sldId id="323" r:id="rId9"/>
   </p:sldIdLst>
   <p:sldSz cx="12192000" cy="6858000"/>
   <p:notesSz cx="6858000" cy="9144000"/>
@@ -109,6 +111,11 @@
       </a:defRPr>
     </a:lvl9pPr>
   </p:defaultTextStyle>
+  <p:extLst>
+    <p:ext uri="{EFAFB233-063F-42B5-8137-9DF3F51BA10A}">
+      <p15:sldGuideLst xmlns:p15="http://schemas.microsoft.com/office/powerpoint/2012/main"/>
+    </p:ext>
+  </p:extLst>
 </p:presentation>
 </file>
 
@@ -261,7 +268,7 @@
           <a:p>
             <a:fld id="{256E8440-7EC4-4C20-B83C-B072A0973375}" type="datetimeFigureOut">
               <a:rPr lang="LID4096" smtClean="0"/>
-              <a:t>10/31/2022</a:t>
+              <a:t>11/08/2022</a:t>
             </a:fld>
             <a:endParaRPr lang="LID4096"/>
           </a:p>
@@ -461,7 +468,7 @@
           <a:p>
             <a:fld id="{256E8440-7EC4-4C20-B83C-B072A0973375}" type="datetimeFigureOut">
               <a:rPr lang="LID4096" smtClean="0"/>
-              <a:t>10/31/2022</a:t>
+              <a:t>11/08/2022</a:t>
             </a:fld>
             <a:endParaRPr lang="LID4096"/>
           </a:p>
@@ -671,7 +678,7 @@
           <a:p>
             <a:fld id="{256E8440-7EC4-4C20-B83C-B072A0973375}" type="datetimeFigureOut">
               <a:rPr lang="LID4096" smtClean="0"/>
-              <a:t>10/31/2022</a:t>
+              <a:t>11/08/2022</a:t>
             </a:fld>
             <a:endParaRPr lang="LID4096"/>
           </a:p>
@@ -871,7 +878,7 @@
           <a:p>
             <a:fld id="{256E8440-7EC4-4C20-B83C-B072A0973375}" type="datetimeFigureOut">
               <a:rPr lang="LID4096" smtClean="0"/>
-              <a:t>10/31/2022</a:t>
+              <a:t>11/08/2022</a:t>
             </a:fld>
             <a:endParaRPr lang="LID4096"/>
           </a:p>
@@ -1147,7 +1154,7 @@
           <a:p>
             <a:fld id="{256E8440-7EC4-4C20-B83C-B072A0973375}" type="datetimeFigureOut">
               <a:rPr lang="LID4096" smtClean="0"/>
-              <a:t>10/31/2022</a:t>
+              <a:t>11/08/2022</a:t>
             </a:fld>
             <a:endParaRPr lang="LID4096"/>
           </a:p>
@@ -1415,7 +1422,7 @@
           <a:p>
             <a:fld id="{256E8440-7EC4-4C20-B83C-B072A0973375}" type="datetimeFigureOut">
               <a:rPr lang="LID4096" smtClean="0"/>
-              <a:t>10/31/2022</a:t>
+              <a:t>11/08/2022</a:t>
             </a:fld>
             <a:endParaRPr lang="LID4096"/>
           </a:p>
@@ -1830,7 +1837,7 @@
           <a:p>
             <a:fld id="{256E8440-7EC4-4C20-B83C-B072A0973375}" type="datetimeFigureOut">
               <a:rPr lang="LID4096" smtClean="0"/>
-              <a:t>10/31/2022</a:t>
+              <a:t>11/08/2022</a:t>
             </a:fld>
             <a:endParaRPr lang="LID4096"/>
           </a:p>
@@ -1972,7 +1979,7 @@
           <a:p>
             <a:fld id="{256E8440-7EC4-4C20-B83C-B072A0973375}" type="datetimeFigureOut">
               <a:rPr lang="LID4096" smtClean="0"/>
-              <a:t>10/31/2022</a:t>
+              <a:t>11/08/2022</a:t>
             </a:fld>
             <a:endParaRPr lang="LID4096"/>
           </a:p>
@@ -2085,7 +2092,7 @@
           <a:p>
             <a:fld id="{256E8440-7EC4-4C20-B83C-B072A0973375}" type="datetimeFigureOut">
               <a:rPr lang="LID4096" smtClean="0"/>
-              <a:t>10/31/2022</a:t>
+              <a:t>11/08/2022</a:t>
             </a:fld>
             <a:endParaRPr lang="LID4096"/>
           </a:p>
@@ -2398,7 +2405,7 @@
           <a:p>
             <a:fld id="{256E8440-7EC4-4C20-B83C-B072A0973375}" type="datetimeFigureOut">
               <a:rPr lang="LID4096" smtClean="0"/>
-              <a:t>10/31/2022</a:t>
+              <a:t>11/08/2022</a:t>
             </a:fld>
             <a:endParaRPr lang="LID4096"/>
           </a:p>
@@ -2687,7 +2694,7 @@
           <a:p>
             <a:fld id="{256E8440-7EC4-4C20-B83C-B072A0973375}" type="datetimeFigureOut">
               <a:rPr lang="LID4096" smtClean="0"/>
-              <a:t>10/31/2022</a:t>
+              <a:t>11/08/2022</a:t>
             </a:fld>
             <a:endParaRPr lang="LID4096"/>
           </a:p>
@@ -2930,7 +2937,7 @@
           <a:p>
             <a:fld id="{256E8440-7EC4-4C20-B83C-B072A0973375}" type="datetimeFigureOut">
               <a:rPr lang="LID4096" smtClean="0"/>
-              <a:t>10/31/2022</a:t>
+              <a:t>11/08/2022</a:t>
             </a:fld>
             <a:endParaRPr lang="LID4096"/>
           </a:p>
@@ -5521,15 +5528,23 @@
             </a:r>
             <a:r>
               <a:rPr lang="sv-SE" sz="3200" dirty="0"/>
-              <a:t> </a:t>
+              <a:t> in a </a:t>
             </a:r>
             <a:r>
               <a:rPr lang="sv-SE" sz="3200" dirty="0" err="1"/>
-              <a:t>between</a:t>
+              <a:t>class</a:t>
             </a:r>
             <a:r>
               <a:rPr lang="sv-SE" sz="3200" dirty="0"/>
-              <a:t> definition and explicit </a:t>
+              <a:t> template </a:t>
+            </a:r>
+            <a:r>
+              <a:rPr lang="sv-SE" sz="3200" dirty="0" err="1"/>
+              <a:t>defintion</a:t>
+            </a:r>
+            <a:r>
+              <a:rPr lang="sv-SE" sz="3200" dirty="0"/>
+              <a:t> in an explicit </a:t>
             </a:r>
             <a:r>
               <a:rPr lang="sv-SE" sz="3200" dirty="0" err="1"/>
@@ -5618,22 +5633,6 @@
               <a:t> all </a:t>
             </a:r>
             <a:r>
-              <a:rPr lang="sv-SE" sz="3200" dirty="0" err="1"/>
-              <a:t>disambiguation</a:t>
-            </a:r>
-            <a:r>
-              <a:rPr lang="sv-SE" sz="3200" dirty="0"/>
-              <a:t> </a:t>
-            </a:r>
-            <a:r>
-              <a:rPr lang="sv-SE" sz="3200" dirty="0" err="1"/>
-              <a:t>using</a:t>
-            </a:r>
-            <a:r>
-              <a:rPr lang="sv-SE" sz="3200" dirty="0"/>
-              <a:t> </a:t>
-            </a:r>
-            <a:r>
               <a:rPr lang="sv-SE" sz="3200" b="1" dirty="0" err="1"/>
               <a:t>typename</a:t>
             </a:r>
@@ -5643,81 +5642,23 @@
             </a:r>
             <a:r>
               <a:rPr lang="sv-SE" sz="3200" b="1" dirty="0"/>
-              <a:t>template</a:t>
+              <a:t>template </a:t>
+            </a:r>
+            <a:r>
+              <a:rPr lang="sv-SE" sz="3200" dirty="0" err="1"/>
+              <a:t>disambiguations</a:t>
             </a:r>
             <a:r>
               <a:rPr lang="sv-SE" sz="3200" dirty="0"/>
-              <a:t>.</a:t>
-            </a:r>
-          </a:p>
-          <a:p>
+              <a:t>. (Manual </a:t>
+            </a:r>
+            <a:r>
+              <a:rPr lang="sv-SE" sz="3200" dirty="0" err="1"/>
+              <a:t>count</a:t>
+            </a:r>
             <a:r>
               <a:rPr lang="sv-SE" sz="3200" dirty="0"/>
-              <a:t>The </a:t>
-            </a:r>
-            <a:r>
-              <a:rPr lang="sv-SE" sz="3200" dirty="0" err="1"/>
-              <a:t>reasons</a:t>
-            </a:r>
-            <a:r>
-              <a:rPr lang="sv-SE" sz="3200" dirty="0"/>
-              <a:t> for not </a:t>
-            </a:r>
-            <a:r>
-              <a:rPr lang="sv-SE" sz="3200" dirty="0" err="1"/>
-              <a:t>having</a:t>
-            </a:r>
-            <a:r>
-              <a:rPr lang="sv-SE" sz="3200" dirty="0"/>
-              <a:t> get&lt;&gt; as a </a:t>
-            </a:r>
-            <a:r>
-              <a:rPr lang="sv-SE" sz="3200" dirty="0" err="1"/>
-              <a:t>member</a:t>
-            </a:r>
-            <a:r>
-              <a:rPr lang="sv-SE" sz="3200" dirty="0"/>
-              <a:t> </a:t>
-            </a:r>
-            <a:r>
-              <a:rPr lang="sv-SE" sz="3200" dirty="0" err="1"/>
-              <a:t>function</a:t>
-            </a:r>
-            <a:r>
-              <a:rPr lang="sv-SE" sz="3200" dirty="0"/>
-              <a:t> in </a:t>
-            </a:r>
-            <a:r>
-              <a:rPr lang="sv-SE" sz="3200" dirty="0" err="1"/>
-              <a:t>tuple</a:t>
-            </a:r>
-            <a:r>
-              <a:rPr lang="sv-SE" sz="3200" dirty="0"/>
-              <a:t> etc. </a:t>
-            </a:r>
-            <a:r>
-              <a:rPr lang="sv-SE" sz="3200" dirty="0" err="1"/>
-              <a:t>are</a:t>
-            </a:r>
-            <a:r>
-              <a:rPr lang="sv-SE" sz="3200" dirty="0"/>
-              <a:t> </a:t>
-            </a:r>
-            <a:r>
-              <a:rPr lang="sv-SE" sz="3200" dirty="0" err="1"/>
-              <a:t>thereby</a:t>
-            </a:r>
-            <a:r>
-              <a:rPr lang="sv-SE" sz="3200" dirty="0"/>
-              <a:t> </a:t>
-            </a:r>
-            <a:r>
-              <a:rPr lang="sv-SE" sz="3200" dirty="0" err="1"/>
-              <a:t>removed</a:t>
-            </a:r>
-            <a:r>
-              <a:rPr lang="sv-SE" sz="3200" dirty="0"/>
-              <a:t>.</a:t>
+              <a:t> over 100: 78%).</a:t>
             </a:r>
           </a:p>
         </p:txBody>
@@ -6370,8 +6311,52 @@
           <a:lstStyle/>
           <a:p>
             <a:r>
+              <a:rPr lang="sv-SE" sz="3200" dirty="0"/>
+              <a:t>If a </a:t>
+            </a:r>
+            <a:r>
               <a:rPr lang="sv-SE" sz="3200" dirty="0" err="1"/>
-              <a:t>Deprecate</a:t>
+              <a:t>class</a:t>
+            </a:r>
+            <a:r>
+              <a:rPr lang="sv-SE" sz="3200" dirty="0"/>
+              <a:t> template has a </a:t>
+            </a:r>
+            <a:r>
+              <a:rPr lang="sv-SE" sz="3200" dirty="0" err="1"/>
+              <a:t>defintion</a:t>
+            </a:r>
+            <a:r>
+              <a:rPr lang="sv-SE" sz="3200" dirty="0"/>
+              <a:t> no explicit </a:t>
+            </a:r>
+            <a:r>
+              <a:rPr lang="sv-SE" sz="3200" dirty="0" err="1"/>
+              <a:t>specialization</a:t>
+            </a:r>
+            <a:r>
+              <a:rPr lang="sv-SE" sz="3200" dirty="0"/>
+              <a:t> is </a:t>
+            </a:r>
+            <a:r>
+              <a:rPr lang="sv-SE" sz="3200" dirty="0" err="1"/>
+              <a:t>allowed</a:t>
+            </a:r>
+            <a:r>
+              <a:rPr lang="sv-SE" sz="3200" dirty="0"/>
+              <a:t> to </a:t>
+            </a:r>
+            <a:r>
+              <a:rPr lang="sv-SE" sz="3200" dirty="0" err="1"/>
+              <a:t>declare</a:t>
+            </a:r>
+            <a:r>
+              <a:rPr lang="sv-SE" sz="3200" dirty="0"/>
+              <a:t> the </a:t>
+            </a:r>
+            <a:r>
+              <a:rPr lang="sv-SE" sz="3200" dirty="0" err="1"/>
+              <a:t>name</a:t>
             </a:r>
             <a:r>
               <a:rPr lang="sv-SE" sz="3200" dirty="0"/>
@@ -6379,15 +6364,25 @@
             </a:r>
             <a:r>
               <a:rPr lang="sv-SE" sz="3200" dirty="0" err="1"/>
-              <a:t>changing</a:t>
+              <a:t>with</a:t>
             </a:r>
             <a:r>
               <a:rPr lang="sv-SE" sz="3200" dirty="0"/>
-              <a:t> kind </a:t>
-            </a:r>
+              <a:t> a different kind.</a:t>
+            </a:r>
+          </a:p>
+          <a:p>
             <a:r>
               <a:rPr lang="sv-SE" sz="3200" dirty="0" err="1"/>
-              <a:t>of</a:t>
+              <a:t>Two</a:t>
+            </a:r>
+            <a:r>
+              <a:rPr lang="sv-SE" sz="3200" dirty="0"/>
+              <a:t> explicit </a:t>
+            </a:r>
+            <a:r>
+              <a:rPr lang="sv-SE" sz="3200" dirty="0" err="1"/>
+              <a:t>specializations</a:t>
             </a:r>
             <a:r>
               <a:rPr lang="sv-SE" sz="3200" dirty="0"/>
@@ -6395,41 +6390,33 @@
             </a:r>
             <a:r>
               <a:rPr lang="sv-SE" sz="3200" dirty="0" err="1"/>
-              <a:t>names</a:t>
+              <a:t>declaring</a:t>
             </a:r>
             <a:r>
               <a:rPr lang="sv-SE" sz="3200" dirty="0"/>
-              <a:t> in </a:t>
+              <a:t> the same </a:t>
             </a:r>
             <a:r>
               <a:rPr lang="sv-SE" sz="3200" dirty="0" err="1"/>
-              <a:t>one</a:t>
+              <a:t>name</a:t>
             </a:r>
             <a:r>
               <a:rPr lang="sv-SE" sz="3200" dirty="0"/>
-              <a:t> revision (C++23?)</a:t>
-            </a:r>
-          </a:p>
-          <a:p>
+              <a:t> must </a:t>
+            </a:r>
             <a:r>
               <a:rPr lang="sv-SE" sz="3200" dirty="0" err="1"/>
-              <a:t>Forbid</a:t>
+              <a:t>declare</a:t>
             </a:r>
             <a:r>
               <a:rPr lang="sv-SE" sz="3200" dirty="0"/>
-              <a:t> kind </a:t>
-            </a:r>
+              <a:t> it to be the same kind.</a:t>
+            </a:r>
+          </a:p>
+          <a:p>
             <a:r>
               <a:rPr lang="sv-SE" sz="3200" dirty="0" err="1"/>
-              <a:t>change</a:t>
-            </a:r>
-            <a:r>
-              <a:rPr lang="sv-SE" sz="3200" dirty="0"/>
-              <a:t> and </a:t>
-            </a:r>
-            <a:r>
-              <a:rPr lang="sv-SE" sz="3200" dirty="0" err="1"/>
-              <a:t>allow</a:t>
+              <a:t>This</a:t>
             </a:r>
             <a:r>
               <a:rPr lang="sv-SE" sz="3200" dirty="0"/>
@@ -6437,43 +6424,141 @@
             </a:r>
             <a:r>
               <a:rPr lang="sv-SE" sz="3200" dirty="0" err="1"/>
-              <a:t>compilers</a:t>
+              <a:t>rule</a:t>
+            </a:r>
+            <a:r>
+              <a:rPr lang="sv-SE" sz="3200" dirty="0"/>
+              <a:t> </a:t>
+            </a:r>
+            <a:r>
+              <a:rPr lang="sv-SE" sz="3200" dirty="0" err="1"/>
+              <a:t>applies</a:t>
             </a:r>
             <a:r>
               <a:rPr lang="sv-SE" sz="3200" dirty="0"/>
               <a:t> to </a:t>
             </a:r>
             <a:r>
+              <a:rPr lang="sv-SE" sz="3200" b="1" dirty="0"/>
+              <a:t>public</a:t>
+            </a:r>
+            <a:r>
+              <a:rPr lang="sv-SE" sz="3200" dirty="0"/>
+              <a:t> </a:t>
+            </a:r>
+            <a:r>
               <a:rPr lang="sv-SE" sz="3200" dirty="0" err="1"/>
-              <a:t>rely</a:t>
+              <a:t>names</a:t>
             </a:r>
             <a:r>
               <a:rPr lang="sv-SE" sz="3200" dirty="0"/>
-              <a:t> on kind in </a:t>
+              <a:t> </a:t>
             </a:r>
             <a:r>
               <a:rPr lang="sv-SE" sz="3200" dirty="0" err="1"/>
-              <a:t>class</a:t>
+              <a:t>only</a:t>
             </a:r>
             <a:r>
               <a:rPr lang="sv-SE" sz="3200" dirty="0"/>
-              <a:t> template definition </a:t>
+              <a:t> (+ </a:t>
             </a:r>
             <a:r>
               <a:rPr lang="sv-SE" sz="3200" dirty="0" err="1"/>
-              <a:t>during</a:t>
+              <a:t>protected</a:t>
             </a:r>
             <a:r>
               <a:rPr lang="sv-SE" sz="3200" dirty="0"/>
-              <a:t> parsing in the </a:t>
+              <a:t> </a:t>
             </a:r>
             <a:r>
               <a:rPr lang="sv-SE" sz="3200" dirty="0" err="1"/>
-              <a:t>next</a:t>
+              <a:t>names</a:t>
             </a:r>
             <a:r>
               <a:rPr lang="sv-SE" sz="3200" dirty="0"/>
-              <a:t> revision.</a:t>
+              <a:t>)?</a:t>
+            </a:r>
+          </a:p>
+          <a:p>
+            <a:r>
+              <a:rPr lang="sv-SE" sz="3200" dirty="0" err="1"/>
+              <a:t>Compiler</a:t>
+            </a:r>
+            <a:r>
+              <a:rPr lang="sv-SE" sz="3200" dirty="0"/>
+              <a:t> </a:t>
+            </a:r>
+            <a:r>
+              <a:rPr lang="sv-SE" sz="3200" dirty="0" err="1"/>
+              <a:t>assumes</a:t>
+            </a:r>
+            <a:r>
+              <a:rPr lang="sv-SE" sz="3200" dirty="0"/>
+              <a:t> </a:t>
+            </a:r>
+            <a:r>
+              <a:rPr lang="sv-SE" sz="3200" dirty="0" err="1"/>
+              <a:t>known</a:t>
+            </a:r>
+            <a:r>
+              <a:rPr lang="sv-SE" sz="3200" dirty="0"/>
+              <a:t> </a:t>
+            </a:r>
+            <a:r>
+              <a:rPr lang="sv-SE" sz="3200" dirty="0" err="1"/>
+              <a:t>member</a:t>
+            </a:r>
+            <a:r>
+              <a:rPr lang="sv-SE" sz="3200" dirty="0"/>
+              <a:t> </a:t>
+            </a:r>
+            <a:r>
+              <a:rPr lang="sv-SE" sz="3200" dirty="0" err="1"/>
+              <a:t>names</a:t>
+            </a:r>
+            <a:r>
+              <a:rPr lang="sv-SE" sz="3200" dirty="0"/>
+              <a:t> </a:t>
+            </a:r>
+            <a:r>
+              <a:rPr lang="sv-SE" sz="3200" dirty="0" err="1"/>
+              <a:t>will</a:t>
+            </a:r>
+            <a:r>
+              <a:rPr lang="sv-SE" sz="3200" dirty="0"/>
+              <a:t> </a:t>
+            </a:r>
+            <a:r>
+              <a:rPr lang="sv-SE" sz="3200" dirty="0" err="1"/>
+              <a:t>have</a:t>
+            </a:r>
+            <a:r>
+              <a:rPr lang="sv-SE" sz="3200" dirty="0"/>
+              <a:t> </a:t>
+            </a:r>
+            <a:r>
+              <a:rPr lang="sv-SE" sz="3200" dirty="0" err="1"/>
+              <a:t>its</a:t>
+            </a:r>
+            <a:r>
+              <a:rPr lang="sv-SE" sz="3200" dirty="0"/>
+              <a:t> </a:t>
+            </a:r>
+            <a:r>
+              <a:rPr lang="sv-SE" sz="3200" dirty="0" err="1"/>
+              <a:t>declared</a:t>
+            </a:r>
+            <a:r>
+              <a:rPr lang="sv-SE" sz="3200" dirty="0"/>
+              <a:t> kind for all </a:t>
+            </a:r>
+            <a:r>
+              <a:rPr lang="sv-SE" sz="3200" dirty="0" err="1"/>
+              <a:t>specializations</a:t>
+            </a:r>
+            <a:r>
+              <a:rPr lang="sv-SE" sz="3200" dirty="0"/>
+              <a:t>.</a:t>
             </a:r>
           </a:p>
         </p:txBody>
@@ -7066,12 +7151,28 @@
           <a:lstStyle/>
           <a:p>
             <a:r>
+              <a:rPr lang="sv-SE" sz="4000" dirty="0" err="1">
+                <a:solidFill>
+                  <a:srgbClr val="FFFFFF"/>
+                </a:solidFill>
+              </a:rPr>
+              <a:t>Canonical</a:t>
+            </a:r>
+            <a:r>
               <a:rPr lang="sv-SE" sz="4000" dirty="0">
                 <a:solidFill>
                   <a:srgbClr val="FFFFFF"/>
                 </a:solidFill>
               </a:rPr>
-              <a:t>Alternatives</a:t>
+              <a:t> </a:t>
+            </a:r>
+            <a:r>
+              <a:rPr lang="sv-SE" sz="4000" dirty="0" err="1">
+                <a:solidFill>
+                  <a:srgbClr val="FFFFFF"/>
+                </a:solidFill>
+              </a:rPr>
+              <a:t>example</a:t>
             </a:r>
             <a:endParaRPr lang="LID4096" sz="4000" dirty="0">
               <a:solidFill>
@@ -7105,276 +7206,955 @@
         </p:spPr>
         <p:txBody>
           <a:bodyPr anchor="ctr">
-            <a:normAutofit/>
+            <a:noAutofit/>
           </a:bodyPr>
           <a:lstStyle/>
           <a:p>
-            <a:r>
-              <a:rPr lang="sv-SE" sz="3200" dirty="0"/>
-              <a:t>Just ask </a:t>
-            </a:r>
-            <a:r>
-              <a:rPr lang="sv-SE" sz="3200" dirty="0" err="1"/>
-              <a:t>compiler</a:t>
-            </a:r>
-            <a:r>
-              <a:rPr lang="sv-SE" sz="3200" dirty="0"/>
+            <a:pPr marL="0" marR="0" lvl="0" indent="0" algn="l" defTabSz="914400" rtl="0" eaLnBrk="1" fontAlgn="auto" latinLnBrk="0" hangingPunct="1">
+              <a:lnSpc>
+                <a:spcPct val="90000"/>
+              </a:lnSpc>
+              <a:spcBef>
+                <a:spcPts val="1000"/>
+              </a:spcBef>
+              <a:spcAft>
+                <a:spcPts val="0"/>
+              </a:spcAft>
+              <a:buClrTx/>
+              <a:buSzTx/>
+              <a:buFont typeface="Arial" panose="020B0604020202020204" pitchFamily="34" charset="0"/>
+              <a:buNone/>
+              <a:tabLst/>
+              <a:defRPr/>
+            </a:pPr>
+            <a:r>
+              <a:rPr kumimoji="0" lang="sv-SE" sz="1600" b="0" i="0" u="none" strike="noStrike" kern="1200" cap="none" spc="0" normalizeH="0" baseline="0" noProof="0" dirty="0">
+                <a:ln>
+                  <a:noFill/>
+                </a:ln>
+                <a:solidFill>
+                  <a:prstClr val="black"/>
+                </a:solidFill>
+                <a:effectLst/>
+                <a:uLnTx/>
+                <a:uFillTx/>
+                <a:latin typeface="Arial" panose="020B0604020202020204" pitchFamily="34" charset="0"/>
+                <a:ea typeface="+mn-ea"/>
+                <a:cs typeface="Arial" panose="020B0604020202020204" pitchFamily="34" charset="0"/>
+              </a:rPr>
+              <a:t>#include&lt;vector&gt;</a:t>
+            </a:r>
+          </a:p>
+          <a:p>
+            <a:pPr marL="0" marR="0" lvl="0" indent="0" algn="l" defTabSz="914400" rtl="0" eaLnBrk="1" fontAlgn="auto" latinLnBrk="0" hangingPunct="1">
+              <a:lnSpc>
+                <a:spcPct val="90000"/>
+              </a:lnSpc>
+              <a:spcBef>
+                <a:spcPts val="1000"/>
+              </a:spcBef>
+              <a:spcAft>
+                <a:spcPts val="0"/>
+              </a:spcAft>
+              <a:buClrTx/>
+              <a:buSzTx/>
+              <a:buFont typeface="Arial" panose="020B0604020202020204" pitchFamily="34" charset="0"/>
+              <a:buNone/>
+              <a:tabLst/>
+              <a:defRPr/>
+            </a:pPr>
+            <a:r>
+              <a:rPr kumimoji="0" lang="sv-SE" sz="1600" b="0" i="0" u="none" strike="noStrike" kern="1200" cap="none" spc="0" normalizeH="0" baseline="0" noProof="0" dirty="0">
+                <a:ln>
+                  <a:noFill/>
+                </a:ln>
+                <a:solidFill>
+                  <a:prstClr val="black"/>
+                </a:solidFill>
+                <a:effectLst/>
+                <a:uLnTx/>
+                <a:uFillTx/>
+                <a:latin typeface="Arial" panose="020B0604020202020204" pitchFamily="34" charset="0"/>
+                <a:ea typeface="+mn-ea"/>
+                <a:cs typeface="Arial" panose="020B0604020202020204" pitchFamily="34" charset="0"/>
+              </a:rPr>
+              <a:t>template&lt;</a:t>
+            </a:r>
+            <a:r>
+              <a:rPr kumimoji="0" lang="sv-SE" sz="1600" b="0" i="0" u="none" strike="noStrike" kern="1200" cap="none" spc="0" normalizeH="0" baseline="0" noProof="0" dirty="0" err="1">
+                <a:ln>
+                  <a:noFill/>
+                </a:ln>
+                <a:solidFill>
+                  <a:prstClr val="black"/>
+                </a:solidFill>
+                <a:effectLst/>
+                <a:uLnTx/>
+                <a:uFillTx/>
+                <a:latin typeface="Arial" panose="020B0604020202020204" pitchFamily="34" charset="0"/>
+                <a:ea typeface="+mn-ea"/>
+                <a:cs typeface="Arial" panose="020B0604020202020204" pitchFamily="34" charset="0"/>
+              </a:rPr>
+              <a:t>typename</a:t>
+            </a:r>
+            <a:r>
+              <a:rPr kumimoji="0" lang="sv-SE" sz="1600" b="0" i="0" u="none" strike="noStrike" kern="1200" cap="none" spc="0" normalizeH="0" baseline="0" noProof="0" dirty="0">
+                <a:ln>
+                  <a:noFill/>
+                </a:ln>
+                <a:solidFill>
+                  <a:prstClr val="black"/>
+                </a:solidFill>
+                <a:effectLst/>
+                <a:uLnTx/>
+                <a:uFillTx/>
+                <a:latin typeface="Arial" panose="020B0604020202020204" pitchFamily="34" charset="0"/>
+                <a:ea typeface="+mn-ea"/>
+                <a:cs typeface="Arial" panose="020B0604020202020204" pitchFamily="34" charset="0"/>
+              </a:rPr>
+              <a:t> T&gt; </a:t>
+            </a:r>
+            <a:r>
+              <a:rPr kumimoji="0" lang="sv-SE" sz="1600" b="0" i="0" u="none" strike="noStrike" kern="1200" cap="none" spc="0" normalizeH="0" baseline="0" noProof="0" dirty="0" err="1">
+                <a:ln>
+                  <a:noFill/>
+                </a:ln>
+                <a:solidFill>
+                  <a:prstClr val="black"/>
+                </a:solidFill>
+                <a:effectLst/>
+                <a:uLnTx/>
+                <a:uFillTx/>
+                <a:latin typeface="Arial" panose="020B0604020202020204" pitchFamily="34" charset="0"/>
+                <a:ea typeface="+mn-ea"/>
+                <a:cs typeface="Arial" panose="020B0604020202020204" pitchFamily="34" charset="0"/>
+              </a:rPr>
+              <a:t>void</a:t>
+            </a:r>
+            <a:r>
+              <a:rPr kumimoji="0" lang="sv-SE" sz="1600" b="0" i="0" u="none" strike="noStrike" kern="1200" cap="none" spc="0" normalizeH="0" baseline="0" noProof="0" dirty="0">
+                <a:ln>
+                  <a:noFill/>
+                </a:ln>
+                <a:solidFill>
+                  <a:prstClr val="black"/>
+                </a:solidFill>
+                <a:effectLst/>
+                <a:uLnTx/>
+                <a:uFillTx/>
+                <a:latin typeface="Arial" panose="020B0604020202020204" pitchFamily="34" charset="0"/>
+                <a:ea typeface="+mn-ea"/>
+                <a:cs typeface="Arial" panose="020B0604020202020204" pitchFamily="34" charset="0"/>
+              </a:rPr>
               <a:t> </a:t>
             </a:r>
             <a:r>
-              <a:rPr lang="sv-SE" sz="3200" dirty="0" err="1"/>
-              <a:t>vendors</a:t>
-            </a:r>
-            <a:r>
-              <a:rPr lang="sv-SE" sz="3200" dirty="0"/>
-              <a:t> to </a:t>
-            </a:r>
-            <a:r>
-              <a:rPr lang="sv-SE" sz="3200" dirty="0" err="1"/>
-              <a:t>issue</a:t>
-            </a:r>
-            <a:r>
-              <a:rPr lang="sv-SE" sz="3200" dirty="0"/>
+              <a:rPr kumimoji="0" lang="sv-SE" sz="1600" b="0" i="0" u="none" strike="noStrike" kern="1200" cap="none" spc="0" normalizeH="0" baseline="0" noProof="0" dirty="0" err="1">
+                <a:ln>
+                  <a:noFill/>
+                </a:ln>
+                <a:solidFill>
+                  <a:prstClr val="black"/>
+                </a:solidFill>
+                <a:effectLst/>
+                <a:uLnTx/>
+                <a:uFillTx/>
+                <a:latin typeface="Arial" panose="020B0604020202020204" pitchFamily="34" charset="0"/>
+                <a:ea typeface="+mn-ea"/>
+                <a:cs typeface="Arial" panose="020B0604020202020204" pitchFamily="34" charset="0"/>
+              </a:rPr>
+              <a:t>foo</a:t>
+            </a:r>
+            <a:r>
+              <a:rPr kumimoji="0" lang="sv-SE" sz="1600" b="0" i="0" u="none" strike="noStrike" kern="1200" cap="none" spc="0" normalizeH="0" baseline="0" noProof="0" dirty="0">
+                <a:ln>
+                  <a:noFill/>
+                </a:ln>
+                <a:solidFill>
+                  <a:prstClr val="black"/>
+                </a:solidFill>
+                <a:effectLst/>
+                <a:uLnTx/>
+                <a:uFillTx/>
+                <a:latin typeface="Arial" panose="020B0604020202020204" pitchFamily="34" charset="0"/>
+                <a:ea typeface="+mn-ea"/>
+                <a:cs typeface="Arial" panose="020B0604020202020204" pitchFamily="34" charset="0"/>
+              </a:rPr>
+              <a:t>(</a:t>
+            </a:r>
+            <a:r>
+              <a:rPr kumimoji="0" lang="sv-SE" sz="1600" b="0" i="0" u="none" strike="noStrike" kern="1200" cap="none" spc="0" normalizeH="0" baseline="0" noProof="0" dirty="0" err="1">
+                <a:ln>
+                  <a:noFill/>
+                </a:ln>
+                <a:solidFill>
+                  <a:prstClr val="black"/>
+                </a:solidFill>
+                <a:effectLst/>
+                <a:uLnTx/>
+                <a:uFillTx/>
+                <a:latin typeface="Arial" panose="020B0604020202020204" pitchFamily="34" charset="0"/>
+                <a:ea typeface="+mn-ea"/>
+                <a:cs typeface="Arial" panose="020B0604020202020204" pitchFamily="34" charset="0"/>
+              </a:rPr>
+              <a:t>std</a:t>
+            </a:r>
+            <a:r>
+              <a:rPr kumimoji="0" lang="sv-SE" sz="1600" b="0" i="0" u="none" strike="noStrike" kern="1200" cap="none" spc="0" normalizeH="0" baseline="0" noProof="0" dirty="0">
+                <a:ln>
+                  <a:noFill/>
+                </a:ln>
+                <a:solidFill>
+                  <a:prstClr val="black"/>
+                </a:solidFill>
+                <a:effectLst/>
+                <a:uLnTx/>
+                <a:uFillTx/>
+                <a:latin typeface="Arial" panose="020B0604020202020204" pitchFamily="34" charset="0"/>
+                <a:ea typeface="+mn-ea"/>
+                <a:cs typeface="Arial" panose="020B0604020202020204" pitchFamily="34" charset="0"/>
+              </a:rPr>
+              <a:t>::</a:t>
+            </a:r>
+            <a:r>
+              <a:rPr kumimoji="0" lang="sv-SE" sz="1600" b="0" i="0" u="none" strike="noStrike" kern="1200" cap="none" spc="0" normalizeH="0" baseline="0" noProof="0" dirty="0" err="1">
+                <a:ln>
+                  <a:noFill/>
+                </a:ln>
+                <a:solidFill>
+                  <a:prstClr val="black"/>
+                </a:solidFill>
+                <a:effectLst/>
+                <a:uLnTx/>
+                <a:uFillTx/>
+                <a:latin typeface="Arial" panose="020B0604020202020204" pitchFamily="34" charset="0"/>
+                <a:ea typeface="+mn-ea"/>
+                <a:cs typeface="Arial" panose="020B0604020202020204" pitchFamily="34" charset="0"/>
+              </a:rPr>
+              <a:t>vector</a:t>
+            </a:r>
+            <a:r>
+              <a:rPr kumimoji="0" lang="sv-SE" sz="1600" b="0" i="0" u="none" strike="noStrike" kern="1200" cap="none" spc="0" normalizeH="0" baseline="0" noProof="0" dirty="0">
+                <a:ln>
+                  <a:noFill/>
+                </a:ln>
+                <a:solidFill>
+                  <a:prstClr val="black"/>
+                </a:solidFill>
+                <a:effectLst/>
+                <a:uLnTx/>
+                <a:uFillTx/>
+                <a:latin typeface="Arial" panose="020B0604020202020204" pitchFamily="34" charset="0"/>
+                <a:ea typeface="+mn-ea"/>
+                <a:cs typeface="Arial" panose="020B0604020202020204" pitchFamily="34" charset="0"/>
+              </a:rPr>
+              <a:t>&lt;T&gt; v)</a:t>
+            </a:r>
+            <a:br>
+              <a:rPr kumimoji="0" lang="sv-SE" sz="1600" b="0" i="0" u="none" strike="noStrike" kern="1200" cap="none" spc="0" normalizeH="0" baseline="0" noProof="0" dirty="0">
+                <a:ln>
+                  <a:noFill/>
+                </a:ln>
+                <a:solidFill>
+                  <a:prstClr val="black"/>
+                </a:solidFill>
+                <a:effectLst/>
+                <a:uLnTx/>
+                <a:uFillTx/>
+                <a:latin typeface="Arial" panose="020B0604020202020204" pitchFamily="34" charset="0"/>
+                <a:ea typeface="+mn-ea"/>
+                <a:cs typeface="Arial" panose="020B0604020202020204" pitchFamily="34" charset="0"/>
+              </a:rPr>
+            </a:br>
+            <a:r>
+              <a:rPr kumimoji="0" lang="sv-SE" sz="1600" b="0" i="0" u="none" strike="noStrike" kern="1200" cap="none" spc="0" normalizeH="0" baseline="0" noProof="0" dirty="0">
+                <a:ln>
+                  <a:noFill/>
+                </a:ln>
+                <a:solidFill>
+                  <a:prstClr val="black"/>
+                </a:solidFill>
+                <a:effectLst/>
+                <a:uLnTx/>
+                <a:uFillTx/>
+                <a:latin typeface="Arial" panose="020B0604020202020204" pitchFamily="34" charset="0"/>
+                <a:ea typeface="+mn-ea"/>
+                <a:cs typeface="Arial" panose="020B0604020202020204" pitchFamily="34" charset="0"/>
+              </a:rPr>
+              <a:t>{</a:t>
+            </a:r>
+            <a:br>
+              <a:rPr kumimoji="0" lang="sv-SE" sz="1600" b="0" i="0" u="none" strike="noStrike" kern="1200" cap="none" spc="0" normalizeH="0" baseline="0" noProof="0" dirty="0">
+                <a:ln>
+                  <a:noFill/>
+                </a:ln>
+                <a:solidFill>
+                  <a:prstClr val="black"/>
+                </a:solidFill>
+                <a:effectLst/>
+                <a:uLnTx/>
+                <a:uFillTx/>
+                <a:latin typeface="Arial" panose="020B0604020202020204" pitchFamily="34" charset="0"/>
+                <a:ea typeface="+mn-ea"/>
+                <a:cs typeface="Arial" panose="020B0604020202020204" pitchFamily="34" charset="0"/>
+              </a:rPr>
+            </a:br>
+            <a:r>
+              <a:rPr kumimoji="0" lang="sv-SE" sz="1600" b="0" i="0" u="none" strike="noStrike" kern="1200" cap="none" spc="0" normalizeH="0" baseline="0" noProof="0" dirty="0">
+                <a:ln>
+                  <a:noFill/>
+                </a:ln>
+                <a:solidFill>
+                  <a:prstClr val="black"/>
+                </a:solidFill>
+                <a:effectLst/>
+                <a:uLnTx/>
+                <a:uFillTx/>
+                <a:latin typeface="Arial" panose="020B0604020202020204" pitchFamily="34" charset="0"/>
+                <a:ea typeface="+mn-ea"/>
+                <a:cs typeface="Arial" panose="020B0604020202020204" pitchFamily="34" charset="0"/>
+              </a:rPr>
+              <a:t>    </a:t>
+            </a:r>
+            <a:r>
+              <a:rPr kumimoji="0" lang="sv-SE" sz="1600" b="1" i="0" u="none" strike="sngStrike" kern="1200" cap="none" spc="0" normalizeH="0" baseline="0" noProof="0" dirty="0" err="1">
+                <a:ln>
+                  <a:noFill/>
+                </a:ln>
+                <a:solidFill>
+                  <a:prstClr val="black"/>
+                </a:solidFill>
+                <a:effectLst/>
+                <a:uLnTx/>
+                <a:uFillTx/>
+                <a:latin typeface="Arial" panose="020B0604020202020204" pitchFamily="34" charset="0"/>
+                <a:ea typeface="+mn-ea"/>
+                <a:cs typeface="Arial" panose="020B0604020202020204" pitchFamily="34" charset="0"/>
+              </a:rPr>
+              <a:t>typename</a:t>
+            </a:r>
+            <a:r>
+              <a:rPr kumimoji="0" lang="sv-SE" sz="1600" b="1" i="0" u="none" strike="sngStrike" kern="1200" cap="none" spc="0" normalizeH="0" baseline="0" noProof="0" dirty="0">
+                <a:ln>
+                  <a:noFill/>
+                </a:ln>
+                <a:solidFill>
+                  <a:prstClr val="black"/>
+                </a:solidFill>
+                <a:effectLst/>
+                <a:uLnTx/>
+                <a:uFillTx/>
+                <a:latin typeface="Arial" panose="020B0604020202020204" pitchFamily="34" charset="0"/>
+                <a:ea typeface="+mn-ea"/>
+                <a:cs typeface="Arial" panose="020B0604020202020204" pitchFamily="34" charset="0"/>
+              </a:rPr>
               <a:t> </a:t>
             </a:r>
             <a:r>
-              <a:rPr lang="sv-SE" sz="3200" dirty="0" err="1"/>
-              <a:t>warnings</a:t>
-            </a:r>
-            <a:r>
-              <a:rPr lang="sv-SE" sz="3200" dirty="0"/>
-              <a:t> ASAP.</a:t>
-            </a:r>
-          </a:p>
-          <a:p>
-            <a:r>
-              <a:rPr lang="sv-SE" sz="3200" dirty="0" err="1"/>
-              <a:t>Forbid</a:t>
-            </a:r>
-            <a:r>
-              <a:rPr lang="sv-SE" sz="3200" dirty="0"/>
-              <a:t> kind </a:t>
-            </a:r>
-            <a:r>
-              <a:rPr lang="sv-SE" sz="3200" dirty="0" err="1"/>
-              <a:t>change</a:t>
-            </a:r>
-            <a:r>
-              <a:rPr lang="sv-SE" sz="3200" dirty="0"/>
+              <a:rPr kumimoji="0" lang="sv-SE" sz="1600" b="0" i="0" u="none" strike="noStrike" kern="1200" cap="none" spc="0" normalizeH="0" baseline="0" noProof="0" dirty="0" err="1">
+                <a:ln>
+                  <a:noFill/>
+                </a:ln>
+                <a:solidFill>
+                  <a:prstClr val="black"/>
+                </a:solidFill>
+                <a:effectLst/>
+                <a:uLnTx/>
+                <a:uFillTx/>
+                <a:latin typeface="Arial" panose="020B0604020202020204" pitchFamily="34" charset="0"/>
+                <a:ea typeface="+mn-ea"/>
+                <a:cs typeface="Arial" panose="020B0604020202020204" pitchFamily="34" charset="0"/>
+              </a:rPr>
+              <a:t>std</a:t>
+            </a:r>
+            <a:r>
+              <a:rPr kumimoji="0" lang="sv-SE" sz="1600" b="0" i="0" u="none" strike="noStrike" kern="1200" cap="none" spc="0" normalizeH="0" baseline="0" noProof="0" dirty="0">
+                <a:ln>
+                  <a:noFill/>
+                </a:ln>
+                <a:solidFill>
+                  <a:prstClr val="black"/>
+                </a:solidFill>
+                <a:effectLst/>
+                <a:uLnTx/>
+                <a:uFillTx/>
+                <a:latin typeface="Arial" panose="020B0604020202020204" pitchFamily="34" charset="0"/>
+                <a:ea typeface="+mn-ea"/>
+                <a:cs typeface="Arial" panose="020B0604020202020204" pitchFamily="34" charset="0"/>
+              </a:rPr>
+              <a:t>::</a:t>
+            </a:r>
+            <a:r>
+              <a:rPr kumimoji="0" lang="sv-SE" sz="1600" b="0" i="0" u="none" strike="noStrike" kern="1200" cap="none" spc="0" normalizeH="0" baseline="0" noProof="0" dirty="0" err="1">
+                <a:ln>
+                  <a:noFill/>
+                </a:ln>
+                <a:solidFill>
+                  <a:prstClr val="black"/>
+                </a:solidFill>
+                <a:effectLst/>
+                <a:uLnTx/>
+                <a:uFillTx/>
+                <a:latin typeface="Arial" panose="020B0604020202020204" pitchFamily="34" charset="0"/>
+                <a:ea typeface="+mn-ea"/>
+                <a:cs typeface="Arial" panose="020B0604020202020204" pitchFamily="34" charset="0"/>
+              </a:rPr>
+              <a:t>vector</a:t>
+            </a:r>
+            <a:r>
+              <a:rPr kumimoji="0" lang="sv-SE" sz="1600" b="0" i="0" u="none" strike="noStrike" kern="1200" cap="none" spc="0" normalizeH="0" baseline="0" noProof="0" dirty="0">
+                <a:ln>
+                  <a:noFill/>
+                </a:ln>
+                <a:solidFill>
+                  <a:prstClr val="black"/>
+                </a:solidFill>
+                <a:effectLst/>
+                <a:uLnTx/>
+                <a:uFillTx/>
+                <a:latin typeface="Arial" panose="020B0604020202020204" pitchFamily="34" charset="0"/>
+                <a:ea typeface="+mn-ea"/>
+                <a:cs typeface="Arial" panose="020B0604020202020204" pitchFamily="34" charset="0"/>
+              </a:rPr>
+              <a:t>&lt;T&gt;::</a:t>
+            </a:r>
+            <a:r>
+              <a:rPr kumimoji="0" lang="sv-SE" sz="1600" b="0" i="0" u="none" strike="noStrike" kern="1200" cap="none" spc="0" normalizeH="0" baseline="0" noProof="0" dirty="0" err="1">
+                <a:ln>
+                  <a:noFill/>
+                </a:ln>
+                <a:solidFill>
+                  <a:prstClr val="black"/>
+                </a:solidFill>
+                <a:effectLst/>
+                <a:uLnTx/>
+                <a:uFillTx/>
+                <a:latin typeface="Arial" panose="020B0604020202020204" pitchFamily="34" charset="0"/>
+                <a:ea typeface="+mn-ea"/>
+                <a:cs typeface="Arial" panose="020B0604020202020204" pitchFamily="34" charset="0"/>
+              </a:rPr>
+              <a:t>iterator</a:t>
+            </a:r>
+            <a:r>
+              <a:rPr kumimoji="0" lang="sv-SE" sz="1600" b="0" i="0" u="none" strike="noStrike" kern="1200" cap="none" spc="0" normalizeH="0" baseline="0" noProof="0" dirty="0">
+                <a:ln>
+                  <a:noFill/>
+                </a:ln>
+                <a:solidFill>
+                  <a:prstClr val="black"/>
+                </a:solidFill>
+                <a:effectLst/>
+                <a:uLnTx/>
+                <a:uFillTx/>
+                <a:latin typeface="Arial" panose="020B0604020202020204" pitchFamily="34" charset="0"/>
+                <a:ea typeface="+mn-ea"/>
+                <a:cs typeface="Arial" panose="020B0604020202020204" pitchFamily="34" charset="0"/>
+              </a:rPr>
               <a:t> </a:t>
             </a:r>
             <a:r>
-              <a:rPr lang="sv-SE" sz="3200" dirty="0" err="1"/>
-              <a:t>directly</a:t>
-            </a:r>
-            <a:r>
-              <a:rPr lang="sv-SE" sz="3200" dirty="0"/>
-              <a:t> in C++26.</a:t>
-            </a:r>
-          </a:p>
-          <a:p>
-            <a:pPr marL="0" indent="0">
+              <a:rPr kumimoji="0" lang="sv-SE" sz="1600" b="0" i="0" u="none" strike="noStrike" kern="1200" cap="none" spc="0" normalizeH="0" baseline="0" noProof="0" dirty="0" err="1">
+                <a:ln>
+                  <a:noFill/>
+                </a:ln>
+                <a:solidFill>
+                  <a:prstClr val="black"/>
+                </a:solidFill>
+                <a:effectLst/>
+                <a:uLnTx/>
+                <a:uFillTx/>
+                <a:latin typeface="Arial" panose="020B0604020202020204" pitchFamily="34" charset="0"/>
+                <a:ea typeface="+mn-ea"/>
+                <a:cs typeface="Arial" panose="020B0604020202020204" pitchFamily="34" charset="0"/>
+              </a:rPr>
+              <a:t>iter</a:t>
+            </a:r>
+            <a:r>
+              <a:rPr kumimoji="0" lang="sv-SE" sz="1600" b="0" i="0" u="none" strike="noStrike" kern="1200" cap="none" spc="0" normalizeH="0" baseline="0" noProof="0" dirty="0">
+                <a:ln>
+                  <a:noFill/>
+                </a:ln>
+                <a:solidFill>
+                  <a:prstClr val="black"/>
+                </a:solidFill>
+                <a:effectLst/>
+                <a:uLnTx/>
+                <a:uFillTx/>
+                <a:latin typeface="Arial" panose="020B0604020202020204" pitchFamily="34" charset="0"/>
+                <a:ea typeface="+mn-ea"/>
+                <a:cs typeface="Arial" panose="020B0604020202020204" pitchFamily="34" charset="0"/>
+              </a:rPr>
+              <a:t> = </a:t>
+            </a:r>
+            <a:r>
+              <a:rPr kumimoji="0" lang="sv-SE" sz="1600" b="0" i="0" u="none" strike="noStrike" kern="1200" cap="none" spc="0" normalizeH="0" baseline="0" noProof="0" dirty="0" err="1">
+                <a:ln>
+                  <a:noFill/>
+                </a:ln>
+                <a:solidFill>
+                  <a:prstClr val="black"/>
+                </a:solidFill>
+                <a:effectLst/>
+                <a:uLnTx/>
+                <a:uFillTx/>
+                <a:latin typeface="Arial" panose="020B0604020202020204" pitchFamily="34" charset="0"/>
+                <a:ea typeface="+mn-ea"/>
+                <a:cs typeface="Arial" panose="020B0604020202020204" pitchFamily="34" charset="0"/>
+              </a:rPr>
+              <a:t>v.begin</a:t>
+            </a:r>
+            <a:r>
+              <a:rPr kumimoji="0" lang="sv-SE" sz="1600" b="0" i="0" u="none" strike="noStrike" kern="1200" cap="none" spc="0" normalizeH="0" baseline="0" noProof="0" dirty="0">
+                <a:ln>
+                  <a:noFill/>
+                </a:ln>
+                <a:solidFill>
+                  <a:prstClr val="black"/>
+                </a:solidFill>
+                <a:effectLst/>
+                <a:uLnTx/>
+                <a:uFillTx/>
+                <a:latin typeface="Arial" panose="020B0604020202020204" pitchFamily="34" charset="0"/>
+                <a:ea typeface="+mn-ea"/>
+                <a:cs typeface="Arial" panose="020B0604020202020204" pitchFamily="34" charset="0"/>
+              </a:rPr>
+              <a:t>(); </a:t>
+            </a:r>
+            <a:br>
+              <a:rPr kumimoji="0" lang="sv-SE" sz="1600" b="0" i="0" u="none" strike="noStrike" kern="1200" cap="none" spc="0" normalizeH="0" baseline="0" noProof="0" dirty="0">
+                <a:ln>
+                  <a:noFill/>
+                </a:ln>
+                <a:solidFill>
+                  <a:prstClr val="black"/>
+                </a:solidFill>
+                <a:effectLst/>
+                <a:uLnTx/>
+                <a:uFillTx/>
+                <a:latin typeface="Arial" panose="020B0604020202020204" pitchFamily="34" charset="0"/>
+                <a:ea typeface="+mn-ea"/>
+                <a:cs typeface="Arial" panose="020B0604020202020204" pitchFamily="34" charset="0"/>
+              </a:rPr>
+            </a:br>
+            <a:r>
+              <a:rPr lang="sv-SE" sz="1600" dirty="0">
+                <a:solidFill>
+                  <a:prstClr val="black"/>
+                </a:solidFill>
+                <a:latin typeface="Arial" panose="020B0604020202020204" pitchFamily="34" charset="0"/>
+                <a:cs typeface="Arial" panose="020B0604020202020204" pitchFamily="34" charset="0"/>
+              </a:rPr>
+              <a:t>}</a:t>
+            </a:r>
+          </a:p>
+          <a:p>
+            <a:pPr marL="0" marR="0" lvl="0" indent="0" algn="l" defTabSz="914400" rtl="0" eaLnBrk="1" fontAlgn="auto" latinLnBrk="0" hangingPunct="1">
+              <a:lnSpc>
+                <a:spcPct val="90000"/>
+              </a:lnSpc>
+              <a:spcBef>
+                <a:spcPts val="1000"/>
+              </a:spcBef>
+              <a:spcAft>
+                <a:spcPts val="0"/>
+              </a:spcAft>
+              <a:buClrTx/>
+              <a:buSzTx/>
+              <a:buFont typeface="Arial" panose="020B0604020202020204" pitchFamily="34" charset="0"/>
               <a:buNone/>
+              <a:tabLst/>
+              <a:defRPr/>
             </a:pPr>
-            <a:r>
-              <a:rPr lang="sv-SE" sz="3200" u="sng" dirty="0"/>
-              <a:t>Alternative approach (not in P2669R0)</a:t>
-            </a:r>
-          </a:p>
-          <a:p>
-            <a:r>
-              <a:rPr lang="sv-SE" sz="3200" dirty="0" err="1"/>
-              <a:t>Don’t</a:t>
-            </a:r>
-            <a:r>
-              <a:rPr lang="sv-SE" sz="3200" dirty="0"/>
+            <a:endParaRPr kumimoji="0" lang="sv-SE" sz="1600" b="0" i="0" u="none" strike="noStrike" kern="1200" cap="none" spc="0" normalizeH="0" baseline="0" noProof="0" dirty="0">
+              <a:ln>
+                <a:noFill/>
+              </a:ln>
+              <a:solidFill>
+                <a:prstClr val="black"/>
+              </a:solidFill>
+              <a:effectLst/>
+              <a:uLnTx/>
+              <a:uFillTx/>
+              <a:latin typeface="Arial" panose="020B0604020202020204" pitchFamily="34" charset="0"/>
+              <a:ea typeface="+mn-ea"/>
+              <a:cs typeface="Arial" panose="020B0604020202020204" pitchFamily="34" charset="0"/>
+            </a:endParaRPr>
+          </a:p>
+          <a:p>
+            <a:pPr marL="0" marR="0" lvl="0" indent="0" algn="l" defTabSz="914400" rtl="0" eaLnBrk="1" fontAlgn="auto" latinLnBrk="0" hangingPunct="1">
+              <a:lnSpc>
+                <a:spcPct val="90000"/>
+              </a:lnSpc>
+              <a:spcBef>
+                <a:spcPts val="1000"/>
+              </a:spcBef>
+              <a:spcAft>
+                <a:spcPts val="0"/>
+              </a:spcAft>
+              <a:buClrTx/>
+              <a:buSzTx/>
+              <a:buFont typeface="Arial" panose="020B0604020202020204" pitchFamily="34" charset="0"/>
+              <a:buNone/>
+              <a:tabLst/>
+              <a:defRPr/>
+            </a:pPr>
+            <a:r>
+              <a:rPr lang="sv-SE" sz="1600" dirty="0">
+                <a:solidFill>
+                  <a:prstClr val="black"/>
+                </a:solidFill>
+                <a:latin typeface="Arial" panose="020B0604020202020204" pitchFamily="34" charset="0"/>
+                <a:cs typeface="Arial" panose="020B0604020202020204" pitchFamily="34" charset="0"/>
+              </a:rPr>
+              <a:t>template&lt;</a:t>
+            </a:r>
+            <a:r>
+              <a:rPr lang="sv-SE" sz="1600" dirty="0" err="1">
+                <a:solidFill>
+                  <a:prstClr val="black"/>
+                </a:solidFill>
+                <a:latin typeface="Arial" panose="020B0604020202020204" pitchFamily="34" charset="0"/>
+                <a:cs typeface="Arial" panose="020B0604020202020204" pitchFamily="34" charset="0"/>
+              </a:rPr>
+              <a:t>typename</a:t>
+            </a:r>
+            <a:r>
+              <a:rPr lang="sv-SE" sz="1600" dirty="0">
+                <a:solidFill>
+                  <a:prstClr val="black"/>
+                </a:solidFill>
+                <a:latin typeface="Arial" panose="020B0604020202020204" pitchFamily="34" charset="0"/>
+                <a:cs typeface="Arial" panose="020B0604020202020204" pitchFamily="34" charset="0"/>
+              </a:rPr>
+              <a:t> T&gt; </a:t>
+            </a:r>
+            <a:r>
+              <a:rPr lang="sv-SE" sz="1600" dirty="0" err="1">
+                <a:solidFill>
+                  <a:prstClr val="black"/>
+                </a:solidFill>
+                <a:latin typeface="Arial" panose="020B0604020202020204" pitchFamily="34" charset="0"/>
+                <a:cs typeface="Arial" panose="020B0604020202020204" pitchFamily="34" charset="0"/>
+              </a:rPr>
+              <a:t>void</a:t>
+            </a:r>
+            <a:r>
+              <a:rPr lang="sv-SE" sz="1600" dirty="0">
+                <a:solidFill>
+                  <a:prstClr val="black"/>
+                </a:solidFill>
+                <a:latin typeface="Arial" panose="020B0604020202020204" pitchFamily="34" charset="0"/>
+                <a:cs typeface="Arial" panose="020B0604020202020204" pitchFamily="34" charset="0"/>
+              </a:rPr>
               <a:t> </a:t>
             </a:r>
             <a:r>
-              <a:rPr lang="sv-SE" sz="3200" dirty="0" err="1"/>
-              <a:t>forbid</a:t>
-            </a:r>
-            <a:r>
-              <a:rPr lang="sv-SE" sz="3200" dirty="0"/>
+              <a:rPr lang="sv-SE" sz="1600" dirty="0" err="1">
+                <a:solidFill>
+                  <a:prstClr val="black"/>
+                </a:solidFill>
+                <a:latin typeface="Arial" panose="020B0604020202020204" pitchFamily="34" charset="0"/>
+                <a:cs typeface="Arial" panose="020B0604020202020204" pitchFamily="34" charset="0"/>
+              </a:rPr>
+              <a:t>printIterator</a:t>
+            </a:r>
+            <a:r>
+              <a:rPr lang="sv-SE" sz="1600" dirty="0">
+                <a:solidFill>
+                  <a:prstClr val="black"/>
+                </a:solidFill>
+                <a:latin typeface="Arial" panose="020B0604020202020204" pitchFamily="34" charset="0"/>
+                <a:cs typeface="Arial" panose="020B0604020202020204" pitchFamily="34" charset="0"/>
+              </a:rPr>
+              <a:t>()</a:t>
+            </a:r>
+            <a:br>
+              <a:rPr lang="sv-SE" sz="1600" dirty="0">
+                <a:solidFill>
+                  <a:prstClr val="black"/>
+                </a:solidFill>
+                <a:latin typeface="Arial" panose="020B0604020202020204" pitchFamily="34" charset="0"/>
+                <a:cs typeface="Arial" panose="020B0604020202020204" pitchFamily="34" charset="0"/>
+              </a:rPr>
+            </a:br>
+            <a:r>
+              <a:rPr lang="sv-SE" sz="1600" dirty="0">
+                <a:solidFill>
+                  <a:prstClr val="black"/>
+                </a:solidFill>
+                <a:latin typeface="Arial" panose="020B0604020202020204" pitchFamily="34" charset="0"/>
+                <a:cs typeface="Arial" panose="020B0604020202020204" pitchFamily="34" charset="0"/>
+              </a:rPr>
+              <a:t>{</a:t>
+            </a:r>
+            <a:br>
+              <a:rPr lang="sv-SE" sz="1600" dirty="0">
+                <a:solidFill>
+                  <a:prstClr val="black"/>
+                </a:solidFill>
+                <a:latin typeface="Arial" panose="020B0604020202020204" pitchFamily="34" charset="0"/>
+                <a:cs typeface="Arial" panose="020B0604020202020204" pitchFamily="34" charset="0"/>
+              </a:rPr>
+            </a:br>
+            <a:r>
+              <a:rPr lang="sv-SE" sz="1600" dirty="0">
+                <a:solidFill>
+                  <a:prstClr val="black"/>
+                </a:solidFill>
+                <a:latin typeface="Arial" panose="020B0604020202020204" pitchFamily="34" charset="0"/>
+                <a:cs typeface="Arial" panose="020B0604020202020204" pitchFamily="34" charset="0"/>
+              </a:rPr>
+              <a:t>    </a:t>
+            </a:r>
+            <a:r>
+              <a:rPr lang="sv-SE" sz="1600" dirty="0" err="1">
+                <a:solidFill>
+                  <a:prstClr val="black"/>
+                </a:solidFill>
+                <a:latin typeface="Arial" panose="020B0604020202020204" pitchFamily="34" charset="0"/>
+                <a:cs typeface="Arial" panose="020B0604020202020204" pitchFamily="34" charset="0"/>
+              </a:rPr>
+              <a:t>std</a:t>
+            </a:r>
+            <a:r>
+              <a:rPr lang="sv-SE" sz="1600" dirty="0">
+                <a:solidFill>
+                  <a:prstClr val="black"/>
+                </a:solidFill>
+                <a:latin typeface="Arial" panose="020B0604020202020204" pitchFamily="34" charset="0"/>
+                <a:cs typeface="Arial" panose="020B0604020202020204" pitchFamily="34" charset="0"/>
+              </a:rPr>
+              <a:t>::</a:t>
+            </a:r>
+            <a:r>
+              <a:rPr lang="sv-SE" sz="1600" dirty="0" err="1">
+                <a:solidFill>
+                  <a:prstClr val="black"/>
+                </a:solidFill>
+                <a:latin typeface="Arial" panose="020B0604020202020204" pitchFamily="34" charset="0"/>
+                <a:cs typeface="Arial" panose="020B0604020202020204" pitchFamily="34" charset="0"/>
+              </a:rPr>
+              <a:t>cout</a:t>
+            </a:r>
+            <a:r>
+              <a:rPr lang="sv-SE" sz="1600" dirty="0">
+                <a:solidFill>
+                  <a:prstClr val="black"/>
+                </a:solidFill>
+                <a:latin typeface="Arial" panose="020B0604020202020204" pitchFamily="34" charset="0"/>
+                <a:cs typeface="Arial" panose="020B0604020202020204" pitchFamily="34" charset="0"/>
+              </a:rPr>
+              <a:t> &lt;&lt; </a:t>
+            </a:r>
+            <a:r>
+              <a:rPr lang="sv-SE" sz="1600" dirty="0" err="1">
+                <a:solidFill>
+                  <a:prstClr val="black"/>
+                </a:solidFill>
+                <a:latin typeface="Arial" panose="020B0604020202020204" pitchFamily="34" charset="0"/>
+                <a:cs typeface="Arial" panose="020B0604020202020204" pitchFamily="34" charset="0"/>
+              </a:rPr>
+              <a:t>vector</a:t>
+            </a:r>
+            <a:r>
+              <a:rPr lang="sv-SE" sz="1600" dirty="0">
+                <a:solidFill>
+                  <a:prstClr val="black"/>
+                </a:solidFill>
+                <a:latin typeface="Arial" panose="020B0604020202020204" pitchFamily="34" charset="0"/>
+                <a:cs typeface="Arial" panose="020B0604020202020204" pitchFamily="34" charset="0"/>
+              </a:rPr>
+              <a:t>&lt;T&gt;::</a:t>
+            </a:r>
+            <a:r>
+              <a:rPr lang="sv-SE" sz="1600" dirty="0" err="1">
+                <a:solidFill>
+                  <a:prstClr val="black"/>
+                </a:solidFill>
+                <a:latin typeface="Arial" panose="020B0604020202020204" pitchFamily="34" charset="0"/>
+                <a:cs typeface="Arial" panose="020B0604020202020204" pitchFamily="34" charset="0"/>
+              </a:rPr>
+              <a:t>iterator</a:t>
+            </a:r>
+            <a:r>
+              <a:rPr lang="sv-SE" sz="1600" dirty="0">
+                <a:solidFill>
+                  <a:prstClr val="black"/>
+                </a:solidFill>
+                <a:latin typeface="Arial" panose="020B0604020202020204" pitchFamily="34" charset="0"/>
+                <a:cs typeface="Arial" panose="020B0604020202020204" pitchFamily="34" charset="0"/>
+              </a:rPr>
+              <a:t>;  // </a:t>
+            </a:r>
+            <a:r>
+              <a:rPr lang="sv-SE" sz="1600" dirty="0" err="1">
+                <a:solidFill>
+                  <a:prstClr val="black"/>
+                </a:solidFill>
+                <a:latin typeface="Arial" panose="020B0604020202020204" pitchFamily="34" charset="0"/>
+                <a:cs typeface="Arial" panose="020B0604020202020204" pitchFamily="34" charset="0"/>
+              </a:rPr>
+              <a:t>Error</a:t>
+            </a:r>
+            <a:r>
+              <a:rPr lang="sv-SE" sz="1600" dirty="0">
+                <a:solidFill>
+                  <a:prstClr val="black"/>
+                </a:solidFill>
+                <a:latin typeface="Arial" panose="020B0604020202020204" pitchFamily="34" charset="0"/>
+                <a:cs typeface="Arial" panose="020B0604020202020204" pitchFamily="34" charset="0"/>
+              </a:rPr>
+              <a:t> at </a:t>
+            </a:r>
+            <a:r>
+              <a:rPr lang="sv-SE" sz="1600" dirty="0" err="1">
+                <a:solidFill>
+                  <a:prstClr val="black"/>
+                </a:solidFill>
+                <a:latin typeface="Arial" panose="020B0604020202020204" pitchFamily="34" charset="0"/>
+                <a:cs typeface="Arial" panose="020B0604020202020204" pitchFamily="34" charset="0"/>
+              </a:rPr>
+              <a:t>parse</a:t>
+            </a:r>
+            <a:r>
+              <a:rPr lang="sv-SE" sz="1600" dirty="0">
+                <a:solidFill>
+                  <a:prstClr val="black"/>
+                </a:solidFill>
+                <a:latin typeface="Arial" panose="020B0604020202020204" pitchFamily="34" charset="0"/>
+                <a:cs typeface="Arial" panose="020B0604020202020204" pitchFamily="34" charset="0"/>
+              </a:rPr>
               <a:t> </a:t>
             </a:r>
             <a:r>
-              <a:rPr lang="sv-SE" sz="3200" dirty="0" err="1"/>
-              <a:t>changing</a:t>
-            </a:r>
-            <a:r>
-              <a:rPr lang="sv-SE" sz="3200" dirty="0"/>
-              <a:t> kind as </a:t>
-            </a:r>
-            <a:r>
-              <a:rPr lang="sv-SE" sz="3200" dirty="0" err="1"/>
-              <a:t>such</a:t>
-            </a:r>
-            <a:r>
-              <a:rPr lang="sv-SE" sz="3200" dirty="0"/>
+              <a:rPr lang="sv-SE" sz="1600" dirty="0" err="1">
+                <a:solidFill>
+                  <a:prstClr val="black"/>
+                </a:solidFill>
+                <a:latin typeface="Arial" panose="020B0604020202020204" pitchFamily="34" charset="0"/>
+                <a:cs typeface="Arial" panose="020B0604020202020204" pitchFamily="34" charset="0"/>
+              </a:rPr>
+              <a:t>time</a:t>
+            </a:r>
+            <a:r>
+              <a:rPr lang="sv-SE" sz="1600" dirty="0">
+                <a:solidFill>
+                  <a:prstClr val="black"/>
+                </a:solidFill>
+                <a:latin typeface="Arial" panose="020B0604020202020204" pitchFamily="34" charset="0"/>
+                <a:cs typeface="Arial" panose="020B0604020202020204" pitchFamily="34" charset="0"/>
+              </a:rPr>
+              <a:t>: </a:t>
+            </a:r>
+            <a:r>
+              <a:rPr lang="sv-SE" sz="1600" dirty="0" err="1">
+                <a:solidFill>
+                  <a:prstClr val="black"/>
+                </a:solidFill>
+                <a:latin typeface="Arial" panose="020B0604020202020204" pitchFamily="34" charset="0"/>
+                <a:cs typeface="Arial" panose="020B0604020202020204" pitchFamily="34" charset="0"/>
+              </a:rPr>
+              <a:t>Can’t</a:t>
+            </a:r>
+            <a:r>
+              <a:rPr lang="sv-SE" sz="1600" dirty="0">
+                <a:solidFill>
+                  <a:prstClr val="black"/>
+                </a:solidFill>
+                <a:latin typeface="Arial" panose="020B0604020202020204" pitchFamily="34" charset="0"/>
+                <a:cs typeface="Arial" panose="020B0604020202020204" pitchFamily="34" charset="0"/>
+              </a:rPr>
+              <a:t> </a:t>
+            </a:r>
+            <a:r>
+              <a:rPr lang="sv-SE" sz="1600" dirty="0" err="1">
+                <a:solidFill>
+                  <a:prstClr val="black"/>
+                </a:solidFill>
+                <a:latin typeface="Arial" panose="020B0604020202020204" pitchFamily="34" charset="0"/>
+                <a:cs typeface="Arial" panose="020B0604020202020204" pitchFamily="34" charset="0"/>
+              </a:rPr>
+              <a:t>cout</a:t>
+            </a:r>
+            <a:r>
+              <a:rPr lang="sv-SE" sz="1600" dirty="0">
+                <a:solidFill>
+                  <a:prstClr val="black"/>
+                </a:solidFill>
+                <a:latin typeface="Arial" panose="020B0604020202020204" pitchFamily="34" charset="0"/>
+                <a:cs typeface="Arial" panose="020B0604020202020204" pitchFamily="34" charset="0"/>
+              </a:rPr>
+              <a:t> a </a:t>
+            </a:r>
+            <a:r>
+              <a:rPr lang="sv-SE" sz="1600" dirty="0" err="1">
+                <a:solidFill>
+                  <a:prstClr val="black"/>
+                </a:solidFill>
+                <a:latin typeface="Arial" panose="020B0604020202020204" pitchFamily="34" charset="0"/>
+                <a:cs typeface="Arial" panose="020B0604020202020204" pitchFamily="34" charset="0"/>
+              </a:rPr>
+              <a:t>type</a:t>
+            </a:r>
+            <a:r>
+              <a:rPr lang="sv-SE" sz="1600" dirty="0">
+                <a:solidFill>
+                  <a:prstClr val="black"/>
+                </a:solidFill>
+                <a:latin typeface="Arial" panose="020B0604020202020204" pitchFamily="34" charset="0"/>
+                <a:cs typeface="Arial" panose="020B0604020202020204" pitchFamily="34" charset="0"/>
+              </a:rPr>
               <a:t>.</a:t>
             </a:r>
-          </a:p>
-          <a:p>
-            <a:r>
-              <a:rPr lang="sv-SE" sz="3200" dirty="0"/>
-              <a:t>Still </a:t>
-            </a:r>
-            <a:r>
-              <a:rPr lang="sv-SE" sz="3200" dirty="0" err="1"/>
-              <a:t>let</a:t>
-            </a:r>
-            <a:r>
-              <a:rPr lang="sv-SE" sz="3200" dirty="0"/>
-              <a:t> </a:t>
-            </a:r>
-            <a:r>
-              <a:rPr lang="sv-SE" sz="3200" dirty="0" err="1"/>
-              <a:t>compiler</a:t>
-            </a:r>
-            <a:r>
-              <a:rPr lang="sv-SE" sz="3200" dirty="0"/>
-              <a:t> </a:t>
-            </a:r>
-            <a:r>
-              <a:rPr lang="sv-SE" sz="3200" dirty="0" err="1"/>
-              <a:t>use</a:t>
-            </a:r>
-            <a:r>
-              <a:rPr lang="sv-SE" sz="3200" dirty="0"/>
-              <a:t> kind from definition </a:t>
-            </a:r>
-            <a:r>
-              <a:rPr lang="sv-SE" sz="3200" dirty="0" err="1"/>
-              <a:t>when</a:t>
-            </a:r>
-            <a:r>
-              <a:rPr lang="sv-SE" sz="3200" dirty="0"/>
-              <a:t> parsing </a:t>
-            </a:r>
-            <a:r>
-              <a:rPr lang="sv-SE" sz="3200" dirty="0" err="1"/>
-              <a:t>unless</a:t>
-            </a:r>
-            <a:r>
-              <a:rPr lang="sv-SE" sz="3200" dirty="0"/>
-              <a:t> </a:t>
-            </a:r>
-            <a:r>
-              <a:rPr lang="sv-SE" sz="3200" dirty="0" err="1"/>
-              <a:t>disambiguated</a:t>
-            </a:r>
-            <a:r>
-              <a:rPr lang="sv-SE" sz="3200" dirty="0"/>
-              <a:t> to </a:t>
-            </a:r>
-            <a:r>
-              <a:rPr lang="sv-SE" sz="3200" dirty="0" err="1"/>
-              <a:t>something</a:t>
-            </a:r>
-            <a:r>
-              <a:rPr lang="sv-SE" sz="3200" dirty="0"/>
-              <a:t> </a:t>
-            </a:r>
-            <a:r>
-              <a:rPr lang="sv-SE" sz="3200" dirty="0" err="1"/>
-              <a:t>else</a:t>
-            </a:r>
-            <a:r>
-              <a:rPr lang="sv-SE" sz="3200" dirty="0"/>
-              <a:t>.</a:t>
-            </a:r>
-          </a:p>
-          <a:p>
-            <a:r>
-              <a:rPr lang="sv-SE" sz="3200" dirty="0" err="1"/>
-              <a:t>Needs</a:t>
-            </a:r>
-            <a:r>
-              <a:rPr lang="sv-SE" sz="3200" dirty="0"/>
-              <a:t> a </a:t>
-            </a:r>
-            <a:r>
-              <a:rPr lang="sv-SE" sz="3200" dirty="0" err="1"/>
-              <a:t>way</a:t>
-            </a:r>
-            <a:r>
-              <a:rPr lang="sv-SE" sz="3200" dirty="0"/>
-              <a:t> to </a:t>
-            </a:r>
-            <a:r>
-              <a:rPr lang="sv-SE" sz="3200" dirty="0" err="1"/>
-              <a:t>disambiguate</a:t>
-            </a:r>
-            <a:r>
-              <a:rPr lang="sv-SE" sz="3200" dirty="0"/>
-              <a:t> to </a:t>
-            </a:r>
-            <a:r>
-              <a:rPr lang="sv-SE" sz="3200" b="1" dirty="0" err="1"/>
-              <a:t>value</a:t>
-            </a:r>
-            <a:r>
-              <a:rPr lang="sv-SE" sz="3200" dirty="0"/>
-              <a:t>.</a:t>
-            </a:r>
-          </a:p>
-          <a:p>
-            <a:r>
-              <a:rPr lang="sv-SE" sz="3200" dirty="0" err="1"/>
-              <a:t>More</a:t>
-            </a:r>
-            <a:r>
-              <a:rPr lang="sv-SE" sz="3200" dirty="0"/>
-              <a:t> </a:t>
-            </a:r>
-            <a:r>
-              <a:rPr lang="sv-SE" sz="3200" dirty="0" err="1"/>
-              <a:t>confusion</a:t>
-            </a:r>
-            <a:r>
-              <a:rPr lang="sv-SE" sz="3200" dirty="0"/>
-              <a:t> risk </a:t>
-            </a:r>
-            <a:r>
-              <a:rPr lang="sv-SE" sz="3200" dirty="0" err="1"/>
-              <a:t>when</a:t>
-            </a:r>
-            <a:r>
-              <a:rPr lang="sv-SE" sz="3200" dirty="0"/>
-              <a:t> </a:t>
-            </a:r>
-            <a:r>
-              <a:rPr lang="sv-SE" sz="3200" dirty="0" err="1"/>
-              <a:t>errors</a:t>
-            </a:r>
-            <a:r>
-              <a:rPr lang="sv-SE" sz="3200" dirty="0"/>
-              <a:t> </a:t>
-            </a:r>
-            <a:r>
-              <a:rPr lang="sv-SE" sz="3200" dirty="0" err="1"/>
-              <a:t>are</a:t>
-            </a:r>
-            <a:r>
-              <a:rPr lang="sv-SE" sz="3200" dirty="0"/>
-              <a:t> to be </a:t>
-            </a:r>
-            <a:r>
-              <a:rPr lang="sv-SE" sz="3200" dirty="0" err="1"/>
-              <a:t>diagnosed</a:t>
-            </a:r>
-            <a:r>
-              <a:rPr lang="sv-SE" sz="3200" dirty="0"/>
-              <a:t>.</a:t>
-            </a:r>
+            <a:br>
+              <a:rPr lang="sv-SE" sz="1600" dirty="0">
+                <a:solidFill>
+                  <a:prstClr val="black"/>
+                </a:solidFill>
+                <a:latin typeface="Arial" panose="020B0604020202020204" pitchFamily="34" charset="0"/>
+                <a:cs typeface="Arial" panose="020B0604020202020204" pitchFamily="34" charset="0"/>
+              </a:rPr>
+            </a:br>
+            <a:r>
+              <a:rPr lang="sv-SE" sz="1600" dirty="0">
+                <a:solidFill>
+                  <a:prstClr val="black"/>
+                </a:solidFill>
+                <a:latin typeface="Arial" panose="020B0604020202020204" pitchFamily="34" charset="0"/>
+                <a:cs typeface="Arial" panose="020B0604020202020204" pitchFamily="34" charset="0"/>
+              </a:rPr>
+              <a:t>}</a:t>
+            </a:r>
+            <a:br>
+              <a:rPr lang="sv-SE" sz="1600" dirty="0">
+                <a:solidFill>
+                  <a:prstClr val="black"/>
+                </a:solidFill>
+                <a:latin typeface="Arial" panose="020B0604020202020204" pitchFamily="34" charset="0"/>
+                <a:cs typeface="Arial" panose="020B0604020202020204" pitchFamily="34" charset="0"/>
+              </a:rPr>
+            </a:br>
+            <a:endParaRPr kumimoji="0" lang="sv-SE" sz="1600" b="0" i="0" u="none" strike="noStrike" kern="1200" cap="none" spc="0" normalizeH="0" baseline="0" noProof="0" dirty="0">
+              <a:ln>
+                <a:noFill/>
+              </a:ln>
+              <a:solidFill>
+                <a:prstClr val="black"/>
+              </a:solidFill>
+              <a:effectLst/>
+              <a:uLnTx/>
+              <a:uFillTx/>
+              <a:latin typeface="Arial" panose="020B0604020202020204" pitchFamily="34" charset="0"/>
+              <a:ea typeface="+mn-ea"/>
+              <a:cs typeface="Arial" panose="020B0604020202020204" pitchFamily="34" charset="0"/>
+            </a:endParaRPr>
           </a:p>
         </p:txBody>
       </p:sp>
     </p:spTree>
     <p:extLst>
       <p:ext uri="{BB962C8B-B14F-4D97-AF65-F5344CB8AC3E}">
-        <p14:creationId xmlns:p14="http://schemas.microsoft.com/office/powerpoint/2010/main" val="380184524"/>
+        <p14:creationId xmlns:p14="http://schemas.microsoft.com/office/powerpoint/2010/main" val="2212006669"/>
       </p:ext>
     </p:extLst>
   </p:cSld>
@@ -7964,7 +8744,39 @@
                   <a:srgbClr val="FFFFFF"/>
                 </a:solidFill>
               </a:rPr>
-              <a:t>Examples</a:t>
+              <a:t>Introducing</a:t>
+            </a:r>
+            <a:r>
+              <a:rPr lang="sv-SE" sz="4000" dirty="0">
+                <a:solidFill>
+                  <a:srgbClr val="FFFFFF"/>
+                </a:solidFill>
+              </a:rPr>
+              <a:t> </a:t>
+            </a:r>
+            <a:r>
+              <a:rPr lang="sv-SE" sz="4000" dirty="0" err="1">
+                <a:solidFill>
+                  <a:srgbClr val="FFFFFF"/>
+                </a:solidFill>
+              </a:rPr>
+              <a:t>this</a:t>
+            </a:r>
+            <a:r>
+              <a:rPr lang="sv-SE" sz="4000" dirty="0">
+                <a:solidFill>
+                  <a:srgbClr val="FFFFFF"/>
+                </a:solidFill>
+              </a:rPr>
+              <a:t> </a:t>
+            </a:r>
+            <a:r>
+              <a:rPr lang="sv-SE" sz="4000" dirty="0" err="1">
+                <a:solidFill>
+                  <a:srgbClr val="FFFFFF"/>
+                </a:solidFill>
+              </a:rPr>
+              <a:t>functionality</a:t>
             </a:r>
             <a:endParaRPr lang="LID4096" sz="4000" dirty="0">
               <a:solidFill>
@@ -7998,7 +8810,1604 @@
         </p:spPr>
         <p:txBody>
           <a:bodyPr anchor="ctr">
-            <a:normAutofit fontScale="92500" lnSpcReduction="10000"/>
+            <a:normAutofit/>
+          </a:bodyPr>
+          <a:lstStyle/>
+          <a:p>
+            <a:r>
+              <a:rPr lang="sv-SE" sz="3200" dirty="0" err="1"/>
+              <a:t>Deprecate</a:t>
+            </a:r>
+            <a:r>
+              <a:rPr lang="sv-SE" sz="3200" dirty="0"/>
+              <a:t> in </a:t>
+            </a:r>
+            <a:r>
+              <a:rPr lang="sv-SE" sz="3200" dirty="0" err="1"/>
+              <a:t>one</a:t>
+            </a:r>
+            <a:r>
+              <a:rPr lang="sv-SE" sz="3200" dirty="0"/>
+              <a:t> revision (C++23?)</a:t>
+            </a:r>
+          </a:p>
+          <a:p>
+            <a:r>
+              <a:rPr lang="sv-SE" sz="3200" dirty="0" err="1"/>
+              <a:t>Implement</a:t>
+            </a:r>
+            <a:r>
+              <a:rPr lang="sv-SE" sz="3200" dirty="0"/>
+              <a:t> in the </a:t>
+            </a:r>
+            <a:r>
+              <a:rPr lang="sv-SE" sz="3200" dirty="0" err="1"/>
+              <a:t>next</a:t>
+            </a:r>
+            <a:r>
+              <a:rPr lang="sv-SE" sz="3200" dirty="0"/>
+              <a:t> standard revision.</a:t>
+            </a:r>
+          </a:p>
+          <a:p>
+            <a:pPr marL="0" indent="0" algn="ctr">
+              <a:buNone/>
+            </a:pPr>
+            <a:endParaRPr lang="sv-SE" sz="3200" dirty="0"/>
+          </a:p>
+          <a:p>
+            <a:pPr marL="0" indent="0" algn="ctr">
+              <a:buNone/>
+            </a:pPr>
+            <a:r>
+              <a:rPr lang="sv-SE" sz="3200" dirty="0"/>
+              <a:t>ALTERNATIVELY</a:t>
+            </a:r>
+          </a:p>
+          <a:p>
+            <a:pPr marL="0" indent="0" algn="ctr">
+              <a:buNone/>
+            </a:pPr>
+            <a:endParaRPr lang="sv-SE" sz="3200" dirty="0"/>
+          </a:p>
+          <a:p>
+            <a:r>
+              <a:rPr lang="sv-SE" sz="3200" dirty="0"/>
+              <a:t>Just ask </a:t>
+            </a:r>
+            <a:r>
+              <a:rPr lang="sv-SE" sz="3200" dirty="0" err="1"/>
+              <a:t>compiler</a:t>
+            </a:r>
+            <a:r>
+              <a:rPr lang="sv-SE" sz="3200" dirty="0"/>
+              <a:t> </a:t>
+            </a:r>
+            <a:r>
+              <a:rPr lang="sv-SE" sz="3200" dirty="0" err="1"/>
+              <a:t>vendors</a:t>
+            </a:r>
+            <a:r>
+              <a:rPr lang="sv-SE" sz="3200" dirty="0"/>
+              <a:t> to </a:t>
+            </a:r>
+            <a:r>
+              <a:rPr lang="sv-SE" sz="3200" dirty="0" err="1"/>
+              <a:t>issue</a:t>
+            </a:r>
+            <a:r>
+              <a:rPr lang="sv-SE" sz="3200" dirty="0"/>
+              <a:t> </a:t>
+            </a:r>
+            <a:r>
+              <a:rPr lang="sv-SE" sz="3200" dirty="0" err="1"/>
+              <a:t>warnings</a:t>
+            </a:r>
+            <a:r>
+              <a:rPr lang="sv-SE" sz="3200" dirty="0"/>
+              <a:t> ASAP.</a:t>
+            </a:r>
+          </a:p>
+          <a:p>
+            <a:r>
+              <a:rPr lang="sv-SE" sz="3200" dirty="0" err="1"/>
+              <a:t>Implement</a:t>
+            </a:r>
+            <a:r>
+              <a:rPr lang="sv-SE" sz="3200"/>
+              <a:t> directly</a:t>
+            </a:r>
+            <a:r>
+              <a:rPr lang="sv-SE" sz="3200" dirty="0"/>
+              <a:t> in C++26.</a:t>
+            </a:r>
+          </a:p>
+          <a:p>
+            <a:endParaRPr lang="sv-SE" sz="3200" dirty="0"/>
+          </a:p>
+        </p:txBody>
+      </p:sp>
+    </p:spTree>
+    <p:extLst>
+      <p:ext uri="{BB962C8B-B14F-4D97-AF65-F5344CB8AC3E}">
+        <p14:creationId xmlns:p14="http://schemas.microsoft.com/office/powerpoint/2010/main" val="3377964672"/>
+      </p:ext>
+    </p:extLst>
+  </p:cSld>
+  <p:clrMapOvr>
+    <a:masterClrMapping/>
+  </p:clrMapOvr>
+</p:sld>
+</file>
+
+<file path=ppt/slides/slide7.xml><?xml version="1.0" encoding="utf-8"?>
+<p:sld xmlns:a="http://schemas.openxmlformats.org/drawingml/2006/main" xmlns:r="http://schemas.openxmlformats.org/officeDocument/2006/relationships" xmlns:p="http://schemas.openxmlformats.org/presentationml/2006/main">
+  <p:cSld>
+    <p:bg>
+      <p:bgPr>
+        <a:solidFill>
+          <a:schemeClr val="bg1"/>
+        </a:solidFill>
+        <a:effectLst/>
+      </p:bgPr>
+    </p:bg>
+    <p:spTree>
+      <p:nvGrpSpPr>
+        <p:cNvPr id="1" name=""/>
+        <p:cNvGrpSpPr/>
+        <p:nvPr/>
+      </p:nvGrpSpPr>
+      <p:grpSpPr>
+        <a:xfrm>
+          <a:off x="0" y="0"/>
+          <a:ext cx="0" cy="0"/>
+          <a:chOff x="0" y="0"/>
+          <a:chExt cx="0" cy="0"/>
+        </a:xfrm>
+      </p:grpSpPr>
+      <p:sp useBgFill="1">
+        <p:nvSpPr>
+          <p:cNvPr id="8" name="Rectangle 7">
+            <a:extLst>
+              <a:ext uri="{FF2B5EF4-FFF2-40B4-BE49-F238E27FC236}">
+                <a16:creationId xmlns:a16="http://schemas.microsoft.com/office/drawing/2014/main" id="{1B15ED52-F352-441B-82BF-E0EA34836D08}"/>
+              </a:ext>
+              <a:ext uri="{C183D7F6-B498-43B3-948B-1728B52AA6E4}">
+                <adec:decorative xmlns:adec="http://schemas.microsoft.com/office/drawing/2017/decorative" val="1"/>
+              </a:ext>
+            </a:extLst>
+          </p:cNvPr>
+          <p:cNvSpPr>
+            <a:spLocks noGrp="1" noRot="1" noChangeAspect="1" noMove="1" noResize="1" noEditPoints="1" noAdjustHandles="1" noChangeArrowheads="1" noChangeShapeType="1" noTextEdit="1"/>
+          </p:cNvSpPr>
+          <p:nvPr>
+            <p:extLst>
+              <p:ext uri="{386F3935-93C4-4BCD-93E2-E3B085C9AB24}">
+                <p16:designElem xmlns:p16="http://schemas.microsoft.com/office/powerpoint/2015/main" val="1"/>
+              </p:ext>
+            </p:extLst>
+          </p:nvPr>
+        </p:nvSpPr>
+        <p:spPr>
+          <a:xfrm>
+            <a:off x="0" y="0"/>
+            <a:ext cx="12192000" cy="6858000"/>
+          </a:xfrm>
+          <a:prstGeom prst="rect">
+            <a:avLst/>
+          </a:prstGeom>
+          <a:ln w="12700" cap="flat" cmpd="sng" algn="ctr">
+            <a:noFill/>
+            <a:prstDash val="solid"/>
+            <a:miter lim="800000"/>
+          </a:ln>
+          <a:effectLst/>
+          <a:extLst>
+            <a:ext uri="{91240B29-F687-4F45-9708-019B960494DF}">
+              <a14:hiddenLine xmlns:a14="http://schemas.microsoft.com/office/drawing/2010/main" w="12700" cap="flat" cmpd="sng" algn="ctr">
+                <a:solidFill>
+                  <a:schemeClr val="accent1">
+                    <a:shade val="50000"/>
+                  </a:schemeClr>
+                </a:solidFill>
+                <a:prstDash val="solid"/>
+                <a:miter lim="800000"/>
+              </a14:hiddenLine>
+            </a:ext>
+          </a:extLst>
+        </p:spPr>
+        <p:style>
+          <a:lnRef idx="2">
+            <a:schemeClr val="accent1">
+              <a:shade val="50000"/>
+            </a:schemeClr>
+          </a:lnRef>
+          <a:fillRef idx="1">
+            <a:schemeClr val="accent1"/>
+          </a:fillRef>
+          <a:effectRef idx="0">
+            <a:schemeClr val="accent1"/>
+          </a:effectRef>
+          <a:fontRef idx="minor">
+            <a:schemeClr val="lt1"/>
+          </a:fontRef>
+        </p:style>
+        <p:txBody>
+          <a:bodyPr rtlCol="0" anchor="ctr"/>
+          <a:lstStyle/>
+          <a:p>
+            <a:pPr marL="0" marR="0" lvl="0" indent="0" algn="ctr" defTabSz="914400" rtl="0" eaLnBrk="1" fontAlgn="auto" latinLnBrk="0" hangingPunct="1">
+              <a:lnSpc>
+                <a:spcPct val="100000"/>
+              </a:lnSpc>
+              <a:spcBef>
+                <a:spcPts val="0"/>
+              </a:spcBef>
+              <a:spcAft>
+                <a:spcPts val="0"/>
+              </a:spcAft>
+              <a:buClrTx/>
+              <a:buSzTx/>
+              <a:buFontTx/>
+              <a:buNone/>
+              <a:tabLst/>
+              <a:defRPr/>
+            </a:pPr>
+            <a:endParaRPr kumimoji="0" lang="en-US" sz="1800" b="0" i="0" u="none" strike="noStrike" kern="1200" cap="none" spc="0" normalizeH="0" baseline="0" noProof="0">
+              <a:ln>
+                <a:noFill/>
+              </a:ln>
+              <a:solidFill>
+                <a:prstClr val="white"/>
+              </a:solidFill>
+              <a:effectLst/>
+              <a:uLnTx/>
+              <a:uFillTx/>
+              <a:latin typeface="Calibri" panose="020F0502020204030204"/>
+              <a:ea typeface="+mn-ea"/>
+              <a:cs typeface="+mn-cs"/>
+            </a:endParaRPr>
+          </a:p>
+        </p:txBody>
+      </p:sp>
+      <p:sp>
+        <p:nvSpPr>
+          <p:cNvPr id="10" name="Rectangle 9">
+            <a:extLst>
+              <a:ext uri="{FF2B5EF4-FFF2-40B4-BE49-F238E27FC236}">
+                <a16:creationId xmlns:a16="http://schemas.microsoft.com/office/drawing/2014/main" id="{3B2E3793-BFE6-45A2-9B7B-E18844431C99}"/>
+              </a:ext>
+              <a:ext uri="{C183D7F6-B498-43B3-948B-1728B52AA6E4}">
+                <adec:decorative xmlns:adec="http://schemas.microsoft.com/office/drawing/2017/decorative" val="1"/>
+              </a:ext>
+            </a:extLst>
+          </p:cNvPr>
+          <p:cNvSpPr>
+            <a:spLocks noGrp="1" noRot="1" noChangeAspect="1" noMove="1" noResize="1" noEditPoints="1" noAdjustHandles="1" noChangeArrowheads="1" noChangeShapeType="1" noTextEdit="1"/>
+          </p:cNvSpPr>
+          <p:nvPr>
+            <p:extLst>
+              <p:ext uri="{386F3935-93C4-4BCD-93E2-E3B085C9AB24}">
+                <p16:designElem xmlns:p16="http://schemas.microsoft.com/office/powerpoint/2015/main" val="1"/>
+              </p:ext>
+            </p:extLst>
+          </p:nvPr>
+        </p:nvSpPr>
+        <p:spPr>
+          <a:xfrm flipH="1">
+            <a:off x="-1" y="-1"/>
+            <a:ext cx="12191998" cy="1590742"/>
+          </a:xfrm>
+          <a:prstGeom prst="rect">
+            <a:avLst/>
+          </a:prstGeom>
+          <a:gradFill>
+            <a:gsLst>
+              <a:gs pos="0">
+                <a:srgbClr val="000000"/>
+              </a:gs>
+              <a:gs pos="100000">
+                <a:schemeClr val="accent1">
+                  <a:lumMod val="75000"/>
+                </a:schemeClr>
+              </a:gs>
+            </a:gsLst>
+            <a:lin ang="8400000" scaled="0"/>
+          </a:gradFill>
+          <a:ln>
+            <a:noFill/>
+          </a:ln>
+        </p:spPr>
+        <p:style>
+          <a:lnRef idx="2">
+            <a:schemeClr val="accent1">
+              <a:shade val="50000"/>
+            </a:schemeClr>
+          </a:lnRef>
+          <a:fillRef idx="1">
+            <a:schemeClr val="accent1"/>
+          </a:fillRef>
+          <a:effectRef idx="0">
+            <a:schemeClr val="accent1"/>
+          </a:effectRef>
+          <a:fontRef idx="minor">
+            <a:schemeClr val="lt1"/>
+          </a:fontRef>
+        </p:style>
+        <p:txBody>
+          <a:bodyPr rtlCol="0" anchor="ctr"/>
+          <a:lstStyle/>
+          <a:p>
+            <a:pPr marL="0" marR="0" lvl="0" indent="0" algn="ctr" defTabSz="914400" rtl="0" eaLnBrk="1" fontAlgn="auto" latinLnBrk="0" hangingPunct="1">
+              <a:lnSpc>
+                <a:spcPct val="100000"/>
+              </a:lnSpc>
+              <a:spcBef>
+                <a:spcPts val="0"/>
+              </a:spcBef>
+              <a:spcAft>
+                <a:spcPts val="0"/>
+              </a:spcAft>
+              <a:buClrTx/>
+              <a:buSzTx/>
+              <a:buFontTx/>
+              <a:buNone/>
+              <a:tabLst/>
+              <a:defRPr/>
+            </a:pPr>
+            <a:endParaRPr kumimoji="0" lang="en-US" sz="1800" b="0" i="0" u="none" strike="noStrike" kern="1200" cap="none" spc="0" normalizeH="0" baseline="0" noProof="0">
+              <a:ln>
+                <a:noFill/>
+              </a:ln>
+              <a:solidFill>
+                <a:prstClr val="white"/>
+              </a:solidFill>
+              <a:effectLst/>
+              <a:uLnTx/>
+              <a:uFillTx/>
+              <a:latin typeface="Calibri" panose="020F0502020204030204"/>
+              <a:ea typeface="+mn-ea"/>
+              <a:cs typeface="+mn-cs"/>
+            </a:endParaRPr>
+          </a:p>
+        </p:txBody>
+      </p:sp>
+      <p:sp>
+        <p:nvSpPr>
+          <p:cNvPr id="12" name="Rectangle 11">
+            <a:extLst>
+              <a:ext uri="{FF2B5EF4-FFF2-40B4-BE49-F238E27FC236}">
+                <a16:creationId xmlns:a16="http://schemas.microsoft.com/office/drawing/2014/main" id="{BC4C4868-CB8F-4AF9-9CDB-8108F2C19B67}"/>
+              </a:ext>
+              <a:ext uri="{C183D7F6-B498-43B3-948B-1728B52AA6E4}">
+                <adec:decorative xmlns:adec="http://schemas.microsoft.com/office/drawing/2017/decorative" val="1"/>
+              </a:ext>
+            </a:extLst>
+          </p:cNvPr>
+          <p:cNvSpPr>
+            <a:spLocks noGrp="1" noRot="1" noChangeAspect="1" noMove="1" noResize="1" noEditPoints="1" noAdjustHandles="1" noChangeArrowheads="1" noChangeShapeType="1" noTextEdit="1"/>
+          </p:cNvSpPr>
+          <p:nvPr>
+            <p:extLst>
+              <p:ext uri="{386F3935-93C4-4BCD-93E2-E3B085C9AB24}">
+                <p16:designElem xmlns:p16="http://schemas.microsoft.com/office/powerpoint/2015/main" val="1"/>
+              </p:ext>
+            </p:extLst>
+          </p:nvPr>
+        </p:nvSpPr>
+        <p:spPr>
+          <a:xfrm rot="10800000" flipH="1">
+            <a:off x="-3" y="0"/>
+            <a:ext cx="8115306" cy="1590742"/>
+          </a:xfrm>
+          <a:prstGeom prst="rect">
+            <a:avLst/>
+          </a:prstGeom>
+          <a:gradFill>
+            <a:gsLst>
+              <a:gs pos="20000">
+                <a:schemeClr val="accent1">
+                  <a:alpha val="0"/>
+                </a:schemeClr>
+              </a:gs>
+              <a:gs pos="100000">
+                <a:schemeClr val="accent1">
+                  <a:lumMod val="50000"/>
+                  <a:alpha val="55000"/>
+                </a:schemeClr>
+              </a:gs>
+            </a:gsLst>
+            <a:lin ang="13800000" scaled="0"/>
+          </a:gradFill>
+          <a:ln>
+            <a:noFill/>
+          </a:ln>
+        </p:spPr>
+        <p:style>
+          <a:lnRef idx="2">
+            <a:schemeClr val="accent1">
+              <a:shade val="50000"/>
+            </a:schemeClr>
+          </a:lnRef>
+          <a:fillRef idx="1">
+            <a:schemeClr val="accent1"/>
+          </a:fillRef>
+          <a:effectRef idx="0">
+            <a:schemeClr val="accent1"/>
+          </a:effectRef>
+          <a:fontRef idx="minor">
+            <a:schemeClr val="lt1"/>
+          </a:fontRef>
+        </p:style>
+        <p:txBody>
+          <a:bodyPr rtlCol="0" anchor="ctr"/>
+          <a:lstStyle/>
+          <a:p>
+            <a:pPr marL="0" marR="0" lvl="0" indent="0" algn="ctr" defTabSz="914400" rtl="0" eaLnBrk="1" fontAlgn="auto" latinLnBrk="0" hangingPunct="1">
+              <a:lnSpc>
+                <a:spcPct val="100000"/>
+              </a:lnSpc>
+              <a:spcBef>
+                <a:spcPts val="0"/>
+              </a:spcBef>
+              <a:spcAft>
+                <a:spcPts val="0"/>
+              </a:spcAft>
+              <a:buClrTx/>
+              <a:buSzTx/>
+              <a:buFontTx/>
+              <a:buNone/>
+              <a:tabLst/>
+              <a:defRPr/>
+            </a:pPr>
+            <a:endParaRPr kumimoji="0" lang="en-US" sz="1800" b="0" i="0" u="none" strike="noStrike" kern="1200" cap="none" spc="0" normalizeH="0" baseline="0" noProof="0">
+              <a:ln>
+                <a:noFill/>
+              </a:ln>
+              <a:solidFill>
+                <a:prstClr val="white"/>
+              </a:solidFill>
+              <a:effectLst/>
+              <a:uLnTx/>
+              <a:uFillTx/>
+              <a:latin typeface="Calibri" panose="020F0502020204030204"/>
+              <a:ea typeface="+mn-ea"/>
+              <a:cs typeface="+mn-cs"/>
+            </a:endParaRPr>
+          </a:p>
+        </p:txBody>
+      </p:sp>
+      <p:sp>
+        <p:nvSpPr>
+          <p:cNvPr id="14" name="Rectangle 13">
+            <a:extLst>
+              <a:ext uri="{FF2B5EF4-FFF2-40B4-BE49-F238E27FC236}">
+                <a16:creationId xmlns:a16="http://schemas.microsoft.com/office/drawing/2014/main" id="{375E0459-6403-40CD-989D-56A4407CA12E}"/>
+              </a:ext>
+              <a:ext uri="{C183D7F6-B498-43B3-948B-1728B52AA6E4}">
+                <adec:decorative xmlns:adec="http://schemas.microsoft.com/office/drawing/2017/decorative" val="1"/>
+              </a:ext>
+            </a:extLst>
+          </p:cNvPr>
+          <p:cNvSpPr>
+            <a:spLocks noGrp="1" noRot="1" noChangeAspect="1" noMove="1" noResize="1" noEditPoints="1" noAdjustHandles="1" noChangeArrowheads="1" noChangeShapeType="1" noTextEdit="1"/>
+          </p:cNvSpPr>
+          <p:nvPr>
+            <p:extLst>
+              <p:ext uri="{386F3935-93C4-4BCD-93E2-E3B085C9AB24}">
+                <p16:designElem xmlns:p16="http://schemas.microsoft.com/office/powerpoint/2015/main" val="1"/>
+              </p:ext>
+            </p:extLst>
+          </p:nvPr>
+        </p:nvSpPr>
+        <p:spPr>
+          <a:xfrm flipH="1">
+            <a:off x="8115299" y="-1"/>
+            <a:ext cx="4076698" cy="1590742"/>
+          </a:xfrm>
+          <a:prstGeom prst="rect">
+            <a:avLst/>
+          </a:prstGeom>
+          <a:gradFill>
+            <a:gsLst>
+              <a:gs pos="0">
+                <a:schemeClr val="accent1">
+                  <a:alpha val="66000"/>
+                </a:schemeClr>
+              </a:gs>
+              <a:gs pos="100000">
+                <a:srgbClr val="000000">
+                  <a:alpha val="30000"/>
+                </a:srgbClr>
+              </a:gs>
+            </a:gsLst>
+            <a:lin ang="13200000" scaled="0"/>
+          </a:gradFill>
+          <a:ln>
+            <a:noFill/>
+          </a:ln>
+        </p:spPr>
+        <p:style>
+          <a:lnRef idx="2">
+            <a:schemeClr val="accent1">
+              <a:shade val="50000"/>
+            </a:schemeClr>
+          </a:lnRef>
+          <a:fillRef idx="1">
+            <a:schemeClr val="accent1"/>
+          </a:fillRef>
+          <a:effectRef idx="0">
+            <a:schemeClr val="accent1"/>
+          </a:effectRef>
+          <a:fontRef idx="minor">
+            <a:schemeClr val="lt1"/>
+          </a:fontRef>
+        </p:style>
+        <p:txBody>
+          <a:bodyPr rtlCol="0" anchor="ctr"/>
+          <a:lstStyle/>
+          <a:p>
+            <a:pPr marL="0" marR="0" lvl="0" indent="0" algn="ctr" defTabSz="914400" rtl="0" eaLnBrk="1" fontAlgn="auto" latinLnBrk="0" hangingPunct="1">
+              <a:lnSpc>
+                <a:spcPct val="100000"/>
+              </a:lnSpc>
+              <a:spcBef>
+                <a:spcPts val="0"/>
+              </a:spcBef>
+              <a:spcAft>
+                <a:spcPts val="0"/>
+              </a:spcAft>
+              <a:buClrTx/>
+              <a:buSzTx/>
+              <a:buFontTx/>
+              <a:buNone/>
+              <a:tabLst/>
+              <a:defRPr/>
+            </a:pPr>
+            <a:endParaRPr kumimoji="0" lang="en-US" sz="1800" b="0" i="0" u="none" strike="noStrike" kern="1200" cap="none" spc="0" normalizeH="0" baseline="0" noProof="0">
+              <a:ln>
+                <a:noFill/>
+              </a:ln>
+              <a:solidFill>
+                <a:prstClr val="white"/>
+              </a:solidFill>
+              <a:effectLst/>
+              <a:uLnTx/>
+              <a:uFillTx/>
+              <a:latin typeface="Calibri" panose="020F0502020204030204"/>
+              <a:ea typeface="+mn-ea"/>
+              <a:cs typeface="+mn-cs"/>
+            </a:endParaRPr>
+          </a:p>
+        </p:txBody>
+      </p:sp>
+      <p:sp>
+        <p:nvSpPr>
+          <p:cNvPr id="16" name="Rectangle 15">
+            <a:extLst>
+              <a:ext uri="{FF2B5EF4-FFF2-40B4-BE49-F238E27FC236}">
+                <a16:creationId xmlns:a16="http://schemas.microsoft.com/office/drawing/2014/main" id="{53E5B1A8-3AC9-4BD1-9BBC-78CA94F2D1BA}"/>
+              </a:ext>
+              <a:ext uri="{C183D7F6-B498-43B3-948B-1728B52AA6E4}">
+                <adec:decorative xmlns:adec="http://schemas.microsoft.com/office/drawing/2017/decorative" val="1"/>
+              </a:ext>
+            </a:extLst>
+          </p:cNvPr>
+          <p:cNvSpPr>
+            <a:spLocks noGrp="1" noRot="1" noChangeAspect="1" noMove="1" noResize="1" noEditPoints="1" noAdjustHandles="1" noChangeArrowheads="1" noChangeShapeType="1" noTextEdit="1"/>
+          </p:cNvSpPr>
+          <p:nvPr>
+            <p:extLst>
+              <p:ext uri="{386F3935-93C4-4BCD-93E2-E3B085C9AB24}">
+                <p16:designElem xmlns:p16="http://schemas.microsoft.com/office/powerpoint/2015/main" val="1"/>
+              </p:ext>
+            </p:extLst>
+          </p:nvPr>
+        </p:nvSpPr>
+        <p:spPr>
+          <a:xfrm>
+            <a:off x="459350" y="-1"/>
+            <a:ext cx="11732646" cy="1597433"/>
+          </a:xfrm>
+          <a:prstGeom prst="rect">
+            <a:avLst/>
+          </a:prstGeom>
+          <a:gradFill>
+            <a:gsLst>
+              <a:gs pos="50000">
+                <a:srgbClr val="000000">
+                  <a:alpha val="0"/>
+                </a:srgbClr>
+              </a:gs>
+              <a:gs pos="99000">
+                <a:schemeClr val="accent1">
+                  <a:lumMod val="50000"/>
+                  <a:alpha val="52000"/>
+                </a:schemeClr>
+              </a:gs>
+            </a:gsLst>
+            <a:lin ang="16800000" scaled="0"/>
+          </a:gradFill>
+          <a:ln>
+            <a:noFill/>
+          </a:ln>
+        </p:spPr>
+        <p:style>
+          <a:lnRef idx="2">
+            <a:schemeClr val="accent1">
+              <a:shade val="50000"/>
+            </a:schemeClr>
+          </a:lnRef>
+          <a:fillRef idx="1">
+            <a:schemeClr val="accent1"/>
+          </a:fillRef>
+          <a:effectRef idx="0">
+            <a:schemeClr val="accent1"/>
+          </a:effectRef>
+          <a:fontRef idx="minor">
+            <a:schemeClr val="lt1"/>
+          </a:fontRef>
+        </p:style>
+        <p:txBody>
+          <a:bodyPr rtlCol="0" anchor="ctr"/>
+          <a:lstStyle/>
+          <a:p>
+            <a:pPr marL="0" marR="0" lvl="0" indent="0" algn="ctr" defTabSz="914400" rtl="0" eaLnBrk="1" fontAlgn="auto" latinLnBrk="0" hangingPunct="1">
+              <a:lnSpc>
+                <a:spcPct val="100000"/>
+              </a:lnSpc>
+              <a:spcBef>
+                <a:spcPts val="0"/>
+              </a:spcBef>
+              <a:spcAft>
+                <a:spcPts val="0"/>
+              </a:spcAft>
+              <a:buClrTx/>
+              <a:buSzTx/>
+              <a:buFontTx/>
+              <a:buNone/>
+              <a:tabLst/>
+              <a:defRPr/>
+            </a:pPr>
+            <a:endParaRPr kumimoji="0" lang="en-US" sz="1800" b="0" i="0" u="none" strike="noStrike" kern="1200" cap="none" spc="0" normalizeH="0" baseline="0" noProof="0">
+              <a:ln>
+                <a:noFill/>
+              </a:ln>
+              <a:solidFill>
+                <a:prstClr val="white"/>
+              </a:solidFill>
+              <a:effectLst/>
+              <a:uLnTx/>
+              <a:uFillTx/>
+              <a:latin typeface="Calibri" panose="020F0502020204030204"/>
+              <a:ea typeface="+mn-ea"/>
+              <a:cs typeface="+mn-cs"/>
+            </a:endParaRPr>
+          </a:p>
+        </p:txBody>
+      </p:sp>
+      <p:sp>
+        <p:nvSpPr>
+          <p:cNvPr id="2" name="Rubrik 1">
+            <a:extLst>
+              <a:ext uri="{FF2B5EF4-FFF2-40B4-BE49-F238E27FC236}">
+                <a16:creationId xmlns:a16="http://schemas.microsoft.com/office/drawing/2014/main" id="{5061A874-0FDA-27C5-E207-92E76593A7C4}"/>
+              </a:ext>
+            </a:extLst>
+          </p:cNvPr>
+          <p:cNvSpPr>
+            <a:spLocks noGrp="1"/>
+          </p:cNvSpPr>
+          <p:nvPr>
+            <p:ph type="title"/>
+          </p:nvPr>
+        </p:nvSpPr>
+        <p:spPr>
+          <a:xfrm>
+            <a:off x="1371599" y="294538"/>
+            <a:ext cx="9895951" cy="1033669"/>
+          </a:xfrm>
+        </p:spPr>
+        <p:txBody>
+          <a:bodyPr>
+            <a:normAutofit/>
+          </a:bodyPr>
+          <a:lstStyle/>
+          <a:p>
+            <a:r>
+              <a:rPr lang="sv-SE" sz="4000" dirty="0">
+                <a:solidFill>
+                  <a:srgbClr val="FFFFFF"/>
+                </a:solidFill>
+              </a:rPr>
+              <a:t>Alternatives</a:t>
+            </a:r>
+            <a:endParaRPr lang="LID4096" sz="4000" dirty="0">
+              <a:solidFill>
+                <a:srgbClr val="FFFFFF"/>
+              </a:solidFill>
+            </a:endParaRPr>
+          </a:p>
+        </p:txBody>
+      </p:sp>
+      <p:sp>
+        <p:nvSpPr>
+          <p:cNvPr id="3" name="Platshållare för innehåll 2">
+            <a:extLst>
+              <a:ext uri="{FF2B5EF4-FFF2-40B4-BE49-F238E27FC236}">
+                <a16:creationId xmlns:a16="http://schemas.microsoft.com/office/drawing/2014/main" id="{2A4FF5C8-FFF5-6199-97CC-74043C45FA89}"/>
+              </a:ext>
+            </a:extLst>
+          </p:cNvPr>
+          <p:cNvSpPr>
+            <a:spLocks noGrp="1"/>
+          </p:cNvSpPr>
+          <p:nvPr>
+            <p:ph idx="1"/>
+          </p:nvPr>
+        </p:nvSpPr>
+        <p:spPr>
+          <a:xfrm>
+            <a:off x="1371599" y="1885279"/>
+            <a:ext cx="9724031" cy="4569462"/>
+          </a:xfrm>
+        </p:spPr>
+        <p:txBody>
+          <a:bodyPr anchor="ctr">
+            <a:normAutofit/>
+          </a:bodyPr>
+          <a:lstStyle/>
+          <a:p>
+            <a:pPr marL="0" indent="0">
+              <a:buNone/>
+            </a:pPr>
+            <a:r>
+              <a:rPr lang="sv-SE" sz="3200" u="sng" dirty="0"/>
+              <a:t>Alternative approach (not in P2669R0)</a:t>
+            </a:r>
+          </a:p>
+          <a:p>
+            <a:r>
+              <a:rPr lang="sv-SE" sz="3200" dirty="0" err="1"/>
+              <a:t>Don’t</a:t>
+            </a:r>
+            <a:r>
+              <a:rPr lang="sv-SE" sz="3200" dirty="0"/>
+              <a:t> </a:t>
+            </a:r>
+            <a:r>
+              <a:rPr lang="sv-SE" sz="3200" dirty="0" err="1"/>
+              <a:t>forbid</a:t>
+            </a:r>
+            <a:r>
+              <a:rPr lang="sv-SE" sz="3200" dirty="0"/>
+              <a:t> </a:t>
+            </a:r>
+            <a:r>
+              <a:rPr lang="sv-SE" sz="3200" dirty="0" err="1"/>
+              <a:t>changing</a:t>
+            </a:r>
+            <a:r>
+              <a:rPr lang="sv-SE" sz="3200" dirty="0"/>
+              <a:t> kind as </a:t>
+            </a:r>
+            <a:r>
+              <a:rPr lang="sv-SE" sz="3200" dirty="0" err="1"/>
+              <a:t>such</a:t>
+            </a:r>
+            <a:r>
+              <a:rPr lang="sv-SE" sz="3200" dirty="0"/>
+              <a:t>.</a:t>
+            </a:r>
+          </a:p>
+          <a:p>
+            <a:r>
+              <a:rPr lang="sv-SE" sz="3200" dirty="0"/>
+              <a:t>Still </a:t>
+            </a:r>
+            <a:r>
+              <a:rPr lang="sv-SE" sz="3200" dirty="0" err="1"/>
+              <a:t>let</a:t>
+            </a:r>
+            <a:r>
+              <a:rPr lang="sv-SE" sz="3200" dirty="0"/>
+              <a:t> </a:t>
+            </a:r>
+            <a:r>
+              <a:rPr lang="sv-SE" sz="3200" dirty="0" err="1"/>
+              <a:t>compiler</a:t>
+            </a:r>
+            <a:r>
+              <a:rPr lang="sv-SE" sz="3200" dirty="0"/>
+              <a:t> </a:t>
+            </a:r>
+            <a:r>
+              <a:rPr lang="sv-SE" sz="3200" dirty="0" err="1"/>
+              <a:t>use</a:t>
+            </a:r>
+            <a:r>
+              <a:rPr lang="sv-SE" sz="3200" dirty="0"/>
+              <a:t> kind from definition </a:t>
+            </a:r>
+            <a:r>
+              <a:rPr lang="sv-SE" sz="3200" dirty="0" err="1"/>
+              <a:t>when</a:t>
+            </a:r>
+            <a:r>
+              <a:rPr lang="sv-SE" sz="3200" dirty="0"/>
+              <a:t> parsing </a:t>
+            </a:r>
+            <a:r>
+              <a:rPr lang="sv-SE" sz="3200" dirty="0" err="1"/>
+              <a:t>unless</a:t>
+            </a:r>
+            <a:r>
+              <a:rPr lang="sv-SE" sz="3200" dirty="0"/>
+              <a:t> </a:t>
+            </a:r>
+            <a:r>
+              <a:rPr lang="sv-SE" sz="3200" dirty="0" err="1"/>
+              <a:t>disambiguated</a:t>
+            </a:r>
+            <a:r>
+              <a:rPr lang="sv-SE" sz="3200" dirty="0"/>
+              <a:t> to </a:t>
+            </a:r>
+            <a:r>
+              <a:rPr lang="sv-SE" sz="3200" dirty="0" err="1"/>
+              <a:t>something</a:t>
+            </a:r>
+            <a:r>
+              <a:rPr lang="sv-SE" sz="3200" dirty="0"/>
+              <a:t> </a:t>
+            </a:r>
+            <a:r>
+              <a:rPr lang="sv-SE" sz="3200" dirty="0" err="1"/>
+              <a:t>else</a:t>
+            </a:r>
+            <a:r>
+              <a:rPr lang="sv-SE" sz="3200" dirty="0"/>
+              <a:t>.</a:t>
+            </a:r>
+          </a:p>
+          <a:p>
+            <a:r>
+              <a:rPr lang="sv-SE" sz="3200" dirty="0" err="1"/>
+              <a:t>Needs</a:t>
+            </a:r>
+            <a:r>
+              <a:rPr lang="sv-SE" sz="3200" dirty="0"/>
+              <a:t> a </a:t>
+            </a:r>
+            <a:r>
+              <a:rPr lang="sv-SE" sz="3200" dirty="0" err="1"/>
+              <a:t>way</a:t>
+            </a:r>
+            <a:r>
+              <a:rPr lang="sv-SE" sz="3200" dirty="0"/>
+              <a:t> to </a:t>
+            </a:r>
+            <a:r>
+              <a:rPr lang="sv-SE" sz="3200" dirty="0" err="1"/>
+              <a:t>disambiguate</a:t>
+            </a:r>
+            <a:r>
+              <a:rPr lang="sv-SE" sz="3200" dirty="0"/>
+              <a:t> to </a:t>
+            </a:r>
+            <a:r>
+              <a:rPr lang="sv-SE" sz="3200" b="1" dirty="0" err="1"/>
+              <a:t>value</a:t>
+            </a:r>
+            <a:r>
+              <a:rPr lang="sv-SE" sz="3200" dirty="0"/>
+              <a:t>.</a:t>
+            </a:r>
+          </a:p>
+          <a:p>
+            <a:r>
+              <a:rPr lang="sv-SE" sz="3200" dirty="0" err="1"/>
+              <a:t>More</a:t>
+            </a:r>
+            <a:r>
+              <a:rPr lang="sv-SE" sz="3200" dirty="0"/>
+              <a:t> </a:t>
+            </a:r>
+            <a:r>
+              <a:rPr lang="sv-SE" sz="3200" dirty="0" err="1"/>
+              <a:t>confusion</a:t>
+            </a:r>
+            <a:r>
+              <a:rPr lang="sv-SE" sz="3200" dirty="0"/>
+              <a:t> risk </a:t>
+            </a:r>
+            <a:r>
+              <a:rPr lang="sv-SE" sz="3200" dirty="0" err="1"/>
+              <a:t>when</a:t>
+            </a:r>
+            <a:r>
+              <a:rPr lang="sv-SE" sz="3200" dirty="0"/>
+              <a:t> </a:t>
+            </a:r>
+            <a:r>
+              <a:rPr lang="sv-SE" sz="3200" dirty="0" err="1"/>
+              <a:t>errors</a:t>
+            </a:r>
+            <a:r>
+              <a:rPr lang="sv-SE" sz="3200" dirty="0"/>
+              <a:t> </a:t>
+            </a:r>
+            <a:r>
+              <a:rPr lang="sv-SE" sz="3200" dirty="0" err="1"/>
+              <a:t>are</a:t>
+            </a:r>
+            <a:r>
+              <a:rPr lang="sv-SE" sz="3200" dirty="0"/>
+              <a:t> to be </a:t>
+            </a:r>
+            <a:r>
+              <a:rPr lang="sv-SE" sz="3200" dirty="0" err="1"/>
+              <a:t>diagnosed</a:t>
+            </a:r>
+            <a:r>
+              <a:rPr lang="sv-SE" sz="3200" dirty="0"/>
+              <a:t>.</a:t>
+            </a:r>
+          </a:p>
+        </p:txBody>
+      </p:sp>
+    </p:spTree>
+    <p:extLst>
+      <p:ext uri="{BB962C8B-B14F-4D97-AF65-F5344CB8AC3E}">
+        <p14:creationId xmlns:p14="http://schemas.microsoft.com/office/powerpoint/2010/main" val="380184524"/>
+      </p:ext>
+    </p:extLst>
+  </p:cSld>
+  <p:clrMapOvr>
+    <a:masterClrMapping/>
+  </p:clrMapOvr>
+</p:sld>
+</file>
+
+<file path=ppt/slides/slide8.xml><?xml version="1.0" encoding="utf-8"?>
+<p:sld xmlns:a="http://schemas.openxmlformats.org/drawingml/2006/main" xmlns:r="http://schemas.openxmlformats.org/officeDocument/2006/relationships" xmlns:p="http://schemas.openxmlformats.org/presentationml/2006/main">
+  <p:cSld>
+    <p:bg>
+      <p:bgPr>
+        <a:solidFill>
+          <a:schemeClr val="bg1"/>
+        </a:solidFill>
+        <a:effectLst/>
+      </p:bgPr>
+    </p:bg>
+    <p:spTree>
+      <p:nvGrpSpPr>
+        <p:cNvPr id="1" name=""/>
+        <p:cNvGrpSpPr/>
+        <p:nvPr/>
+      </p:nvGrpSpPr>
+      <p:grpSpPr>
+        <a:xfrm>
+          <a:off x="0" y="0"/>
+          <a:ext cx="0" cy="0"/>
+          <a:chOff x="0" y="0"/>
+          <a:chExt cx="0" cy="0"/>
+        </a:xfrm>
+      </p:grpSpPr>
+      <p:sp useBgFill="1">
+        <p:nvSpPr>
+          <p:cNvPr id="8" name="Rectangle 7">
+            <a:extLst>
+              <a:ext uri="{FF2B5EF4-FFF2-40B4-BE49-F238E27FC236}">
+                <a16:creationId xmlns:a16="http://schemas.microsoft.com/office/drawing/2014/main" id="{1B15ED52-F352-441B-82BF-E0EA34836D08}"/>
+              </a:ext>
+              <a:ext uri="{C183D7F6-B498-43B3-948B-1728B52AA6E4}">
+                <adec:decorative xmlns:adec="http://schemas.microsoft.com/office/drawing/2017/decorative" val="1"/>
+              </a:ext>
+            </a:extLst>
+          </p:cNvPr>
+          <p:cNvSpPr>
+            <a:spLocks noGrp="1" noRot="1" noChangeAspect="1" noMove="1" noResize="1" noEditPoints="1" noAdjustHandles="1" noChangeArrowheads="1" noChangeShapeType="1" noTextEdit="1"/>
+          </p:cNvSpPr>
+          <p:nvPr>
+            <p:extLst>
+              <p:ext uri="{386F3935-93C4-4BCD-93E2-E3B085C9AB24}">
+                <p16:designElem xmlns:p16="http://schemas.microsoft.com/office/powerpoint/2015/main" val="1"/>
+              </p:ext>
+            </p:extLst>
+          </p:nvPr>
+        </p:nvSpPr>
+        <p:spPr>
+          <a:xfrm>
+            <a:off x="0" y="0"/>
+            <a:ext cx="12192000" cy="6858000"/>
+          </a:xfrm>
+          <a:prstGeom prst="rect">
+            <a:avLst/>
+          </a:prstGeom>
+          <a:ln w="12700" cap="flat" cmpd="sng" algn="ctr">
+            <a:noFill/>
+            <a:prstDash val="solid"/>
+            <a:miter lim="800000"/>
+          </a:ln>
+          <a:effectLst/>
+          <a:extLst>
+            <a:ext uri="{91240B29-F687-4F45-9708-019B960494DF}">
+              <a14:hiddenLine xmlns:a14="http://schemas.microsoft.com/office/drawing/2010/main" w="12700" cap="flat" cmpd="sng" algn="ctr">
+                <a:solidFill>
+                  <a:schemeClr val="accent1">
+                    <a:shade val="50000"/>
+                  </a:schemeClr>
+                </a:solidFill>
+                <a:prstDash val="solid"/>
+                <a:miter lim="800000"/>
+              </a14:hiddenLine>
+            </a:ext>
+          </a:extLst>
+        </p:spPr>
+        <p:style>
+          <a:lnRef idx="2">
+            <a:schemeClr val="accent1">
+              <a:shade val="50000"/>
+            </a:schemeClr>
+          </a:lnRef>
+          <a:fillRef idx="1">
+            <a:schemeClr val="accent1"/>
+          </a:fillRef>
+          <a:effectRef idx="0">
+            <a:schemeClr val="accent1"/>
+          </a:effectRef>
+          <a:fontRef idx="minor">
+            <a:schemeClr val="lt1"/>
+          </a:fontRef>
+        </p:style>
+        <p:txBody>
+          <a:bodyPr rtlCol="0" anchor="ctr"/>
+          <a:lstStyle/>
+          <a:p>
+            <a:pPr marL="0" marR="0" lvl="0" indent="0" algn="ctr" defTabSz="914400" rtl="0" eaLnBrk="1" fontAlgn="auto" latinLnBrk="0" hangingPunct="1">
+              <a:lnSpc>
+                <a:spcPct val="100000"/>
+              </a:lnSpc>
+              <a:spcBef>
+                <a:spcPts val="0"/>
+              </a:spcBef>
+              <a:spcAft>
+                <a:spcPts val="0"/>
+              </a:spcAft>
+              <a:buClrTx/>
+              <a:buSzTx/>
+              <a:buFontTx/>
+              <a:buNone/>
+              <a:tabLst/>
+              <a:defRPr/>
+            </a:pPr>
+            <a:endParaRPr kumimoji="0" lang="en-US" sz="1800" b="0" i="0" u="none" strike="noStrike" kern="1200" cap="none" spc="0" normalizeH="0" baseline="0" noProof="0">
+              <a:ln>
+                <a:noFill/>
+              </a:ln>
+              <a:solidFill>
+                <a:prstClr val="white"/>
+              </a:solidFill>
+              <a:effectLst/>
+              <a:uLnTx/>
+              <a:uFillTx/>
+              <a:latin typeface="Calibri" panose="020F0502020204030204"/>
+              <a:ea typeface="+mn-ea"/>
+              <a:cs typeface="+mn-cs"/>
+            </a:endParaRPr>
+          </a:p>
+        </p:txBody>
+      </p:sp>
+      <p:sp>
+        <p:nvSpPr>
+          <p:cNvPr id="10" name="Rectangle 9">
+            <a:extLst>
+              <a:ext uri="{FF2B5EF4-FFF2-40B4-BE49-F238E27FC236}">
+                <a16:creationId xmlns:a16="http://schemas.microsoft.com/office/drawing/2014/main" id="{3B2E3793-BFE6-45A2-9B7B-E18844431C99}"/>
+              </a:ext>
+              <a:ext uri="{C183D7F6-B498-43B3-948B-1728B52AA6E4}">
+                <adec:decorative xmlns:adec="http://schemas.microsoft.com/office/drawing/2017/decorative" val="1"/>
+              </a:ext>
+            </a:extLst>
+          </p:cNvPr>
+          <p:cNvSpPr>
+            <a:spLocks noGrp="1" noRot="1" noChangeAspect="1" noMove="1" noResize="1" noEditPoints="1" noAdjustHandles="1" noChangeArrowheads="1" noChangeShapeType="1" noTextEdit="1"/>
+          </p:cNvSpPr>
+          <p:nvPr>
+            <p:extLst>
+              <p:ext uri="{386F3935-93C4-4BCD-93E2-E3B085C9AB24}">
+                <p16:designElem xmlns:p16="http://schemas.microsoft.com/office/powerpoint/2015/main" val="1"/>
+              </p:ext>
+            </p:extLst>
+          </p:nvPr>
+        </p:nvSpPr>
+        <p:spPr>
+          <a:xfrm flipH="1">
+            <a:off x="-1" y="-1"/>
+            <a:ext cx="12191998" cy="1590742"/>
+          </a:xfrm>
+          <a:prstGeom prst="rect">
+            <a:avLst/>
+          </a:prstGeom>
+          <a:gradFill>
+            <a:gsLst>
+              <a:gs pos="0">
+                <a:srgbClr val="000000"/>
+              </a:gs>
+              <a:gs pos="100000">
+                <a:schemeClr val="accent1">
+                  <a:lumMod val="75000"/>
+                </a:schemeClr>
+              </a:gs>
+            </a:gsLst>
+            <a:lin ang="8400000" scaled="0"/>
+          </a:gradFill>
+          <a:ln>
+            <a:noFill/>
+          </a:ln>
+        </p:spPr>
+        <p:style>
+          <a:lnRef idx="2">
+            <a:schemeClr val="accent1">
+              <a:shade val="50000"/>
+            </a:schemeClr>
+          </a:lnRef>
+          <a:fillRef idx="1">
+            <a:schemeClr val="accent1"/>
+          </a:fillRef>
+          <a:effectRef idx="0">
+            <a:schemeClr val="accent1"/>
+          </a:effectRef>
+          <a:fontRef idx="minor">
+            <a:schemeClr val="lt1"/>
+          </a:fontRef>
+        </p:style>
+        <p:txBody>
+          <a:bodyPr rtlCol="0" anchor="ctr"/>
+          <a:lstStyle/>
+          <a:p>
+            <a:pPr marL="0" marR="0" lvl="0" indent="0" algn="ctr" defTabSz="914400" rtl="0" eaLnBrk="1" fontAlgn="auto" latinLnBrk="0" hangingPunct="1">
+              <a:lnSpc>
+                <a:spcPct val="100000"/>
+              </a:lnSpc>
+              <a:spcBef>
+                <a:spcPts val="0"/>
+              </a:spcBef>
+              <a:spcAft>
+                <a:spcPts val="0"/>
+              </a:spcAft>
+              <a:buClrTx/>
+              <a:buSzTx/>
+              <a:buFontTx/>
+              <a:buNone/>
+              <a:tabLst/>
+              <a:defRPr/>
+            </a:pPr>
+            <a:endParaRPr kumimoji="0" lang="en-US" sz="1800" b="0" i="0" u="none" strike="noStrike" kern="1200" cap="none" spc="0" normalizeH="0" baseline="0" noProof="0">
+              <a:ln>
+                <a:noFill/>
+              </a:ln>
+              <a:solidFill>
+                <a:prstClr val="white"/>
+              </a:solidFill>
+              <a:effectLst/>
+              <a:uLnTx/>
+              <a:uFillTx/>
+              <a:latin typeface="Calibri" panose="020F0502020204030204"/>
+              <a:ea typeface="+mn-ea"/>
+              <a:cs typeface="+mn-cs"/>
+            </a:endParaRPr>
+          </a:p>
+        </p:txBody>
+      </p:sp>
+      <p:sp>
+        <p:nvSpPr>
+          <p:cNvPr id="12" name="Rectangle 11">
+            <a:extLst>
+              <a:ext uri="{FF2B5EF4-FFF2-40B4-BE49-F238E27FC236}">
+                <a16:creationId xmlns:a16="http://schemas.microsoft.com/office/drawing/2014/main" id="{BC4C4868-CB8F-4AF9-9CDB-8108F2C19B67}"/>
+              </a:ext>
+              <a:ext uri="{C183D7F6-B498-43B3-948B-1728B52AA6E4}">
+                <adec:decorative xmlns:adec="http://schemas.microsoft.com/office/drawing/2017/decorative" val="1"/>
+              </a:ext>
+            </a:extLst>
+          </p:cNvPr>
+          <p:cNvSpPr>
+            <a:spLocks noGrp="1" noRot="1" noChangeAspect="1" noMove="1" noResize="1" noEditPoints="1" noAdjustHandles="1" noChangeArrowheads="1" noChangeShapeType="1" noTextEdit="1"/>
+          </p:cNvSpPr>
+          <p:nvPr>
+            <p:extLst>
+              <p:ext uri="{386F3935-93C4-4BCD-93E2-E3B085C9AB24}">
+                <p16:designElem xmlns:p16="http://schemas.microsoft.com/office/powerpoint/2015/main" val="1"/>
+              </p:ext>
+            </p:extLst>
+          </p:nvPr>
+        </p:nvSpPr>
+        <p:spPr>
+          <a:xfrm rot="10800000" flipH="1">
+            <a:off x="-3" y="0"/>
+            <a:ext cx="8115306" cy="1590742"/>
+          </a:xfrm>
+          <a:prstGeom prst="rect">
+            <a:avLst/>
+          </a:prstGeom>
+          <a:gradFill>
+            <a:gsLst>
+              <a:gs pos="20000">
+                <a:schemeClr val="accent1">
+                  <a:alpha val="0"/>
+                </a:schemeClr>
+              </a:gs>
+              <a:gs pos="100000">
+                <a:schemeClr val="accent1">
+                  <a:lumMod val="50000"/>
+                  <a:alpha val="55000"/>
+                </a:schemeClr>
+              </a:gs>
+            </a:gsLst>
+            <a:lin ang="13800000" scaled="0"/>
+          </a:gradFill>
+          <a:ln>
+            <a:noFill/>
+          </a:ln>
+        </p:spPr>
+        <p:style>
+          <a:lnRef idx="2">
+            <a:schemeClr val="accent1">
+              <a:shade val="50000"/>
+            </a:schemeClr>
+          </a:lnRef>
+          <a:fillRef idx="1">
+            <a:schemeClr val="accent1"/>
+          </a:fillRef>
+          <a:effectRef idx="0">
+            <a:schemeClr val="accent1"/>
+          </a:effectRef>
+          <a:fontRef idx="minor">
+            <a:schemeClr val="lt1"/>
+          </a:fontRef>
+        </p:style>
+        <p:txBody>
+          <a:bodyPr rtlCol="0" anchor="ctr"/>
+          <a:lstStyle/>
+          <a:p>
+            <a:pPr marL="0" marR="0" lvl="0" indent="0" algn="ctr" defTabSz="914400" rtl="0" eaLnBrk="1" fontAlgn="auto" latinLnBrk="0" hangingPunct="1">
+              <a:lnSpc>
+                <a:spcPct val="100000"/>
+              </a:lnSpc>
+              <a:spcBef>
+                <a:spcPts val="0"/>
+              </a:spcBef>
+              <a:spcAft>
+                <a:spcPts val="0"/>
+              </a:spcAft>
+              <a:buClrTx/>
+              <a:buSzTx/>
+              <a:buFontTx/>
+              <a:buNone/>
+              <a:tabLst/>
+              <a:defRPr/>
+            </a:pPr>
+            <a:endParaRPr kumimoji="0" lang="en-US" sz="1800" b="0" i="0" u="none" strike="noStrike" kern="1200" cap="none" spc="0" normalizeH="0" baseline="0" noProof="0">
+              <a:ln>
+                <a:noFill/>
+              </a:ln>
+              <a:solidFill>
+                <a:prstClr val="white"/>
+              </a:solidFill>
+              <a:effectLst/>
+              <a:uLnTx/>
+              <a:uFillTx/>
+              <a:latin typeface="Calibri" panose="020F0502020204030204"/>
+              <a:ea typeface="+mn-ea"/>
+              <a:cs typeface="+mn-cs"/>
+            </a:endParaRPr>
+          </a:p>
+        </p:txBody>
+      </p:sp>
+      <p:sp>
+        <p:nvSpPr>
+          <p:cNvPr id="14" name="Rectangle 13">
+            <a:extLst>
+              <a:ext uri="{FF2B5EF4-FFF2-40B4-BE49-F238E27FC236}">
+                <a16:creationId xmlns:a16="http://schemas.microsoft.com/office/drawing/2014/main" id="{375E0459-6403-40CD-989D-56A4407CA12E}"/>
+              </a:ext>
+              <a:ext uri="{C183D7F6-B498-43B3-948B-1728B52AA6E4}">
+                <adec:decorative xmlns:adec="http://schemas.microsoft.com/office/drawing/2017/decorative" val="1"/>
+              </a:ext>
+            </a:extLst>
+          </p:cNvPr>
+          <p:cNvSpPr>
+            <a:spLocks noGrp="1" noRot="1" noChangeAspect="1" noMove="1" noResize="1" noEditPoints="1" noAdjustHandles="1" noChangeArrowheads="1" noChangeShapeType="1" noTextEdit="1"/>
+          </p:cNvSpPr>
+          <p:nvPr>
+            <p:extLst>
+              <p:ext uri="{386F3935-93C4-4BCD-93E2-E3B085C9AB24}">
+                <p16:designElem xmlns:p16="http://schemas.microsoft.com/office/powerpoint/2015/main" val="1"/>
+              </p:ext>
+            </p:extLst>
+          </p:nvPr>
+        </p:nvSpPr>
+        <p:spPr>
+          <a:xfrm flipH="1">
+            <a:off x="8115299" y="-1"/>
+            <a:ext cx="4076698" cy="1590742"/>
+          </a:xfrm>
+          <a:prstGeom prst="rect">
+            <a:avLst/>
+          </a:prstGeom>
+          <a:gradFill>
+            <a:gsLst>
+              <a:gs pos="0">
+                <a:schemeClr val="accent1">
+                  <a:alpha val="66000"/>
+                </a:schemeClr>
+              </a:gs>
+              <a:gs pos="100000">
+                <a:srgbClr val="000000">
+                  <a:alpha val="30000"/>
+                </a:srgbClr>
+              </a:gs>
+            </a:gsLst>
+            <a:lin ang="13200000" scaled="0"/>
+          </a:gradFill>
+          <a:ln>
+            <a:noFill/>
+          </a:ln>
+        </p:spPr>
+        <p:style>
+          <a:lnRef idx="2">
+            <a:schemeClr val="accent1">
+              <a:shade val="50000"/>
+            </a:schemeClr>
+          </a:lnRef>
+          <a:fillRef idx="1">
+            <a:schemeClr val="accent1"/>
+          </a:fillRef>
+          <a:effectRef idx="0">
+            <a:schemeClr val="accent1"/>
+          </a:effectRef>
+          <a:fontRef idx="minor">
+            <a:schemeClr val="lt1"/>
+          </a:fontRef>
+        </p:style>
+        <p:txBody>
+          <a:bodyPr rtlCol="0" anchor="ctr"/>
+          <a:lstStyle/>
+          <a:p>
+            <a:pPr marL="0" marR="0" lvl="0" indent="0" algn="ctr" defTabSz="914400" rtl="0" eaLnBrk="1" fontAlgn="auto" latinLnBrk="0" hangingPunct="1">
+              <a:lnSpc>
+                <a:spcPct val="100000"/>
+              </a:lnSpc>
+              <a:spcBef>
+                <a:spcPts val="0"/>
+              </a:spcBef>
+              <a:spcAft>
+                <a:spcPts val="0"/>
+              </a:spcAft>
+              <a:buClrTx/>
+              <a:buSzTx/>
+              <a:buFontTx/>
+              <a:buNone/>
+              <a:tabLst/>
+              <a:defRPr/>
+            </a:pPr>
+            <a:endParaRPr kumimoji="0" lang="en-US" sz="1800" b="0" i="0" u="none" strike="noStrike" kern="1200" cap="none" spc="0" normalizeH="0" baseline="0" noProof="0">
+              <a:ln>
+                <a:noFill/>
+              </a:ln>
+              <a:solidFill>
+                <a:prstClr val="white"/>
+              </a:solidFill>
+              <a:effectLst/>
+              <a:uLnTx/>
+              <a:uFillTx/>
+              <a:latin typeface="Calibri" panose="020F0502020204030204"/>
+              <a:ea typeface="+mn-ea"/>
+              <a:cs typeface="+mn-cs"/>
+            </a:endParaRPr>
+          </a:p>
+        </p:txBody>
+      </p:sp>
+      <p:sp>
+        <p:nvSpPr>
+          <p:cNvPr id="16" name="Rectangle 15">
+            <a:extLst>
+              <a:ext uri="{FF2B5EF4-FFF2-40B4-BE49-F238E27FC236}">
+                <a16:creationId xmlns:a16="http://schemas.microsoft.com/office/drawing/2014/main" id="{53E5B1A8-3AC9-4BD1-9BBC-78CA94F2D1BA}"/>
+              </a:ext>
+              <a:ext uri="{C183D7F6-B498-43B3-948B-1728B52AA6E4}">
+                <adec:decorative xmlns:adec="http://schemas.microsoft.com/office/drawing/2017/decorative" val="1"/>
+              </a:ext>
+            </a:extLst>
+          </p:cNvPr>
+          <p:cNvSpPr>
+            <a:spLocks noGrp="1" noRot="1" noChangeAspect="1" noMove="1" noResize="1" noEditPoints="1" noAdjustHandles="1" noChangeArrowheads="1" noChangeShapeType="1" noTextEdit="1"/>
+          </p:cNvSpPr>
+          <p:nvPr>
+            <p:extLst>
+              <p:ext uri="{386F3935-93C4-4BCD-93E2-E3B085C9AB24}">
+                <p16:designElem xmlns:p16="http://schemas.microsoft.com/office/powerpoint/2015/main" val="1"/>
+              </p:ext>
+            </p:extLst>
+          </p:nvPr>
+        </p:nvSpPr>
+        <p:spPr>
+          <a:xfrm>
+            <a:off x="459350" y="-1"/>
+            <a:ext cx="11732646" cy="1597433"/>
+          </a:xfrm>
+          <a:prstGeom prst="rect">
+            <a:avLst/>
+          </a:prstGeom>
+          <a:gradFill>
+            <a:gsLst>
+              <a:gs pos="50000">
+                <a:srgbClr val="000000">
+                  <a:alpha val="0"/>
+                </a:srgbClr>
+              </a:gs>
+              <a:gs pos="99000">
+                <a:schemeClr val="accent1">
+                  <a:lumMod val="50000"/>
+                  <a:alpha val="52000"/>
+                </a:schemeClr>
+              </a:gs>
+            </a:gsLst>
+            <a:lin ang="16800000" scaled="0"/>
+          </a:gradFill>
+          <a:ln>
+            <a:noFill/>
+          </a:ln>
+        </p:spPr>
+        <p:style>
+          <a:lnRef idx="2">
+            <a:schemeClr val="accent1">
+              <a:shade val="50000"/>
+            </a:schemeClr>
+          </a:lnRef>
+          <a:fillRef idx="1">
+            <a:schemeClr val="accent1"/>
+          </a:fillRef>
+          <a:effectRef idx="0">
+            <a:schemeClr val="accent1"/>
+          </a:effectRef>
+          <a:fontRef idx="minor">
+            <a:schemeClr val="lt1"/>
+          </a:fontRef>
+        </p:style>
+        <p:txBody>
+          <a:bodyPr rtlCol="0" anchor="ctr"/>
+          <a:lstStyle/>
+          <a:p>
+            <a:pPr marL="0" marR="0" lvl="0" indent="0" algn="ctr" defTabSz="914400" rtl="0" eaLnBrk="1" fontAlgn="auto" latinLnBrk="0" hangingPunct="1">
+              <a:lnSpc>
+                <a:spcPct val="100000"/>
+              </a:lnSpc>
+              <a:spcBef>
+                <a:spcPts val="0"/>
+              </a:spcBef>
+              <a:spcAft>
+                <a:spcPts val="0"/>
+              </a:spcAft>
+              <a:buClrTx/>
+              <a:buSzTx/>
+              <a:buFontTx/>
+              <a:buNone/>
+              <a:tabLst/>
+              <a:defRPr/>
+            </a:pPr>
+            <a:endParaRPr kumimoji="0" lang="en-US" sz="1800" b="0" i="0" u="none" strike="noStrike" kern="1200" cap="none" spc="0" normalizeH="0" baseline="0" noProof="0">
+              <a:ln>
+                <a:noFill/>
+              </a:ln>
+              <a:solidFill>
+                <a:prstClr val="white"/>
+              </a:solidFill>
+              <a:effectLst/>
+              <a:uLnTx/>
+              <a:uFillTx/>
+              <a:latin typeface="Calibri" panose="020F0502020204030204"/>
+              <a:ea typeface="+mn-ea"/>
+              <a:cs typeface="+mn-cs"/>
+            </a:endParaRPr>
+          </a:p>
+        </p:txBody>
+      </p:sp>
+      <p:sp>
+        <p:nvSpPr>
+          <p:cNvPr id="2" name="Rubrik 1">
+            <a:extLst>
+              <a:ext uri="{FF2B5EF4-FFF2-40B4-BE49-F238E27FC236}">
+                <a16:creationId xmlns:a16="http://schemas.microsoft.com/office/drawing/2014/main" id="{5061A874-0FDA-27C5-E207-92E76593A7C4}"/>
+              </a:ext>
+            </a:extLst>
+          </p:cNvPr>
+          <p:cNvSpPr>
+            <a:spLocks noGrp="1"/>
+          </p:cNvSpPr>
+          <p:nvPr>
+            <p:ph type="title"/>
+          </p:nvPr>
+        </p:nvSpPr>
+        <p:spPr>
+          <a:xfrm>
+            <a:off x="1371599" y="294538"/>
+            <a:ext cx="9895951" cy="1033669"/>
+          </a:xfrm>
+        </p:spPr>
+        <p:txBody>
+          <a:bodyPr>
+            <a:normAutofit/>
+          </a:bodyPr>
+          <a:lstStyle/>
+          <a:p>
+            <a:r>
+              <a:rPr lang="sv-SE" sz="4000" dirty="0" err="1">
+                <a:solidFill>
+                  <a:srgbClr val="FFFFFF"/>
+                </a:solidFill>
+              </a:rPr>
+              <a:t>Example</a:t>
+            </a:r>
+            <a:r>
+              <a:rPr lang="sv-SE" sz="4000" dirty="0">
+                <a:solidFill>
+                  <a:srgbClr val="FFFFFF"/>
+                </a:solidFill>
+              </a:rPr>
+              <a:t> </a:t>
+            </a:r>
+            <a:r>
+              <a:rPr lang="sv-SE" sz="4000" dirty="0" err="1">
+                <a:solidFill>
+                  <a:srgbClr val="FFFFFF"/>
+                </a:solidFill>
+              </a:rPr>
+              <a:t>of</a:t>
+            </a:r>
+            <a:r>
+              <a:rPr lang="sv-SE" sz="4000" dirty="0">
+                <a:solidFill>
+                  <a:srgbClr val="FFFFFF"/>
+                </a:solidFill>
+              </a:rPr>
+              <a:t> alternative approach</a:t>
+            </a:r>
+            <a:endParaRPr lang="LID4096" sz="4000" dirty="0">
+              <a:solidFill>
+                <a:srgbClr val="FFFFFF"/>
+              </a:solidFill>
+            </a:endParaRPr>
+          </a:p>
+        </p:txBody>
+      </p:sp>
+      <p:sp>
+        <p:nvSpPr>
+          <p:cNvPr id="3" name="Platshållare för innehåll 2">
+            <a:extLst>
+              <a:ext uri="{FF2B5EF4-FFF2-40B4-BE49-F238E27FC236}">
+                <a16:creationId xmlns:a16="http://schemas.microsoft.com/office/drawing/2014/main" id="{2A4FF5C8-FFF5-6199-97CC-74043C45FA89}"/>
+              </a:ext>
+            </a:extLst>
+          </p:cNvPr>
+          <p:cNvSpPr>
+            <a:spLocks noGrp="1"/>
+          </p:cNvSpPr>
+          <p:nvPr>
+            <p:ph idx="1"/>
+          </p:nvPr>
+        </p:nvSpPr>
+        <p:spPr>
+          <a:xfrm>
+            <a:off x="1371599" y="1885279"/>
+            <a:ext cx="9724031" cy="4569462"/>
+          </a:xfrm>
+        </p:spPr>
+        <p:txBody>
+          <a:bodyPr anchor="ctr">
+            <a:noAutofit/>
           </a:bodyPr>
           <a:lstStyle/>
           <a:p>
@@ -8292,6 +10701,74 @@
               </a:rPr>
             </a:br>
             <a:r>
+              <a:rPr kumimoji="0" lang="sv-SE" sz="1600" b="0" i="0" u="none" kern="1200" cap="none" spc="0" normalizeH="0" baseline="0" noProof="0" dirty="0">
+                <a:ln>
+                  <a:noFill/>
+                </a:ln>
+                <a:solidFill>
+                  <a:prstClr val="black"/>
+                </a:solidFill>
+                <a:effectLst/>
+                <a:uLnTx/>
+                <a:uFillTx/>
+                <a:latin typeface="Arial" panose="020B0604020202020204" pitchFamily="34" charset="0"/>
+                <a:ea typeface="+mn-ea"/>
+                <a:cs typeface="Arial" panose="020B0604020202020204" pitchFamily="34" charset="0"/>
+              </a:rPr>
+              <a:t>    </a:t>
+            </a:r>
+            <a:r>
+              <a:rPr kumimoji="0" lang="sv-SE" sz="1600" b="1" i="0" u="none" strike="sngStrike" kern="1200" cap="none" spc="0" normalizeH="0" baseline="0" noProof="0" dirty="0" err="1">
+                <a:ln>
+                  <a:noFill/>
+                </a:ln>
+                <a:solidFill>
+                  <a:prstClr val="black"/>
+                </a:solidFill>
+                <a:effectLst/>
+                <a:uLnTx/>
+                <a:uFillTx/>
+                <a:latin typeface="Arial" panose="020B0604020202020204" pitchFamily="34" charset="0"/>
+                <a:ea typeface="+mn-ea"/>
+                <a:cs typeface="Arial" panose="020B0604020202020204" pitchFamily="34" charset="0"/>
+              </a:rPr>
+              <a:t>typename</a:t>
+            </a:r>
+            <a:r>
+              <a:rPr kumimoji="0" lang="sv-SE" sz="1600" b="1" i="0" u="none" kern="1200" cap="none" spc="0" normalizeH="0" baseline="0" noProof="0" dirty="0">
+                <a:ln>
+                  <a:noFill/>
+                </a:ln>
+                <a:solidFill>
+                  <a:prstClr val="black"/>
+                </a:solidFill>
+                <a:effectLst/>
+                <a:uLnTx/>
+                <a:uFillTx/>
+                <a:latin typeface="Arial" panose="020B0604020202020204" pitchFamily="34" charset="0"/>
+                <a:ea typeface="+mn-ea"/>
+                <a:cs typeface="Arial" panose="020B0604020202020204" pitchFamily="34" charset="0"/>
+              </a:rPr>
+              <a:t> </a:t>
+            </a:r>
+            <a:r>
+              <a:rPr kumimoji="0" lang="sv-SE" sz="1600" b="0" i="0" u="none" strike="noStrike" kern="1200" cap="none" spc="0" normalizeH="0" baseline="0" noProof="0" dirty="0" err="1">
+                <a:ln>
+                  <a:noFill/>
+                </a:ln>
+                <a:solidFill>
+                  <a:prstClr val="black"/>
+                </a:solidFill>
+                <a:effectLst/>
+                <a:uLnTx/>
+                <a:uFillTx/>
+                <a:latin typeface="Arial" panose="020B0604020202020204" pitchFamily="34" charset="0"/>
+                <a:ea typeface="+mn-ea"/>
+                <a:cs typeface="Arial" panose="020B0604020202020204" pitchFamily="34" charset="0"/>
+              </a:rPr>
+              <a:t>std</a:t>
+            </a:r>
+            <a:r>
               <a:rPr kumimoji="0" lang="sv-SE" sz="1600" b="0" i="0" u="none" strike="noStrike" kern="1200" cap="none" spc="0" normalizeH="0" baseline="0" noProof="0" dirty="0">
                 <a:ln>
                   <a:noFill/>
@@ -8306,41 +10783,7 @@
                 <a:ea typeface="+mn-ea"/>
                 <a:cs typeface="Arial" panose="020B0604020202020204" pitchFamily="34" charset="0"/>
               </a:rPr>
-              <a:t>    </a:t>
-            </a:r>
-            <a:r>
-              <a:rPr kumimoji="0" lang="sv-SE" sz="1600" b="1" i="0" u="none" strike="noStrike" kern="1200" cap="none" spc="0" normalizeH="0" baseline="0" noProof="0" dirty="0" err="1">
-                <a:ln>
-                  <a:noFill/>
-                </a:ln>
-                <a:solidFill>
-                  <a:prstClr val="black"/>
-                </a:solidFill>
-                <a:effectLst/>
-                <a:uLnTx/>
-                <a:uFillTx/>
-                <a:latin typeface="Arial" panose="020B0604020202020204" pitchFamily="34" charset="0"/>
-                <a:ea typeface="+mn-ea"/>
-                <a:cs typeface="Arial" panose="020B0604020202020204" pitchFamily="34" charset="0"/>
-              </a:rPr>
-              <a:t>typename</a:t>
-            </a:r>
-            <a:r>
-              <a:rPr kumimoji="0" lang="sv-SE" sz="1600" b="1" i="0" u="none" strike="noStrike" kern="1200" cap="none" spc="0" normalizeH="0" baseline="0" noProof="0" dirty="0">
-                <a:ln>
-                  <a:noFill/>
-                </a:ln>
-                <a:solidFill>
-                  <a:prstClr val="black"/>
-                </a:solidFill>
-                <a:effectLst/>
-                <a:uLnTx/>
-                <a:uFillTx/>
-                <a:latin typeface="Arial" panose="020B0604020202020204" pitchFamily="34" charset="0"/>
-                <a:ea typeface="+mn-ea"/>
-                <a:cs typeface="Arial" panose="020B0604020202020204" pitchFamily="34" charset="0"/>
-              </a:rPr>
-              <a:t> </a:t>
+              <a:t>::</a:t>
             </a:r>
             <a:r>
               <a:rPr kumimoji="0" lang="sv-SE" sz="1600" b="0" i="0" u="none" strike="noStrike" kern="1200" cap="none" spc="0" normalizeH="0" baseline="0" noProof="0" dirty="0" err="1">
@@ -8357,7 +10800,7 @@
                 <a:ea typeface="+mn-ea"/>
                 <a:cs typeface="Arial" panose="020B0604020202020204" pitchFamily="34" charset="0"/>
               </a:rPr>
-              <a:t>std</a:t>
+              <a:t>vector</a:t>
             </a:r>
             <a:r>
               <a:rPr kumimoji="0" lang="sv-SE" sz="1600" b="0" i="0" u="none" strike="noStrike" kern="1200" cap="none" spc="0" normalizeH="0" baseline="0" noProof="0" dirty="0">
@@ -8374,7 +10817,7 @@
                 <a:ea typeface="+mn-ea"/>
                 <a:cs typeface="Arial" panose="020B0604020202020204" pitchFamily="34" charset="0"/>
               </a:rPr>
-              <a:t>::</a:t>
+              <a:t>&lt;T&gt;::</a:t>
             </a:r>
             <a:r>
               <a:rPr kumimoji="0" lang="sv-SE" sz="1600" b="0" i="0" u="none" strike="noStrike" kern="1200" cap="none" spc="0" normalizeH="0" baseline="0" noProof="0" dirty="0" err="1">
@@ -8391,7 +10834,7 @@
                 <a:ea typeface="+mn-ea"/>
                 <a:cs typeface="Arial" panose="020B0604020202020204" pitchFamily="34" charset="0"/>
               </a:rPr>
-              <a:t>vector</a:t>
+              <a:t>iterator</a:t>
             </a:r>
             <a:r>
               <a:rPr kumimoji="0" lang="sv-SE" sz="1600" b="0" i="0" u="none" strike="noStrike" kern="1200" cap="none" spc="0" normalizeH="0" baseline="0" noProof="0" dirty="0">
@@ -8408,7 +10851,7 @@
                 <a:ea typeface="+mn-ea"/>
                 <a:cs typeface="Arial" panose="020B0604020202020204" pitchFamily="34" charset="0"/>
               </a:rPr>
-              <a:t>&lt;T&gt;::</a:t>
+              <a:t> </a:t>
             </a:r>
             <a:r>
               <a:rPr kumimoji="0" lang="sv-SE" sz="1600" b="0" i="0" u="none" strike="noStrike" kern="1200" cap="none" spc="0" normalizeH="0" baseline="0" noProof="0" dirty="0" err="1">
@@ -8425,7 +10868,7 @@
                 <a:ea typeface="+mn-ea"/>
                 <a:cs typeface="Arial" panose="020B0604020202020204" pitchFamily="34" charset="0"/>
               </a:rPr>
-              <a:t>iterator</a:t>
+              <a:t>iter</a:t>
             </a:r>
             <a:r>
               <a:rPr kumimoji="0" lang="sv-SE" sz="1600" b="0" i="0" u="none" strike="noStrike" kern="1200" cap="none" spc="0" normalizeH="0" baseline="0" noProof="0" dirty="0">
@@ -8442,7 +10885,7 @@
                 <a:ea typeface="+mn-ea"/>
                 <a:cs typeface="Arial" panose="020B0604020202020204" pitchFamily="34" charset="0"/>
               </a:rPr>
-              <a:t> </a:t>
+              <a:t> = </a:t>
             </a:r>
             <a:r>
               <a:rPr kumimoji="0" lang="sv-SE" sz="1600" b="0" i="0" u="none" strike="noStrike" kern="1200" cap="none" spc="0" normalizeH="0" baseline="0" noProof="0" dirty="0" err="1">
@@ -8459,7 +10902,7 @@
                 <a:ea typeface="+mn-ea"/>
                 <a:cs typeface="Arial" panose="020B0604020202020204" pitchFamily="34" charset="0"/>
               </a:rPr>
-              <a:t>iter</a:t>
+              <a:t>v.begin</a:t>
             </a:r>
             <a:r>
               <a:rPr kumimoji="0" lang="sv-SE" sz="1600" b="0" i="0" u="none" strike="noStrike" kern="1200" cap="none" spc="0" normalizeH="0" baseline="0" noProof="0" dirty="0">
@@ -8476,26 +10919,9 @@
                 <a:ea typeface="+mn-ea"/>
                 <a:cs typeface="Arial" panose="020B0604020202020204" pitchFamily="34" charset="0"/>
               </a:rPr>
-              <a:t> = </a:t>
-            </a:r>
-            <a:r>
-              <a:rPr kumimoji="0" lang="sv-SE" sz="1600" b="0" i="0" u="none" strike="noStrike" kern="1200" cap="none" spc="0" normalizeH="0" baseline="0" noProof="0" dirty="0" err="1">
-                <a:ln>
-                  <a:noFill/>
-                </a:ln>
-                <a:solidFill>
-                  <a:prstClr val="black"/>
-                </a:solidFill>
-                <a:effectLst/>
-                <a:uLnTx/>
-                <a:uFillTx/>
-                <a:latin typeface="Arial" panose="020B0604020202020204" pitchFamily="34" charset="0"/>
-                <a:ea typeface="+mn-ea"/>
-                <a:cs typeface="Arial" panose="020B0604020202020204" pitchFamily="34" charset="0"/>
-              </a:rPr>
-              <a:t>v.begin</a:t>
-            </a:r>
-            <a:r>
+              <a:t>();</a:t>
+            </a:r>
+            <a:br>
               <a:rPr kumimoji="0" lang="sv-SE" sz="1600" b="0" i="0" u="none" strike="noStrike" kern="1200" cap="none" spc="0" normalizeH="0" baseline="0" noProof="0" dirty="0">
                 <a:ln>
                   <a:noFill/>
@@ -8508,46 +10934,6 @@
                 <a:uFillTx/>
                 <a:latin typeface="Arial" panose="020B0604020202020204" pitchFamily="34" charset="0"/>
                 <a:ea typeface="+mn-ea"/>
-                <a:cs typeface="Arial" panose="020B0604020202020204" pitchFamily="34" charset="0"/>
-              </a:rPr>
-              <a:t>()</a:t>
-            </a:r>
-            <a:r>
-              <a:rPr lang="sv-SE" sz="1600" dirty="0">
-                <a:solidFill>
-                  <a:prstClr val="black"/>
-                </a:solidFill>
-                <a:latin typeface="Arial" panose="020B0604020202020204" pitchFamily="34" charset="0"/>
-                <a:cs typeface="Arial" panose="020B0604020202020204" pitchFamily="34" charset="0"/>
-              </a:rPr>
-              <a:t>;    // </a:t>
-            </a:r>
-            <a:r>
-              <a:rPr lang="sv-SE" sz="1600" dirty="0" err="1">
-                <a:solidFill>
-                  <a:prstClr val="black"/>
-                </a:solidFill>
-                <a:latin typeface="Arial" panose="020B0604020202020204" pitchFamily="34" charset="0"/>
-                <a:cs typeface="Arial" panose="020B0604020202020204" pitchFamily="34" charset="0"/>
-              </a:rPr>
-              <a:t>Why</a:t>
-            </a:r>
-            <a:r>
-              <a:rPr lang="sv-SE" sz="1600" dirty="0">
-                <a:solidFill>
-                  <a:prstClr val="black"/>
-                </a:solidFill>
-                <a:latin typeface="Arial" panose="020B0604020202020204" pitchFamily="34" charset="0"/>
-                <a:cs typeface="Arial" panose="020B0604020202020204" pitchFamily="34" charset="0"/>
-              </a:rPr>
-              <a:t>! Boring!</a:t>
-            </a:r>
-            <a:br>
-              <a:rPr lang="sv-SE" sz="1600" dirty="0">
-                <a:solidFill>
-                  <a:prstClr val="black"/>
-                </a:solidFill>
-                <a:latin typeface="Arial" panose="020B0604020202020204" pitchFamily="34" charset="0"/>
                 <a:cs typeface="Arial" panose="020B0604020202020204" pitchFamily="34" charset="0"/>
               </a:rPr>
             </a:br>
@@ -8580,20 +10966,313 @@
               <a:tabLst/>
               <a:defRPr/>
             </a:pPr>
-            <a:endParaRPr kumimoji="0" lang="sv-SE" sz="1600" b="0" i="0" u="none" strike="noStrike" kern="1200" cap="none" spc="0" normalizeH="0" baseline="0" noProof="0" dirty="0">
-              <a:ln>
-                <a:noFill/>
-              </a:ln>
-              <a:solidFill>
-                <a:prstClr val="black"/>
-              </a:solidFill>
-              <a:effectLst/>
-              <a:uLnTx/>
-              <a:uFillTx/>
-              <a:latin typeface="Arial" panose="020B0604020202020204" pitchFamily="34" charset="0"/>
-              <a:ea typeface="+mn-ea"/>
-              <a:cs typeface="Arial" panose="020B0604020202020204" pitchFamily="34" charset="0"/>
-            </a:endParaRPr>
+            <a:r>
+              <a:rPr lang="sv-SE" sz="1600" dirty="0">
+                <a:solidFill>
+                  <a:prstClr val="black"/>
+                </a:solidFill>
+                <a:latin typeface="Arial" panose="020B0604020202020204" pitchFamily="34" charset="0"/>
+                <a:cs typeface="Arial" panose="020B0604020202020204" pitchFamily="34" charset="0"/>
+              </a:rPr>
+              <a:t>template&lt;</a:t>
+            </a:r>
+            <a:r>
+              <a:rPr lang="sv-SE" sz="1600" dirty="0" err="1">
+                <a:solidFill>
+                  <a:prstClr val="black"/>
+                </a:solidFill>
+                <a:latin typeface="Arial" panose="020B0604020202020204" pitchFamily="34" charset="0"/>
+                <a:cs typeface="Arial" panose="020B0604020202020204" pitchFamily="34" charset="0"/>
+              </a:rPr>
+              <a:t>typename</a:t>
+            </a:r>
+            <a:r>
+              <a:rPr lang="sv-SE" sz="1600" dirty="0">
+                <a:solidFill>
+                  <a:prstClr val="black"/>
+                </a:solidFill>
+                <a:latin typeface="Arial" panose="020B0604020202020204" pitchFamily="34" charset="0"/>
+                <a:cs typeface="Arial" panose="020B0604020202020204" pitchFamily="34" charset="0"/>
+              </a:rPr>
+              <a:t> T&gt; </a:t>
+            </a:r>
+            <a:r>
+              <a:rPr lang="sv-SE" sz="1600" dirty="0" err="1">
+                <a:solidFill>
+                  <a:prstClr val="black"/>
+                </a:solidFill>
+                <a:latin typeface="Arial" panose="020B0604020202020204" pitchFamily="34" charset="0"/>
+                <a:cs typeface="Arial" panose="020B0604020202020204" pitchFamily="34" charset="0"/>
+              </a:rPr>
+              <a:t>void</a:t>
+            </a:r>
+            <a:r>
+              <a:rPr lang="sv-SE" sz="1600" dirty="0">
+                <a:solidFill>
+                  <a:prstClr val="black"/>
+                </a:solidFill>
+                <a:latin typeface="Arial" panose="020B0604020202020204" pitchFamily="34" charset="0"/>
+                <a:cs typeface="Arial" panose="020B0604020202020204" pitchFamily="34" charset="0"/>
+              </a:rPr>
+              <a:t> </a:t>
+            </a:r>
+            <a:r>
+              <a:rPr lang="sv-SE" sz="1600" dirty="0" err="1">
+                <a:solidFill>
+                  <a:prstClr val="black"/>
+                </a:solidFill>
+                <a:latin typeface="Arial" panose="020B0604020202020204" pitchFamily="34" charset="0"/>
+                <a:cs typeface="Arial" panose="020B0604020202020204" pitchFamily="34" charset="0"/>
+              </a:rPr>
+              <a:t>printIterator</a:t>
+            </a:r>
+            <a:r>
+              <a:rPr lang="sv-SE" sz="1600" dirty="0">
+                <a:solidFill>
+                  <a:prstClr val="black"/>
+                </a:solidFill>
+                <a:latin typeface="Arial" panose="020B0604020202020204" pitchFamily="34" charset="0"/>
+                <a:cs typeface="Arial" panose="020B0604020202020204" pitchFamily="34" charset="0"/>
+              </a:rPr>
+              <a:t>()</a:t>
+            </a:r>
+            <a:br>
+              <a:rPr lang="sv-SE" sz="1600" dirty="0">
+                <a:solidFill>
+                  <a:prstClr val="black"/>
+                </a:solidFill>
+                <a:latin typeface="Arial" panose="020B0604020202020204" pitchFamily="34" charset="0"/>
+                <a:cs typeface="Arial" panose="020B0604020202020204" pitchFamily="34" charset="0"/>
+              </a:rPr>
+            </a:br>
+            <a:r>
+              <a:rPr lang="sv-SE" sz="1600" dirty="0">
+                <a:solidFill>
+                  <a:prstClr val="black"/>
+                </a:solidFill>
+                <a:latin typeface="Arial" panose="020B0604020202020204" pitchFamily="34" charset="0"/>
+                <a:cs typeface="Arial" panose="020B0604020202020204" pitchFamily="34" charset="0"/>
+              </a:rPr>
+              <a:t>{</a:t>
+            </a:r>
+            <a:br>
+              <a:rPr lang="sv-SE" sz="1600" dirty="0">
+                <a:solidFill>
+                  <a:prstClr val="black"/>
+                </a:solidFill>
+                <a:latin typeface="Arial" panose="020B0604020202020204" pitchFamily="34" charset="0"/>
+                <a:cs typeface="Arial" panose="020B0604020202020204" pitchFamily="34" charset="0"/>
+              </a:rPr>
+            </a:br>
+            <a:r>
+              <a:rPr lang="sv-SE" sz="1600" dirty="0">
+                <a:solidFill>
+                  <a:prstClr val="black"/>
+                </a:solidFill>
+                <a:latin typeface="Arial" panose="020B0604020202020204" pitchFamily="34" charset="0"/>
+                <a:cs typeface="Arial" panose="020B0604020202020204" pitchFamily="34" charset="0"/>
+              </a:rPr>
+              <a:t>    </a:t>
+            </a:r>
+            <a:r>
+              <a:rPr lang="sv-SE" sz="1600" dirty="0" err="1">
+                <a:solidFill>
+                  <a:prstClr val="black"/>
+                </a:solidFill>
+                <a:latin typeface="Arial" panose="020B0604020202020204" pitchFamily="34" charset="0"/>
+                <a:cs typeface="Arial" panose="020B0604020202020204" pitchFamily="34" charset="0"/>
+              </a:rPr>
+              <a:t>std</a:t>
+            </a:r>
+            <a:r>
+              <a:rPr lang="sv-SE" sz="1600" dirty="0">
+                <a:solidFill>
+                  <a:prstClr val="black"/>
+                </a:solidFill>
+                <a:latin typeface="Arial" panose="020B0604020202020204" pitchFamily="34" charset="0"/>
+                <a:cs typeface="Arial" panose="020B0604020202020204" pitchFamily="34" charset="0"/>
+              </a:rPr>
+              <a:t>::</a:t>
+            </a:r>
+            <a:r>
+              <a:rPr lang="sv-SE" sz="1600" dirty="0" err="1">
+                <a:solidFill>
+                  <a:prstClr val="black"/>
+                </a:solidFill>
+                <a:latin typeface="Arial" panose="020B0604020202020204" pitchFamily="34" charset="0"/>
+                <a:cs typeface="Arial" panose="020B0604020202020204" pitchFamily="34" charset="0"/>
+              </a:rPr>
+              <a:t>cout</a:t>
+            </a:r>
+            <a:r>
+              <a:rPr lang="sv-SE" sz="1600" dirty="0">
+                <a:solidFill>
+                  <a:prstClr val="black"/>
+                </a:solidFill>
+                <a:latin typeface="Arial" panose="020B0604020202020204" pitchFamily="34" charset="0"/>
+                <a:cs typeface="Arial" panose="020B0604020202020204" pitchFamily="34" charset="0"/>
+              </a:rPr>
+              <a:t> &lt;&lt; </a:t>
+            </a:r>
+            <a:r>
+              <a:rPr lang="sv-SE" sz="1600" b="1" dirty="0" err="1">
+                <a:solidFill>
+                  <a:prstClr val="black"/>
+                </a:solidFill>
+                <a:latin typeface="Arial" panose="020B0604020202020204" pitchFamily="34" charset="0"/>
+                <a:cs typeface="Arial" panose="020B0604020202020204" pitchFamily="34" charset="0"/>
+              </a:rPr>
+              <a:t>valuename</a:t>
+            </a:r>
+            <a:r>
+              <a:rPr lang="sv-SE" sz="1600" b="1" dirty="0">
+                <a:solidFill>
+                  <a:prstClr val="black"/>
+                </a:solidFill>
+                <a:latin typeface="Arial" panose="020B0604020202020204" pitchFamily="34" charset="0"/>
+                <a:cs typeface="Arial" panose="020B0604020202020204" pitchFamily="34" charset="0"/>
+              </a:rPr>
+              <a:t> </a:t>
+            </a:r>
+            <a:r>
+              <a:rPr lang="sv-SE" sz="1600" dirty="0" err="1">
+                <a:solidFill>
+                  <a:prstClr val="black"/>
+                </a:solidFill>
+                <a:latin typeface="Arial" panose="020B0604020202020204" pitchFamily="34" charset="0"/>
+                <a:cs typeface="Arial" panose="020B0604020202020204" pitchFamily="34" charset="0"/>
+              </a:rPr>
+              <a:t>vector</a:t>
+            </a:r>
+            <a:r>
+              <a:rPr lang="sv-SE" sz="1600" dirty="0">
+                <a:solidFill>
+                  <a:prstClr val="black"/>
+                </a:solidFill>
+                <a:latin typeface="Arial" panose="020B0604020202020204" pitchFamily="34" charset="0"/>
+                <a:cs typeface="Arial" panose="020B0604020202020204" pitchFamily="34" charset="0"/>
+              </a:rPr>
+              <a:t>&lt;T&gt;::</a:t>
+            </a:r>
+            <a:r>
+              <a:rPr lang="sv-SE" sz="1600" dirty="0" err="1">
+                <a:solidFill>
+                  <a:prstClr val="black"/>
+                </a:solidFill>
+                <a:latin typeface="Arial" panose="020B0604020202020204" pitchFamily="34" charset="0"/>
+                <a:cs typeface="Arial" panose="020B0604020202020204" pitchFamily="34" charset="0"/>
+              </a:rPr>
+              <a:t>iterator</a:t>
+            </a:r>
+            <a:r>
+              <a:rPr lang="sv-SE" sz="1600" dirty="0">
+                <a:solidFill>
+                  <a:prstClr val="black"/>
+                </a:solidFill>
+                <a:latin typeface="Arial" panose="020B0604020202020204" pitchFamily="34" charset="0"/>
+                <a:cs typeface="Arial" panose="020B0604020202020204" pitchFamily="34" charset="0"/>
+              </a:rPr>
+              <a:t>;  // Alternative: </a:t>
+            </a:r>
+            <a:r>
+              <a:rPr lang="sv-SE" sz="1600" dirty="0" err="1">
+                <a:solidFill>
+                  <a:prstClr val="black"/>
+                </a:solidFill>
+                <a:latin typeface="Arial" panose="020B0604020202020204" pitchFamily="34" charset="0"/>
+                <a:cs typeface="Arial" panose="020B0604020202020204" pitchFamily="34" charset="0"/>
+              </a:rPr>
+              <a:t>disambiguate</a:t>
+            </a:r>
+            <a:r>
+              <a:rPr lang="sv-SE" sz="1600" dirty="0">
+                <a:solidFill>
+                  <a:prstClr val="black"/>
+                </a:solidFill>
+                <a:latin typeface="Arial" panose="020B0604020202020204" pitchFamily="34" charset="0"/>
+                <a:cs typeface="Arial" panose="020B0604020202020204" pitchFamily="34" charset="0"/>
+              </a:rPr>
+              <a:t> </a:t>
+            </a:r>
+            <a:r>
+              <a:rPr lang="sv-SE" sz="1600" dirty="0" err="1">
+                <a:solidFill>
+                  <a:prstClr val="black"/>
+                </a:solidFill>
+                <a:latin typeface="Arial" panose="020B0604020202020204" pitchFamily="34" charset="0"/>
+                <a:cs typeface="Arial" panose="020B0604020202020204" pitchFamily="34" charset="0"/>
+              </a:rPr>
+              <a:t>when</a:t>
+            </a:r>
+            <a:r>
+              <a:rPr lang="sv-SE" sz="1600" dirty="0">
+                <a:solidFill>
+                  <a:prstClr val="black"/>
+                </a:solidFill>
+                <a:latin typeface="Arial" panose="020B0604020202020204" pitchFamily="34" charset="0"/>
+                <a:cs typeface="Arial" panose="020B0604020202020204" pitchFamily="34" charset="0"/>
+              </a:rPr>
+              <a:t> </a:t>
+            </a:r>
+            <a:r>
+              <a:rPr lang="sv-SE" sz="1600" dirty="0" err="1">
+                <a:solidFill>
+                  <a:prstClr val="black"/>
+                </a:solidFill>
+                <a:latin typeface="Arial" panose="020B0604020202020204" pitchFamily="34" charset="0"/>
+                <a:cs typeface="Arial" panose="020B0604020202020204" pitchFamily="34" charset="0"/>
+              </a:rPr>
+              <a:t>expecting</a:t>
+            </a:r>
+            <a:r>
+              <a:rPr lang="sv-SE" sz="1600" dirty="0">
+                <a:solidFill>
+                  <a:prstClr val="black"/>
+                </a:solidFill>
+                <a:latin typeface="Arial" panose="020B0604020202020204" pitchFamily="34" charset="0"/>
+                <a:cs typeface="Arial" panose="020B0604020202020204" pitchFamily="34" charset="0"/>
+              </a:rPr>
+              <a:t> </a:t>
+            </a:r>
+            <a:r>
+              <a:rPr lang="sv-SE" sz="1600" dirty="0" err="1">
+                <a:solidFill>
+                  <a:prstClr val="black"/>
+                </a:solidFill>
+                <a:latin typeface="Arial" panose="020B0604020202020204" pitchFamily="34" charset="0"/>
+                <a:cs typeface="Arial" panose="020B0604020202020204" pitchFamily="34" charset="0"/>
+              </a:rPr>
+              <a:t>other</a:t>
+            </a:r>
+            <a:r>
+              <a:rPr lang="sv-SE" sz="1600" dirty="0">
+                <a:solidFill>
+                  <a:prstClr val="black"/>
+                </a:solidFill>
+                <a:latin typeface="Arial" panose="020B0604020202020204" pitchFamily="34" charset="0"/>
+                <a:cs typeface="Arial" panose="020B0604020202020204" pitchFamily="34" charset="0"/>
+              </a:rPr>
+              <a:t> kind</a:t>
+            </a:r>
+            <a:br>
+              <a:rPr lang="sv-SE" sz="1600" dirty="0">
+                <a:solidFill>
+                  <a:prstClr val="black"/>
+                </a:solidFill>
+                <a:latin typeface="Arial" panose="020B0604020202020204" pitchFamily="34" charset="0"/>
+                <a:cs typeface="Arial" panose="020B0604020202020204" pitchFamily="34" charset="0"/>
+              </a:rPr>
+            </a:br>
+            <a:r>
+              <a:rPr lang="sv-SE" sz="1600" dirty="0">
+                <a:solidFill>
+                  <a:prstClr val="black"/>
+                </a:solidFill>
+                <a:latin typeface="Arial" panose="020B0604020202020204" pitchFamily="34" charset="0"/>
+                <a:cs typeface="Arial" panose="020B0604020202020204" pitchFamily="34" charset="0"/>
+              </a:rPr>
+              <a:t>}</a:t>
+            </a:r>
           </a:p>
           <a:p>
             <a:pPr marL="0" marR="0" lvl="0" indent="0" algn="l" defTabSz="914400" rtl="0" eaLnBrk="1" fontAlgn="auto" latinLnBrk="0" hangingPunct="1">
@@ -8621,7 +11300,7 @@
                 <a:latin typeface="Arial" panose="020B0604020202020204" pitchFamily="34" charset="0"/>
                 <a:cs typeface="Arial" panose="020B0604020202020204" pitchFamily="34" charset="0"/>
               </a:rPr>
-              <a:t>template&lt;</a:t>
+              <a:t>// </a:t>
             </a:r>
             <a:r>
               <a:rPr lang="sv-SE" sz="1600" dirty="0" err="1">
@@ -8631,7 +11310,7 @@
                 <a:latin typeface="Arial" panose="020B0604020202020204" pitchFamily="34" charset="0"/>
                 <a:cs typeface="Arial" panose="020B0604020202020204" pitchFamily="34" charset="0"/>
               </a:rPr>
-              <a:t>typename</a:t>
+              <a:t>User</a:t>
             </a:r>
             <a:r>
               <a:rPr lang="sv-SE" sz="1600" dirty="0">
@@ -8641,7 +11320,7 @@
                 <a:latin typeface="Arial" panose="020B0604020202020204" pitchFamily="34" charset="0"/>
                 <a:cs typeface="Arial" panose="020B0604020202020204" pitchFamily="34" charset="0"/>
               </a:rPr>
-              <a:t> T&gt; </a:t>
+              <a:t> </a:t>
             </a:r>
             <a:r>
               <a:rPr lang="sv-SE" sz="1600" dirty="0" err="1">
@@ -8651,7 +11330,7 @@
                 <a:latin typeface="Arial" panose="020B0604020202020204" pitchFamily="34" charset="0"/>
                 <a:cs typeface="Arial" panose="020B0604020202020204" pitchFamily="34" charset="0"/>
               </a:rPr>
-              <a:t>void</a:t>
+              <a:t>changes</a:t>
             </a:r>
             <a:r>
               <a:rPr lang="sv-SE" sz="1600" dirty="0">
@@ -8661,7 +11340,7 @@
                 <a:latin typeface="Arial" panose="020B0604020202020204" pitchFamily="34" charset="0"/>
                 <a:cs typeface="Arial" panose="020B0604020202020204" pitchFamily="34" charset="0"/>
               </a:rPr>
-              <a:t> </a:t>
+              <a:t> the kind in a </a:t>
             </a:r>
             <a:r>
               <a:rPr lang="sv-SE" sz="1600" dirty="0" err="1">
@@ -8671,7 +11350,7 @@
                 <a:latin typeface="Arial" panose="020B0604020202020204" pitchFamily="34" charset="0"/>
                 <a:cs typeface="Arial" panose="020B0604020202020204" pitchFamily="34" charset="0"/>
               </a:rPr>
-              <a:t>printIter</a:t>
+              <a:t>specialization</a:t>
             </a:r>
             <a:r>
               <a:rPr lang="sv-SE" sz="1600" dirty="0">
@@ -8681,7 +11360,7 @@
                 <a:latin typeface="Arial" panose="020B0604020202020204" pitchFamily="34" charset="0"/>
                 <a:cs typeface="Arial" panose="020B0604020202020204" pitchFamily="34" charset="0"/>
               </a:rPr>
-              <a:t>()</a:t>
+              <a:t>:</a:t>
             </a:r>
             <a:br>
               <a:rPr lang="sv-SE" sz="1600" dirty="0">
@@ -8700,7 +11379,67 @@
                 <a:latin typeface="Arial" panose="020B0604020202020204" pitchFamily="34" charset="0"/>
                 <a:cs typeface="Arial" panose="020B0604020202020204" pitchFamily="34" charset="0"/>
               </a:rPr>
-              <a:t>{</a:t>
+              <a:t>template&lt;&gt; </a:t>
+            </a:r>
+            <a:r>
+              <a:rPr lang="sv-SE" sz="1600" dirty="0" err="1">
+                <a:solidFill>
+                  <a:prstClr val="black"/>
+                </a:solidFill>
+                <a:latin typeface="Arial" panose="020B0604020202020204" pitchFamily="34" charset="0"/>
+                <a:cs typeface="Arial" panose="020B0604020202020204" pitchFamily="34" charset="0"/>
+              </a:rPr>
+              <a:t>class</a:t>
+            </a:r>
+            <a:r>
+              <a:rPr lang="sv-SE" sz="1600" dirty="0">
+                <a:solidFill>
+                  <a:prstClr val="black"/>
+                </a:solidFill>
+                <a:latin typeface="Arial" panose="020B0604020202020204" pitchFamily="34" charset="0"/>
+                <a:cs typeface="Arial" panose="020B0604020202020204" pitchFamily="34" charset="0"/>
+              </a:rPr>
+              <a:t> </a:t>
+            </a:r>
+            <a:r>
+              <a:rPr lang="sv-SE" sz="1600" dirty="0" err="1">
+                <a:solidFill>
+                  <a:prstClr val="black"/>
+                </a:solidFill>
+                <a:latin typeface="Arial" panose="020B0604020202020204" pitchFamily="34" charset="0"/>
+                <a:cs typeface="Arial" panose="020B0604020202020204" pitchFamily="34" charset="0"/>
+              </a:rPr>
+              <a:t>vector</a:t>
+            </a:r>
+            <a:r>
+              <a:rPr lang="sv-SE" sz="1600" dirty="0">
+                <a:solidFill>
+                  <a:prstClr val="black"/>
+                </a:solidFill>
+                <a:latin typeface="Arial" panose="020B0604020202020204" pitchFamily="34" charset="0"/>
+                <a:cs typeface="Arial" panose="020B0604020202020204" pitchFamily="34" charset="0"/>
+              </a:rPr>
+              <a:t>&lt;</a:t>
+            </a:r>
+            <a:r>
+              <a:rPr lang="sv-SE" sz="1600" dirty="0" err="1">
+                <a:solidFill>
+                  <a:prstClr val="black"/>
+                </a:solidFill>
+                <a:latin typeface="Arial" panose="020B0604020202020204" pitchFamily="34" charset="0"/>
+                <a:cs typeface="Arial" panose="020B0604020202020204" pitchFamily="34" charset="0"/>
+              </a:rPr>
+              <a:t>MyType</a:t>
+            </a:r>
+            <a:r>
+              <a:rPr lang="sv-SE" sz="1600" dirty="0">
+                <a:solidFill>
+                  <a:prstClr val="black"/>
+                </a:solidFill>
+                <a:latin typeface="Arial" panose="020B0604020202020204" pitchFamily="34" charset="0"/>
+                <a:cs typeface="Arial" panose="020B0604020202020204" pitchFamily="34" charset="0"/>
+              </a:rPr>
+              <a:t>&gt; {</a:t>
             </a:r>
             <a:br>
               <a:rPr lang="sv-SE" sz="1600" dirty="0">
@@ -8719,187 +11458,7 @@
                 <a:latin typeface="Arial" panose="020B0604020202020204" pitchFamily="34" charset="0"/>
                 <a:cs typeface="Arial" panose="020B0604020202020204" pitchFamily="34" charset="0"/>
               </a:rPr>
-              <a:t>    </a:t>
-            </a:r>
-            <a:r>
-              <a:rPr lang="sv-SE" sz="1600" dirty="0" err="1">
-                <a:solidFill>
-                  <a:prstClr val="black"/>
-                </a:solidFill>
-                <a:latin typeface="Arial" panose="020B0604020202020204" pitchFamily="34" charset="0"/>
-                <a:cs typeface="Arial" panose="020B0604020202020204" pitchFamily="34" charset="0"/>
-              </a:rPr>
-              <a:t>std</a:t>
-            </a:r>
-            <a:r>
-              <a:rPr lang="sv-SE" sz="1600" dirty="0">
-                <a:solidFill>
-                  <a:prstClr val="black"/>
-                </a:solidFill>
-                <a:latin typeface="Arial" panose="020B0604020202020204" pitchFamily="34" charset="0"/>
-                <a:cs typeface="Arial" panose="020B0604020202020204" pitchFamily="34" charset="0"/>
-              </a:rPr>
-              <a:t>::</a:t>
-            </a:r>
-            <a:r>
-              <a:rPr lang="sv-SE" sz="1600" dirty="0" err="1">
-                <a:solidFill>
-                  <a:prstClr val="black"/>
-                </a:solidFill>
-                <a:latin typeface="Arial" panose="020B0604020202020204" pitchFamily="34" charset="0"/>
-                <a:cs typeface="Arial" panose="020B0604020202020204" pitchFamily="34" charset="0"/>
-              </a:rPr>
-              <a:t>cout</a:t>
-            </a:r>
-            <a:r>
-              <a:rPr lang="sv-SE" sz="1600" dirty="0">
-                <a:solidFill>
-                  <a:prstClr val="black"/>
-                </a:solidFill>
-                <a:latin typeface="Arial" panose="020B0604020202020204" pitchFamily="34" charset="0"/>
-                <a:cs typeface="Arial" panose="020B0604020202020204" pitchFamily="34" charset="0"/>
-              </a:rPr>
-              <a:t> &lt;&lt; </a:t>
-            </a:r>
-            <a:r>
-              <a:rPr lang="sv-SE" sz="1600" b="1" dirty="0" err="1">
-                <a:solidFill>
-                  <a:prstClr val="black"/>
-                </a:solidFill>
-                <a:latin typeface="Arial" panose="020B0604020202020204" pitchFamily="34" charset="0"/>
-                <a:cs typeface="Arial" panose="020B0604020202020204" pitchFamily="34" charset="0"/>
-              </a:rPr>
-              <a:t>valuename</a:t>
-            </a:r>
-            <a:r>
-              <a:rPr lang="sv-SE" sz="1600" b="1" dirty="0">
-                <a:solidFill>
-                  <a:prstClr val="black"/>
-                </a:solidFill>
-                <a:latin typeface="Arial" panose="020B0604020202020204" pitchFamily="34" charset="0"/>
-                <a:cs typeface="Arial" panose="020B0604020202020204" pitchFamily="34" charset="0"/>
-              </a:rPr>
-              <a:t> </a:t>
-            </a:r>
-            <a:r>
-              <a:rPr lang="sv-SE" sz="1600" dirty="0" err="1">
-                <a:solidFill>
-                  <a:prstClr val="black"/>
-                </a:solidFill>
-                <a:latin typeface="Arial" panose="020B0604020202020204" pitchFamily="34" charset="0"/>
-                <a:cs typeface="Arial" panose="020B0604020202020204" pitchFamily="34" charset="0"/>
-              </a:rPr>
-              <a:t>vector</a:t>
-            </a:r>
-            <a:r>
-              <a:rPr lang="sv-SE" sz="1600" dirty="0">
-                <a:solidFill>
-                  <a:prstClr val="black"/>
-                </a:solidFill>
-                <a:latin typeface="Arial" panose="020B0604020202020204" pitchFamily="34" charset="0"/>
-                <a:cs typeface="Arial" panose="020B0604020202020204" pitchFamily="34" charset="0"/>
-              </a:rPr>
-              <a:t>&lt;T&gt;::</a:t>
-            </a:r>
-            <a:r>
-              <a:rPr lang="sv-SE" sz="1600" dirty="0" err="1">
-                <a:solidFill>
-                  <a:prstClr val="black"/>
-                </a:solidFill>
-                <a:latin typeface="Arial" panose="020B0604020202020204" pitchFamily="34" charset="0"/>
-                <a:cs typeface="Arial" panose="020B0604020202020204" pitchFamily="34" charset="0"/>
-              </a:rPr>
-              <a:t>iterator</a:t>
-            </a:r>
-            <a:r>
-              <a:rPr lang="sv-SE" sz="1600" dirty="0">
-                <a:solidFill>
-                  <a:prstClr val="black"/>
-                </a:solidFill>
-                <a:latin typeface="Arial" panose="020B0604020202020204" pitchFamily="34" charset="0"/>
-                <a:cs typeface="Arial" panose="020B0604020202020204" pitchFamily="34" charset="0"/>
-              </a:rPr>
-              <a:t>;  // Alternative: </a:t>
-            </a:r>
-            <a:r>
-              <a:rPr lang="sv-SE" sz="1600" dirty="0" err="1">
-                <a:solidFill>
-                  <a:prstClr val="black"/>
-                </a:solidFill>
-                <a:latin typeface="Arial" panose="020B0604020202020204" pitchFamily="34" charset="0"/>
-                <a:cs typeface="Arial" panose="020B0604020202020204" pitchFamily="34" charset="0"/>
-              </a:rPr>
-              <a:t>disambiguate</a:t>
-            </a:r>
-            <a:r>
-              <a:rPr lang="sv-SE" sz="1600" dirty="0">
-                <a:solidFill>
-                  <a:prstClr val="black"/>
-                </a:solidFill>
-                <a:latin typeface="Arial" panose="020B0604020202020204" pitchFamily="34" charset="0"/>
-                <a:cs typeface="Arial" panose="020B0604020202020204" pitchFamily="34" charset="0"/>
-              </a:rPr>
-              <a:t> </a:t>
-            </a:r>
-            <a:r>
-              <a:rPr lang="sv-SE" sz="1600" dirty="0" err="1">
-                <a:solidFill>
-                  <a:prstClr val="black"/>
-                </a:solidFill>
-                <a:latin typeface="Arial" panose="020B0604020202020204" pitchFamily="34" charset="0"/>
-                <a:cs typeface="Arial" panose="020B0604020202020204" pitchFamily="34" charset="0"/>
-              </a:rPr>
-              <a:t>when</a:t>
-            </a:r>
-            <a:r>
-              <a:rPr lang="sv-SE" sz="1600" dirty="0">
-                <a:solidFill>
-                  <a:prstClr val="black"/>
-                </a:solidFill>
-                <a:latin typeface="Arial" panose="020B0604020202020204" pitchFamily="34" charset="0"/>
-                <a:cs typeface="Arial" panose="020B0604020202020204" pitchFamily="34" charset="0"/>
-              </a:rPr>
-              <a:t> </a:t>
-            </a:r>
-            <a:r>
-              <a:rPr lang="sv-SE" sz="1600" dirty="0" err="1">
-                <a:solidFill>
-                  <a:prstClr val="black"/>
-                </a:solidFill>
-                <a:latin typeface="Arial" panose="020B0604020202020204" pitchFamily="34" charset="0"/>
-                <a:cs typeface="Arial" panose="020B0604020202020204" pitchFamily="34" charset="0"/>
-              </a:rPr>
-              <a:t>expecting</a:t>
-            </a:r>
-            <a:r>
-              <a:rPr lang="sv-SE" sz="1600" dirty="0">
-                <a:solidFill>
-                  <a:prstClr val="black"/>
-                </a:solidFill>
-                <a:latin typeface="Arial" panose="020B0604020202020204" pitchFamily="34" charset="0"/>
-                <a:cs typeface="Arial" panose="020B0604020202020204" pitchFamily="34" charset="0"/>
-              </a:rPr>
-              <a:t> </a:t>
-            </a:r>
-            <a:r>
-              <a:rPr lang="sv-SE" sz="1600" dirty="0" err="1">
-                <a:solidFill>
-                  <a:prstClr val="black"/>
-                </a:solidFill>
-                <a:latin typeface="Arial" panose="020B0604020202020204" pitchFamily="34" charset="0"/>
-                <a:cs typeface="Arial" panose="020B0604020202020204" pitchFamily="34" charset="0"/>
-              </a:rPr>
-              <a:t>other</a:t>
-            </a:r>
-            <a:r>
-              <a:rPr lang="sv-SE" sz="1600" dirty="0">
-                <a:solidFill>
-                  <a:prstClr val="black"/>
-                </a:solidFill>
-                <a:latin typeface="Arial" panose="020B0604020202020204" pitchFamily="34" charset="0"/>
-                <a:cs typeface="Arial" panose="020B0604020202020204" pitchFamily="34" charset="0"/>
-              </a:rPr>
-              <a:t> kind</a:t>
+              <a:t>public:</a:t>
             </a:r>
             <a:br>
               <a:rPr lang="sv-SE" sz="1600" dirty="0">
@@ -8918,7 +11477,87 @@
                 <a:latin typeface="Arial" panose="020B0604020202020204" pitchFamily="34" charset="0"/>
                 <a:cs typeface="Arial" panose="020B0604020202020204" pitchFamily="34" charset="0"/>
               </a:rPr>
-              <a:t>}</a:t>
+              <a:t>    </a:t>
+            </a:r>
+            <a:r>
+              <a:rPr lang="sv-SE" sz="1600" dirty="0" err="1">
+                <a:solidFill>
+                  <a:prstClr val="black"/>
+                </a:solidFill>
+                <a:latin typeface="Arial" panose="020B0604020202020204" pitchFamily="34" charset="0"/>
+                <a:cs typeface="Arial" panose="020B0604020202020204" pitchFamily="34" charset="0"/>
+              </a:rPr>
+              <a:t>static</a:t>
+            </a:r>
+            <a:r>
+              <a:rPr lang="sv-SE" sz="1600" dirty="0">
+                <a:solidFill>
+                  <a:prstClr val="black"/>
+                </a:solidFill>
+                <a:latin typeface="Arial" panose="020B0604020202020204" pitchFamily="34" charset="0"/>
+                <a:cs typeface="Arial" panose="020B0604020202020204" pitchFamily="34" charset="0"/>
+              </a:rPr>
+              <a:t> </a:t>
+            </a:r>
+            <a:r>
+              <a:rPr lang="sv-SE" sz="1600" dirty="0" err="1">
+                <a:solidFill>
+                  <a:prstClr val="black"/>
+                </a:solidFill>
+                <a:latin typeface="Arial" panose="020B0604020202020204" pitchFamily="34" charset="0"/>
+                <a:cs typeface="Arial" panose="020B0604020202020204" pitchFamily="34" charset="0"/>
+              </a:rPr>
+              <a:t>const</a:t>
+            </a:r>
+            <a:r>
+              <a:rPr lang="sv-SE" sz="1600" dirty="0">
+                <a:solidFill>
+                  <a:prstClr val="black"/>
+                </a:solidFill>
+                <a:latin typeface="Arial" panose="020B0604020202020204" pitchFamily="34" charset="0"/>
+                <a:cs typeface="Arial" panose="020B0604020202020204" pitchFamily="34" charset="0"/>
+              </a:rPr>
+              <a:t> </a:t>
+            </a:r>
+            <a:r>
+              <a:rPr lang="sv-SE" sz="1600" dirty="0" err="1">
+                <a:solidFill>
+                  <a:prstClr val="black"/>
+                </a:solidFill>
+                <a:latin typeface="Arial" panose="020B0604020202020204" pitchFamily="34" charset="0"/>
+                <a:cs typeface="Arial" panose="020B0604020202020204" pitchFamily="34" charset="0"/>
+              </a:rPr>
+              <a:t>int</a:t>
+            </a:r>
+            <a:r>
+              <a:rPr lang="sv-SE" sz="1600" dirty="0">
+                <a:solidFill>
+                  <a:prstClr val="black"/>
+                </a:solidFill>
+                <a:latin typeface="Arial" panose="020B0604020202020204" pitchFamily="34" charset="0"/>
+                <a:cs typeface="Arial" panose="020B0604020202020204" pitchFamily="34" charset="0"/>
+              </a:rPr>
+              <a:t> </a:t>
+            </a:r>
+            <a:r>
+              <a:rPr lang="sv-SE" sz="1600" dirty="0" err="1">
+                <a:solidFill>
+                  <a:prstClr val="black"/>
+                </a:solidFill>
+                <a:latin typeface="Arial" panose="020B0604020202020204" pitchFamily="34" charset="0"/>
+                <a:cs typeface="Arial" panose="020B0604020202020204" pitchFamily="34" charset="0"/>
+              </a:rPr>
+              <a:t>iterator</a:t>
+            </a:r>
+            <a:r>
+              <a:rPr lang="sv-SE" sz="1600" dirty="0">
+                <a:solidFill>
+                  <a:prstClr val="black"/>
+                </a:solidFill>
+                <a:latin typeface="Arial" panose="020B0604020202020204" pitchFamily="34" charset="0"/>
+                <a:cs typeface="Arial" panose="020B0604020202020204" pitchFamily="34" charset="0"/>
+              </a:rPr>
+              <a:t> = 42;</a:t>
             </a:r>
             <a:br>
               <a:rPr lang="sv-SE" sz="1600" dirty="0">
@@ -8929,20 +11568,16 @@
                 <a:cs typeface="Arial" panose="020B0604020202020204" pitchFamily="34" charset="0"/>
               </a:rPr>
             </a:br>
-            <a:endParaRPr kumimoji="0" lang="sv-SE" sz="1600" b="0" i="0" u="none" strike="noStrike" kern="1200" cap="none" spc="0" normalizeH="0" baseline="0" noProof="0" dirty="0">
-              <a:ln>
-                <a:noFill/>
-              </a:ln>
-              <a:solidFill>
-                <a:prstClr val="black"/>
-              </a:solidFill>
-              <a:effectLst/>
-              <a:uLnTx/>
-              <a:uFillTx/>
-              <a:latin typeface="Arial" panose="020B0604020202020204" pitchFamily="34" charset="0"/>
-              <a:ea typeface="+mn-ea"/>
-              <a:cs typeface="Arial" panose="020B0604020202020204" pitchFamily="34" charset="0"/>
-            </a:endParaRPr>
+            <a:r>
+              <a:rPr lang="sv-SE" sz="1600" dirty="0">
+                <a:solidFill>
+                  <a:prstClr val="black"/>
+                </a:solidFill>
+                <a:latin typeface="Arial" panose="020B0604020202020204" pitchFamily="34" charset="0"/>
+                <a:cs typeface="Arial" panose="020B0604020202020204" pitchFamily="34" charset="0"/>
+              </a:rPr>
+              <a:t>};</a:t>
+            </a:r>
           </a:p>
           <a:p>
             <a:pPr marL="0" marR="0" lvl="0" indent="0" algn="l" defTabSz="914400" rtl="0" eaLnBrk="1" fontAlgn="auto" latinLnBrk="0" hangingPunct="1">
@@ -8963,6 +11598,16 @@
               <a:defRPr/>
             </a:pPr>
             <a:r>
+              <a:rPr lang="sv-SE" sz="1600" dirty="0" err="1">
+                <a:solidFill>
+                  <a:prstClr val="black"/>
+                </a:solidFill>
+                <a:latin typeface="Arial" panose="020B0604020202020204" pitchFamily="34" charset="0"/>
+                <a:cs typeface="Arial" panose="020B0604020202020204" pitchFamily="34" charset="0"/>
+              </a:rPr>
+              <a:t>int</a:t>
+            </a:r>
+            <a:r>
               <a:rPr lang="sv-SE" sz="1600" dirty="0">
                 <a:solidFill>
                   <a:prstClr val="black"/>
@@ -8970,7 +11615,7 @@
                 <a:latin typeface="Arial" panose="020B0604020202020204" pitchFamily="34" charset="0"/>
                 <a:cs typeface="Arial" panose="020B0604020202020204" pitchFamily="34" charset="0"/>
               </a:rPr>
-              <a:t>// </a:t>
+              <a:t> </a:t>
             </a:r>
             <a:r>
               <a:rPr lang="sv-SE" sz="1600" dirty="0" err="1">
@@ -8980,7 +11625,7 @@
                 <a:latin typeface="Arial" panose="020B0604020202020204" pitchFamily="34" charset="0"/>
                 <a:cs typeface="Arial" panose="020B0604020202020204" pitchFamily="34" charset="0"/>
               </a:rPr>
-              <a:t>User</a:t>
+              <a:t>main</a:t>
             </a:r>
             <a:r>
               <a:rPr lang="sv-SE" sz="1600" dirty="0">
@@ -8990,67 +11635,7 @@
                 <a:latin typeface="Arial" panose="020B0604020202020204" pitchFamily="34" charset="0"/>
                 <a:cs typeface="Arial" panose="020B0604020202020204" pitchFamily="34" charset="0"/>
               </a:rPr>
-              <a:t> </a:t>
-            </a:r>
-            <a:r>
-              <a:rPr lang="sv-SE" sz="1600" b="1" dirty="0" err="1">
-                <a:solidFill>
-                  <a:prstClr val="black"/>
-                </a:solidFill>
-                <a:latin typeface="Arial" panose="020B0604020202020204" pitchFamily="34" charset="0"/>
-                <a:cs typeface="Arial" panose="020B0604020202020204" pitchFamily="34" charset="0"/>
-              </a:rPr>
-              <a:t>does</a:t>
-            </a:r>
-            <a:r>
-              <a:rPr lang="sv-SE" sz="1600" dirty="0">
-                <a:solidFill>
-                  <a:prstClr val="black"/>
-                </a:solidFill>
-                <a:latin typeface="Arial" panose="020B0604020202020204" pitchFamily="34" charset="0"/>
-                <a:cs typeface="Arial" panose="020B0604020202020204" pitchFamily="34" charset="0"/>
-              </a:rPr>
-              <a:t> </a:t>
-            </a:r>
-            <a:r>
-              <a:rPr lang="sv-SE" sz="1600" dirty="0" err="1">
-                <a:solidFill>
-                  <a:prstClr val="black"/>
-                </a:solidFill>
-                <a:latin typeface="Arial" panose="020B0604020202020204" pitchFamily="34" charset="0"/>
-                <a:cs typeface="Arial" panose="020B0604020202020204" pitchFamily="34" charset="0"/>
-              </a:rPr>
-              <a:t>change</a:t>
-            </a:r>
-            <a:r>
-              <a:rPr lang="sv-SE" sz="1600" dirty="0">
-                <a:solidFill>
-                  <a:prstClr val="black"/>
-                </a:solidFill>
-                <a:latin typeface="Arial" panose="020B0604020202020204" pitchFamily="34" charset="0"/>
-                <a:cs typeface="Arial" panose="020B0604020202020204" pitchFamily="34" charset="0"/>
-              </a:rPr>
-              <a:t> the kind in a </a:t>
-            </a:r>
-            <a:r>
-              <a:rPr lang="sv-SE" sz="1600" dirty="0" err="1">
-                <a:solidFill>
-                  <a:prstClr val="black"/>
-                </a:solidFill>
-                <a:latin typeface="Arial" panose="020B0604020202020204" pitchFamily="34" charset="0"/>
-                <a:cs typeface="Arial" panose="020B0604020202020204" pitchFamily="34" charset="0"/>
-              </a:rPr>
-              <a:t>specialization</a:t>
-            </a:r>
-            <a:r>
-              <a:rPr lang="sv-SE" sz="1600" dirty="0">
-                <a:solidFill>
-                  <a:prstClr val="black"/>
-                </a:solidFill>
-                <a:latin typeface="Arial" panose="020B0604020202020204" pitchFamily="34" charset="0"/>
-                <a:cs typeface="Arial" panose="020B0604020202020204" pitchFamily="34" charset="0"/>
-              </a:rPr>
-              <a:t>.</a:t>
+              <a:t>()</a:t>
             </a:r>
             <a:br>
               <a:rPr lang="sv-SE" sz="1600" dirty="0">
@@ -9069,67 +11654,7 @@
                 <a:latin typeface="Arial" panose="020B0604020202020204" pitchFamily="34" charset="0"/>
                 <a:cs typeface="Arial" panose="020B0604020202020204" pitchFamily="34" charset="0"/>
               </a:rPr>
-              <a:t>template&lt;&gt; </a:t>
-            </a:r>
-            <a:r>
-              <a:rPr lang="sv-SE" sz="1600" dirty="0" err="1">
-                <a:solidFill>
-                  <a:prstClr val="black"/>
-                </a:solidFill>
-                <a:latin typeface="Arial" panose="020B0604020202020204" pitchFamily="34" charset="0"/>
-                <a:cs typeface="Arial" panose="020B0604020202020204" pitchFamily="34" charset="0"/>
-              </a:rPr>
-              <a:t>class</a:t>
-            </a:r>
-            <a:r>
-              <a:rPr lang="sv-SE" sz="1600" dirty="0">
-                <a:solidFill>
-                  <a:prstClr val="black"/>
-                </a:solidFill>
-                <a:latin typeface="Arial" panose="020B0604020202020204" pitchFamily="34" charset="0"/>
-                <a:cs typeface="Arial" panose="020B0604020202020204" pitchFamily="34" charset="0"/>
-              </a:rPr>
-              <a:t> </a:t>
-            </a:r>
-            <a:r>
-              <a:rPr lang="sv-SE" sz="1600" dirty="0" err="1">
-                <a:solidFill>
-                  <a:prstClr val="black"/>
-                </a:solidFill>
-                <a:latin typeface="Arial" panose="020B0604020202020204" pitchFamily="34" charset="0"/>
-                <a:cs typeface="Arial" panose="020B0604020202020204" pitchFamily="34" charset="0"/>
-              </a:rPr>
-              <a:t>vector</a:t>
-            </a:r>
-            <a:r>
-              <a:rPr lang="sv-SE" sz="1600" dirty="0">
-                <a:solidFill>
-                  <a:prstClr val="black"/>
-                </a:solidFill>
-                <a:latin typeface="Arial" panose="020B0604020202020204" pitchFamily="34" charset="0"/>
-                <a:cs typeface="Arial" panose="020B0604020202020204" pitchFamily="34" charset="0"/>
-              </a:rPr>
-              <a:t>&lt;</a:t>
-            </a:r>
-            <a:r>
-              <a:rPr lang="sv-SE" sz="1600" dirty="0" err="1">
-                <a:solidFill>
-                  <a:prstClr val="black"/>
-                </a:solidFill>
-                <a:latin typeface="Arial" panose="020B0604020202020204" pitchFamily="34" charset="0"/>
-                <a:cs typeface="Arial" panose="020B0604020202020204" pitchFamily="34" charset="0"/>
-              </a:rPr>
-              <a:t>MyType</a:t>
-            </a:r>
-            <a:r>
-              <a:rPr lang="sv-SE" sz="1600" dirty="0">
-                <a:solidFill>
-                  <a:prstClr val="black"/>
-                </a:solidFill>
-                <a:latin typeface="Arial" panose="020B0604020202020204" pitchFamily="34" charset="0"/>
-                <a:cs typeface="Arial" panose="020B0604020202020204" pitchFamily="34" charset="0"/>
-              </a:rPr>
-              <a:t>&gt; {</a:t>
+              <a:t>{</a:t>
             </a:r>
             <a:br>
               <a:rPr lang="sv-SE" sz="1600" dirty="0">
@@ -9158,7 +11683,7 @@
                 <a:latin typeface="Arial" panose="020B0604020202020204" pitchFamily="34" charset="0"/>
                 <a:cs typeface="Arial" panose="020B0604020202020204" pitchFamily="34" charset="0"/>
               </a:rPr>
-              <a:t>static</a:t>
+              <a:t>printIterator</a:t>
             </a:r>
             <a:r>
               <a:rPr lang="sv-SE" sz="1600" dirty="0">
@@ -9168,202 +11693,57 @@
                 <a:latin typeface="Arial" panose="020B0604020202020204" pitchFamily="34" charset="0"/>
                 <a:cs typeface="Arial" panose="020B0604020202020204" pitchFamily="34" charset="0"/>
               </a:rPr>
+              <a:t>&lt;</a:t>
+            </a:r>
+            <a:r>
+              <a:rPr lang="sv-SE" sz="1600" dirty="0" err="1">
+                <a:solidFill>
+                  <a:prstClr val="black"/>
+                </a:solidFill>
+                <a:latin typeface="Arial" panose="020B0604020202020204" pitchFamily="34" charset="0"/>
+                <a:cs typeface="Arial" panose="020B0604020202020204" pitchFamily="34" charset="0"/>
+              </a:rPr>
+              <a:t>MyType</a:t>
+            </a:r>
+            <a:r>
+              <a:rPr lang="sv-SE" sz="1600" dirty="0">
+                <a:solidFill>
+                  <a:prstClr val="black"/>
+                </a:solidFill>
+                <a:latin typeface="Arial" panose="020B0604020202020204" pitchFamily="34" charset="0"/>
+                <a:cs typeface="Arial" panose="020B0604020202020204" pitchFamily="34" charset="0"/>
+              </a:rPr>
+              <a:t>&gt;();  // </a:t>
+            </a:r>
+            <a:r>
+              <a:rPr lang="sv-SE" sz="1600" dirty="0" err="1">
+                <a:solidFill>
+                  <a:prstClr val="black"/>
+                </a:solidFill>
+                <a:latin typeface="Arial" panose="020B0604020202020204" pitchFamily="34" charset="0"/>
+                <a:cs typeface="Arial" panose="020B0604020202020204" pitchFamily="34" charset="0"/>
+              </a:rPr>
+              <a:t>Now</a:t>
+            </a:r>
+            <a:r>
+              <a:rPr lang="sv-SE" sz="1600" dirty="0">
+                <a:solidFill>
+                  <a:prstClr val="black"/>
+                </a:solidFill>
+                <a:latin typeface="Arial" panose="020B0604020202020204" pitchFamily="34" charset="0"/>
+                <a:cs typeface="Arial" panose="020B0604020202020204" pitchFamily="34" charset="0"/>
+              </a:rPr>
               <a:t> </a:t>
             </a:r>
             <a:r>
-              <a:rPr lang="sv-SE" sz="1600" dirty="0" err="1">
-                <a:solidFill>
-                  <a:prstClr val="black"/>
-                </a:solidFill>
-                <a:latin typeface="Arial" panose="020B0604020202020204" pitchFamily="34" charset="0"/>
-                <a:cs typeface="Arial" panose="020B0604020202020204" pitchFamily="34" charset="0"/>
-              </a:rPr>
-              <a:t>int</a:t>
-            </a:r>
-            <a:r>
-              <a:rPr lang="sv-SE" sz="1600" dirty="0">
-                <a:solidFill>
-                  <a:prstClr val="black"/>
-                </a:solidFill>
-                <a:latin typeface="Arial" panose="020B0604020202020204" pitchFamily="34" charset="0"/>
-                <a:cs typeface="Arial" panose="020B0604020202020204" pitchFamily="34" charset="0"/>
-              </a:rPr>
-              <a:t> </a:t>
-            </a:r>
-            <a:r>
-              <a:rPr lang="sv-SE" sz="1600" dirty="0" err="1">
-                <a:solidFill>
-                  <a:prstClr val="black"/>
-                </a:solidFill>
-                <a:latin typeface="Arial" panose="020B0604020202020204" pitchFamily="34" charset="0"/>
-                <a:cs typeface="Arial" panose="020B0604020202020204" pitchFamily="34" charset="0"/>
-              </a:rPr>
-              <a:t>iterator</a:t>
-            </a:r>
-            <a:r>
-              <a:rPr lang="sv-SE" sz="1600" dirty="0">
-                <a:solidFill>
-                  <a:prstClr val="black"/>
-                </a:solidFill>
-                <a:latin typeface="Arial" panose="020B0604020202020204" pitchFamily="34" charset="0"/>
-                <a:cs typeface="Arial" panose="020B0604020202020204" pitchFamily="34" charset="0"/>
-              </a:rPr>
-              <a:t>;</a:t>
-            </a:r>
-            <a:br>
-              <a:rPr lang="sv-SE" sz="1600" dirty="0">
-                <a:solidFill>
-                  <a:prstClr val="black"/>
-                </a:solidFill>
-                <a:latin typeface="Arial" panose="020B0604020202020204" pitchFamily="34" charset="0"/>
-                <a:cs typeface="Arial" panose="020B0604020202020204" pitchFamily="34" charset="0"/>
-              </a:rPr>
-            </a:br>
-            <a:r>
-              <a:rPr lang="sv-SE" sz="1600" dirty="0">
-                <a:solidFill>
-                  <a:prstClr val="black"/>
-                </a:solidFill>
-                <a:latin typeface="Arial" panose="020B0604020202020204" pitchFamily="34" charset="0"/>
-                <a:cs typeface="Arial" panose="020B0604020202020204" pitchFamily="34" charset="0"/>
-              </a:rPr>
-              <a:t>};</a:t>
-            </a:r>
-            <a:br>
-              <a:rPr lang="sv-SE" sz="1600" dirty="0">
-                <a:solidFill>
-                  <a:prstClr val="black"/>
-                </a:solidFill>
-                <a:latin typeface="Arial" panose="020B0604020202020204" pitchFamily="34" charset="0"/>
-                <a:cs typeface="Arial" panose="020B0604020202020204" pitchFamily="34" charset="0"/>
-              </a:rPr>
-            </a:br>
-            <a:br>
-              <a:rPr lang="sv-SE" sz="1600" dirty="0">
-                <a:solidFill>
-                  <a:prstClr val="black"/>
-                </a:solidFill>
-                <a:latin typeface="Arial" panose="020B0604020202020204" pitchFamily="34" charset="0"/>
-                <a:cs typeface="Arial" panose="020B0604020202020204" pitchFamily="34" charset="0"/>
-              </a:rPr>
-            </a:br>
-            <a:r>
-              <a:rPr lang="sv-SE" sz="1600" dirty="0" err="1">
-                <a:solidFill>
-                  <a:prstClr val="black"/>
-                </a:solidFill>
-                <a:latin typeface="Arial" panose="020B0604020202020204" pitchFamily="34" charset="0"/>
-                <a:cs typeface="Arial" panose="020B0604020202020204" pitchFamily="34" charset="0"/>
-              </a:rPr>
-              <a:t>int</a:t>
-            </a:r>
-            <a:r>
-              <a:rPr lang="sv-SE" sz="1600" dirty="0">
-                <a:solidFill>
-                  <a:prstClr val="black"/>
-                </a:solidFill>
-                <a:latin typeface="Arial" panose="020B0604020202020204" pitchFamily="34" charset="0"/>
-                <a:cs typeface="Arial" panose="020B0604020202020204" pitchFamily="34" charset="0"/>
-              </a:rPr>
-              <a:t> </a:t>
-            </a:r>
-            <a:r>
-              <a:rPr lang="sv-SE" sz="1600" dirty="0" err="1">
-                <a:solidFill>
-                  <a:prstClr val="black"/>
-                </a:solidFill>
-                <a:latin typeface="Arial" panose="020B0604020202020204" pitchFamily="34" charset="0"/>
-                <a:cs typeface="Arial" panose="020B0604020202020204" pitchFamily="34" charset="0"/>
-              </a:rPr>
-              <a:t>main</a:t>
-            </a:r>
-            <a:r>
-              <a:rPr lang="sv-SE" sz="1600" dirty="0">
-                <a:solidFill>
-                  <a:prstClr val="black"/>
-                </a:solidFill>
-                <a:latin typeface="Arial" panose="020B0604020202020204" pitchFamily="34" charset="0"/>
-                <a:cs typeface="Arial" panose="020B0604020202020204" pitchFamily="34" charset="0"/>
-              </a:rPr>
-              <a:t>()</a:t>
-            </a:r>
-            <a:br>
-              <a:rPr lang="sv-SE" sz="1600" dirty="0">
-                <a:solidFill>
-                  <a:prstClr val="black"/>
-                </a:solidFill>
-                <a:latin typeface="Arial" panose="020B0604020202020204" pitchFamily="34" charset="0"/>
-                <a:cs typeface="Arial" panose="020B0604020202020204" pitchFamily="34" charset="0"/>
-              </a:rPr>
-            </a:br>
-            <a:r>
-              <a:rPr lang="sv-SE" sz="1600" dirty="0">
-                <a:solidFill>
-                  <a:prstClr val="black"/>
-                </a:solidFill>
-                <a:latin typeface="Arial" panose="020B0604020202020204" pitchFamily="34" charset="0"/>
-                <a:cs typeface="Arial" panose="020B0604020202020204" pitchFamily="34" charset="0"/>
-              </a:rPr>
-              <a:t>{</a:t>
-            </a:r>
-            <a:br>
-              <a:rPr lang="sv-SE" sz="1600" dirty="0">
-                <a:solidFill>
-                  <a:prstClr val="black"/>
-                </a:solidFill>
-                <a:latin typeface="Arial" panose="020B0604020202020204" pitchFamily="34" charset="0"/>
-                <a:cs typeface="Arial" panose="020B0604020202020204" pitchFamily="34" charset="0"/>
-              </a:rPr>
-            </a:br>
-            <a:r>
-              <a:rPr lang="sv-SE" sz="1600" dirty="0">
-                <a:solidFill>
-                  <a:prstClr val="black"/>
-                </a:solidFill>
-                <a:latin typeface="Arial" panose="020B0604020202020204" pitchFamily="34" charset="0"/>
-                <a:cs typeface="Arial" panose="020B0604020202020204" pitchFamily="34" charset="0"/>
-              </a:rPr>
-              <a:t>    </a:t>
-            </a:r>
-            <a:r>
-              <a:rPr lang="sv-SE" sz="1600" dirty="0" err="1">
-                <a:solidFill>
-                  <a:prstClr val="black"/>
-                </a:solidFill>
-                <a:latin typeface="Arial" panose="020B0604020202020204" pitchFamily="34" charset="0"/>
-                <a:cs typeface="Arial" panose="020B0604020202020204" pitchFamily="34" charset="0"/>
-              </a:rPr>
-              <a:t>printIter</a:t>
-            </a:r>
-            <a:r>
-              <a:rPr lang="sv-SE" sz="1600" dirty="0">
-                <a:solidFill>
-                  <a:prstClr val="black"/>
-                </a:solidFill>
-                <a:latin typeface="Arial" panose="020B0604020202020204" pitchFamily="34" charset="0"/>
-                <a:cs typeface="Arial" panose="020B0604020202020204" pitchFamily="34" charset="0"/>
-              </a:rPr>
-              <a:t>&lt;</a:t>
-            </a:r>
-            <a:r>
-              <a:rPr lang="sv-SE" sz="1600" dirty="0" err="1">
-                <a:solidFill>
-                  <a:prstClr val="black"/>
-                </a:solidFill>
-                <a:latin typeface="Arial" panose="020B0604020202020204" pitchFamily="34" charset="0"/>
-                <a:cs typeface="Arial" panose="020B0604020202020204" pitchFamily="34" charset="0"/>
-              </a:rPr>
-              <a:t>MyType</a:t>
-            </a:r>
-            <a:r>
-              <a:rPr lang="sv-SE" sz="1600" dirty="0">
-                <a:solidFill>
-                  <a:prstClr val="black"/>
-                </a:solidFill>
-                <a:latin typeface="Arial" panose="020B0604020202020204" pitchFamily="34" charset="0"/>
-                <a:cs typeface="Arial" panose="020B0604020202020204" pitchFamily="34" charset="0"/>
-              </a:rPr>
-              <a:t>&gt;();</a:t>
+              <a:rPr lang="sv-SE" sz="1600" b="1" dirty="0">
+                <a:solidFill>
+                  <a:prstClr val="black"/>
+                </a:solidFill>
+                <a:latin typeface="Arial" panose="020B0604020202020204" pitchFamily="34" charset="0"/>
+                <a:cs typeface="Arial" panose="020B0604020202020204" pitchFamily="34" charset="0"/>
+              </a:rPr>
+              <a:t>OK</a:t>
             </a:r>
             <a:br>
               <a:rPr lang="sv-SE" sz="1600" dirty="0">

--- a/P2669-DeprecateKindChange/DeprecateKindChange.pptx
+++ b/P2669-DeprecateKindChange/DeprecateKindChange.pptx
@@ -8,11 +8,12 @@
     <p:sldId id="318" r:id="rId2"/>
     <p:sldId id="319" r:id="rId3"/>
     <p:sldId id="320" r:id="rId4"/>
-    <p:sldId id="321" r:id="rId5"/>
-    <p:sldId id="325" r:id="rId6"/>
-    <p:sldId id="324" r:id="rId7"/>
-    <p:sldId id="322" r:id="rId8"/>
-    <p:sldId id="323" r:id="rId9"/>
+    <p:sldId id="326" r:id="rId5"/>
+    <p:sldId id="321" r:id="rId6"/>
+    <p:sldId id="325" r:id="rId7"/>
+    <p:sldId id="324" r:id="rId8"/>
+    <p:sldId id="322" r:id="rId9"/>
+    <p:sldId id="323" r:id="rId10"/>
   </p:sldIdLst>
   <p:sldSz cx="12192000" cy="6858000"/>
   <p:notesSz cx="6858000" cy="9144000"/>
@@ -6251,12 +6252,20 @@
           <a:lstStyle/>
           <a:p>
             <a:r>
+              <a:rPr lang="sv-SE" sz="4000" dirty="0">
+                <a:solidFill>
+                  <a:srgbClr val="FFFFFF"/>
+                </a:solidFill>
+              </a:rPr>
+              <a:t>Tony </a:t>
+            </a:r>
+            <a:r>
               <a:rPr lang="sv-SE" sz="4000" dirty="0" err="1">
                 <a:solidFill>
                   <a:srgbClr val="FFFFFF"/>
                 </a:solidFill>
               </a:rPr>
-              <a:t>Proposal</a:t>
+              <a:t>tables</a:t>
             </a:r>
             <a:r>
               <a:rPr lang="sv-SE" sz="4000" dirty="0">
@@ -6264,15 +6273,7 @@
                   <a:srgbClr val="FFFFFF"/>
                 </a:solidFill>
               </a:rPr>
-              <a:t> </a:t>
-            </a:r>
-            <a:r>
-              <a:rPr lang="sv-SE" sz="4000" dirty="0" err="1">
-                <a:solidFill>
-                  <a:srgbClr val="FFFFFF"/>
-                </a:solidFill>
-              </a:rPr>
-              <a:t>contents</a:t>
+              <a:t>!</a:t>
             </a:r>
             <a:endParaRPr lang="LID4096" sz="4000" dirty="0">
               <a:solidFill>
@@ -6300,63 +6301,1497 @@
         </p:nvSpPr>
         <p:spPr>
           <a:xfrm>
-            <a:off x="947651" y="1885279"/>
-            <a:ext cx="10482349" cy="4569462"/>
+            <a:off x="459351" y="1885279"/>
+            <a:ext cx="5129574" cy="4569462"/>
           </a:xfrm>
+          <a:ln>
+            <a:solidFill>
+              <a:schemeClr val="tx1"/>
+            </a:solidFill>
+          </a:ln>
         </p:spPr>
         <p:txBody>
           <a:bodyPr anchor="ctr">
-            <a:normAutofit/>
+            <a:noAutofit/>
           </a:bodyPr>
           <a:lstStyle/>
           <a:p>
-            <a:r>
-              <a:rPr lang="sv-SE" sz="3200" dirty="0"/>
-              <a:t>If a </a:t>
-            </a:r>
+            <a:pPr marL="0" marR="0" lvl="0" indent="0" algn="l" defTabSz="914400" rtl="0" eaLnBrk="1" fontAlgn="auto" latinLnBrk="0" hangingPunct="1">
+              <a:lnSpc>
+                <a:spcPct val="90000"/>
+              </a:lnSpc>
+              <a:spcBef>
+                <a:spcPts val="1000"/>
+              </a:spcBef>
+              <a:spcAft>
+                <a:spcPts val="0"/>
+              </a:spcAft>
+              <a:buClrTx/>
+              <a:buSzTx/>
+              <a:buFont typeface="Arial" panose="020B0604020202020204" pitchFamily="34" charset="0"/>
+              <a:buNone/>
+              <a:tabLst/>
+              <a:defRPr/>
+            </a:pPr>
+            <a:r>
+              <a:rPr kumimoji="0" lang="sv-SE" sz="1600" b="0" i="0" u="none" strike="noStrike" kern="1200" cap="none" spc="0" normalizeH="0" baseline="0" noProof="0" dirty="0">
+                <a:ln>
+                  <a:noFill/>
+                </a:ln>
+                <a:solidFill>
+                  <a:prstClr val="black"/>
+                </a:solidFill>
+                <a:effectLst/>
+                <a:uLnTx/>
+                <a:uFillTx/>
+                <a:latin typeface="Arial" panose="020B0604020202020204" pitchFamily="34" charset="0"/>
+                <a:ea typeface="+mn-ea"/>
+                <a:cs typeface="Arial" panose="020B0604020202020204" pitchFamily="34" charset="0"/>
+              </a:rPr>
+              <a:t>#include&lt;vector&gt;</a:t>
+            </a:r>
+          </a:p>
+          <a:p>
+            <a:pPr marL="0" marR="0" lvl="0" indent="0" algn="l" defTabSz="914400" rtl="0" eaLnBrk="1" fontAlgn="auto" latinLnBrk="0" hangingPunct="1">
+              <a:lnSpc>
+                <a:spcPct val="90000"/>
+              </a:lnSpc>
+              <a:spcBef>
+                <a:spcPts val="1000"/>
+              </a:spcBef>
+              <a:spcAft>
+                <a:spcPts val="0"/>
+              </a:spcAft>
+              <a:buClrTx/>
+              <a:buSzTx/>
+              <a:buFont typeface="Arial" panose="020B0604020202020204" pitchFamily="34" charset="0"/>
+              <a:buNone/>
+              <a:tabLst/>
+              <a:defRPr/>
+            </a:pPr>
+            <a:r>
+              <a:rPr kumimoji="0" lang="sv-SE" sz="1600" b="0" i="0" u="none" strike="noStrike" kern="1200" cap="none" spc="0" normalizeH="0" baseline="0" noProof="0" dirty="0">
+                <a:ln>
+                  <a:noFill/>
+                </a:ln>
+                <a:solidFill>
+                  <a:prstClr val="black"/>
+                </a:solidFill>
+                <a:effectLst/>
+                <a:uLnTx/>
+                <a:uFillTx/>
+                <a:latin typeface="Arial" panose="020B0604020202020204" pitchFamily="34" charset="0"/>
+                <a:ea typeface="+mn-ea"/>
+                <a:cs typeface="Arial" panose="020B0604020202020204" pitchFamily="34" charset="0"/>
+              </a:rPr>
+              <a:t>template&lt;</a:t>
+            </a:r>
+            <a:r>
+              <a:rPr kumimoji="0" lang="sv-SE" sz="1600" b="0" i="0" u="none" strike="noStrike" kern="1200" cap="none" spc="0" normalizeH="0" baseline="0" noProof="0" dirty="0" err="1">
+                <a:ln>
+                  <a:noFill/>
+                </a:ln>
+                <a:solidFill>
+                  <a:prstClr val="black"/>
+                </a:solidFill>
+                <a:effectLst/>
+                <a:uLnTx/>
+                <a:uFillTx/>
+                <a:latin typeface="Arial" panose="020B0604020202020204" pitchFamily="34" charset="0"/>
+                <a:ea typeface="+mn-ea"/>
+                <a:cs typeface="Arial" panose="020B0604020202020204" pitchFamily="34" charset="0"/>
+              </a:rPr>
+              <a:t>typename</a:t>
+            </a:r>
+            <a:r>
+              <a:rPr kumimoji="0" lang="sv-SE" sz="1600" b="0" i="0" u="none" strike="noStrike" kern="1200" cap="none" spc="0" normalizeH="0" baseline="0" noProof="0" dirty="0">
+                <a:ln>
+                  <a:noFill/>
+                </a:ln>
+                <a:solidFill>
+                  <a:prstClr val="black"/>
+                </a:solidFill>
+                <a:effectLst/>
+                <a:uLnTx/>
+                <a:uFillTx/>
+                <a:latin typeface="Arial" panose="020B0604020202020204" pitchFamily="34" charset="0"/>
+                <a:ea typeface="+mn-ea"/>
+                <a:cs typeface="Arial" panose="020B0604020202020204" pitchFamily="34" charset="0"/>
+              </a:rPr>
+              <a:t> T&gt; </a:t>
+            </a:r>
+            <a:r>
+              <a:rPr kumimoji="0" lang="sv-SE" sz="1600" b="0" i="0" u="none" strike="noStrike" kern="1200" cap="none" spc="0" normalizeH="0" baseline="0" noProof="0" dirty="0" err="1">
+                <a:ln>
+                  <a:noFill/>
+                </a:ln>
+                <a:solidFill>
+                  <a:prstClr val="black"/>
+                </a:solidFill>
+                <a:effectLst/>
+                <a:uLnTx/>
+                <a:uFillTx/>
+                <a:latin typeface="Arial" panose="020B0604020202020204" pitchFamily="34" charset="0"/>
+                <a:ea typeface="+mn-ea"/>
+                <a:cs typeface="Arial" panose="020B0604020202020204" pitchFamily="34" charset="0"/>
+              </a:rPr>
+              <a:t>void</a:t>
+            </a:r>
+            <a:r>
+              <a:rPr kumimoji="0" lang="sv-SE" sz="1600" b="0" i="0" u="none" strike="noStrike" kern="1200" cap="none" spc="0" normalizeH="0" baseline="0" noProof="0" dirty="0">
+                <a:ln>
+                  <a:noFill/>
+                </a:ln>
+                <a:solidFill>
+                  <a:prstClr val="black"/>
+                </a:solidFill>
+                <a:effectLst/>
+                <a:uLnTx/>
+                <a:uFillTx/>
+                <a:latin typeface="Arial" panose="020B0604020202020204" pitchFamily="34" charset="0"/>
+                <a:ea typeface="+mn-ea"/>
+                <a:cs typeface="Arial" panose="020B0604020202020204" pitchFamily="34" charset="0"/>
+              </a:rPr>
+              <a:t> </a:t>
+            </a:r>
+            <a:r>
+              <a:rPr kumimoji="0" lang="sv-SE" sz="1600" b="0" i="0" u="none" strike="noStrike" kern="1200" cap="none" spc="0" normalizeH="0" baseline="0" noProof="0" dirty="0" err="1">
+                <a:ln>
+                  <a:noFill/>
+                </a:ln>
+                <a:solidFill>
+                  <a:prstClr val="black"/>
+                </a:solidFill>
+                <a:effectLst/>
+                <a:uLnTx/>
+                <a:uFillTx/>
+                <a:latin typeface="Arial" panose="020B0604020202020204" pitchFamily="34" charset="0"/>
+                <a:ea typeface="+mn-ea"/>
+                <a:cs typeface="Arial" panose="020B0604020202020204" pitchFamily="34" charset="0"/>
+              </a:rPr>
+              <a:t>foo</a:t>
+            </a:r>
+            <a:r>
+              <a:rPr kumimoji="0" lang="sv-SE" sz="1600" b="0" i="0" u="none" strike="noStrike" kern="1200" cap="none" spc="0" normalizeH="0" baseline="0" noProof="0" dirty="0">
+                <a:ln>
+                  <a:noFill/>
+                </a:ln>
+                <a:solidFill>
+                  <a:prstClr val="black"/>
+                </a:solidFill>
+                <a:effectLst/>
+                <a:uLnTx/>
+                <a:uFillTx/>
+                <a:latin typeface="Arial" panose="020B0604020202020204" pitchFamily="34" charset="0"/>
+                <a:ea typeface="+mn-ea"/>
+                <a:cs typeface="Arial" panose="020B0604020202020204" pitchFamily="34" charset="0"/>
+              </a:rPr>
+              <a:t>(</a:t>
+            </a:r>
+            <a:r>
+              <a:rPr kumimoji="0" lang="sv-SE" sz="1600" b="0" i="0" u="none" strike="noStrike" kern="1200" cap="none" spc="0" normalizeH="0" baseline="0" noProof="0" dirty="0" err="1">
+                <a:ln>
+                  <a:noFill/>
+                </a:ln>
+                <a:solidFill>
+                  <a:prstClr val="black"/>
+                </a:solidFill>
+                <a:effectLst/>
+                <a:uLnTx/>
+                <a:uFillTx/>
+                <a:latin typeface="Arial" panose="020B0604020202020204" pitchFamily="34" charset="0"/>
+                <a:ea typeface="+mn-ea"/>
+                <a:cs typeface="Arial" panose="020B0604020202020204" pitchFamily="34" charset="0"/>
+              </a:rPr>
+              <a:t>std</a:t>
+            </a:r>
+            <a:r>
+              <a:rPr kumimoji="0" lang="sv-SE" sz="1600" b="0" i="0" u="none" strike="noStrike" kern="1200" cap="none" spc="0" normalizeH="0" baseline="0" noProof="0" dirty="0">
+                <a:ln>
+                  <a:noFill/>
+                </a:ln>
+                <a:solidFill>
+                  <a:prstClr val="black"/>
+                </a:solidFill>
+                <a:effectLst/>
+                <a:uLnTx/>
+                <a:uFillTx/>
+                <a:latin typeface="Arial" panose="020B0604020202020204" pitchFamily="34" charset="0"/>
+                <a:ea typeface="+mn-ea"/>
+                <a:cs typeface="Arial" panose="020B0604020202020204" pitchFamily="34" charset="0"/>
+              </a:rPr>
+              <a:t>::</a:t>
+            </a:r>
+            <a:r>
+              <a:rPr kumimoji="0" lang="sv-SE" sz="1600" b="0" i="0" u="none" strike="noStrike" kern="1200" cap="none" spc="0" normalizeH="0" baseline="0" noProof="0" dirty="0" err="1">
+                <a:ln>
+                  <a:noFill/>
+                </a:ln>
+                <a:solidFill>
+                  <a:prstClr val="black"/>
+                </a:solidFill>
+                <a:effectLst/>
+                <a:uLnTx/>
+                <a:uFillTx/>
+                <a:latin typeface="Arial" panose="020B0604020202020204" pitchFamily="34" charset="0"/>
+                <a:ea typeface="+mn-ea"/>
+                <a:cs typeface="Arial" panose="020B0604020202020204" pitchFamily="34" charset="0"/>
+              </a:rPr>
+              <a:t>vector</a:t>
+            </a:r>
+            <a:r>
+              <a:rPr kumimoji="0" lang="sv-SE" sz="1600" b="0" i="0" u="none" strike="noStrike" kern="1200" cap="none" spc="0" normalizeH="0" baseline="0" noProof="0" dirty="0">
+                <a:ln>
+                  <a:noFill/>
+                </a:ln>
+                <a:solidFill>
+                  <a:prstClr val="black"/>
+                </a:solidFill>
+                <a:effectLst/>
+                <a:uLnTx/>
+                <a:uFillTx/>
+                <a:latin typeface="Arial" panose="020B0604020202020204" pitchFamily="34" charset="0"/>
+                <a:ea typeface="+mn-ea"/>
+                <a:cs typeface="Arial" panose="020B0604020202020204" pitchFamily="34" charset="0"/>
+              </a:rPr>
+              <a:t>&lt;T&gt; v)</a:t>
+            </a:r>
+            <a:br>
+              <a:rPr kumimoji="0" lang="sv-SE" sz="1600" b="0" i="0" u="none" strike="noStrike" kern="1200" cap="none" spc="0" normalizeH="0" baseline="0" noProof="0" dirty="0">
+                <a:ln>
+                  <a:noFill/>
+                </a:ln>
+                <a:solidFill>
+                  <a:prstClr val="black"/>
+                </a:solidFill>
+                <a:effectLst/>
+                <a:uLnTx/>
+                <a:uFillTx/>
+                <a:latin typeface="Arial" panose="020B0604020202020204" pitchFamily="34" charset="0"/>
+                <a:ea typeface="+mn-ea"/>
+                <a:cs typeface="Arial" panose="020B0604020202020204" pitchFamily="34" charset="0"/>
+              </a:rPr>
+            </a:br>
+            <a:r>
+              <a:rPr kumimoji="0" lang="sv-SE" sz="1600" b="0" i="0" u="none" strike="noStrike" kern="1200" cap="none" spc="0" normalizeH="0" baseline="0" noProof="0" dirty="0">
+                <a:ln>
+                  <a:noFill/>
+                </a:ln>
+                <a:solidFill>
+                  <a:prstClr val="black"/>
+                </a:solidFill>
+                <a:effectLst/>
+                <a:uLnTx/>
+                <a:uFillTx/>
+                <a:latin typeface="Arial" panose="020B0604020202020204" pitchFamily="34" charset="0"/>
+                <a:ea typeface="+mn-ea"/>
+                <a:cs typeface="Arial" panose="020B0604020202020204" pitchFamily="34" charset="0"/>
+              </a:rPr>
+              <a:t>{</a:t>
+            </a:r>
+            <a:br>
+              <a:rPr kumimoji="0" lang="sv-SE" sz="1600" b="0" i="0" u="none" strike="noStrike" kern="1200" cap="none" spc="0" normalizeH="0" baseline="0" noProof="0" dirty="0">
+                <a:ln>
+                  <a:noFill/>
+                </a:ln>
+                <a:solidFill>
+                  <a:prstClr val="black"/>
+                </a:solidFill>
+                <a:effectLst/>
+                <a:uLnTx/>
+                <a:uFillTx/>
+                <a:latin typeface="Arial" panose="020B0604020202020204" pitchFamily="34" charset="0"/>
+                <a:ea typeface="+mn-ea"/>
+                <a:cs typeface="Arial" panose="020B0604020202020204" pitchFamily="34" charset="0"/>
+              </a:rPr>
+            </a:br>
+            <a:r>
+              <a:rPr kumimoji="0" lang="sv-SE" sz="1600" b="0" i="0" u="none" kern="1200" cap="none" spc="0" normalizeH="0" baseline="0" noProof="0" dirty="0">
+                <a:ln>
+                  <a:noFill/>
+                </a:ln>
+                <a:solidFill>
+                  <a:prstClr val="black"/>
+                </a:solidFill>
+                <a:effectLst/>
+                <a:uLnTx/>
+                <a:uFillTx/>
+                <a:latin typeface="Arial" panose="020B0604020202020204" pitchFamily="34" charset="0"/>
+                <a:ea typeface="+mn-ea"/>
+                <a:cs typeface="Arial" panose="020B0604020202020204" pitchFamily="34" charset="0"/>
+              </a:rPr>
+              <a:t>    </a:t>
+            </a:r>
+            <a:r>
+              <a:rPr kumimoji="0" lang="sv-SE" sz="1600" b="1" i="0" u="none" kern="1200" cap="none" spc="0" normalizeH="0" baseline="0" noProof="0" dirty="0" err="1">
+                <a:ln>
+                  <a:noFill/>
+                </a:ln>
+                <a:solidFill>
+                  <a:prstClr val="black"/>
+                </a:solidFill>
+                <a:effectLst/>
+                <a:uLnTx/>
+                <a:uFillTx/>
+                <a:latin typeface="Arial" panose="020B0604020202020204" pitchFamily="34" charset="0"/>
+                <a:ea typeface="+mn-ea"/>
+                <a:cs typeface="Arial" panose="020B0604020202020204" pitchFamily="34" charset="0"/>
+              </a:rPr>
+              <a:t>typename</a:t>
+            </a:r>
+            <a:r>
+              <a:rPr kumimoji="0" lang="sv-SE" sz="1600" b="1" i="0" u="none" kern="1200" cap="none" spc="0" normalizeH="0" baseline="0" noProof="0" dirty="0">
+                <a:ln>
+                  <a:noFill/>
+                </a:ln>
+                <a:solidFill>
+                  <a:prstClr val="black"/>
+                </a:solidFill>
+                <a:effectLst/>
+                <a:uLnTx/>
+                <a:uFillTx/>
+                <a:latin typeface="Arial" panose="020B0604020202020204" pitchFamily="34" charset="0"/>
+                <a:ea typeface="+mn-ea"/>
+                <a:cs typeface="Arial" panose="020B0604020202020204" pitchFamily="34" charset="0"/>
+              </a:rPr>
+              <a:t> </a:t>
+            </a:r>
+            <a:r>
+              <a:rPr kumimoji="0" lang="sv-SE" sz="1600" b="0" i="0" u="none" strike="noStrike" kern="1200" cap="none" spc="0" normalizeH="0" baseline="0" noProof="0" dirty="0" err="1">
+                <a:ln>
+                  <a:noFill/>
+                </a:ln>
+                <a:solidFill>
+                  <a:prstClr val="black"/>
+                </a:solidFill>
+                <a:effectLst/>
+                <a:uLnTx/>
+                <a:uFillTx/>
+                <a:latin typeface="Arial" panose="020B0604020202020204" pitchFamily="34" charset="0"/>
+                <a:ea typeface="+mn-ea"/>
+                <a:cs typeface="Arial" panose="020B0604020202020204" pitchFamily="34" charset="0"/>
+              </a:rPr>
+              <a:t>std</a:t>
+            </a:r>
+            <a:r>
+              <a:rPr kumimoji="0" lang="sv-SE" sz="1600" b="0" i="0" u="none" strike="noStrike" kern="1200" cap="none" spc="0" normalizeH="0" baseline="0" noProof="0" dirty="0">
+                <a:ln>
+                  <a:noFill/>
+                </a:ln>
+                <a:solidFill>
+                  <a:prstClr val="black"/>
+                </a:solidFill>
+                <a:effectLst/>
+                <a:uLnTx/>
+                <a:uFillTx/>
+                <a:latin typeface="Arial" panose="020B0604020202020204" pitchFamily="34" charset="0"/>
+                <a:ea typeface="+mn-ea"/>
+                <a:cs typeface="Arial" panose="020B0604020202020204" pitchFamily="34" charset="0"/>
+              </a:rPr>
+              <a:t>::</a:t>
+            </a:r>
+            <a:r>
+              <a:rPr kumimoji="0" lang="sv-SE" sz="1600" b="0" i="0" u="none" strike="noStrike" kern="1200" cap="none" spc="0" normalizeH="0" baseline="0" noProof="0" dirty="0" err="1">
+                <a:ln>
+                  <a:noFill/>
+                </a:ln>
+                <a:solidFill>
+                  <a:prstClr val="black"/>
+                </a:solidFill>
+                <a:effectLst/>
+                <a:uLnTx/>
+                <a:uFillTx/>
+                <a:latin typeface="Arial" panose="020B0604020202020204" pitchFamily="34" charset="0"/>
+                <a:ea typeface="+mn-ea"/>
+                <a:cs typeface="Arial" panose="020B0604020202020204" pitchFamily="34" charset="0"/>
+              </a:rPr>
+              <a:t>vector</a:t>
+            </a:r>
+            <a:r>
+              <a:rPr kumimoji="0" lang="sv-SE" sz="1600" b="0" i="0" u="none" strike="noStrike" kern="1200" cap="none" spc="0" normalizeH="0" baseline="0" noProof="0" dirty="0">
+                <a:ln>
+                  <a:noFill/>
+                </a:ln>
+                <a:solidFill>
+                  <a:prstClr val="black"/>
+                </a:solidFill>
+                <a:effectLst/>
+                <a:uLnTx/>
+                <a:uFillTx/>
+                <a:latin typeface="Arial" panose="020B0604020202020204" pitchFamily="34" charset="0"/>
+                <a:ea typeface="+mn-ea"/>
+                <a:cs typeface="Arial" panose="020B0604020202020204" pitchFamily="34" charset="0"/>
+              </a:rPr>
+              <a:t>&lt;T&gt;::</a:t>
+            </a:r>
+            <a:r>
+              <a:rPr kumimoji="0" lang="sv-SE" sz="1600" b="0" i="0" u="none" strike="noStrike" kern="1200" cap="none" spc="0" normalizeH="0" baseline="0" noProof="0" dirty="0" err="1">
+                <a:ln>
+                  <a:noFill/>
+                </a:ln>
+                <a:solidFill>
+                  <a:prstClr val="black"/>
+                </a:solidFill>
+                <a:effectLst/>
+                <a:uLnTx/>
+                <a:uFillTx/>
+                <a:latin typeface="Arial" panose="020B0604020202020204" pitchFamily="34" charset="0"/>
+                <a:ea typeface="+mn-ea"/>
+                <a:cs typeface="Arial" panose="020B0604020202020204" pitchFamily="34" charset="0"/>
+              </a:rPr>
+              <a:t>iterator</a:t>
+            </a:r>
+            <a:r>
+              <a:rPr kumimoji="0" lang="sv-SE" sz="1600" b="0" i="0" u="none" strike="noStrike" kern="1200" cap="none" spc="0" normalizeH="0" baseline="0" noProof="0" dirty="0">
+                <a:ln>
+                  <a:noFill/>
+                </a:ln>
+                <a:solidFill>
+                  <a:prstClr val="black"/>
+                </a:solidFill>
+                <a:effectLst/>
+                <a:uLnTx/>
+                <a:uFillTx/>
+                <a:latin typeface="Arial" panose="020B0604020202020204" pitchFamily="34" charset="0"/>
+                <a:ea typeface="+mn-ea"/>
+                <a:cs typeface="Arial" panose="020B0604020202020204" pitchFamily="34" charset="0"/>
+              </a:rPr>
+              <a:t> </a:t>
+            </a:r>
+            <a:r>
+              <a:rPr kumimoji="0" lang="sv-SE" sz="1600" b="0" i="0" u="none" strike="noStrike" kern="1200" cap="none" spc="0" normalizeH="0" baseline="0" noProof="0" dirty="0" err="1">
+                <a:ln>
+                  <a:noFill/>
+                </a:ln>
+                <a:solidFill>
+                  <a:prstClr val="black"/>
+                </a:solidFill>
+                <a:effectLst/>
+                <a:uLnTx/>
+                <a:uFillTx/>
+                <a:latin typeface="Arial" panose="020B0604020202020204" pitchFamily="34" charset="0"/>
+                <a:ea typeface="+mn-ea"/>
+                <a:cs typeface="Arial" panose="020B0604020202020204" pitchFamily="34" charset="0"/>
+              </a:rPr>
+              <a:t>iter</a:t>
+            </a:r>
+            <a:r>
+              <a:rPr kumimoji="0" lang="sv-SE" sz="1600" b="0" i="0" u="none" strike="noStrike" kern="1200" cap="none" spc="0" normalizeH="0" baseline="0" noProof="0" dirty="0">
+                <a:ln>
+                  <a:noFill/>
+                </a:ln>
+                <a:solidFill>
+                  <a:prstClr val="black"/>
+                </a:solidFill>
+                <a:effectLst/>
+                <a:uLnTx/>
+                <a:uFillTx/>
+                <a:latin typeface="Arial" panose="020B0604020202020204" pitchFamily="34" charset="0"/>
+                <a:ea typeface="+mn-ea"/>
+                <a:cs typeface="Arial" panose="020B0604020202020204" pitchFamily="34" charset="0"/>
+              </a:rPr>
+              <a:t> = </a:t>
+            </a:r>
+            <a:r>
+              <a:rPr kumimoji="0" lang="sv-SE" sz="1600" b="0" i="0" u="none" strike="noStrike" kern="1200" cap="none" spc="0" normalizeH="0" baseline="0" noProof="0" dirty="0" err="1">
+                <a:ln>
+                  <a:noFill/>
+                </a:ln>
+                <a:solidFill>
+                  <a:prstClr val="black"/>
+                </a:solidFill>
+                <a:effectLst/>
+                <a:uLnTx/>
+                <a:uFillTx/>
+                <a:latin typeface="Arial" panose="020B0604020202020204" pitchFamily="34" charset="0"/>
+                <a:ea typeface="+mn-ea"/>
+                <a:cs typeface="Arial" panose="020B0604020202020204" pitchFamily="34" charset="0"/>
+              </a:rPr>
+              <a:t>v.begin</a:t>
+            </a:r>
+            <a:r>
+              <a:rPr kumimoji="0" lang="sv-SE" sz="1600" b="0" i="0" u="none" strike="noStrike" kern="1200" cap="none" spc="0" normalizeH="0" baseline="0" noProof="0" dirty="0">
+                <a:ln>
+                  <a:noFill/>
+                </a:ln>
+                <a:solidFill>
+                  <a:prstClr val="black"/>
+                </a:solidFill>
+                <a:effectLst/>
+                <a:uLnTx/>
+                <a:uFillTx/>
+                <a:latin typeface="Arial" panose="020B0604020202020204" pitchFamily="34" charset="0"/>
+                <a:ea typeface="+mn-ea"/>
+                <a:cs typeface="Arial" panose="020B0604020202020204" pitchFamily="34" charset="0"/>
+              </a:rPr>
+              <a:t>();</a:t>
+            </a:r>
+            <a:br>
+              <a:rPr kumimoji="0" lang="sv-SE" sz="1600" b="0" i="0" u="none" strike="noStrike" kern="1200" cap="none" spc="0" normalizeH="0" baseline="0" noProof="0" dirty="0">
+                <a:ln>
+                  <a:noFill/>
+                </a:ln>
+                <a:solidFill>
+                  <a:prstClr val="black"/>
+                </a:solidFill>
+                <a:effectLst/>
+                <a:uLnTx/>
+                <a:uFillTx/>
+                <a:latin typeface="Arial" panose="020B0604020202020204" pitchFamily="34" charset="0"/>
+                <a:ea typeface="+mn-ea"/>
+                <a:cs typeface="Arial" panose="020B0604020202020204" pitchFamily="34" charset="0"/>
+              </a:rPr>
+            </a:br>
+            <a:r>
+              <a:rPr lang="sv-SE" sz="1600" dirty="0">
+                <a:solidFill>
+                  <a:prstClr val="black"/>
+                </a:solidFill>
+                <a:latin typeface="Arial" panose="020B0604020202020204" pitchFamily="34" charset="0"/>
+                <a:cs typeface="Arial" panose="020B0604020202020204" pitchFamily="34" charset="0"/>
+              </a:rPr>
+              <a:t>}</a:t>
+            </a:r>
+          </a:p>
+          <a:p>
+            <a:pPr marL="0" marR="0" lvl="0" indent="0" algn="l" defTabSz="914400" rtl="0" eaLnBrk="1" fontAlgn="auto" latinLnBrk="0" hangingPunct="1">
+              <a:lnSpc>
+                <a:spcPct val="90000"/>
+              </a:lnSpc>
+              <a:spcBef>
+                <a:spcPts val="1000"/>
+              </a:spcBef>
+              <a:spcAft>
+                <a:spcPts val="0"/>
+              </a:spcAft>
+              <a:buClrTx/>
+              <a:buSzTx/>
+              <a:buFont typeface="Arial" panose="020B0604020202020204" pitchFamily="34" charset="0"/>
+              <a:buNone/>
+              <a:tabLst/>
+              <a:defRPr/>
+            </a:pPr>
+            <a:endParaRPr lang="sv-SE" sz="1600" dirty="0">
+              <a:solidFill>
+                <a:prstClr val="black"/>
+              </a:solidFill>
+              <a:latin typeface="Arial" panose="020B0604020202020204" pitchFamily="34" charset="0"/>
+              <a:cs typeface="Arial" panose="020B0604020202020204" pitchFamily="34" charset="0"/>
+            </a:endParaRPr>
+          </a:p>
+          <a:p>
+            <a:pPr marL="0" marR="0" lvl="0" indent="0" algn="l" defTabSz="914400" rtl="0" eaLnBrk="1" fontAlgn="auto" latinLnBrk="0" hangingPunct="1">
+              <a:lnSpc>
+                <a:spcPct val="90000"/>
+              </a:lnSpc>
+              <a:spcBef>
+                <a:spcPts val="1000"/>
+              </a:spcBef>
+              <a:spcAft>
+                <a:spcPts val="0"/>
+              </a:spcAft>
+              <a:buClrTx/>
+              <a:buSzTx/>
+              <a:buFont typeface="Arial" panose="020B0604020202020204" pitchFamily="34" charset="0"/>
+              <a:buNone/>
+              <a:tabLst/>
+              <a:defRPr/>
+            </a:pPr>
+            <a:r>
+              <a:rPr lang="sv-SE" sz="1600" dirty="0">
+                <a:solidFill>
+                  <a:prstClr val="black"/>
+                </a:solidFill>
+                <a:latin typeface="Arial" panose="020B0604020202020204" pitchFamily="34" charset="0"/>
+                <a:cs typeface="Arial" panose="020B0604020202020204" pitchFamily="34" charset="0"/>
+              </a:rPr>
+              <a:t>template&lt;</a:t>
+            </a:r>
+            <a:r>
+              <a:rPr lang="sv-SE" sz="1600" dirty="0" err="1">
+                <a:solidFill>
+                  <a:prstClr val="black"/>
+                </a:solidFill>
+                <a:latin typeface="Arial" panose="020B0604020202020204" pitchFamily="34" charset="0"/>
+                <a:cs typeface="Arial" panose="020B0604020202020204" pitchFamily="34" charset="0"/>
+              </a:rPr>
+              <a:t>typename</a:t>
+            </a:r>
+            <a:r>
+              <a:rPr lang="sv-SE" sz="1600" dirty="0">
+                <a:solidFill>
+                  <a:prstClr val="black"/>
+                </a:solidFill>
+                <a:latin typeface="Arial" panose="020B0604020202020204" pitchFamily="34" charset="0"/>
+                <a:cs typeface="Arial" panose="020B0604020202020204" pitchFamily="34" charset="0"/>
+              </a:rPr>
+              <a:t> T&gt; </a:t>
+            </a:r>
+            <a:r>
+              <a:rPr lang="sv-SE" sz="1600" dirty="0" err="1">
+                <a:solidFill>
+                  <a:prstClr val="black"/>
+                </a:solidFill>
+                <a:latin typeface="Arial" panose="020B0604020202020204" pitchFamily="34" charset="0"/>
+                <a:cs typeface="Arial" panose="020B0604020202020204" pitchFamily="34" charset="0"/>
+              </a:rPr>
+              <a:t>void</a:t>
+            </a:r>
+            <a:r>
+              <a:rPr lang="sv-SE" sz="1600" dirty="0">
+                <a:solidFill>
+                  <a:prstClr val="black"/>
+                </a:solidFill>
+                <a:latin typeface="Arial" panose="020B0604020202020204" pitchFamily="34" charset="0"/>
+                <a:cs typeface="Arial" panose="020B0604020202020204" pitchFamily="34" charset="0"/>
+              </a:rPr>
+              <a:t> bar(T&amp; v)</a:t>
+            </a:r>
+            <a:br>
+              <a:rPr lang="sv-SE" sz="1600" dirty="0">
+                <a:solidFill>
+                  <a:prstClr val="black"/>
+                </a:solidFill>
+                <a:latin typeface="Arial" panose="020B0604020202020204" pitchFamily="34" charset="0"/>
+                <a:cs typeface="Arial" panose="020B0604020202020204" pitchFamily="34" charset="0"/>
+              </a:rPr>
+            </a:br>
+            <a:r>
+              <a:rPr lang="sv-SE" sz="1600" dirty="0">
+                <a:solidFill>
+                  <a:prstClr val="black"/>
+                </a:solidFill>
+                <a:latin typeface="Arial" panose="020B0604020202020204" pitchFamily="34" charset="0"/>
+                <a:cs typeface="Arial" panose="020B0604020202020204" pitchFamily="34" charset="0"/>
+              </a:rPr>
+              <a:t>{</a:t>
+            </a:r>
+            <a:br>
+              <a:rPr lang="sv-SE" sz="1600" dirty="0">
+                <a:solidFill>
+                  <a:prstClr val="black"/>
+                </a:solidFill>
+                <a:latin typeface="Arial" panose="020B0604020202020204" pitchFamily="34" charset="0"/>
+                <a:cs typeface="Arial" panose="020B0604020202020204" pitchFamily="34" charset="0"/>
+              </a:rPr>
+            </a:br>
+            <a:r>
+              <a:rPr lang="sv-SE" sz="1600" dirty="0">
+                <a:solidFill>
+                  <a:prstClr val="black"/>
+                </a:solidFill>
+                <a:latin typeface="Arial" panose="020B0604020202020204" pitchFamily="34" charset="0"/>
+                <a:cs typeface="Arial" panose="020B0604020202020204" pitchFamily="34" charset="0"/>
+              </a:rPr>
+              <a:t>    </a:t>
+            </a:r>
+            <a:r>
+              <a:rPr lang="sv-SE" sz="1600" b="1" dirty="0" err="1">
+                <a:solidFill>
+                  <a:prstClr val="black"/>
+                </a:solidFill>
+                <a:latin typeface="Arial" panose="020B0604020202020204" pitchFamily="34" charset="0"/>
+                <a:cs typeface="Arial" panose="020B0604020202020204" pitchFamily="34" charset="0"/>
+              </a:rPr>
+              <a:t>typename</a:t>
+            </a:r>
+            <a:r>
+              <a:rPr lang="sv-SE" sz="1600" dirty="0">
+                <a:solidFill>
+                  <a:prstClr val="black"/>
+                </a:solidFill>
+                <a:latin typeface="Arial" panose="020B0604020202020204" pitchFamily="34" charset="0"/>
+                <a:cs typeface="Arial" panose="020B0604020202020204" pitchFamily="34" charset="0"/>
+              </a:rPr>
+              <a:t> T::type y;</a:t>
+            </a:r>
+            <a:br>
+              <a:rPr lang="sv-SE" sz="1600" dirty="0">
+                <a:solidFill>
+                  <a:prstClr val="black"/>
+                </a:solidFill>
+                <a:latin typeface="Arial" panose="020B0604020202020204" pitchFamily="34" charset="0"/>
+                <a:cs typeface="Arial" panose="020B0604020202020204" pitchFamily="34" charset="0"/>
+              </a:rPr>
+            </a:br>
+            <a:r>
+              <a:rPr lang="sv-SE" sz="1600" dirty="0">
+                <a:solidFill>
+                  <a:prstClr val="black"/>
+                </a:solidFill>
+                <a:latin typeface="Arial" panose="020B0604020202020204" pitchFamily="34" charset="0"/>
+                <a:cs typeface="Arial" panose="020B0604020202020204" pitchFamily="34" charset="0"/>
+              </a:rPr>
+              <a:t>}</a:t>
+            </a:r>
+          </a:p>
+        </p:txBody>
+      </p:sp>
+      <p:sp>
+        <p:nvSpPr>
+          <p:cNvPr id="4" name="Platshållare för innehåll 2">
+            <a:extLst>
+              <a:ext uri="{FF2B5EF4-FFF2-40B4-BE49-F238E27FC236}">
+                <a16:creationId xmlns:a16="http://schemas.microsoft.com/office/drawing/2014/main" id="{08F3AB01-9823-C372-80BB-C492FE0422FD}"/>
+              </a:ext>
+            </a:extLst>
+          </p:cNvPr>
+          <p:cNvSpPr txBox="1">
+            <a:spLocks/>
+          </p:cNvSpPr>
+          <p:nvPr/>
+        </p:nvSpPr>
+        <p:spPr>
+          <a:xfrm>
+            <a:off x="6319574" y="1885279"/>
+            <a:ext cx="5368791" cy="4569462"/>
+          </a:xfrm>
+          <a:prstGeom prst="rect">
+            <a:avLst/>
+          </a:prstGeom>
+          <a:ln>
+            <a:solidFill>
+              <a:schemeClr val="tx1"/>
+            </a:solidFill>
+          </a:ln>
+        </p:spPr>
+        <p:txBody>
+          <a:bodyPr vert="horz" lIns="91440" tIns="45720" rIns="91440" bIns="45720" rtlCol="0" anchor="ctr">
+            <a:noAutofit/>
+          </a:bodyPr>
+          <a:lstStyle>
+            <a:lvl1pPr marL="228600" indent="-228600" algn="l" defTabSz="914400" rtl="0" eaLnBrk="1" latinLnBrk="0" hangingPunct="1">
+              <a:lnSpc>
+                <a:spcPct val="90000"/>
+              </a:lnSpc>
+              <a:spcBef>
+                <a:spcPts val="1000"/>
+              </a:spcBef>
+              <a:buFont typeface="Arial" panose="020B0604020202020204" pitchFamily="34" charset="0"/>
+              <a:buChar char="•"/>
+              <a:defRPr sz="2800" kern="1200">
+                <a:solidFill>
+                  <a:schemeClr val="tx1"/>
+                </a:solidFill>
+                <a:latin typeface="+mn-lt"/>
+                <a:ea typeface="+mn-ea"/>
+                <a:cs typeface="+mn-cs"/>
+              </a:defRPr>
+            </a:lvl1pPr>
+            <a:lvl2pPr marL="685800" indent="-228600" algn="l" defTabSz="914400" rtl="0" eaLnBrk="1" latinLnBrk="0" hangingPunct="1">
+              <a:lnSpc>
+                <a:spcPct val="90000"/>
+              </a:lnSpc>
+              <a:spcBef>
+                <a:spcPts val="500"/>
+              </a:spcBef>
+              <a:buFont typeface="Arial" panose="020B0604020202020204" pitchFamily="34" charset="0"/>
+              <a:buChar char="•"/>
+              <a:defRPr sz="2400" kern="1200">
+                <a:solidFill>
+                  <a:schemeClr val="tx1"/>
+                </a:solidFill>
+                <a:latin typeface="+mn-lt"/>
+                <a:ea typeface="+mn-ea"/>
+                <a:cs typeface="+mn-cs"/>
+              </a:defRPr>
+            </a:lvl2pPr>
+            <a:lvl3pPr marL="1143000" indent="-228600" algn="l" defTabSz="914400" rtl="0" eaLnBrk="1" latinLnBrk="0" hangingPunct="1">
+              <a:lnSpc>
+                <a:spcPct val="90000"/>
+              </a:lnSpc>
+              <a:spcBef>
+                <a:spcPts val="500"/>
+              </a:spcBef>
+              <a:buFont typeface="Arial" panose="020B0604020202020204" pitchFamily="34" charset="0"/>
+              <a:buChar char="•"/>
+              <a:defRPr sz="2000" kern="1200">
+                <a:solidFill>
+                  <a:schemeClr val="tx1"/>
+                </a:solidFill>
+                <a:latin typeface="+mn-lt"/>
+                <a:ea typeface="+mn-ea"/>
+                <a:cs typeface="+mn-cs"/>
+              </a:defRPr>
+            </a:lvl3pPr>
+            <a:lvl4pPr marL="1600200" indent="-228600" algn="l" defTabSz="914400" rtl="0" eaLnBrk="1" latinLnBrk="0" hangingPunct="1">
+              <a:lnSpc>
+                <a:spcPct val="90000"/>
+              </a:lnSpc>
+              <a:spcBef>
+                <a:spcPts val="500"/>
+              </a:spcBef>
+              <a:buFont typeface="Arial" panose="020B0604020202020204" pitchFamily="34" charset="0"/>
+              <a:buChar char="•"/>
+              <a:defRPr sz="1800" kern="1200">
+                <a:solidFill>
+                  <a:schemeClr val="tx1"/>
+                </a:solidFill>
+                <a:latin typeface="+mn-lt"/>
+                <a:ea typeface="+mn-ea"/>
+                <a:cs typeface="+mn-cs"/>
+              </a:defRPr>
+            </a:lvl4pPr>
+            <a:lvl5pPr marL="2057400" indent="-228600" algn="l" defTabSz="914400" rtl="0" eaLnBrk="1" latinLnBrk="0" hangingPunct="1">
+              <a:lnSpc>
+                <a:spcPct val="90000"/>
+              </a:lnSpc>
+              <a:spcBef>
+                <a:spcPts val="500"/>
+              </a:spcBef>
+              <a:buFont typeface="Arial" panose="020B0604020202020204" pitchFamily="34" charset="0"/>
+              <a:buChar char="•"/>
+              <a:defRPr sz="1800" kern="1200">
+                <a:solidFill>
+                  <a:schemeClr val="tx1"/>
+                </a:solidFill>
+                <a:latin typeface="+mn-lt"/>
+                <a:ea typeface="+mn-ea"/>
+                <a:cs typeface="+mn-cs"/>
+              </a:defRPr>
+            </a:lvl5pPr>
+            <a:lvl6pPr marL="2514600" indent="-228600" algn="l" defTabSz="914400" rtl="0" eaLnBrk="1" latinLnBrk="0" hangingPunct="1">
+              <a:lnSpc>
+                <a:spcPct val="90000"/>
+              </a:lnSpc>
+              <a:spcBef>
+                <a:spcPts val="500"/>
+              </a:spcBef>
+              <a:buFont typeface="Arial" panose="020B0604020202020204" pitchFamily="34" charset="0"/>
+              <a:buChar char="•"/>
+              <a:defRPr sz="1800" kern="1200">
+                <a:solidFill>
+                  <a:schemeClr val="tx1"/>
+                </a:solidFill>
+                <a:latin typeface="+mn-lt"/>
+                <a:ea typeface="+mn-ea"/>
+                <a:cs typeface="+mn-cs"/>
+              </a:defRPr>
+            </a:lvl6pPr>
+            <a:lvl7pPr marL="2971800" indent="-228600" algn="l" defTabSz="914400" rtl="0" eaLnBrk="1" latinLnBrk="0" hangingPunct="1">
+              <a:lnSpc>
+                <a:spcPct val="90000"/>
+              </a:lnSpc>
+              <a:spcBef>
+                <a:spcPts val="500"/>
+              </a:spcBef>
+              <a:buFont typeface="Arial" panose="020B0604020202020204" pitchFamily="34" charset="0"/>
+              <a:buChar char="•"/>
+              <a:defRPr sz="1800" kern="1200">
+                <a:solidFill>
+                  <a:schemeClr val="tx1"/>
+                </a:solidFill>
+                <a:latin typeface="+mn-lt"/>
+                <a:ea typeface="+mn-ea"/>
+                <a:cs typeface="+mn-cs"/>
+              </a:defRPr>
+            </a:lvl7pPr>
+            <a:lvl8pPr marL="3429000" indent="-228600" algn="l" defTabSz="914400" rtl="0" eaLnBrk="1" latinLnBrk="0" hangingPunct="1">
+              <a:lnSpc>
+                <a:spcPct val="90000"/>
+              </a:lnSpc>
+              <a:spcBef>
+                <a:spcPts val="500"/>
+              </a:spcBef>
+              <a:buFont typeface="Arial" panose="020B0604020202020204" pitchFamily="34" charset="0"/>
+              <a:buChar char="•"/>
+              <a:defRPr sz="1800" kern="1200">
+                <a:solidFill>
+                  <a:schemeClr val="tx1"/>
+                </a:solidFill>
+                <a:latin typeface="+mn-lt"/>
+                <a:ea typeface="+mn-ea"/>
+                <a:cs typeface="+mn-cs"/>
+              </a:defRPr>
+            </a:lvl8pPr>
+            <a:lvl9pPr marL="3886200" indent="-228600" algn="l" defTabSz="914400" rtl="0" eaLnBrk="1" latinLnBrk="0" hangingPunct="1">
+              <a:lnSpc>
+                <a:spcPct val="90000"/>
+              </a:lnSpc>
+              <a:spcBef>
+                <a:spcPts val="500"/>
+              </a:spcBef>
+              <a:buFont typeface="Arial" panose="020B0604020202020204" pitchFamily="34" charset="0"/>
+              <a:buChar char="•"/>
+              <a:defRPr sz="1800" kern="1200">
+                <a:solidFill>
+                  <a:schemeClr val="tx1"/>
+                </a:solidFill>
+                <a:latin typeface="+mn-lt"/>
+                <a:ea typeface="+mn-ea"/>
+                <a:cs typeface="+mn-cs"/>
+              </a:defRPr>
+            </a:lvl9pPr>
+          </a:lstStyle>
+          <a:p>
+            <a:pPr marL="0" indent="0">
+              <a:buFont typeface="Arial" panose="020B0604020202020204" pitchFamily="34" charset="0"/>
+              <a:buNone/>
+              <a:defRPr/>
+            </a:pPr>
+            <a:br>
+              <a:rPr lang="sv-SE" sz="1600" dirty="0">
+                <a:solidFill>
+                  <a:prstClr val="black"/>
+                </a:solidFill>
+                <a:latin typeface="Arial" panose="020B0604020202020204" pitchFamily="34" charset="0"/>
+                <a:cs typeface="Arial" panose="020B0604020202020204" pitchFamily="34" charset="0"/>
+              </a:rPr>
+            </a:br>
+            <a:r>
+              <a:rPr lang="sv-SE" sz="1600" dirty="0">
+                <a:solidFill>
+                  <a:prstClr val="black"/>
+                </a:solidFill>
+                <a:latin typeface="Arial" panose="020B0604020202020204" pitchFamily="34" charset="0"/>
+                <a:cs typeface="Arial" panose="020B0604020202020204" pitchFamily="34" charset="0"/>
+              </a:rPr>
+              <a:t>#include&lt;vector&gt;</a:t>
+            </a:r>
+          </a:p>
+          <a:p>
+            <a:pPr marL="0" marR="0" lvl="0" indent="0" algn="l" defTabSz="914400" rtl="0" eaLnBrk="1" fontAlgn="auto" latinLnBrk="0" hangingPunct="1">
+              <a:lnSpc>
+                <a:spcPct val="90000"/>
+              </a:lnSpc>
+              <a:spcBef>
+                <a:spcPts val="1000"/>
+              </a:spcBef>
+              <a:spcAft>
+                <a:spcPts val="0"/>
+              </a:spcAft>
+              <a:buClrTx/>
+              <a:buSzTx/>
+              <a:buFont typeface="Arial" panose="020B0604020202020204" pitchFamily="34" charset="0"/>
+              <a:buNone/>
+              <a:tabLst/>
+              <a:defRPr/>
+            </a:pPr>
+            <a:r>
+              <a:rPr lang="sv-SE" sz="1600" dirty="0">
+                <a:solidFill>
+                  <a:prstClr val="black"/>
+                </a:solidFill>
+                <a:latin typeface="Arial" panose="020B0604020202020204" pitchFamily="34" charset="0"/>
+                <a:cs typeface="Arial" panose="020B0604020202020204" pitchFamily="34" charset="0"/>
+              </a:rPr>
+              <a:t>template&lt;</a:t>
+            </a:r>
+            <a:r>
+              <a:rPr lang="sv-SE" sz="1600" dirty="0" err="1">
+                <a:solidFill>
+                  <a:prstClr val="black"/>
+                </a:solidFill>
+                <a:latin typeface="Arial" panose="020B0604020202020204" pitchFamily="34" charset="0"/>
+                <a:cs typeface="Arial" panose="020B0604020202020204" pitchFamily="34" charset="0"/>
+              </a:rPr>
+              <a:t>typename</a:t>
+            </a:r>
+            <a:r>
+              <a:rPr lang="sv-SE" sz="1600" dirty="0">
+                <a:solidFill>
+                  <a:prstClr val="black"/>
+                </a:solidFill>
+                <a:latin typeface="Arial" panose="020B0604020202020204" pitchFamily="34" charset="0"/>
+                <a:cs typeface="Arial" panose="020B0604020202020204" pitchFamily="34" charset="0"/>
+              </a:rPr>
+              <a:t> T&gt; </a:t>
+            </a:r>
+            <a:r>
+              <a:rPr lang="sv-SE" sz="1600" dirty="0" err="1">
+                <a:solidFill>
+                  <a:prstClr val="black"/>
+                </a:solidFill>
+                <a:latin typeface="Arial" panose="020B0604020202020204" pitchFamily="34" charset="0"/>
+                <a:cs typeface="Arial" panose="020B0604020202020204" pitchFamily="34" charset="0"/>
+              </a:rPr>
+              <a:t>void</a:t>
+            </a:r>
+            <a:r>
+              <a:rPr lang="sv-SE" sz="1600" dirty="0">
+                <a:solidFill>
+                  <a:prstClr val="black"/>
+                </a:solidFill>
+                <a:latin typeface="Arial" panose="020B0604020202020204" pitchFamily="34" charset="0"/>
+                <a:cs typeface="Arial" panose="020B0604020202020204" pitchFamily="34" charset="0"/>
+              </a:rPr>
+              <a:t> </a:t>
+            </a:r>
+            <a:r>
+              <a:rPr lang="sv-SE" sz="1600" dirty="0" err="1">
+                <a:solidFill>
+                  <a:prstClr val="black"/>
+                </a:solidFill>
+                <a:latin typeface="Arial" panose="020B0604020202020204" pitchFamily="34" charset="0"/>
+                <a:cs typeface="Arial" panose="020B0604020202020204" pitchFamily="34" charset="0"/>
+              </a:rPr>
+              <a:t>foo</a:t>
+            </a:r>
+            <a:r>
+              <a:rPr lang="sv-SE" sz="1600" dirty="0">
+                <a:solidFill>
+                  <a:prstClr val="black"/>
+                </a:solidFill>
+                <a:latin typeface="Arial" panose="020B0604020202020204" pitchFamily="34" charset="0"/>
+                <a:cs typeface="Arial" panose="020B0604020202020204" pitchFamily="34" charset="0"/>
+              </a:rPr>
+              <a:t>(</a:t>
+            </a:r>
+            <a:r>
+              <a:rPr lang="sv-SE" sz="1600" dirty="0" err="1">
+                <a:solidFill>
+                  <a:prstClr val="black"/>
+                </a:solidFill>
+                <a:latin typeface="Arial" panose="020B0604020202020204" pitchFamily="34" charset="0"/>
+                <a:cs typeface="Arial" panose="020B0604020202020204" pitchFamily="34" charset="0"/>
+              </a:rPr>
+              <a:t>std</a:t>
+            </a:r>
+            <a:r>
+              <a:rPr lang="sv-SE" sz="1600" dirty="0">
+                <a:solidFill>
+                  <a:prstClr val="black"/>
+                </a:solidFill>
+                <a:latin typeface="Arial" panose="020B0604020202020204" pitchFamily="34" charset="0"/>
+                <a:cs typeface="Arial" panose="020B0604020202020204" pitchFamily="34" charset="0"/>
+              </a:rPr>
+              <a:t>::</a:t>
+            </a:r>
+            <a:r>
+              <a:rPr lang="sv-SE" sz="1600" dirty="0" err="1">
+                <a:solidFill>
+                  <a:prstClr val="black"/>
+                </a:solidFill>
+                <a:latin typeface="Arial" panose="020B0604020202020204" pitchFamily="34" charset="0"/>
+                <a:cs typeface="Arial" panose="020B0604020202020204" pitchFamily="34" charset="0"/>
+              </a:rPr>
+              <a:t>vector</a:t>
+            </a:r>
+            <a:r>
+              <a:rPr lang="sv-SE" sz="1600" dirty="0">
+                <a:solidFill>
+                  <a:prstClr val="black"/>
+                </a:solidFill>
+                <a:latin typeface="Arial" panose="020B0604020202020204" pitchFamily="34" charset="0"/>
+                <a:cs typeface="Arial" panose="020B0604020202020204" pitchFamily="34" charset="0"/>
+              </a:rPr>
+              <a:t>&lt;T&gt; v)</a:t>
+            </a:r>
+            <a:br>
+              <a:rPr lang="sv-SE" sz="1600" dirty="0">
+                <a:solidFill>
+                  <a:prstClr val="black"/>
+                </a:solidFill>
+                <a:latin typeface="Arial" panose="020B0604020202020204" pitchFamily="34" charset="0"/>
+                <a:cs typeface="Arial" panose="020B0604020202020204" pitchFamily="34" charset="0"/>
+              </a:rPr>
+            </a:br>
+            <a:r>
+              <a:rPr lang="sv-SE" sz="1600" dirty="0">
+                <a:solidFill>
+                  <a:prstClr val="black"/>
+                </a:solidFill>
+                <a:latin typeface="Arial" panose="020B0604020202020204" pitchFamily="34" charset="0"/>
+                <a:cs typeface="Arial" panose="020B0604020202020204" pitchFamily="34" charset="0"/>
+              </a:rPr>
+              <a:t>{</a:t>
+            </a:r>
+            <a:br>
+              <a:rPr lang="sv-SE" sz="1600" dirty="0">
+                <a:solidFill>
+                  <a:prstClr val="black"/>
+                </a:solidFill>
+                <a:latin typeface="Arial" panose="020B0604020202020204" pitchFamily="34" charset="0"/>
+                <a:cs typeface="Arial" panose="020B0604020202020204" pitchFamily="34" charset="0"/>
+              </a:rPr>
+            </a:br>
+            <a:r>
+              <a:rPr lang="sv-SE" sz="1600" dirty="0">
+                <a:solidFill>
+                  <a:prstClr val="black"/>
+                </a:solidFill>
+                <a:latin typeface="Arial" panose="020B0604020202020204" pitchFamily="34" charset="0"/>
+                <a:cs typeface="Arial" panose="020B0604020202020204" pitchFamily="34" charset="0"/>
+              </a:rPr>
+              <a:t>    </a:t>
+            </a:r>
+            <a:r>
+              <a:rPr lang="sv-SE" sz="1600" dirty="0" err="1">
+                <a:solidFill>
+                  <a:prstClr val="black"/>
+                </a:solidFill>
+                <a:latin typeface="Arial" panose="020B0604020202020204" pitchFamily="34" charset="0"/>
+                <a:cs typeface="Arial" panose="020B0604020202020204" pitchFamily="34" charset="0"/>
+              </a:rPr>
+              <a:t>std</a:t>
+            </a:r>
+            <a:r>
+              <a:rPr lang="sv-SE" sz="1600" dirty="0">
+                <a:solidFill>
+                  <a:prstClr val="black"/>
+                </a:solidFill>
+                <a:latin typeface="Arial" panose="020B0604020202020204" pitchFamily="34" charset="0"/>
+                <a:cs typeface="Arial" panose="020B0604020202020204" pitchFamily="34" charset="0"/>
+              </a:rPr>
+              <a:t>::</a:t>
+            </a:r>
+            <a:r>
+              <a:rPr lang="sv-SE" sz="1600" dirty="0" err="1">
+                <a:solidFill>
+                  <a:prstClr val="black"/>
+                </a:solidFill>
+                <a:latin typeface="Arial" panose="020B0604020202020204" pitchFamily="34" charset="0"/>
+                <a:cs typeface="Arial" panose="020B0604020202020204" pitchFamily="34" charset="0"/>
+              </a:rPr>
+              <a:t>vector</a:t>
+            </a:r>
+            <a:r>
+              <a:rPr lang="sv-SE" sz="1600" dirty="0">
+                <a:solidFill>
+                  <a:prstClr val="black"/>
+                </a:solidFill>
+                <a:latin typeface="Arial" panose="020B0604020202020204" pitchFamily="34" charset="0"/>
+                <a:cs typeface="Arial" panose="020B0604020202020204" pitchFamily="34" charset="0"/>
+              </a:rPr>
+              <a:t>&lt;T&gt;::</a:t>
+            </a:r>
+            <a:r>
+              <a:rPr lang="sv-SE" sz="1600" dirty="0" err="1">
+                <a:solidFill>
+                  <a:prstClr val="black"/>
+                </a:solidFill>
+                <a:latin typeface="Arial" panose="020B0604020202020204" pitchFamily="34" charset="0"/>
+                <a:cs typeface="Arial" panose="020B0604020202020204" pitchFamily="34" charset="0"/>
+              </a:rPr>
+              <a:t>iterator</a:t>
+            </a:r>
+            <a:r>
+              <a:rPr lang="sv-SE" sz="1600" dirty="0">
+                <a:solidFill>
+                  <a:prstClr val="black"/>
+                </a:solidFill>
+                <a:latin typeface="Arial" panose="020B0604020202020204" pitchFamily="34" charset="0"/>
+                <a:cs typeface="Arial" panose="020B0604020202020204" pitchFamily="34" charset="0"/>
+              </a:rPr>
+              <a:t> </a:t>
+            </a:r>
+            <a:r>
+              <a:rPr lang="sv-SE" sz="1600" dirty="0" err="1">
+                <a:solidFill>
+                  <a:prstClr val="black"/>
+                </a:solidFill>
+                <a:latin typeface="Arial" panose="020B0604020202020204" pitchFamily="34" charset="0"/>
+                <a:cs typeface="Arial" panose="020B0604020202020204" pitchFamily="34" charset="0"/>
+              </a:rPr>
+              <a:t>iter</a:t>
+            </a:r>
+            <a:r>
+              <a:rPr lang="sv-SE" sz="1600" dirty="0">
+                <a:solidFill>
+                  <a:prstClr val="black"/>
+                </a:solidFill>
+                <a:latin typeface="Arial" panose="020B0604020202020204" pitchFamily="34" charset="0"/>
+                <a:cs typeface="Arial" panose="020B0604020202020204" pitchFamily="34" charset="0"/>
+              </a:rPr>
+              <a:t> = </a:t>
+            </a:r>
+            <a:r>
+              <a:rPr lang="sv-SE" sz="1600" dirty="0" err="1">
+                <a:solidFill>
+                  <a:prstClr val="black"/>
+                </a:solidFill>
+                <a:latin typeface="Arial" panose="020B0604020202020204" pitchFamily="34" charset="0"/>
+                <a:cs typeface="Arial" panose="020B0604020202020204" pitchFamily="34" charset="0"/>
+              </a:rPr>
+              <a:t>v.begin</a:t>
+            </a:r>
+            <a:r>
+              <a:rPr lang="sv-SE" sz="1600" dirty="0">
+                <a:solidFill>
+                  <a:prstClr val="black"/>
+                </a:solidFill>
+                <a:latin typeface="Arial" panose="020B0604020202020204" pitchFamily="34" charset="0"/>
+                <a:cs typeface="Arial" panose="020B0604020202020204" pitchFamily="34" charset="0"/>
+              </a:rPr>
+              <a:t>();</a:t>
+            </a:r>
+            <a:br>
+              <a:rPr lang="sv-SE" sz="1600" dirty="0">
+                <a:solidFill>
+                  <a:prstClr val="black"/>
+                </a:solidFill>
+                <a:latin typeface="Arial" panose="020B0604020202020204" pitchFamily="34" charset="0"/>
+                <a:cs typeface="Arial" panose="020B0604020202020204" pitchFamily="34" charset="0"/>
+              </a:rPr>
+            </a:br>
+            <a:r>
+              <a:rPr lang="sv-SE" sz="1600" dirty="0">
+                <a:solidFill>
+                  <a:prstClr val="black"/>
+                </a:solidFill>
+                <a:latin typeface="Arial" panose="020B0604020202020204" pitchFamily="34" charset="0"/>
+                <a:cs typeface="Arial" panose="020B0604020202020204" pitchFamily="34" charset="0"/>
+              </a:rPr>
+              <a:t>}</a:t>
+            </a:r>
+          </a:p>
+          <a:p>
+            <a:pPr marL="0" marR="0" lvl="0" indent="0" algn="l" defTabSz="914400" rtl="0" eaLnBrk="1" fontAlgn="auto" latinLnBrk="0" hangingPunct="1">
+              <a:lnSpc>
+                <a:spcPct val="90000"/>
+              </a:lnSpc>
+              <a:spcBef>
+                <a:spcPts val="1000"/>
+              </a:spcBef>
+              <a:spcAft>
+                <a:spcPts val="0"/>
+              </a:spcAft>
+              <a:buClrTx/>
+              <a:buSzTx/>
+              <a:buFont typeface="Arial" panose="020B0604020202020204" pitchFamily="34" charset="0"/>
+              <a:buNone/>
+              <a:tabLst/>
+              <a:defRPr/>
+            </a:pPr>
+            <a:endParaRPr lang="sv-SE" sz="1600" dirty="0">
+              <a:solidFill>
+                <a:prstClr val="black"/>
+              </a:solidFill>
+              <a:latin typeface="Arial" panose="020B0604020202020204" pitchFamily="34" charset="0"/>
+              <a:cs typeface="Arial" panose="020B0604020202020204" pitchFamily="34" charset="0"/>
+            </a:endParaRPr>
+          </a:p>
+          <a:p>
+            <a:pPr marL="0" marR="0" lvl="0" indent="0" algn="l" defTabSz="914400" rtl="0" eaLnBrk="1" fontAlgn="auto" latinLnBrk="0" hangingPunct="1">
+              <a:lnSpc>
+                <a:spcPct val="90000"/>
+              </a:lnSpc>
+              <a:spcBef>
+                <a:spcPts val="1000"/>
+              </a:spcBef>
+              <a:spcAft>
+                <a:spcPts val="0"/>
+              </a:spcAft>
+              <a:buClrTx/>
+              <a:buSzTx/>
+              <a:buFont typeface="Arial" panose="020B0604020202020204" pitchFamily="34" charset="0"/>
+              <a:buNone/>
+              <a:tabLst/>
+              <a:defRPr/>
+            </a:pPr>
+            <a:r>
+              <a:rPr lang="sv-SE" sz="1600" dirty="0">
+                <a:solidFill>
+                  <a:prstClr val="black"/>
+                </a:solidFill>
+                <a:latin typeface="Arial" panose="020B0604020202020204" pitchFamily="34" charset="0"/>
+                <a:cs typeface="Arial" panose="020B0604020202020204" pitchFamily="34" charset="0"/>
+              </a:rPr>
+              <a:t>template&lt;</a:t>
+            </a:r>
+            <a:r>
+              <a:rPr lang="sv-SE" sz="1600" dirty="0" err="1">
+                <a:solidFill>
+                  <a:prstClr val="black"/>
+                </a:solidFill>
+                <a:latin typeface="Arial" panose="020B0604020202020204" pitchFamily="34" charset="0"/>
+                <a:cs typeface="Arial" panose="020B0604020202020204" pitchFamily="34" charset="0"/>
+              </a:rPr>
+              <a:t>typename</a:t>
+            </a:r>
+            <a:r>
+              <a:rPr lang="sv-SE" sz="1600" dirty="0">
+                <a:solidFill>
+                  <a:prstClr val="black"/>
+                </a:solidFill>
+                <a:latin typeface="Arial" panose="020B0604020202020204" pitchFamily="34" charset="0"/>
+                <a:cs typeface="Arial" panose="020B0604020202020204" pitchFamily="34" charset="0"/>
+              </a:rPr>
+              <a:t> T&gt; </a:t>
+            </a:r>
+            <a:r>
+              <a:rPr lang="sv-SE" sz="1600" dirty="0" err="1">
+                <a:solidFill>
+                  <a:prstClr val="black"/>
+                </a:solidFill>
+                <a:latin typeface="Arial" panose="020B0604020202020204" pitchFamily="34" charset="0"/>
+                <a:cs typeface="Arial" panose="020B0604020202020204" pitchFamily="34" charset="0"/>
+              </a:rPr>
+              <a:t>void</a:t>
+            </a:r>
+            <a:r>
+              <a:rPr lang="sv-SE" sz="1600" dirty="0">
+                <a:solidFill>
+                  <a:prstClr val="black"/>
+                </a:solidFill>
+                <a:latin typeface="Arial" panose="020B0604020202020204" pitchFamily="34" charset="0"/>
+                <a:cs typeface="Arial" panose="020B0604020202020204" pitchFamily="34" charset="0"/>
+              </a:rPr>
+              <a:t> bar(T&amp; v)</a:t>
+            </a:r>
+            <a:br>
+              <a:rPr lang="sv-SE" sz="1600" dirty="0">
+                <a:solidFill>
+                  <a:prstClr val="black"/>
+                </a:solidFill>
+                <a:latin typeface="Arial" panose="020B0604020202020204" pitchFamily="34" charset="0"/>
+                <a:cs typeface="Arial" panose="020B0604020202020204" pitchFamily="34" charset="0"/>
+              </a:rPr>
+            </a:br>
+            <a:r>
+              <a:rPr lang="sv-SE" sz="1600" dirty="0">
+                <a:solidFill>
+                  <a:prstClr val="black"/>
+                </a:solidFill>
+                <a:latin typeface="Arial" panose="020B0604020202020204" pitchFamily="34" charset="0"/>
+                <a:cs typeface="Arial" panose="020B0604020202020204" pitchFamily="34" charset="0"/>
+              </a:rPr>
+              <a:t>{</a:t>
+            </a:r>
+            <a:br>
+              <a:rPr lang="sv-SE" sz="1600" dirty="0">
+                <a:solidFill>
+                  <a:prstClr val="black"/>
+                </a:solidFill>
+                <a:latin typeface="Arial" panose="020B0604020202020204" pitchFamily="34" charset="0"/>
+                <a:cs typeface="Arial" panose="020B0604020202020204" pitchFamily="34" charset="0"/>
+              </a:rPr>
+            </a:br>
+            <a:r>
+              <a:rPr lang="sv-SE" sz="1600" dirty="0">
+                <a:solidFill>
+                  <a:prstClr val="black"/>
+                </a:solidFill>
+                <a:latin typeface="Arial" panose="020B0604020202020204" pitchFamily="34" charset="0"/>
+                <a:cs typeface="Arial" panose="020B0604020202020204" pitchFamily="34" charset="0"/>
+              </a:rPr>
+              <a:t>    </a:t>
+            </a:r>
+            <a:r>
+              <a:rPr lang="sv-SE" sz="1600" b="1" dirty="0" err="1">
+                <a:solidFill>
+                  <a:prstClr val="black"/>
+                </a:solidFill>
+                <a:latin typeface="Arial" panose="020B0604020202020204" pitchFamily="34" charset="0"/>
+                <a:cs typeface="Arial" panose="020B0604020202020204" pitchFamily="34" charset="0"/>
+              </a:rPr>
+              <a:t>typename</a:t>
+            </a:r>
+            <a:r>
+              <a:rPr lang="sv-SE" sz="1600" dirty="0">
+                <a:solidFill>
+                  <a:prstClr val="black"/>
+                </a:solidFill>
+                <a:latin typeface="Arial" panose="020B0604020202020204" pitchFamily="34" charset="0"/>
+                <a:cs typeface="Arial" panose="020B0604020202020204" pitchFamily="34" charset="0"/>
+              </a:rPr>
+              <a:t> T::type y;</a:t>
+            </a:r>
+            <a:br>
+              <a:rPr lang="sv-SE" sz="1600" dirty="0">
+                <a:solidFill>
+                  <a:prstClr val="black"/>
+                </a:solidFill>
+                <a:latin typeface="Arial" panose="020B0604020202020204" pitchFamily="34" charset="0"/>
+                <a:cs typeface="Arial" panose="020B0604020202020204" pitchFamily="34" charset="0"/>
+              </a:rPr>
+            </a:br>
+            <a:r>
+              <a:rPr lang="sv-SE" sz="1600" dirty="0">
+                <a:solidFill>
+                  <a:prstClr val="black"/>
+                </a:solidFill>
+                <a:latin typeface="Arial" panose="020B0604020202020204" pitchFamily="34" charset="0"/>
+                <a:cs typeface="Arial" panose="020B0604020202020204" pitchFamily="34" charset="0"/>
+              </a:rPr>
+              <a:t>}</a:t>
+            </a:r>
+          </a:p>
+          <a:p>
+            <a:pPr marL="0" indent="0">
+              <a:buFont typeface="Arial" panose="020B0604020202020204" pitchFamily="34" charset="0"/>
+              <a:buNone/>
+              <a:defRPr/>
+            </a:pPr>
+            <a:endParaRPr lang="sv-SE" sz="1600" dirty="0">
+              <a:solidFill>
+                <a:prstClr val="black"/>
+              </a:solidFill>
+              <a:latin typeface="Arial" panose="020B0604020202020204" pitchFamily="34" charset="0"/>
+              <a:cs typeface="Arial" panose="020B0604020202020204" pitchFamily="34" charset="0"/>
+            </a:endParaRPr>
+          </a:p>
+        </p:txBody>
+      </p:sp>
+      <p:sp>
+        <p:nvSpPr>
+          <p:cNvPr id="5" name="TextBox 4">
+            <a:extLst>
+              <a:ext uri="{FF2B5EF4-FFF2-40B4-BE49-F238E27FC236}">
+                <a16:creationId xmlns:a16="http://schemas.microsoft.com/office/drawing/2014/main" id="{C1F7F84A-9A54-F4F2-59ED-7999CF2283A5}"/>
+              </a:ext>
+            </a:extLst>
+          </p:cNvPr>
+          <p:cNvSpPr txBox="1"/>
+          <p:nvPr/>
+        </p:nvSpPr>
+        <p:spPr>
+          <a:xfrm>
+            <a:off x="2445710" y="1891970"/>
+            <a:ext cx="1156855" cy="584775"/>
+          </a:xfrm>
+          <a:prstGeom prst="rect">
+            <a:avLst/>
+          </a:prstGeom>
+          <a:noFill/>
+        </p:spPr>
+        <p:txBody>
+          <a:bodyPr wrap="none" rtlCol="0">
+            <a:spAutoFit/>
+          </a:bodyPr>
+          <a:lstStyle/>
+          <a:p>
+            <a:pPr algn="ctr"/>
             <a:r>
               <a:rPr lang="sv-SE" sz="3200" dirty="0" err="1"/>
-              <a:t>class</a:t>
-            </a:r>
-            <a:r>
-              <a:rPr lang="sv-SE" sz="3200" dirty="0"/>
-              <a:t> template has a </a:t>
-            </a:r>
+              <a:t>Today</a:t>
+            </a:r>
+            <a:endParaRPr lang="LID4096" sz="3200" dirty="0"/>
+          </a:p>
+        </p:txBody>
+      </p:sp>
+      <p:sp>
+        <p:nvSpPr>
+          <p:cNvPr id="6" name="TextBox 5">
+            <a:extLst>
+              <a:ext uri="{FF2B5EF4-FFF2-40B4-BE49-F238E27FC236}">
+                <a16:creationId xmlns:a16="http://schemas.microsoft.com/office/drawing/2014/main" id="{30B1BE91-1107-05D4-3985-5E888F670B4D}"/>
+              </a:ext>
+            </a:extLst>
+          </p:cNvPr>
+          <p:cNvSpPr txBox="1"/>
+          <p:nvPr/>
+        </p:nvSpPr>
+        <p:spPr>
+          <a:xfrm>
+            <a:off x="7802456" y="1891970"/>
+            <a:ext cx="2403030" cy="584775"/>
+          </a:xfrm>
+          <a:prstGeom prst="rect">
+            <a:avLst/>
+          </a:prstGeom>
+          <a:noFill/>
+        </p:spPr>
+        <p:txBody>
+          <a:bodyPr wrap="none" rtlCol="0">
+            <a:spAutoFit/>
+          </a:bodyPr>
+          <a:lstStyle/>
+          <a:p>
+            <a:pPr algn="ctr"/>
             <a:r>
               <a:rPr lang="sv-SE" sz="3200" dirty="0" err="1"/>
-              <a:t>defintion</a:t>
-            </a:r>
-            <a:r>
-              <a:rPr lang="sv-SE" sz="3200" dirty="0"/>
-              <a:t> no explicit </a:t>
-            </a:r>
-            <a:r>
-              <a:rPr lang="sv-SE" sz="3200" dirty="0" err="1"/>
-              <a:t>specialization</a:t>
-            </a:r>
-            <a:r>
-              <a:rPr lang="sv-SE" sz="3200" dirty="0"/>
-              <a:t> is </a:t>
-            </a:r>
-            <a:r>
-              <a:rPr lang="sv-SE" sz="3200" dirty="0" err="1"/>
-              <a:t>allowed</a:t>
-            </a:r>
-            <a:r>
-              <a:rPr lang="sv-SE" sz="3200" dirty="0"/>
-              <a:t> to </a:t>
-            </a:r>
-            <a:r>
-              <a:rPr lang="sv-SE" sz="3200" dirty="0" err="1"/>
-              <a:t>declare</a:t>
-            </a:r>
-            <a:r>
-              <a:rPr lang="sv-SE" sz="3200" dirty="0"/>
-              <a:t> the </a:t>
-            </a:r>
-            <a:r>
-              <a:rPr lang="sv-SE" sz="3200" dirty="0" err="1"/>
-              <a:t>name</a:t>
+              <a:t>This</a:t>
             </a:r>
             <a:r>
               <a:rPr lang="sv-SE" sz="3200" dirty="0"/>
@@ -6364,209 +7799,16 @@
             </a:r>
             <a:r>
               <a:rPr lang="sv-SE" sz="3200" dirty="0" err="1"/>
-              <a:t>with</a:t>
-            </a:r>
-            <a:r>
-              <a:rPr lang="sv-SE" sz="3200" dirty="0"/>
-              <a:t> a different kind.</a:t>
-            </a:r>
-          </a:p>
-          <a:p>
-            <a:r>
-              <a:rPr lang="sv-SE" sz="3200" dirty="0" err="1"/>
-              <a:t>Two</a:t>
-            </a:r>
-            <a:r>
-              <a:rPr lang="sv-SE" sz="3200" dirty="0"/>
-              <a:t> explicit </a:t>
-            </a:r>
-            <a:r>
-              <a:rPr lang="sv-SE" sz="3200" dirty="0" err="1"/>
-              <a:t>specializations</a:t>
-            </a:r>
-            <a:r>
-              <a:rPr lang="sv-SE" sz="3200" dirty="0"/>
-              <a:t> </a:t>
-            </a:r>
-            <a:r>
-              <a:rPr lang="sv-SE" sz="3200" dirty="0" err="1"/>
-              <a:t>declaring</a:t>
-            </a:r>
-            <a:r>
-              <a:rPr lang="sv-SE" sz="3200" dirty="0"/>
-              <a:t> the same </a:t>
-            </a:r>
-            <a:r>
-              <a:rPr lang="sv-SE" sz="3200" dirty="0" err="1"/>
-              <a:t>name</a:t>
-            </a:r>
-            <a:r>
-              <a:rPr lang="sv-SE" sz="3200" dirty="0"/>
-              <a:t> must </a:t>
-            </a:r>
-            <a:r>
-              <a:rPr lang="sv-SE" sz="3200" dirty="0" err="1"/>
-              <a:t>declare</a:t>
-            </a:r>
-            <a:r>
-              <a:rPr lang="sv-SE" sz="3200" dirty="0"/>
-              <a:t> it to be the same kind.</a:t>
-            </a:r>
-          </a:p>
-          <a:p>
-            <a:r>
-              <a:rPr lang="sv-SE" sz="3200" dirty="0" err="1"/>
-              <a:t>This</a:t>
-            </a:r>
-            <a:r>
-              <a:rPr lang="sv-SE" sz="3200" dirty="0"/>
-              <a:t> </a:t>
-            </a:r>
-            <a:r>
-              <a:rPr lang="sv-SE" sz="3200" dirty="0" err="1"/>
-              <a:t>rule</a:t>
-            </a:r>
-            <a:r>
-              <a:rPr lang="sv-SE" sz="3200" dirty="0"/>
-              <a:t> </a:t>
-            </a:r>
-            <a:r>
-              <a:rPr lang="sv-SE" sz="3200" dirty="0" err="1"/>
-              <a:t>applies</a:t>
-            </a:r>
-            <a:r>
-              <a:rPr lang="sv-SE" sz="3200" dirty="0"/>
-              <a:t> to </a:t>
-            </a:r>
-            <a:r>
-              <a:rPr lang="sv-SE" sz="3200" b="1" dirty="0"/>
-              <a:t>public</a:t>
-            </a:r>
-            <a:r>
-              <a:rPr lang="sv-SE" sz="3200" dirty="0"/>
-              <a:t> </a:t>
-            </a:r>
-            <a:r>
-              <a:rPr lang="sv-SE" sz="3200" dirty="0" err="1"/>
-              <a:t>names</a:t>
-            </a:r>
-            <a:r>
-              <a:rPr lang="sv-SE" sz="3200" dirty="0"/>
-              <a:t> </a:t>
-            </a:r>
-            <a:r>
-              <a:rPr lang="sv-SE" sz="3200" dirty="0" err="1"/>
-              <a:t>only</a:t>
-            </a:r>
-            <a:r>
-              <a:rPr lang="sv-SE" sz="3200" dirty="0"/>
-              <a:t> (+ </a:t>
-            </a:r>
-            <a:r>
-              <a:rPr lang="sv-SE" sz="3200" dirty="0" err="1"/>
-              <a:t>protected</a:t>
-            </a:r>
-            <a:r>
-              <a:rPr lang="sv-SE" sz="3200" dirty="0"/>
-              <a:t> </a:t>
-            </a:r>
-            <a:r>
-              <a:rPr lang="sv-SE" sz="3200" dirty="0" err="1"/>
-              <a:t>names</a:t>
-            </a:r>
-            <a:r>
-              <a:rPr lang="sv-SE" sz="3200" dirty="0"/>
-              <a:t>)?</a:t>
-            </a:r>
-          </a:p>
-          <a:p>
-            <a:r>
-              <a:rPr lang="sv-SE" sz="3200" dirty="0" err="1"/>
-              <a:t>Compiler</a:t>
-            </a:r>
-            <a:r>
-              <a:rPr lang="sv-SE" sz="3200" dirty="0"/>
-              <a:t> </a:t>
-            </a:r>
-            <a:r>
-              <a:rPr lang="sv-SE" sz="3200" dirty="0" err="1"/>
-              <a:t>assumes</a:t>
-            </a:r>
-            <a:r>
-              <a:rPr lang="sv-SE" sz="3200" dirty="0"/>
-              <a:t> </a:t>
-            </a:r>
-            <a:r>
-              <a:rPr lang="sv-SE" sz="3200" dirty="0" err="1"/>
-              <a:t>known</a:t>
-            </a:r>
-            <a:r>
-              <a:rPr lang="sv-SE" sz="3200" dirty="0"/>
-              <a:t> </a:t>
-            </a:r>
-            <a:r>
-              <a:rPr lang="sv-SE" sz="3200" dirty="0" err="1"/>
-              <a:t>member</a:t>
-            </a:r>
-            <a:r>
-              <a:rPr lang="sv-SE" sz="3200" dirty="0"/>
-              <a:t> </a:t>
-            </a:r>
-            <a:r>
-              <a:rPr lang="sv-SE" sz="3200" dirty="0" err="1"/>
-              <a:t>names</a:t>
-            </a:r>
-            <a:r>
-              <a:rPr lang="sv-SE" sz="3200" dirty="0"/>
-              <a:t> </a:t>
-            </a:r>
-            <a:r>
-              <a:rPr lang="sv-SE" sz="3200" dirty="0" err="1"/>
-              <a:t>will</a:t>
-            </a:r>
-            <a:r>
-              <a:rPr lang="sv-SE" sz="3200" dirty="0"/>
-              <a:t> </a:t>
-            </a:r>
-            <a:r>
-              <a:rPr lang="sv-SE" sz="3200" dirty="0" err="1"/>
-              <a:t>have</a:t>
-            </a:r>
-            <a:r>
-              <a:rPr lang="sv-SE" sz="3200" dirty="0"/>
-              <a:t> </a:t>
-            </a:r>
-            <a:r>
-              <a:rPr lang="sv-SE" sz="3200" dirty="0" err="1"/>
-              <a:t>its</a:t>
-            </a:r>
-            <a:r>
-              <a:rPr lang="sv-SE" sz="3200" dirty="0"/>
-              <a:t> </a:t>
-            </a:r>
-            <a:r>
-              <a:rPr lang="sv-SE" sz="3200" dirty="0" err="1"/>
-              <a:t>declared</a:t>
-            </a:r>
-            <a:r>
-              <a:rPr lang="sv-SE" sz="3200" dirty="0"/>
-              <a:t> kind for all </a:t>
-            </a:r>
-            <a:r>
-              <a:rPr lang="sv-SE" sz="3200" dirty="0" err="1"/>
-              <a:t>specializations</a:t>
-            </a:r>
-            <a:r>
-              <a:rPr lang="sv-SE" sz="3200" dirty="0"/>
-              <a:t>.</a:t>
-            </a:r>
+              <a:t>proposal</a:t>
+            </a:r>
+            <a:endParaRPr lang="LID4096" sz="3200" dirty="0"/>
           </a:p>
         </p:txBody>
       </p:sp>
     </p:spTree>
     <p:extLst>
       <p:ext uri="{BB962C8B-B14F-4D97-AF65-F5344CB8AC3E}">
-        <p14:creationId xmlns:p14="http://schemas.microsoft.com/office/powerpoint/2010/main" val="1395124542"/>
+        <p14:creationId xmlns:p14="http://schemas.microsoft.com/office/powerpoint/2010/main" val="3425653557"/>
       </p:ext>
     </p:extLst>
   </p:cSld>
@@ -7156,7 +8398,7 @@
                   <a:srgbClr val="FFFFFF"/>
                 </a:solidFill>
               </a:rPr>
-              <a:t>Canonical</a:t>
+              <a:t>Proposal</a:t>
             </a:r>
             <a:r>
               <a:rPr lang="sv-SE" sz="4000" dirty="0">
@@ -7172,7 +8414,7 @@
                   <a:srgbClr val="FFFFFF"/>
                 </a:solidFill>
               </a:rPr>
-              <a:t>example</a:t>
+              <a:t>contents</a:t>
             </a:r>
             <a:endParaRPr lang="LID4096" sz="4000" dirty="0">
               <a:solidFill>
@@ -7200,961 +8442,273 @@
         </p:nvSpPr>
         <p:spPr>
           <a:xfrm>
-            <a:off x="1371599" y="1885279"/>
-            <a:ext cx="9724031" cy="4569462"/>
+            <a:off x="947651" y="1885279"/>
+            <a:ext cx="10482349" cy="4569462"/>
           </a:xfrm>
         </p:spPr>
         <p:txBody>
           <a:bodyPr anchor="ctr">
-            <a:noAutofit/>
+            <a:normAutofit/>
           </a:bodyPr>
           <a:lstStyle/>
           <a:p>
-            <a:pPr marL="0" marR="0" lvl="0" indent="0" algn="l" defTabSz="914400" rtl="0" eaLnBrk="1" fontAlgn="auto" latinLnBrk="0" hangingPunct="1">
-              <a:lnSpc>
-                <a:spcPct val="90000"/>
-              </a:lnSpc>
-              <a:spcBef>
-                <a:spcPts val="1000"/>
-              </a:spcBef>
-              <a:spcAft>
-                <a:spcPts val="0"/>
-              </a:spcAft>
-              <a:buClrTx/>
-              <a:buSzTx/>
-              <a:buFont typeface="Arial" panose="020B0604020202020204" pitchFamily="34" charset="0"/>
-              <a:buNone/>
-              <a:tabLst/>
-              <a:defRPr/>
-            </a:pPr>
-            <a:r>
-              <a:rPr kumimoji="0" lang="sv-SE" sz="1600" b="0" i="0" u="none" strike="noStrike" kern="1200" cap="none" spc="0" normalizeH="0" baseline="0" noProof="0" dirty="0">
-                <a:ln>
-                  <a:noFill/>
-                </a:ln>
-                <a:solidFill>
-                  <a:prstClr val="black"/>
-                </a:solidFill>
-                <a:effectLst/>
-                <a:uLnTx/>
-                <a:uFillTx/>
-                <a:latin typeface="Arial" panose="020B0604020202020204" pitchFamily="34" charset="0"/>
-                <a:ea typeface="+mn-ea"/>
-                <a:cs typeface="Arial" panose="020B0604020202020204" pitchFamily="34" charset="0"/>
-              </a:rPr>
-              <a:t>#include&lt;vector&gt;</a:t>
-            </a:r>
-          </a:p>
-          <a:p>
-            <a:pPr marL="0" marR="0" lvl="0" indent="0" algn="l" defTabSz="914400" rtl="0" eaLnBrk="1" fontAlgn="auto" latinLnBrk="0" hangingPunct="1">
-              <a:lnSpc>
-                <a:spcPct val="90000"/>
-              </a:lnSpc>
-              <a:spcBef>
-                <a:spcPts val="1000"/>
-              </a:spcBef>
-              <a:spcAft>
-                <a:spcPts val="0"/>
-              </a:spcAft>
-              <a:buClrTx/>
-              <a:buSzTx/>
-              <a:buFont typeface="Arial" panose="020B0604020202020204" pitchFamily="34" charset="0"/>
-              <a:buNone/>
-              <a:tabLst/>
-              <a:defRPr/>
-            </a:pPr>
-            <a:r>
-              <a:rPr kumimoji="0" lang="sv-SE" sz="1600" b="0" i="0" u="none" strike="noStrike" kern="1200" cap="none" spc="0" normalizeH="0" baseline="0" noProof="0" dirty="0">
-                <a:ln>
-                  <a:noFill/>
-                </a:ln>
-                <a:solidFill>
-                  <a:prstClr val="black"/>
-                </a:solidFill>
-                <a:effectLst/>
-                <a:uLnTx/>
-                <a:uFillTx/>
-                <a:latin typeface="Arial" panose="020B0604020202020204" pitchFamily="34" charset="0"/>
-                <a:ea typeface="+mn-ea"/>
-                <a:cs typeface="Arial" panose="020B0604020202020204" pitchFamily="34" charset="0"/>
-              </a:rPr>
-              <a:t>template&lt;</a:t>
-            </a:r>
-            <a:r>
-              <a:rPr kumimoji="0" lang="sv-SE" sz="1600" b="0" i="0" u="none" strike="noStrike" kern="1200" cap="none" spc="0" normalizeH="0" baseline="0" noProof="0" dirty="0" err="1">
-                <a:ln>
-                  <a:noFill/>
-                </a:ln>
-                <a:solidFill>
-                  <a:prstClr val="black"/>
-                </a:solidFill>
-                <a:effectLst/>
-                <a:uLnTx/>
-                <a:uFillTx/>
-                <a:latin typeface="Arial" panose="020B0604020202020204" pitchFamily="34" charset="0"/>
-                <a:ea typeface="+mn-ea"/>
-                <a:cs typeface="Arial" panose="020B0604020202020204" pitchFamily="34" charset="0"/>
-              </a:rPr>
-              <a:t>typename</a:t>
-            </a:r>
-            <a:r>
-              <a:rPr kumimoji="0" lang="sv-SE" sz="1600" b="0" i="0" u="none" strike="noStrike" kern="1200" cap="none" spc="0" normalizeH="0" baseline="0" noProof="0" dirty="0">
-                <a:ln>
-                  <a:noFill/>
-                </a:ln>
-                <a:solidFill>
-                  <a:prstClr val="black"/>
-                </a:solidFill>
-                <a:effectLst/>
-                <a:uLnTx/>
-                <a:uFillTx/>
-                <a:latin typeface="Arial" panose="020B0604020202020204" pitchFamily="34" charset="0"/>
-                <a:ea typeface="+mn-ea"/>
-                <a:cs typeface="Arial" panose="020B0604020202020204" pitchFamily="34" charset="0"/>
-              </a:rPr>
-              <a:t> T&gt; </a:t>
-            </a:r>
-            <a:r>
-              <a:rPr kumimoji="0" lang="sv-SE" sz="1600" b="0" i="0" u="none" strike="noStrike" kern="1200" cap="none" spc="0" normalizeH="0" baseline="0" noProof="0" dirty="0" err="1">
-                <a:ln>
-                  <a:noFill/>
-                </a:ln>
-                <a:solidFill>
-                  <a:prstClr val="black"/>
-                </a:solidFill>
-                <a:effectLst/>
-                <a:uLnTx/>
-                <a:uFillTx/>
-                <a:latin typeface="Arial" panose="020B0604020202020204" pitchFamily="34" charset="0"/>
-                <a:ea typeface="+mn-ea"/>
-                <a:cs typeface="Arial" panose="020B0604020202020204" pitchFamily="34" charset="0"/>
-              </a:rPr>
-              <a:t>void</a:t>
-            </a:r>
-            <a:r>
-              <a:rPr kumimoji="0" lang="sv-SE" sz="1600" b="0" i="0" u="none" strike="noStrike" kern="1200" cap="none" spc="0" normalizeH="0" baseline="0" noProof="0" dirty="0">
-                <a:ln>
-                  <a:noFill/>
-                </a:ln>
-                <a:solidFill>
-                  <a:prstClr val="black"/>
-                </a:solidFill>
-                <a:effectLst/>
-                <a:uLnTx/>
-                <a:uFillTx/>
-                <a:latin typeface="Arial" panose="020B0604020202020204" pitchFamily="34" charset="0"/>
-                <a:ea typeface="+mn-ea"/>
-                <a:cs typeface="Arial" panose="020B0604020202020204" pitchFamily="34" charset="0"/>
-              </a:rPr>
+            <a:r>
+              <a:rPr lang="sv-SE" sz="3200" dirty="0"/>
+              <a:t>If a </a:t>
+            </a:r>
+            <a:r>
+              <a:rPr lang="sv-SE" sz="3200" dirty="0" err="1"/>
+              <a:t>class</a:t>
+            </a:r>
+            <a:r>
+              <a:rPr lang="sv-SE" sz="3200" dirty="0"/>
+              <a:t> template has a </a:t>
+            </a:r>
+            <a:r>
+              <a:rPr lang="sv-SE" sz="3200" dirty="0" err="1"/>
+              <a:t>defintion</a:t>
+            </a:r>
+            <a:r>
+              <a:rPr lang="sv-SE" sz="3200" dirty="0"/>
+              <a:t> no explicit </a:t>
+            </a:r>
+            <a:r>
+              <a:rPr lang="sv-SE" sz="3200" dirty="0" err="1"/>
+              <a:t>specialization</a:t>
+            </a:r>
+            <a:r>
+              <a:rPr lang="sv-SE" sz="3200" dirty="0"/>
+              <a:t> is </a:t>
+            </a:r>
+            <a:r>
+              <a:rPr lang="sv-SE" sz="3200" dirty="0" err="1"/>
+              <a:t>allowed</a:t>
+            </a:r>
+            <a:r>
+              <a:rPr lang="sv-SE" sz="3200" dirty="0"/>
+              <a:t> to </a:t>
+            </a:r>
+            <a:r>
+              <a:rPr lang="sv-SE" sz="3200" dirty="0" err="1"/>
+              <a:t>declare</a:t>
+            </a:r>
+            <a:r>
+              <a:rPr lang="sv-SE" sz="3200" dirty="0"/>
+              <a:t> the </a:t>
+            </a:r>
+            <a:r>
+              <a:rPr lang="sv-SE" sz="3200" dirty="0" err="1"/>
+              <a:t>name</a:t>
+            </a:r>
+            <a:r>
+              <a:rPr lang="sv-SE" sz="3200" dirty="0"/>
               <a:t> </a:t>
             </a:r>
             <a:r>
-              <a:rPr kumimoji="0" lang="sv-SE" sz="1600" b="0" i="0" u="none" strike="noStrike" kern="1200" cap="none" spc="0" normalizeH="0" baseline="0" noProof="0" dirty="0" err="1">
-                <a:ln>
-                  <a:noFill/>
-                </a:ln>
-                <a:solidFill>
-                  <a:prstClr val="black"/>
-                </a:solidFill>
-                <a:effectLst/>
-                <a:uLnTx/>
-                <a:uFillTx/>
-                <a:latin typeface="Arial" panose="020B0604020202020204" pitchFamily="34" charset="0"/>
-                <a:ea typeface="+mn-ea"/>
-                <a:cs typeface="Arial" panose="020B0604020202020204" pitchFamily="34" charset="0"/>
-              </a:rPr>
-              <a:t>foo</a:t>
-            </a:r>
-            <a:r>
-              <a:rPr kumimoji="0" lang="sv-SE" sz="1600" b="0" i="0" u="none" strike="noStrike" kern="1200" cap="none" spc="0" normalizeH="0" baseline="0" noProof="0" dirty="0">
-                <a:ln>
-                  <a:noFill/>
-                </a:ln>
-                <a:solidFill>
-                  <a:prstClr val="black"/>
-                </a:solidFill>
-                <a:effectLst/>
-                <a:uLnTx/>
-                <a:uFillTx/>
-                <a:latin typeface="Arial" panose="020B0604020202020204" pitchFamily="34" charset="0"/>
-                <a:ea typeface="+mn-ea"/>
-                <a:cs typeface="Arial" panose="020B0604020202020204" pitchFamily="34" charset="0"/>
-              </a:rPr>
-              <a:t>(</a:t>
-            </a:r>
-            <a:r>
-              <a:rPr kumimoji="0" lang="sv-SE" sz="1600" b="0" i="0" u="none" strike="noStrike" kern="1200" cap="none" spc="0" normalizeH="0" baseline="0" noProof="0" dirty="0" err="1">
-                <a:ln>
-                  <a:noFill/>
-                </a:ln>
-                <a:solidFill>
-                  <a:prstClr val="black"/>
-                </a:solidFill>
-                <a:effectLst/>
-                <a:uLnTx/>
-                <a:uFillTx/>
-                <a:latin typeface="Arial" panose="020B0604020202020204" pitchFamily="34" charset="0"/>
-                <a:ea typeface="+mn-ea"/>
-                <a:cs typeface="Arial" panose="020B0604020202020204" pitchFamily="34" charset="0"/>
-              </a:rPr>
-              <a:t>std</a:t>
-            </a:r>
-            <a:r>
-              <a:rPr kumimoji="0" lang="sv-SE" sz="1600" b="0" i="0" u="none" strike="noStrike" kern="1200" cap="none" spc="0" normalizeH="0" baseline="0" noProof="0" dirty="0">
-                <a:ln>
-                  <a:noFill/>
-                </a:ln>
-                <a:solidFill>
-                  <a:prstClr val="black"/>
-                </a:solidFill>
-                <a:effectLst/>
-                <a:uLnTx/>
-                <a:uFillTx/>
-                <a:latin typeface="Arial" panose="020B0604020202020204" pitchFamily="34" charset="0"/>
-                <a:ea typeface="+mn-ea"/>
-                <a:cs typeface="Arial" panose="020B0604020202020204" pitchFamily="34" charset="0"/>
-              </a:rPr>
-              <a:t>::</a:t>
-            </a:r>
-            <a:r>
-              <a:rPr kumimoji="0" lang="sv-SE" sz="1600" b="0" i="0" u="none" strike="noStrike" kern="1200" cap="none" spc="0" normalizeH="0" baseline="0" noProof="0" dirty="0" err="1">
-                <a:ln>
-                  <a:noFill/>
-                </a:ln>
-                <a:solidFill>
-                  <a:prstClr val="black"/>
-                </a:solidFill>
-                <a:effectLst/>
-                <a:uLnTx/>
-                <a:uFillTx/>
-                <a:latin typeface="Arial" panose="020B0604020202020204" pitchFamily="34" charset="0"/>
-                <a:ea typeface="+mn-ea"/>
-                <a:cs typeface="Arial" panose="020B0604020202020204" pitchFamily="34" charset="0"/>
-              </a:rPr>
-              <a:t>vector</a:t>
-            </a:r>
-            <a:r>
-              <a:rPr kumimoji="0" lang="sv-SE" sz="1600" b="0" i="0" u="none" strike="noStrike" kern="1200" cap="none" spc="0" normalizeH="0" baseline="0" noProof="0" dirty="0">
-                <a:ln>
-                  <a:noFill/>
-                </a:ln>
-                <a:solidFill>
-                  <a:prstClr val="black"/>
-                </a:solidFill>
-                <a:effectLst/>
-                <a:uLnTx/>
-                <a:uFillTx/>
-                <a:latin typeface="Arial" panose="020B0604020202020204" pitchFamily="34" charset="0"/>
-                <a:ea typeface="+mn-ea"/>
-                <a:cs typeface="Arial" panose="020B0604020202020204" pitchFamily="34" charset="0"/>
-              </a:rPr>
-              <a:t>&lt;T&gt; v)</a:t>
-            </a:r>
-            <a:br>
-              <a:rPr kumimoji="0" lang="sv-SE" sz="1600" b="0" i="0" u="none" strike="noStrike" kern="1200" cap="none" spc="0" normalizeH="0" baseline="0" noProof="0" dirty="0">
-                <a:ln>
-                  <a:noFill/>
-                </a:ln>
-                <a:solidFill>
-                  <a:prstClr val="black"/>
-                </a:solidFill>
-                <a:effectLst/>
-                <a:uLnTx/>
-                <a:uFillTx/>
-                <a:latin typeface="Arial" panose="020B0604020202020204" pitchFamily="34" charset="0"/>
-                <a:ea typeface="+mn-ea"/>
-                <a:cs typeface="Arial" panose="020B0604020202020204" pitchFamily="34" charset="0"/>
-              </a:rPr>
-            </a:br>
-            <a:r>
-              <a:rPr kumimoji="0" lang="sv-SE" sz="1600" b="0" i="0" u="none" strike="noStrike" kern="1200" cap="none" spc="0" normalizeH="0" baseline="0" noProof="0" dirty="0">
-                <a:ln>
-                  <a:noFill/>
-                </a:ln>
-                <a:solidFill>
-                  <a:prstClr val="black"/>
-                </a:solidFill>
-                <a:effectLst/>
-                <a:uLnTx/>
-                <a:uFillTx/>
-                <a:latin typeface="Arial" panose="020B0604020202020204" pitchFamily="34" charset="0"/>
-                <a:ea typeface="+mn-ea"/>
-                <a:cs typeface="Arial" panose="020B0604020202020204" pitchFamily="34" charset="0"/>
-              </a:rPr>
-              <a:t>{</a:t>
-            </a:r>
-            <a:br>
-              <a:rPr kumimoji="0" lang="sv-SE" sz="1600" b="0" i="0" u="none" strike="noStrike" kern="1200" cap="none" spc="0" normalizeH="0" baseline="0" noProof="0" dirty="0">
-                <a:ln>
-                  <a:noFill/>
-                </a:ln>
-                <a:solidFill>
-                  <a:prstClr val="black"/>
-                </a:solidFill>
-                <a:effectLst/>
-                <a:uLnTx/>
-                <a:uFillTx/>
-                <a:latin typeface="Arial" panose="020B0604020202020204" pitchFamily="34" charset="0"/>
-                <a:ea typeface="+mn-ea"/>
-                <a:cs typeface="Arial" panose="020B0604020202020204" pitchFamily="34" charset="0"/>
-              </a:rPr>
-            </a:br>
-            <a:r>
-              <a:rPr kumimoji="0" lang="sv-SE" sz="1600" b="0" i="0" u="none" strike="noStrike" kern="1200" cap="none" spc="0" normalizeH="0" baseline="0" noProof="0" dirty="0">
-                <a:ln>
-                  <a:noFill/>
-                </a:ln>
-                <a:solidFill>
-                  <a:prstClr val="black"/>
-                </a:solidFill>
-                <a:effectLst/>
-                <a:uLnTx/>
-                <a:uFillTx/>
-                <a:latin typeface="Arial" panose="020B0604020202020204" pitchFamily="34" charset="0"/>
-                <a:ea typeface="+mn-ea"/>
-                <a:cs typeface="Arial" panose="020B0604020202020204" pitchFamily="34" charset="0"/>
-              </a:rPr>
-              <a:t>    </a:t>
-            </a:r>
-            <a:r>
-              <a:rPr kumimoji="0" lang="sv-SE" sz="1600" b="1" i="0" u="none" strike="sngStrike" kern="1200" cap="none" spc="0" normalizeH="0" baseline="0" noProof="0" dirty="0" err="1">
-                <a:ln>
-                  <a:noFill/>
-                </a:ln>
-                <a:solidFill>
-                  <a:prstClr val="black"/>
-                </a:solidFill>
-                <a:effectLst/>
-                <a:uLnTx/>
-                <a:uFillTx/>
-                <a:latin typeface="Arial" panose="020B0604020202020204" pitchFamily="34" charset="0"/>
-                <a:ea typeface="+mn-ea"/>
-                <a:cs typeface="Arial" panose="020B0604020202020204" pitchFamily="34" charset="0"/>
-              </a:rPr>
-              <a:t>typename</a:t>
-            </a:r>
-            <a:r>
-              <a:rPr kumimoji="0" lang="sv-SE" sz="1600" b="1" i="0" u="none" strike="sngStrike" kern="1200" cap="none" spc="0" normalizeH="0" baseline="0" noProof="0" dirty="0">
-                <a:ln>
-                  <a:noFill/>
-                </a:ln>
-                <a:solidFill>
-                  <a:prstClr val="black"/>
-                </a:solidFill>
-                <a:effectLst/>
-                <a:uLnTx/>
-                <a:uFillTx/>
-                <a:latin typeface="Arial" panose="020B0604020202020204" pitchFamily="34" charset="0"/>
-                <a:ea typeface="+mn-ea"/>
-                <a:cs typeface="Arial" panose="020B0604020202020204" pitchFamily="34" charset="0"/>
-              </a:rPr>
+              <a:rPr lang="sv-SE" sz="3200" dirty="0" err="1"/>
+              <a:t>with</a:t>
+            </a:r>
+            <a:r>
+              <a:rPr lang="sv-SE" sz="3200" dirty="0"/>
+              <a:t> a different kind.</a:t>
+            </a:r>
+          </a:p>
+          <a:p>
+            <a:r>
+              <a:rPr lang="sv-SE" sz="3200" dirty="0" err="1"/>
+              <a:t>Two</a:t>
+            </a:r>
+            <a:r>
+              <a:rPr lang="sv-SE" sz="3200" dirty="0"/>
+              <a:t> explicit </a:t>
+            </a:r>
+            <a:r>
+              <a:rPr lang="sv-SE" sz="3200" dirty="0" err="1"/>
+              <a:t>specializations</a:t>
+            </a:r>
+            <a:r>
+              <a:rPr lang="sv-SE" sz="3200" dirty="0"/>
               <a:t> </a:t>
             </a:r>
             <a:r>
-              <a:rPr kumimoji="0" lang="sv-SE" sz="1600" b="0" i="0" u="none" strike="noStrike" kern="1200" cap="none" spc="0" normalizeH="0" baseline="0" noProof="0" dirty="0" err="1">
-                <a:ln>
-                  <a:noFill/>
-                </a:ln>
-                <a:solidFill>
-                  <a:prstClr val="black"/>
-                </a:solidFill>
-                <a:effectLst/>
-                <a:uLnTx/>
-                <a:uFillTx/>
-                <a:latin typeface="Arial" panose="020B0604020202020204" pitchFamily="34" charset="0"/>
-                <a:ea typeface="+mn-ea"/>
-                <a:cs typeface="Arial" panose="020B0604020202020204" pitchFamily="34" charset="0"/>
-              </a:rPr>
-              <a:t>std</a:t>
-            </a:r>
-            <a:r>
-              <a:rPr kumimoji="0" lang="sv-SE" sz="1600" b="0" i="0" u="none" strike="noStrike" kern="1200" cap="none" spc="0" normalizeH="0" baseline="0" noProof="0" dirty="0">
-                <a:ln>
-                  <a:noFill/>
-                </a:ln>
-                <a:solidFill>
-                  <a:prstClr val="black"/>
-                </a:solidFill>
-                <a:effectLst/>
-                <a:uLnTx/>
-                <a:uFillTx/>
-                <a:latin typeface="Arial" panose="020B0604020202020204" pitchFamily="34" charset="0"/>
-                <a:ea typeface="+mn-ea"/>
-                <a:cs typeface="Arial" panose="020B0604020202020204" pitchFamily="34" charset="0"/>
-              </a:rPr>
-              <a:t>::</a:t>
-            </a:r>
-            <a:r>
-              <a:rPr kumimoji="0" lang="sv-SE" sz="1600" b="0" i="0" u="none" strike="noStrike" kern="1200" cap="none" spc="0" normalizeH="0" baseline="0" noProof="0" dirty="0" err="1">
-                <a:ln>
-                  <a:noFill/>
-                </a:ln>
-                <a:solidFill>
-                  <a:prstClr val="black"/>
-                </a:solidFill>
-                <a:effectLst/>
-                <a:uLnTx/>
-                <a:uFillTx/>
-                <a:latin typeface="Arial" panose="020B0604020202020204" pitchFamily="34" charset="0"/>
-                <a:ea typeface="+mn-ea"/>
-                <a:cs typeface="Arial" panose="020B0604020202020204" pitchFamily="34" charset="0"/>
-              </a:rPr>
-              <a:t>vector</a:t>
-            </a:r>
-            <a:r>
-              <a:rPr kumimoji="0" lang="sv-SE" sz="1600" b="0" i="0" u="none" strike="noStrike" kern="1200" cap="none" spc="0" normalizeH="0" baseline="0" noProof="0" dirty="0">
-                <a:ln>
-                  <a:noFill/>
-                </a:ln>
-                <a:solidFill>
-                  <a:prstClr val="black"/>
-                </a:solidFill>
-                <a:effectLst/>
-                <a:uLnTx/>
-                <a:uFillTx/>
-                <a:latin typeface="Arial" panose="020B0604020202020204" pitchFamily="34" charset="0"/>
-                <a:ea typeface="+mn-ea"/>
-                <a:cs typeface="Arial" panose="020B0604020202020204" pitchFamily="34" charset="0"/>
-              </a:rPr>
-              <a:t>&lt;T&gt;::</a:t>
-            </a:r>
-            <a:r>
-              <a:rPr kumimoji="0" lang="sv-SE" sz="1600" b="0" i="0" u="none" strike="noStrike" kern="1200" cap="none" spc="0" normalizeH="0" baseline="0" noProof="0" dirty="0" err="1">
-                <a:ln>
-                  <a:noFill/>
-                </a:ln>
-                <a:solidFill>
-                  <a:prstClr val="black"/>
-                </a:solidFill>
-                <a:effectLst/>
-                <a:uLnTx/>
-                <a:uFillTx/>
-                <a:latin typeface="Arial" panose="020B0604020202020204" pitchFamily="34" charset="0"/>
-                <a:ea typeface="+mn-ea"/>
-                <a:cs typeface="Arial" panose="020B0604020202020204" pitchFamily="34" charset="0"/>
-              </a:rPr>
-              <a:t>iterator</a:t>
-            </a:r>
-            <a:r>
-              <a:rPr kumimoji="0" lang="sv-SE" sz="1600" b="0" i="0" u="none" strike="noStrike" kern="1200" cap="none" spc="0" normalizeH="0" baseline="0" noProof="0" dirty="0">
-                <a:ln>
-                  <a:noFill/>
-                </a:ln>
-                <a:solidFill>
-                  <a:prstClr val="black"/>
-                </a:solidFill>
-                <a:effectLst/>
-                <a:uLnTx/>
-                <a:uFillTx/>
-                <a:latin typeface="Arial" panose="020B0604020202020204" pitchFamily="34" charset="0"/>
-                <a:ea typeface="+mn-ea"/>
-                <a:cs typeface="Arial" panose="020B0604020202020204" pitchFamily="34" charset="0"/>
-              </a:rPr>
+              <a:rPr lang="sv-SE" sz="3200" dirty="0" err="1"/>
+              <a:t>declaring</a:t>
+            </a:r>
+            <a:r>
+              <a:rPr lang="sv-SE" sz="3200" dirty="0"/>
+              <a:t> the same </a:t>
+            </a:r>
+            <a:r>
+              <a:rPr lang="sv-SE" sz="3200" dirty="0" err="1"/>
+              <a:t>name</a:t>
+            </a:r>
+            <a:r>
+              <a:rPr lang="sv-SE" sz="3200" dirty="0"/>
+              <a:t> must </a:t>
+            </a:r>
+            <a:r>
+              <a:rPr lang="sv-SE" sz="3200" dirty="0" err="1"/>
+              <a:t>declare</a:t>
+            </a:r>
+            <a:r>
+              <a:rPr lang="sv-SE" sz="3200" dirty="0"/>
+              <a:t> it to be the same kind.</a:t>
+            </a:r>
+          </a:p>
+          <a:p>
+            <a:r>
+              <a:rPr lang="sv-SE" sz="3200" dirty="0" err="1"/>
+              <a:t>This</a:t>
+            </a:r>
+            <a:r>
+              <a:rPr lang="sv-SE" sz="3200" dirty="0"/>
               <a:t> </a:t>
             </a:r>
             <a:r>
-              <a:rPr kumimoji="0" lang="sv-SE" sz="1600" b="0" i="0" u="none" strike="noStrike" kern="1200" cap="none" spc="0" normalizeH="0" baseline="0" noProof="0" dirty="0" err="1">
-                <a:ln>
-                  <a:noFill/>
-                </a:ln>
-                <a:solidFill>
-                  <a:prstClr val="black"/>
-                </a:solidFill>
-                <a:effectLst/>
-                <a:uLnTx/>
-                <a:uFillTx/>
-                <a:latin typeface="Arial" panose="020B0604020202020204" pitchFamily="34" charset="0"/>
-                <a:ea typeface="+mn-ea"/>
-                <a:cs typeface="Arial" panose="020B0604020202020204" pitchFamily="34" charset="0"/>
-              </a:rPr>
-              <a:t>iter</a:t>
-            </a:r>
-            <a:r>
-              <a:rPr kumimoji="0" lang="sv-SE" sz="1600" b="0" i="0" u="none" strike="noStrike" kern="1200" cap="none" spc="0" normalizeH="0" baseline="0" noProof="0" dirty="0">
-                <a:ln>
-                  <a:noFill/>
-                </a:ln>
-                <a:solidFill>
-                  <a:prstClr val="black"/>
-                </a:solidFill>
-                <a:effectLst/>
-                <a:uLnTx/>
-                <a:uFillTx/>
-                <a:latin typeface="Arial" panose="020B0604020202020204" pitchFamily="34" charset="0"/>
-                <a:ea typeface="+mn-ea"/>
-                <a:cs typeface="Arial" panose="020B0604020202020204" pitchFamily="34" charset="0"/>
-              </a:rPr>
-              <a:t> = </a:t>
-            </a:r>
-            <a:r>
-              <a:rPr kumimoji="0" lang="sv-SE" sz="1600" b="0" i="0" u="none" strike="noStrike" kern="1200" cap="none" spc="0" normalizeH="0" baseline="0" noProof="0" dirty="0" err="1">
-                <a:ln>
-                  <a:noFill/>
-                </a:ln>
-                <a:solidFill>
-                  <a:prstClr val="black"/>
-                </a:solidFill>
-                <a:effectLst/>
-                <a:uLnTx/>
-                <a:uFillTx/>
-                <a:latin typeface="Arial" panose="020B0604020202020204" pitchFamily="34" charset="0"/>
-                <a:ea typeface="+mn-ea"/>
-                <a:cs typeface="Arial" panose="020B0604020202020204" pitchFamily="34" charset="0"/>
-              </a:rPr>
-              <a:t>v.begin</a:t>
-            </a:r>
-            <a:r>
-              <a:rPr kumimoji="0" lang="sv-SE" sz="1600" b="0" i="0" u="none" strike="noStrike" kern="1200" cap="none" spc="0" normalizeH="0" baseline="0" noProof="0" dirty="0">
-                <a:ln>
-                  <a:noFill/>
-                </a:ln>
-                <a:solidFill>
-                  <a:prstClr val="black"/>
-                </a:solidFill>
-                <a:effectLst/>
-                <a:uLnTx/>
-                <a:uFillTx/>
-                <a:latin typeface="Arial" panose="020B0604020202020204" pitchFamily="34" charset="0"/>
-                <a:ea typeface="+mn-ea"/>
-                <a:cs typeface="Arial" panose="020B0604020202020204" pitchFamily="34" charset="0"/>
-              </a:rPr>
-              <a:t>(); </a:t>
-            </a:r>
-            <a:br>
-              <a:rPr kumimoji="0" lang="sv-SE" sz="1600" b="0" i="0" u="none" strike="noStrike" kern="1200" cap="none" spc="0" normalizeH="0" baseline="0" noProof="0" dirty="0">
-                <a:ln>
-                  <a:noFill/>
-                </a:ln>
-                <a:solidFill>
-                  <a:prstClr val="black"/>
-                </a:solidFill>
-                <a:effectLst/>
-                <a:uLnTx/>
-                <a:uFillTx/>
-                <a:latin typeface="Arial" panose="020B0604020202020204" pitchFamily="34" charset="0"/>
-                <a:ea typeface="+mn-ea"/>
-                <a:cs typeface="Arial" panose="020B0604020202020204" pitchFamily="34" charset="0"/>
-              </a:rPr>
-            </a:br>
-            <a:r>
-              <a:rPr lang="sv-SE" sz="1600" dirty="0">
-                <a:solidFill>
-                  <a:prstClr val="black"/>
-                </a:solidFill>
-                <a:latin typeface="Arial" panose="020B0604020202020204" pitchFamily="34" charset="0"/>
-                <a:cs typeface="Arial" panose="020B0604020202020204" pitchFamily="34" charset="0"/>
-              </a:rPr>
-              <a:t>}</a:t>
-            </a:r>
-          </a:p>
-          <a:p>
-            <a:pPr marL="0" marR="0" lvl="0" indent="0" algn="l" defTabSz="914400" rtl="0" eaLnBrk="1" fontAlgn="auto" latinLnBrk="0" hangingPunct="1">
-              <a:lnSpc>
-                <a:spcPct val="90000"/>
-              </a:lnSpc>
-              <a:spcBef>
-                <a:spcPts val="1000"/>
-              </a:spcBef>
-              <a:spcAft>
-                <a:spcPts val="0"/>
-              </a:spcAft>
-              <a:buClrTx/>
-              <a:buSzTx/>
-              <a:buFont typeface="Arial" panose="020B0604020202020204" pitchFamily="34" charset="0"/>
-              <a:buNone/>
-              <a:tabLst/>
-              <a:defRPr/>
-            </a:pPr>
-            <a:endParaRPr kumimoji="0" lang="sv-SE" sz="1600" b="0" i="0" u="none" strike="noStrike" kern="1200" cap="none" spc="0" normalizeH="0" baseline="0" noProof="0" dirty="0">
-              <a:ln>
-                <a:noFill/>
-              </a:ln>
-              <a:solidFill>
-                <a:prstClr val="black"/>
-              </a:solidFill>
-              <a:effectLst/>
-              <a:uLnTx/>
-              <a:uFillTx/>
-              <a:latin typeface="Arial" panose="020B0604020202020204" pitchFamily="34" charset="0"/>
-              <a:ea typeface="+mn-ea"/>
-              <a:cs typeface="Arial" panose="020B0604020202020204" pitchFamily="34" charset="0"/>
-            </a:endParaRPr>
-          </a:p>
-          <a:p>
-            <a:pPr marL="0" marR="0" lvl="0" indent="0" algn="l" defTabSz="914400" rtl="0" eaLnBrk="1" fontAlgn="auto" latinLnBrk="0" hangingPunct="1">
-              <a:lnSpc>
-                <a:spcPct val="90000"/>
-              </a:lnSpc>
-              <a:spcBef>
-                <a:spcPts val="1000"/>
-              </a:spcBef>
-              <a:spcAft>
-                <a:spcPts val="0"/>
-              </a:spcAft>
-              <a:buClrTx/>
-              <a:buSzTx/>
-              <a:buFont typeface="Arial" panose="020B0604020202020204" pitchFamily="34" charset="0"/>
-              <a:buNone/>
-              <a:tabLst/>
-              <a:defRPr/>
-            </a:pPr>
-            <a:r>
-              <a:rPr lang="sv-SE" sz="1600" dirty="0">
-                <a:solidFill>
-                  <a:prstClr val="black"/>
-                </a:solidFill>
-                <a:latin typeface="Arial" panose="020B0604020202020204" pitchFamily="34" charset="0"/>
-                <a:cs typeface="Arial" panose="020B0604020202020204" pitchFamily="34" charset="0"/>
-              </a:rPr>
-              <a:t>template&lt;</a:t>
-            </a:r>
-            <a:r>
-              <a:rPr lang="sv-SE" sz="1600" dirty="0" err="1">
-                <a:solidFill>
-                  <a:prstClr val="black"/>
-                </a:solidFill>
-                <a:latin typeface="Arial" panose="020B0604020202020204" pitchFamily="34" charset="0"/>
-                <a:cs typeface="Arial" panose="020B0604020202020204" pitchFamily="34" charset="0"/>
-              </a:rPr>
-              <a:t>typename</a:t>
-            </a:r>
-            <a:r>
-              <a:rPr lang="sv-SE" sz="1600" dirty="0">
-                <a:solidFill>
-                  <a:prstClr val="black"/>
-                </a:solidFill>
-                <a:latin typeface="Arial" panose="020B0604020202020204" pitchFamily="34" charset="0"/>
-                <a:cs typeface="Arial" panose="020B0604020202020204" pitchFamily="34" charset="0"/>
-              </a:rPr>
-              <a:t> T&gt; </a:t>
-            </a:r>
-            <a:r>
-              <a:rPr lang="sv-SE" sz="1600" dirty="0" err="1">
-                <a:solidFill>
-                  <a:prstClr val="black"/>
-                </a:solidFill>
-                <a:latin typeface="Arial" panose="020B0604020202020204" pitchFamily="34" charset="0"/>
-                <a:cs typeface="Arial" panose="020B0604020202020204" pitchFamily="34" charset="0"/>
-              </a:rPr>
-              <a:t>void</a:t>
-            </a:r>
-            <a:r>
-              <a:rPr lang="sv-SE" sz="1600" dirty="0">
-                <a:solidFill>
-                  <a:prstClr val="black"/>
-                </a:solidFill>
-                <a:latin typeface="Arial" panose="020B0604020202020204" pitchFamily="34" charset="0"/>
-                <a:cs typeface="Arial" panose="020B0604020202020204" pitchFamily="34" charset="0"/>
-              </a:rPr>
+              <a:rPr lang="sv-SE" sz="3200" dirty="0" err="1"/>
+              <a:t>rule</a:t>
+            </a:r>
+            <a:r>
+              <a:rPr lang="sv-SE" sz="3200" dirty="0"/>
               <a:t> </a:t>
             </a:r>
             <a:r>
-              <a:rPr lang="sv-SE" sz="1600" dirty="0" err="1">
-                <a:solidFill>
-                  <a:prstClr val="black"/>
-                </a:solidFill>
-                <a:latin typeface="Arial" panose="020B0604020202020204" pitchFamily="34" charset="0"/>
-                <a:cs typeface="Arial" panose="020B0604020202020204" pitchFamily="34" charset="0"/>
-              </a:rPr>
-              <a:t>printIterator</a:t>
-            </a:r>
-            <a:r>
-              <a:rPr lang="sv-SE" sz="1600" dirty="0">
-                <a:solidFill>
-                  <a:prstClr val="black"/>
-                </a:solidFill>
-                <a:latin typeface="Arial" panose="020B0604020202020204" pitchFamily="34" charset="0"/>
-                <a:cs typeface="Arial" panose="020B0604020202020204" pitchFamily="34" charset="0"/>
-              </a:rPr>
-              <a:t>()</a:t>
-            </a:r>
-            <a:br>
-              <a:rPr lang="sv-SE" sz="1600" dirty="0">
-                <a:solidFill>
-                  <a:prstClr val="black"/>
-                </a:solidFill>
-                <a:latin typeface="Arial" panose="020B0604020202020204" pitchFamily="34" charset="0"/>
-                <a:cs typeface="Arial" panose="020B0604020202020204" pitchFamily="34" charset="0"/>
-              </a:rPr>
-            </a:br>
-            <a:r>
-              <a:rPr lang="sv-SE" sz="1600" dirty="0">
-                <a:solidFill>
-                  <a:prstClr val="black"/>
-                </a:solidFill>
-                <a:latin typeface="Arial" panose="020B0604020202020204" pitchFamily="34" charset="0"/>
-                <a:cs typeface="Arial" panose="020B0604020202020204" pitchFamily="34" charset="0"/>
-              </a:rPr>
-              <a:t>{</a:t>
-            </a:r>
-            <a:br>
-              <a:rPr lang="sv-SE" sz="1600" dirty="0">
-                <a:solidFill>
-                  <a:prstClr val="black"/>
-                </a:solidFill>
-                <a:latin typeface="Arial" panose="020B0604020202020204" pitchFamily="34" charset="0"/>
-                <a:cs typeface="Arial" panose="020B0604020202020204" pitchFamily="34" charset="0"/>
-              </a:rPr>
-            </a:br>
-            <a:r>
-              <a:rPr lang="sv-SE" sz="1600" dirty="0">
-                <a:solidFill>
-                  <a:prstClr val="black"/>
-                </a:solidFill>
-                <a:latin typeface="Arial" panose="020B0604020202020204" pitchFamily="34" charset="0"/>
-                <a:cs typeface="Arial" panose="020B0604020202020204" pitchFamily="34" charset="0"/>
-              </a:rPr>
-              <a:t>    </a:t>
-            </a:r>
-            <a:r>
-              <a:rPr lang="sv-SE" sz="1600" dirty="0" err="1">
-                <a:solidFill>
-                  <a:prstClr val="black"/>
-                </a:solidFill>
-                <a:latin typeface="Arial" panose="020B0604020202020204" pitchFamily="34" charset="0"/>
-                <a:cs typeface="Arial" panose="020B0604020202020204" pitchFamily="34" charset="0"/>
-              </a:rPr>
-              <a:t>std</a:t>
-            </a:r>
-            <a:r>
-              <a:rPr lang="sv-SE" sz="1600" dirty="0">
-                <a:solidFill>
-                  <a:prstClr val="black"/>
-                </a:solidFill>
-                <a:latin typeface="Arial" panose="020B0604020202020204" pitchFamily="34" charset="0"/>
-                <a:cs typeface="Arial" panose="020B0604020202020204" pitchFamily="34" charset="0"/>
-              </a:rPr>
-              <a:t>::</a:t>
-            </a:r>
-            <a:r>
-              <a:rPr lang="sv-SE" sz="1600" dirty="0" err="1">
-                <a:solidFill>
-                  <a:prstClr val="black"/>
-                </a:solidFill>
-                <a:latin typeface="Arial" panose="020B0604020202020204" pitchFamily="34" charset="0"/>
-                <a:cs typeface="Arial" panose="020B0604020202020204" pitchFamily="34" charset="0"/>
-              </a:rPr>
-              <a:t>cout</a:t>
-            </a:r>
-            <a:r>
-              <a:rPr lang="sv-SE" sz="1600" dirty="0">
-                <a:solidFill>
-                  <a:prstClr val="black"/>
-                </a:solidFill>
-                <a:latin typeface="Arial" panose="020B0604020202020204" pitchFamily="34" charset="0"/>
-                <a:cs typeface="Arial" panose="020B0604020202020204" pitchFamily="34" charset="0"/>
-              </a:rPr>
-              <a:t> &lt;&lt; </a:t>
-            </a:r>
-            <a:r>
-              <a:rPr lang="sv-SE" sz="1600" dirty="0" err="1">
-                <a:solidFill>
-                  <a:prstClr val="black"/>
-                </a:solidFill>
-                <a:latin typeface="Arial" panose="020B0604020202020204" pitchFamily="34" charset="0"/>
-                <a:cs typeface="Arial" panose="020B0604020202020204" pitchFamily="34" charset="0"/>
-              </a:rPr>
-              <a:t>vector</a:t>
-            </a:r>
-            <a:r>
-              <a:rPr lang="sv-SE" sz="1600" dirty="0">
-                <a:solidFill>
-                  <a:prstClr val="black"/>
-                </a:solidFill>
-                <a:latin typeface="Arial" panose="020B0604020202020204" pitchFamily="34" charset="0"/>
-                <a:cs typeface="Arial" panose="020B0604020202020204" pitchFamily="34" charset="0"/>
-              </a:rPr>
-              <a:t>&lt;T&gt;::</a:t>
-            </a:r>
-            <a:r>
-              <a:rPr lang="sv-SE" sz="1600" dirty="0" err="1">
-                <a:solidFill>
-                  <a:prstClr val="black"/>
-                </a:solidFill>
-                <a:latin typeface="Arial" panose="020B0604020202020204" pitchFamily="34" charset="0"/>
-                <a:cs typeface="Arial" panose="020B0604020202020204" pitchFamily="34" charset="0"/>
-              </a:rPr>
-              <a:t>iterator</a:t>
-            </a:r>
-            <a:r>
-              <a:rPr lang="sv-SE" sz="1600" dirty="0">
-                <a:solidFill>
-                  <a:prstClr val="black"/>
-                </a:solidFill>
-                <a:latin typeface="Arial" panose="020B0604020202020204" pitchFamily="34" charset="0"/>
-                <a:cs typeface="Arial" panose="020B0604020202020204" pitchFamily="34" charset="0"/>
-              </a:rPr>
-              <a:t>;  // </a:t>
-            </a:r>
-            <a:r>
-              <a:rPr lang="sv-SE" sz="1600" dirty="0" err="1">
-                <a:solidFill>
-                  <a:prstClr val="black"/>
-                </a:solidFill>
-                <a:latin typeface="Arial" panose="020B0604020202020204" pitchFamily="34" charset="0"/>
-                <a:cs typeface="Arial" panose="020B0604020202020204" pitchFamily="34" charset="0"/>
-              </a:rPr>
-              <a:t>Error</a:t>
-            </a:r>
-            <a:r>
-              <a:rPr lang="sv-SE" sz="1600" dirty="0">
-                <a:solidFill>
-                  <a:prstClr val="black"/>
-                </a:solidFill>
-                <a:latin typeface="Arial" panose="020B0604020202020204" pitchFamily="34" charset="0"/>
-                <a:cs typeface="Arial" panose="020B0604020202020204" pitchFamily="34" charset="0"/>
-              </a:rPr>
-              <a:t> at </a:t>
-            </a:r>
-            <a:r>
-              <a:rPr lang="sv-SE" sz="1600" dirty="0" err="1">
-                <a:solidFill>
-                  <a:prstClr val="black"/>
-                </a:solidFill>
-                <a:latin typeface="Arial" panose="020B0604020202020204" pitchFamily="34" charset="0"/>
-                <a:cs typeface="Arial" panose="020B0604020202020204" pitchFamily="34" charset="0"/>
-              </a:rPr>
-              <a:t>parse</a:t>
-            </a:r>
-            <a:r>
-              <a:rPr lang="sv-SE" sz="1600" dirty="0">
-                <a:solidFill>
-                  <a:prstClr val="black"/>
-                </a:solidFill>
-                <a:latin typeface="Arial" panose="020B0604020202020204" pitchFamily="34" charset="0"/>
-                <a:cs typeface="Arial" panose="020B0604020202020204" pitchFamily="34" charset="0"/>
-              </a:rPr>
+              <a:rPr lang="sv-SE" sz="3200" dirty="0" err="1"/>
+              <a:t>applies</a:t>
+            </a:r>
+            <a:r>
+              <a:rPr lang="sv-SE" sz="3200" dirty="0"/>
+              <a:t> to </a:t>
+            </a:r>
+            <a:r>
+              <a:rPr lang="sv-SE" sz="3200" b="1" dirty="0"/>
+              <a:t>public</a:t>
+            </a:r>
+            <a:r>
+              <a:rPr lang="sv-SE" sz="3200" dirty="0"/>
               <a:t> </a:t>
             </a:r>
             <a:r>
-              <a:rPr lang="sv-SE" sz="1600" dirty="0" err="1">
-                <a:solidFill>
-                  <a:prstClr val="black"/>
-                </a:solidFill>
-                <a:latin typeface="Arial" panose="020B0604020202020204" pitchFamily="34" charset="0"/>
-                <a:cs typeface="Arial" panose="020B0604020202020204" pitchFamily="34" charset="0"/>
-              </a:rPr>
-              <a:t>time</a:t>
-            </a:r>
-            <a:r>
-              <a:rPr lang="sv-SE" sz="1600" dirty="0">
-                <a:solidFill>
-                  <a:prstClr val="black"/>
-                </a:solidFill>
-                <a:latin typeface="Arial" panose="020B0604020202020204" pitchFamily="34" charset="0"/>
-                <a:cs typeface="Arial" panose="020B0604020202020204" pitchFamily="34" charset="0"/>
-              </a:rPr>
-              <a:t>: </a:t>
-            </a:r>
-            <a:r>
-              <a:rPr lang="sv-SE" sz="1600" dirty="0" err="1">
-                <a:solidFill>
-                  <a:prstClr val="black"/>
-                </a:solidFill>
-                <a:latin typeface="Arial" panose="020B0604020202020204" pitchFamily="34" charset="0"/>
-                <a:cs typeface="Arial" panose="020B0604020202020204" pitchFamily="34" charset="0"/>
-              </a:rPr>
-              <a:t>Can’t</a:t>
-            </a:r>
-            <a:r>
-              <a:rPr lang="sv-SE" sz="1600" dirty="0">
-                <a:solidFill>
-                  <a:prstClr val="black"/>
-                </a:solidFill>
-                <a:latin typeface="Arial" panose="020B0604020202020204" pitchFamily="34" charset="0"/>
-                <a:cs typeface="Arial" panose="020B0604020202020204" pitchFamily="34" charset="0"/>
-              </a:rPr>
+              <a:rPr lang="sv-SE" sz="3200" dirty="0" err="1"/>
+              <a:t>names</a:t>
+            </a:r>
+            <a:r>
+              <a:rPr lang="sv-SE" sz="3200" dirty="0"/>
               <a:t> </a:t>
             </a:r>
             <a:r>
-              <a:rPr lang="sv-SE" sz="1600" dirty="0" err="1">
-                <a:solidFill>
-                  <a:prstClr val="black"/>
-                </a:solidFill>
-                <a:latin typeface="Arial" panose="020B0604020202020204" pitchFamily="34" charset="0"/>
-                <a:cs typeface="Arial" panose="020B0604020202020204" pitchFamily="34" charset="0"/>
-              </a:rPr>
-              <a:t>cout</a:t>
-            </a:r>
-            <a:r>
-              <a:rPr lang="sv-SE" sz="1600" dirty="0">
-                <a:solidFill>
-                  <a:prstClr val="black"/>
-                </a:solidFill>
-                <a:latin typeface="Arial" panose="020B0604020202020204" pitchFamily="34" charset="0"/>
-                <a:cs typeface="Arial" panose="020B0604020202020204" pitchFamily="34" charset="0"/>
-              </a:rPr>
-              <a:t> a </a:t>
-            </a:r>
-            <a:r>
-              <a:rPr lang="sv-SE" sz="1600" dirty="0" err="1">
-                <a:solidFill>
-                  <a:prstClr val="black"/>
-                </a:solidFill>
-                <a:latin typeface="Arial" panose="020B0604020202020204" pitchFamily="34" charset="0"/>
-                <a:cs typeface="Arial" panose="020B0604020202020204" pitchFamily="34" charset="0"/>
-              </a:rPr>
-              <a:t>type</a:t>
-            </a:r>
-            <a:r>
-              <a:rPr lang="sv-SE" sz="1600" dirty="0">
-                <a:solidFill>
-                  <a:prstClr val="black"/>
-                </a:solidFill>
-                <a:latin typeface="Arial" panose="020B0604020202020204" pitchFamily="34" charset="0"/>
-                <a:cs typeface="Arial" panose="020B0604020202020204" pitchFamily="34" charset="0"/>
-              </a:rPr>
+              <a:rPr lang="sv-SE" sz="3200" dirty="0" err="1"/>
+              <a:t>only</a:t>
+            </a:r>
+            <a:r>
+              <a:rPr lang="sv-SE" sz="3200" dirty="0"/>
+              <a:t> (+ </a:t>
+            </a:r>
+            <a:r>
+              <a:rPr lang="sv-SE" sz="3200" dirty="0" err="1"/>
+              <a:t>protected</a:t>
+            </a:r>
+            <a:r>
+              <a:rPr lang="sv-SE" sz="3200" dirty="0"/>
+              <a:t> </a:t>
+            </a:r>
+            <a:r>
+              <a:rPr lang="sv-SE" sz="3200" dirty="0" err="1"/>
+              <a:t>names</a:t>
+            </a:r>
+            <a:r>
+              <a:rPr lang="sv-SE" sz="3200" dirty="0"/>
+              <a:t>)?</a:t>
+            </a:r>
+          </a:p>
+          <a:p>
+            <a:r>
+              <a:rPr lang="sv-SE" sz="3200" dirty="0" err="1"/>
+              <a:t>Compiler</a:t>
+            </a:r>
+            <a:r>
+              <a:rPr lang="sv-SE" sz="3200" dirty="0"/>
+              <a:t> </a:t>
+            </a:r>
+            <a:r>
+              <a:rPr lang="sv-SE" sz="3200" dirty="0" err="1"/>
+              <a:t>assumes</a:t>
+            </a:r>
+            <a:r>
+              <a:rPr lang="sv-SE" sz="3200" dirty="0"/>
+              <a:t> </a:t>
+            </a:r>
+            <a:r>
+              <a:rPr lang="sv-SE" sz="3200" dirty="0" err="1"/>
+              <a:t>known</a:t>
+            </a:r>
+            <a:r>
+              <a:rPr lang="sv-SE" sz="3200" dirty="0"/>
+              <a:t> </a:t>
+            </a:r>
+            <a:r>
+              <a:rPr lang="sv-SE" sz="3200" dirty="0" err="1"/>
+              <a:t>member</a:t>
+            </a:r>
+            <a:r>
+              <a:rPr lang="sv-SE" sz="3200" dirty="0"/>
+              <a:t> </a:t>
+            </a:r>
+            <a:r>
+              <a:rPr lang="sv-SE" sz="3200" dirty="0" err="1"/>
+              <a:t>names</a:t>
+            </a:r>
+            <a:r>
+              <a:rPr lang="sv-SE" sz="3200" dirty="0"/>
+              <a:t> </a:t>
+            </a:r>
+            <a:r>
+              <a:rPr lang="sv-SE" sz="3200" dirty="0" err="1"/>
+              <a:t>will</a:t>
+            </a:r>
+            <a:r>
+              <a:rPr lang="sv-SE" sz="3200" dirty="0"/>
+              <a:t> </a:t>
+            </a:r>
+            <a:r>
+              <a:rPr lang="sv-SE" sz="3200" dirty="0" err="1"/>
+              <a:t>have</a:t>
+            </a:r>
+            <a:r>
+              <a:rPr lang="sv-SE" sz="3200" dirty="0"/>
+              <a:t> </a:t>
+            </a:r>
+            <a:r>
+              <a:rPr lang="sv-SE" sz="3200" dirty="0" err="1"/>
+              <a:t>its</a:t>
+            </a:r>
+            <a:r>
+              <a:rPr lang="sv-SE" sz="3200" dirty="0"/>
+              <a:t> </a:t>
+            </a:r>
+            <a:r>
+              <a:rPr lang="sv-SE" sz="3200" dirty="0" err="1"/>
+              <a:t>declared</a:t>
+            </a:r>
+            <a:r>
+              <a:rPr lang="sv-SE" sz="3200" dirty="0"/>
+              <a:t> kind for all </a:t>
+            </a:r>
+            <a:r>
+              <a:rPr lang="sv-SE" sz="3200" dirty="0" err="1"/>
+              <a:t>specializations</a:t>
+            </a:r>
+            <a:r>
+              <a:rPr lang="sv-SE" sz="3200" dirty="0"/>
               <a:t>.</a:t>
             </a:r>
-            <a:br>
-              <a:rPr lang="sv-SE" sz="1600" dirty="0">
-                <a:solidFill>
-                  <a:prstClr val="black"/>
-                </a:solidFill>
-                <a:latin typeface="Arial" panose="020B0604020202020204" pitchFamily="34" charset="0"/>
-                <a:cs typeface="Arial" panose="020B0604020202020204" pitchFamily="34" charset="0"/>
-              </a:rPr>
-            </a:br>
-            <a:r>
-              <a:rPr lang="sv-SE" sz="1600" dirty="0">
-                <a:solidFill>
-                  <a:prstClr val="black"/>
-                </a:solidFill>
-                <a:latin typeface="Arial" panose="020B0604020202020204" pitchFamily="34" charset="0"/>
-                <a:cs typeface="Arial" panose="020B0604020202020204" pitchFamily="34" charset="0"/>
-              </a:rPr>
-              <a:t>}</a:t>
-            </a:r>
-            <a:br>
-              <a:rPr lang="sv-SE" sz="1600" dirty="0">
-                <a:solidFill>
-                  <a:prstClr val="black"/>
-                </a:solidFill>
-                <a:latin typeface="Arial" panose="020B0604020202020204" pitchFamily="34" charset="0"/>
-                <a:cs typeface="Arial" panose="020B0604020202020204" pitchFamily="34" charset="0"/>
-              </a:rPr>
-            </a:br>
-            <a:endParaRPr kumimoji="0" lang="sv-SE" sz="1600" b="0" i="0" u="none" strike="noStrike" kern="1200" cap="none" spc="0" normalizeH="0" baseline="0" noProof="0" dirty="0">
-              <a:ln>
-                <a:noFill/>
-              </a:ln>
-              <a:solidFill>
-                <a:prstClr val="black"/>
-              </a:solidFill>
-              <a:effectLst/>
-              <a:uLnTx/>
-              <a:uFillTx/>
-              <a:latin typeface="Arial" panose="020B0604020202020204" pitchFamily="34" charset="0"/>
-              <a:ea typeface="+mn-ea"/>
-              <a:cs typeface="Arial" panose="020B0604020202020204" pitchFamily="34" charset="0"/>
-            </a:endParaRPr>
           </a:p>
         </p:txBody>
       </p:sp>
     </p:spTree>
     <p:extLst>
       <p:ext uri="{BB962C8B-B14F-4D97-AF65-F5344CB8AC3E}">
-        <p14:creationId xmlns:p14="http://schemas.microsoft.com/office/powerpoint/2010/main" val="2212006669"/>
+        <p14:creationId xmlns:p14="http://schemas.microsoft.com/office/powerpoint/2010/main" val="1395124542"/>
       </p:ext>
     </p:extLst>
   </p:cSld>
@@ -8744,7 +9298,7 @@
                   <a:srgbClr val="FFFFFF"/>
                 </a:solidFill>
               </a:rPr>
-              <a:t>Introducing</a:t>
+              <a:t>Canonical</a:t>
             </a:r>
             <a:r>
               <a:rPr lang="sv-SE" sz="4000" dirty="0">
@@ -8760,23 +9314,7 @@
                   <a:srgbClr val="FFFFFF"/>
                 </a:solidFill>
               </a:rPr>
-              <a:t>this</a:t>
-            </a:r>
-            <a:r>
-              <a:rPr lang="sv-SE" sz="4000" dirty="0">
-                <a:solidFill>
-                  <a:srgbClr val="FFFFFF"/>
-                </a:solidFill>
-              </a:rPr>
-              <a:t> </a:t>
-            </a:r>
-            <a:r>
-              <a:rPr lang="sv-SE" sz="4000" dirty="0" err="1">
-                <a:solidFill>
-                  <a:srgbClr val="FFFFFF"/>
-                </a:solidFill>
-              </a:rPr>
-              <a:t>functionality</a:t>
+              <a:t>example</a:t>
             </a:r>
             <a:endParaRPr lang="LID4096" sz="4000" dirty="0">
               <a:solidFill>
@@ -8810,127 +9348,955 @@
         </p:spPr>
         <p:txBody>
           <a:bodyPr anchor="ctr">
-            <a:normAutofit/>
+            <a:noAutofit/>
           </a:bodyPr>
           <a:lstStyle/>
           <a:p>
-            <a:r>
-              <a:rPr lang="sv-SE" sz="3200" dirty="0" err="1"/>
-              <a:t>Deprecate</a:t>
-            </a:r>
-            <a:r>
-              <a:rPr lang="sv-SE" sz="3200" dirty="0"/>
-              <a:t> in </a:t>
-            </a:r>
-            <a:r>
-              <a:rPr lang="sv-SE" sz="3200" dirty="0" err="1"/>
-              <a:t>one</a:t>
-            </a:r>
-            <a:r>
-              <a:rPr lang="sv-SE" sz="3200" dirty="0"/>
-              <a:t> revision (C++23?)</a:t>
-            </a:r>
-          </a:p>
-          <a:p>
-            <a:r>
-              <a:rPr lang="sv-SE" sz="3200" dirty="0" err="1"/>
-              <a:t>Implement</a:t>
-            </a:r>
-            <a:r>
-              <a:rPr lang="sv-SE" sz="3200" dirty="0"/>
-              <a:t> in the </a:t>
-            </a:r>
-            <a:r>
-              <a:rPr lang="sv-SE" sz="3200" dirty="0" err="1"/>
-              <a:t>next</a:t>
-            </a:r>
-            <a:r>
-              <a:rPr lang="sv-SE" sz="3200" dirty="0"/>
-              <a:t> standard revision.</a:t>
-            </a:r>
-          </a:p>
-          <a:p>
-            <a:pPr marL="0" indent="0" algn="ctr">
+            <a:pPr marL="0" marR="0" lvl="0" indent="0" algn="l" defTabSz="914400" rtl="0" eaLnBrk="1" fontAlgn="auto" latinLnBrk="0" hangingPunct="1">
+              <a:lnSpc>
+                <a:spcPct val="90000"/>
+              </a:lnSpc>
+              <a:spcBef>
+                <a:spcPts val="1000"/>
+              </a:spcBef>
+              <a:spcAft>
+                <a:spcPts val="0"/>
+              </a:spcAft>
+              <a:buClrTx/>
+              <a:buSzTx/>
+              <a:buFont typeface="Arial" panose="020B0604020202020204" pitchFamily="34" charset="0"/>
               <a:buNone/>
+              <a:tabLst/>
+              <a:defRPr/>
             </a:pPr>
-            <a:endParaRPr lang="sv-SE" sz="3200" dirty="0"/>
-          </a:p>
-          <a:p>
-            <a:pPr marL="0" indent="0" algn="ctr">
+            <a:r>
+              <a:rPr kumimoji="0" lang="sv-SE" sz="1600" b="0" i="0" u="none" strike="noStrike" kern="1200" cap="none" spc="0" normalizeH="0" baseline="0" noProof="0" dirty="0">
+                <a:ln>
+                  <a:noFill/>
+                </a:ln>
+                <a:solidFill>
+                  <a:prstClr val="black"/>
+                </a:solidFill>
+                <a:effectLst/>
+                <a:uLnTx/>
+                <a:uFillTx/>
+                <a:latin typeface="Arial" panose="020B0604020202020204" pitchFamily="34" charset="0"/>
+                <a:ea typeface="+mn-ea"/>
+                <a:cs typeface="Arial" panose="020B0604020202020204" pitchFamily="34" charset="0"/>
+              </a:rPr>
+              <a:t>#include&lt;vector&gt;</a:t>
+            </a:r>
+          </a:p>
+          <a:p>
+            <a:pPr marL="0" marR="0" lvl="0" indent="0" algn="l" defTabSz="914400" rtl="0" eaLnBrk="1" fontAlgn="auto" latinLnBrk="0" hangingPunct="1">
+              <a:lnSpc>
+                <a:spcPct val="90000"/>
+              </a:lnSpc>
+              <a:spcBef>
+                <a:spcPts val="1000"/>
+              </a:spcBef>
+              <a:spcAft>
+                <a:spcPts val="0"/>
+              </a:spcAft>
+              <a:buClrTx/>
+              <a:buSzTx/>
+              <a:buFont typeface="Arial" panose="020B0604020202020204" pitchFamily="34" charset="0"/>
               <a:buNone/>
+              <a:tabLst/>
+              <a:defRPr/>
             </a:pPr>
             <a:r>
-              <a:rPr lang="sv-SE" sz="3200" dirty="0"/>
-              <a:t>ALTERNATIVELY</a:t>
-            </a:r>
-          </a:p>
-          <a:p>
-            <a:pPr marL="0" indent="0" algn="ctr">
+              <a:rPr kumimoji="0" lang="sv-SE" sz="1600" b="0" i="0" u="none" strike="noStrike" kern="1200" cap="none" spc="0" normalizeH="0" baseline="0" noProof="0" dirty="0">
+                <a:ln>
+                  <a:noFill/>
+                </a:ln>
+                <a:solidFill>
+                  <a:prstClr val="black"/>
+                </a:solidFill>
+                <a:effectLst/>
+                <a:uLnTx/>
+                <a:uFillTx/>
+                <a:latin typeface="Arial" panose="020B0604020202020204" pitchFamily="34" charset="0"/>
+                <a:ea typeface="+mn-ea"/>
+                <a:cs typeface="Arial" panose="020B0604020202020204" pitchFamily="34" charset="0"/>
+              </a:rPr>
+              <a:t>template&lt;</a:t>
+            </a:r>
+            <a:r>
+              <a:rPr kumimoji="0" lang="sv-SE" sz="1600" b="0" i="0" u="none" strike="noStrike" kern="1200" cap="none" spc="0" normalizeH="0" baseline="0" noProof="0" dirty="0" err="1">
+                <a:ln>
+                  <a:noFill/>
+                </a:ln>
+                <a:solidFill>
+                  <a:prstClr val="black"/>
+                </a:solidFill>
+                <a:effectLst/>
+                <a:uLnTx/>
+                <a:uFillTx/>
+                <a:latin typeface="Arial" panose="020B0604020202020204" pitchFamily="34" charset="0"/>
+                <a:ea typeface="+mn-ea"/>
+                <a:cs typeface="Arial" panose="020B0604020202020204" pitchFamily="34" charset="0"/>
+              </a:rPr>
+              <a:t>typename</a:t>
+            </a:r>
+            <a:r>
+              <a:rPr kumimoji="0" lang="sv-SE" sz="1600" b="0" i="0" u="none" strike="noStrike" kern="1200" cap="none" spc="0" normalizeH="0" baseline="0" noProof="0" dirty="0">
+                <a:ln>
+                  <a:noFill/>
+                </a:ln>
+                <a:solidFill>
+                  <a:prstClr val="black"/>
+                </a:solidFill>
+                <a:effectLst/>
+                <a:uLnTx/>
+                <a:uFillTx/>
+                <a:latin typeface="Arial" panose="020B0604020202020204" pitchFamily="34" charset="0"/>
+                <a:ea typeface="+mn-ea"/>
+                <a:cs typeface="Arial" panose="020B0604020202020204" pitchFamily="34" charset="0"/>
+              </a:rPr>
+              <a:t> T&gt; </a:t>
+            </a:r>
+            <a:r>
+              <a:rPr kumimoji="0" lang="sv-SE" sz="1600" b="0" i="0" u="none" strike="noStrike" kern="1200" cap="none" spc="0" normalizeH="0" baseline="0" noProof="0" dirty="0" err="1">
+                <a:ln>
+                  <a:noFill/>
+                </a:ln>
+                <a:solidFill>
+                  <a:prstClr val="black"/>
+                </a:solidFill>
+                <a:effectLst/>
+                <a:uLnTx/>
+                <a:uFillTx/>
+                <a:latin typeface="Arial" panose="020B0604020202020204" pitchFamily="34" charset="0"/>
+                <a:ea typeface="+mn-ea"/>
+                <a:cs typeface="Arial" panose="020B0604020202020204" pitchFamily="34" charset="0"/>
+              </a:rPr>
+              <a:t>void</a:t>
+            </a:r>
+            <a:r>
+              <a:rPr kumimoji="0" lang="sv-SE" sz="1600" b="0" i="0" u="none" strike="noStrike" kern="1200" cap="none" spc="0" normalizeH="0" baseline="0" noProof="0" dirty="0">
+                <a:ln>
+                  <a:noFill/>
+                </a:ln>
+                <a:solidFill>
+                  <a:prstClr val="black"/>
+                </a:solidFill>
+                <a:effectLst/>
+                <a:uLnTx/>
+                <a:uFillTx/>
+                <a:latin typeface="Arial" panose="020B0604020202020204" pitchFamily="34" charset="0"/>
+                <a:ea typeface="+mn-ea"/>
+                <a:cs typeface="Arial" panose="020B0604020202020204" pitchFamily="34" charset="0"/>
+              </a:rPr>
+              <a:t> </a:t>
+            </a:r>
+            <a:r>
+              <a:rPr kumimoji="0" lang="sv-SE" sz="1600" b="0" i="0" u="none" strike="noStrike" kern="1200" cap="none" spc="0" normalizeH="0" baseline="0" noProof="0" dirty="0" err="1">
+                <a:ln>
+                  <a:noFill/>
+                </a:ln>
+                <a:solidFill>
+                  <a:prstClr val="black"/>
+                </a:solidFill>
+                <a:effectLst/>
+                <a:uLnTx/>
+                <a:uFillTx/>
+                <a:latin typeface="Arial" panose="020B0604020202020204" pitchFamily="34" charset="0"/>
+                <a:ea typeface="+mn-ea"/>
+                <a:cs typeface="Arial" panose="020B0604020202020204" pitchFamily="34" charset="0"/>
+              </a:rPr>
+              <a:t>foo</a:t>
+            </a:r>
+            <a:r>
+              <a:rPr kumimoji="0" lang="sv-SE" sz="1600" b="0" i="0" u="none" strike="noStrike" kern="1200" cap="none" spc="0" normalizeH="0" baseline="0" noProof="0" dirty="0">
+                <a:ln>
+                  <a:noFill/>
+                </a:ln>
+                <a:solidFill>
+                  <a:prstClr val="black"/>
+                </a:solidFill>
+                <a:effectLst/>
+                <a:uLnTx/>
+                <a:uFillTx/>
+                <a:latin typeface="Arial" panose="020B0604020202020204" pitchFamily="34" charset="0"/>
+                <a:ea typeface="+mn-ea"/>
+                <a:cs typeface="Arial" panose="020B0604020202020204" pitchFamily="34" charset="0"/>
+              </a:rPr>
+              <a:t>(</a:t>
+            </a:r>
+            <a:r>
+              <a:rPr kumimoji="0" lang="sv-SE" sz="1600" b="0" i="0" u="none" strike="noStrike" kern="1200" cap="none" spc="0" normalizeH="0" baseline="0" noProof="0" dirty="0" err="1">
+                <a:ln>
+                  <a:noFill/>
+                </a:ln>
+                <a:solidFill>
+                  <a:prstClr val="black"/>
+                </a:solidFill>
+                <a:effectLst/>
+                <a:uLnTx/>
+                <a:uFillTx/>
+                <a:latin typeface="Arial" panose="020B0604020202020204" pitchFamily="34" charset="0"/>
+                <a:ea typeface="+mn-ea"/>
+                <a:cs typeface="Arial" panose="020B0604020202020204" pitchFamily="34" charset="0"/>
+              </a:rPr>
+              <a:t>std</a:t>
+            </a:r>
+            <a:r>
+              <a:rPr kumimoji="0" lang="sv-SE" sz="1600" b="0" i="0" u="none" strike="noStrike" kern="1200" cap="none" spc="0" normalizeH="0" baseline="0" noProof="0" dirty="0">
+                <a:ln>
+                  <a:noFill/>
+                </a:ln>
+                <a:solidFill>
+                  <a:prstClr val="black"/>
+                </a:solidFill>
+                <a:effectLst/>
+                <a:uLnTx/>
+                <a:uFillTx/>
+                <a:latin typeface="Arial" panose="020B0604020202020204" pitchFamily="34" charset="0"/>
+                <a:ea typeface="+mn-ea"/>
+                <a:cs typeface="Arial" panose="020B0604020202020204" pitchFamily="34" charset="0"/>
+              </a:rPr>
+              <a:t>::</a:t>
+            </a:r>
+            <a:r>
+              <a:rPr kumimoji="0" lang="sv-SE" sz="1600" b="0" i="0" u="none" strike="noStrike" kern="1200" cap="none" spc="0" normalizeH="0" baseline="0" noProof="0" dirty="0" err="1">
+                <a:ln>
+                  <a:noFill/>
+                </a:ln>
+                <a:solidFill>
+                  <a:prstClr val="black"/>
+                </a:solidFill>
+                <a:effectLst/>
+                <a:uLnTx/>
+                <a:uFillTx/>
+                <a:latin typeface="Arial" panose="020B0604020202020204" pitchFamily="34" charset="0"/>
+                <a:ea typeface="+mn-ea"/>
+                <a:cs typeface="Arial" panose="020B0604020202020204" pitchFamily="34" charset="0"/>
+              </a:rPr>
+              <a:t>vector</a:t>
+            </a:r>
+            <a:r>
+              <a:rPr kumimoji="0" lang="sv-SE" sz="1600" b="0" i="0" u="none" strike="noStrike" kern="1200" cap="none" spc="0" normalizeH="0" baseline="0" noProof="0" dirty="0">
+                <a:ln>
+                  <a:noFill/>
+                </a:ln>
+                <a:solidFill>
+                  <a:prstClr val="black"/>
+                </a:solidFill>
+                <a:effectLst/>
+                <a:uLnTx/>
+                <a:uFillTx/>
+                <a:latin typeface="Arial" panose="020B0604020202020204" pitchFamily="34" charset="0"/>
+                <a:ea typeface="+mn-ea"/>
+                <a:cs typeface="Arial" panose="020B0604020202020204" pitchFamily="34" charset="0"/>
+              </a:rPr>
+              <a:t>&lt;T&gt; v)</a:t>
+            </a:r>
+            <a:br>
+              <a:rPr kumimoji="0" lang="sv-SE" sz="1600" b="0" i="0" u="none" strike="noStrike" kern="1200" cap="none" spc="0" normalizeH="0" baseline="0" noProof="0" dirty="0">
+                <a:ln>
+                  <a:noFill/>
+                </a:ln>
+                <a:solidFill>
+                  <a:prstClr val="black"/>
+                </a:solidFill>
+                <a:effectLst/>
+                <a:uLnTx/>
+                <a:uFillTx/>
+                <a:latin typeface="Arial" panose="020B0604020202020204" pitchFamily="34" charset="0"/>
+                <a:ea typeface="+mn-ea"/>
+                <a:cs typeface="Arial" panose="020B0604020202020204" pitchFamily="34" charset="0"/>
+              </a:rPr>
+            </a:br>
+            <a:r>
+              <a:rPr kumimoji="0" lang="sv-SE" sz="1600" b="0" i="0" u="none" strike="noStrike" kern="1200" cap="none" spc="0" normalizeH="0" baseline="0" noProof="0" dirty="0">
+                <a:ln>
+                  <a:noFill/>
+                </a:ln>
+                <a:solidFill>
+                  <a:prstClr val="black"/>
+                </a:solidFill>
+                <a:effectLst/>
+                <a:uLnTx/>
+                <a:uFillTx/>
+                <a:latin typeface="Arial" panose="020B0604020202020204" pitchFamily="34" charset="0"/>
+                <a:ea typeface="+mn-ea"/>
+                <a:cs typeface="Arial" panose="020B0604020202020204" pitchFamily="34" charset="0"/>
+              </a:rPr>
+              <a:t>{</a:t>
+            </a:r>
+            <a:br>
+              <a:rPr kumimoji="0" lang="sv-SE" sz="1600" b="0" i="0" u="none" strike="noStrike" kern="1200" cap="none" spc="0" normalizeH="0" baseline="0" noProof="0" dirty="0">
+                <a:ln>
+                  <a:noFill/>
+                </a:ln>
+                <a:solidFill>
+                  <a:prstClr val="black"/>
+                </a:solidFill>
+                <a:effectLst/>
+                <a:uLnTx/>
+                <a:uFillTx/>
+                <a:latin typeface="Arial" panose="020B0604020202020204" pitchFamily="34" charset="0"/>
+                <a:ea typeface="+mn-ea"/>
+                <a:cs typeface="Arial" panose="020B0604020202020204" pitchFamily="34" charset="0"/>
+              </a:rPr>
+            </a:br>
+            <a:r>
+              <a:rPr kumimoji="0" lang="sv-SE" sz="1600" b="0" i="0" u="none" strike="noStrike" kern="1200" cap="none" spc="0" normalizeH="0" baseline="0" noProof="0" dirty="0">
+                <a:ln>
+                  <a:noFill/>
+                </a:ln>
+                <a:solidFill>
+                  <a:prstClr val="black"/>
+                </a:solidFill>
+                <a:effectLst/>
+                <a:uLnTx/>
+                <a:uFillTx/>
+                <a:latin typeface="Arial" panose="020B0604020202020204" pitchFamily="34" charset="0"/>
+                <a:ea typeface="+mn-ea"/>
+                <a:cs typeface="Arial" panose="020B0604020202020204" pitchFamily="34" charset="0"/>
+              </a:rPr>
+              <a:t>    </a:t>
+            </a:r>
+            <a:r>
+              <a:rPr kumimoji="0" lang="sv-SE" sz="1600" b="1" i="0" u="none" strike="sngStrike" kern="1200" cap="none" spc="0" normalizeH="0" baseline="0" noProof="0" dirty="0" err="1">
+                <a:ln>
+                  <a:noFill/>
+                </a:ln>
+                <a:solidFill>
+                  <a:prstClr val="black"/>
+                </a:solidFill>
+                <a:effectLst/>
+                <a:uLnTx/>
+                <a:uFillTx/>
+                <a:latin typeface="Arial" panose="020B0604020202020204" pitchFamily="34" charset="0"/>
+                <a:ea typeface="+mn-ea"/>
+                <a:cs typeface="Arial" panose="020B0604020202020204" pitchFamily="34" charset="0"/>
+              </a:rPr>
+              <a:t>typename</a:t>
+            </a:r>
+            <a:r>
+              <a:rPr kumimoji="0" lang="sv-SE" sz="1600" b="1" i="0" u="none" strike="sngStrike" kern="1200" cap="none" spc="0" normalizeH="0" baseline="0" noProof="0" dirty="0">
+                <a:ln>
+                  <a:noFill/>
+                </a:ln>
+                <a:solidFill>
+                  <a:prstClr val="black"/>
+                </a:solidFill>
+                <a:effectLst/>
+                <a:uLnTx/>
+                <a:uFillTx/>
+                <a:latin typeface="Arial" panose="020B0604020202020204" pitchFamily="34" charset="0"/>
+                <a:ea typeface="+mn-ea"/>
+                <a:cs typeface="Arial" panose="020B0604020202020204" pitchFamily="34" charset="0"/>
+              </a:rPr>
+              <a:t> </a:t>
+            </a:r>
+            <a:r>
+              <a:rPr kumimoji="0" lang="sv-SE" sz="1600" b="0" i="0" u="none" strike="noStrike" kern="1200" cap="none" spc="0" normalizeH="0" baseline="0" noProof="0" dirty="0" err="1">
+                <a:ln>
+                  <a:noFill/>
+                </a:ln>
+                <a:solidFill>
+                  <a:prstClr val="black"/>
+                </a:solidFill>
+                <a:effectLst/>
+                <a:uLnTx/>
+                <a:uFillTx/>
+                <a:latin typeface="Arial" panose="020B0604020202020204" pitchFamily="34" charset="0"/>
+                <a:ea typeface="+mn-ea"/>
+                <a:cs typeface="Arial" panose="020B0604020202020204" pitchFamily="34" charset="0"/>
+              </a:rPr>
+              <a:t>std</a:t>
+            </a:r>
+            <a:r>
+              <a:rPr kumimoji="0" lang="sv-SE" sz="1600" b="0" i="0" u="none" strike="noStrike" kern="1200" cap="none" spc="0" normalizeH="0" baseline="0" noProof="0" dirty="0">
+                <a:ln>
+                  <a:noFill/>
+                </a:ln>
+                <a:solidFill>
+                  <a:prstClr val="black"/>
+                </a:solidFill>
+                <a:effectLst/>
+                <a:uLnTx/>
+                <a:uFillTx/>
+                <a:latin typeface="Arial" panose="020B0604020202020204" pitchFamily="34" charset="0"/>
+                <a:ea typeface="+mn-ea"/>
+                <a:cs typeface="Arial" panose="020B0604020202020204" pitchFamily="34" charset="0"/>
+              </a:rPr>
+              <a:t>::</a:t>
+            </a:r>
+            <a:r>
+              <a:rPr kumimoji="0" lang="sv-SE" sz="1600" b="0" i="0" u="none" strike="noStrike" kern="1200" cap="none" spc="0" normalizeH="0" baseline="0" noProof="0" dirty="0" err="1">
+                <a:ln>
+                  <a:noFill/>
+                </a:ln>
+                <a:solidFill>
+                  <a:prstClr val="black"/>
+                </a:solidFill>
+                <a:effectLst/>
+                <a:uLnTx/>
+                <a:uFillTx/>
+                <a:latin typeface="Arial" panose="020B0604020202020204" pitchFamily="34" charset="0"/>
+                <a:ea typeface="+mn-ea"/>
+                <a:cs typeface="Arial" panose="020B0604020202020204" pitchFamily="34" charset="0"/>
+              </a:rPr>
+              <a:t>vector</a:t>
+            </a:r>
+            <a:r>
+              <a:rPr kumimoji="0" lang="sv-SE" sz="1600" b="0" i="0" u="none" strike="noStrike" kern="1200" cap="none" spc="0" normalizeH="0" baseline="0" noProof="0" dirty="0">
+                <a:ln>
+                  <a:noFill/>
+                </a:ln>
+                <a:solidFill>
+                  <a:prstClr val="black"/>
+                </a:solidFill>
+                <a:effectLst/>
+                <a:uLnTx/>
+                <a:uFillTx/>
+                <a:latin typeface="Arial" panose="020B0604020202020204" pitchFamily="34" charset="0"/>
+                <a:ea typeface="+mn-ea"/>
+                <a:cs typeface="Arial" panose="020B0604020202020204" pitchFamily="34" charset="0"/>
+              </a:rPr>
+              <a:t>&lt;T&gt;::</a:t>
+            </a:r>
+            <a:r>
+              <a:rPr kumimoji="0" lang="sv-SE" sz="1600" b="0" i="0" u="none" strike="noStrike" kern="1200" cap="none" spc="0" normalizeH="0" baseline="0" noProof="0" dirty="0" err="1">
+                <a:ln>
+                  <a:noFill/>
+                </a:ln>
+                <a:solidFill>
+                  <a:prstClr val="black"/>
+                </a:solidFill>
+                <a:effectLst/>
+                <a:uLnTx/>
+                <a:uFillTx/>
+                <a:latin typeface="Arial" panose="020B0604020202020204" pitchFamily="34" charset="0"/>
+                <a:ea typeface="+mn-ea"/>
+                <a:cs typeface="Arial" panose="020B0604020202020204" pitchFamily="34" charset="0"/>
+              </a:rPr>
+              <a:t>iterator</a:t>
+            </a:r>
+            <a:r>
+              <a:rPr kumimoji="0" lang="sv-SE" sz="1600" b="0" i="0" u="none" strike="noStrike" kern="1200" cap="none" spc="0" normalizeH="0" baseline="0" noProof="0" dirty="0">
+                <a:ln>
+                  <a:noFill/>
+                </a:ln>
+                <a:solidFill>
+                  <a:prstClr val="black"/>
+                </a:solidFill>
+                <a:effectLst/>
+                <a:uLnTx/>
+                <a:uFillTx/>
+                <a:latin typeface="Arial" panose="020B0604020202020204" pitchFamily="34" charset="0"/>
+                <a:ea typeface="+mn-ea"/>
+                <a:cs typeface="Arial" panose="020B0604020202020204" pitchFamily="34" charset="0"/>
+              </a:rPr>
+              <a:t> </a:t>
+            </a:r>
+            <a:r>
+              <a:rPr kumimoji="0" lang="sv-SE" sz="1600" b="0" i="0" u="none" strike="noStrike" kern="1200" cap="none" spc="0" normalizeH="0" baseline="0" noProof="0" dirty="0" err="1">
+                <a:ln>
+                  <a:noFill/>
+                </a:ln>
+                <a:solidFill>
+                  <a:prstClr val="black"/>
+                </a:solidFill>
+                <a:effectLst/>
+                <a:uLnTx/>
+                <a:uFillTx/>
+                <a:latin typeface="Arial" panose="020B0604020202020204" pitchFamily="34" charset="0"/>
+                <a:ea typeface="+mn-ea"/>
+                <a:cs typeface="Arial" panose="020B0604020202020204" pitchFamily="34" charset="0"/>
+              </a:rPr>
+              <a:t>iter</a:t>
+            </a:r>
+            <a:r>
+              <a:rPr kumimoji="0" lang="sv-SE" sz="1600" b="0" i="0" u="none" strike="noStrike" kern="1200" cap="none" spc="0" normalizeH="0" baseline="0" noProof="0" dirty="0">
+                <a:ln>
+                  <a:noFill/>
+                </a:ln>
+                <a:solidFill>
+                  <a:prstClr val="black"/>
+                </a:solidFill>
+                <a:effectLst/>
+                <a:uLnTx/>
+                <a:uFillTx/>
+                <a:latin typeface="Arial" panose="020B0604020202020204" pitchFamily="34" charset="0"/>
+                <a:ea typeface="+mn-ea"/>
+                <a:cs typeface="Arial" panose="020B0604020202020204" pitchFamily="34" charset="0"/>
+              </a:rPr>
+              <a:t> = </a:t>
+            </a:r>
+            <a:r>
+              <a:rPr kumimoji="0" lang="sv-SE" sz="1600" b="0" i="0" u="none" strike="noStrike" kern="1200" cap="none" spc="0" normalizeH="0" baseline="0" noProof="0" dirty="0" err="1">
+                <a:ln>
+                  <a:noFill/>
+                </a:ln>
+                <a:solidFill>
+                  <a:prstClr val="black"/>
+                </a:solidFill>
+                <a:effectLst/>
+                <a:uLnTx/>
+                <a:uFillTx/>
+                <a:latin typeface="Arial" panose="020B0604020202020204" pitchFamily="34" charset="0"/>
+                <a:ea typeface="+mn-ea"/>
+                <a:cs typeface="Arial" panose="020B0604020202020204" pitchFamily="34" charset="0"/>
+              </a:rPr>
+              <a:t>v.begin</a:t>
+            </a:r>
+            <a:r>
+              <a:rPr kumimoji="0" lang="sv-SE" sz="1600" b="0" i="0" u="none" strike="noStrike" kern="1200" cap="none" spc="0" normalizeH="0" baseline="0" noProof="0" dirty="0">
+                <a:ln>
+                  <a:noFill/>
+                </a:ln>
+                <a:solidFill>
+                  <a:prstClr val="black"/>
+                </a:solidFill>
+                <a:effectLst/>
+                <a:uLnTx/>
+                <a:uFillTx/>
+                <a:latin typeface="Arial" panose="020B0604020202020204" pitchFamily="34" charset="0"/>
+                <a:ea typeface="+mn-ea"/>
+                <a:cs typeface="Arial" panose="020B0604020202020204" pitchFamily="34" charset="0"/>
+              </a:rPr>
+              <a:t>(); </a:t>
+            </a:r>
+            <a:br>
+              <a:rPr kumimoji="0" lang="sv-SE" sz="1600" b="0" i="0" u="none" strike="noStrike" kern="1200" cap="none" spc="0" normalizeH="0" baseline="0" noProof="0" dirty="0">
+                <a:ln>
+                  <a:noFill/>
+                </a:ln>
+                <a:solidFill>
+                  <a:prstClr val="black"/>
+                </a:solidFill>
+                <a:effectLst/>
+                <a:uLnTx/>
+                <a:uFillTx/>
+                <a:latin typeface="Arial" panose="020B0604020202020204" pitchFamily="34" charset="0"/>
+                <a:ea typeface="+mn-ea"/>
+                <a:cs typeface="Arial" panose="020B0604020202020204" pitchFamily="34" charset="0"/>
+              </a:rPr>
+            </a:br>
+            <a:r>
+              <a:rPr lang="sv-SE" sz="1600" dirty="0">
+                <a:solidFill>
+                  <a:prstClr val="black"/>
+                </a:solidFill>
+                <a:latin typeface="Arial" panose="020B0604020202020204" pitchFamily="34" charset="0"/>
+                <a:cs typeface="Arial" panose="020B0604020202020204" pitchFamily="34" charset="0"/>
+              </a:rPr>
+              <a:t>}</a:t>
+            </a:r>
+          </a:p>
+          <a:p>
+            <a:pPr marL="0" marR="0" lvl="0" indent="0" algn="l" defTabSz="914400" rtl="0" eaLnBrk="1" fontAlgn="auto" latinLnBrk="0" hangingPunct="1">
+              <a:lnSpc>
+                <a:spcPct val="90000"/>
+              </a:lnSpc>
+              <a:spcBef>
+                <a:spcPts val="1000"/>
+              </a:spcBef>
+              <a:spcAft>
+                <a:spcPts val="0"/>
+              </a:spcAft>
+              <a:buClrTx/>
+              <a:buSzTx/>
+              <a:buFont typeface="Arial" panose="020B0604020202020204" pitchFamily="34" charset="0"/>
               <a:buNone/>
+              <a:tabLst/>
+              <a:defRPr/>
             </a:pPr>
-            <a:endParaRPr lang="sv-SE" sz="3200" dirty="0"/>
-          </a:p>
-          <a:p>
-            <a:r>
-              <a:rPr lang="sv-SE" sz="3200" dirty="0"/>
-              <a:t>Just ask </a:t>
-            </a:r>
-            <a:r>
-              <a:rPr lang="sv-SE" sz="3200" dirty="0" err="1"/>
-              <a:t>compiler</a:t>
-            </a:r>
-            <a:r>
-              <a:rPr lang="sv-SE" sz="3200" dirty="0"/>
+            <a:endParaRPr kumimoji="0" lang="sv-SE" sz="1600" b="0" i="0" u="none" strike="noStrike" kern="1200" cap="none" spc="0" normalizeH="0" baseline="0" noProof="0" dirty="0">
+              <a:ln>
+                <a:noFill/>
+              </a:ln>
+              <a:solidFill>
+                <a:prstClr val="black"/>
+              </a:solidFill>
+              <a:effectLst/>
+              <a:uLnTx/>
+              <a:uFillTx/>
+              <a:latin typeface="Arial" panose="020B0604020202020204" pitchFamily="34" charset="0"/>
+              <a:ea typeface="+mn-ea"/>
+              <a:cs typeface="Arial" panose="020B0604020202020204" pitchFamily="34" charset="0"/>
+            </a:endParaRPr>
+          </a:p>
+          <a:p>
+            <a:pPr marL="0" marR="0" lvl="0" indent="0" algn="l" defTabSz="914400" rtl="0" eaLnBrk="1" fontAlgn="auto" latinLnBrk="0" hangingPunct="1">
+              <a:lnSpc>
+                <a:spcPct val="90000"/>
+              </a:lnSpc>
+              <a:spcBef>
+                <a:spcPts val="1000"/>
+              </a:spcBef>
+              <a:spcAft>
+                <a:spcPts val="0"/>
+              </a:spcAft>
+              <a:buClrTx/>
+              <a:buSzTx/>
+              <a:buFont typeface="Arial" panose="020B0604020202020204" pitchFamily="34" charset="0"/>
+              <a:buNone/>
+              <a:tabLst/>
+              <a:defRPr/>
+            </a:pPr>
+            <a:r>
+              <a:rPr lang="sv-SE" sz="1600" dirty="0">
+                <a:solidFill>
+                  <a:prstClr val="black"/>
+                </a:solidFill>
+                <a:latin typeface="Arial" panose="020B0604020202020204" pitchFamily="34" charset="0"/>
+                <a:cs typeface="Arial" panose="020B0604020202020204" pitchFamily="34" charset="0"/>
+              </a:rPr>
+              <a:t>template&lt;</a:t>
+            </a:r>
+            <a:r>
+              <a:rPr lang="sv-SE" sz="1600" dirty="0" err="1">
+                <a:solidFill>
+                  <a:prstClr val="black"/>
+                </a:solidFill>
+                <a:latin typeface="Arial" panose="020B0604020202020204" pitchFamily="34" charset="0"/>
+                <a:cs typeface="Arial" panose="020B0604020202020204" pitchFamily="34" charset="0"/>
+              </a:rPr>
+              <a:t>typename</a:t>
+            </a:r>
+            <a:r>
+              <a:rPr lang="sv-SE" sz="1600" dirty="0">
+                <a:solidFill>
+                  <a:prstClr val="black"/>
+                </a:solidFill>
+                <a:latin typeface="Arial" panose="020B0604020202020204" pitchFamily="34" charset="0"/>
+                <a:cs typeface="Arial" panose="020B0604020202020204" pitchFamily="34" charset="0"/>
+              </a:rPr>
+              <a:t> T&gt; </a:t>
+            </a:r>
+            <a:r>
+              <a:rPr lang="sv-SE" sz="1600" dirty="0" err="1">
+                <a:solidFill>
+                  <a:prstClr val="black"/>
+                </a:solidFill>
+                <a:latin typeface="Arial" panose="020B0604020202020204" pitchFamily="34" charset="0"/>
+                <a:cs typeface="Arial" panose="020B0604020202020204" pitchFamily="34" charset="0"/>
+              </a:rPr>
+              <a:t>void</a:t>
+            </a:r>
+            <a:r>
+              <a:rPr lang="sv-SE" sz="1600" dirty="0">
+                <a:solidFill>
+                  <a:prstClr val="black"/>
+                </a:solidFill>
+                <a:latin typeface="Arial" panose="020B0604020202020204" pitchFamily="34" charset="0"/>
+                <a:cs typeface="Arial" panose="020B0604020202020204" pitchFamily="34" charset="0"/>
+              </a:rPr>
               <a:t> </a:t>
             </a:r>
             <a:r>
-              <a:rPr lang="sv-SE" sz="3200" dirty="0" err="1"/>
-              <a:t>vendors</a:t>
-            </a:r>
-            <a:r>
-              <a:rPr lang="sv-SE" sz="3200" dirty="0"/>
-              <a:t> to </a:t>
-            </a:r>
-            <a:r>
-              <a:rPr lang="sv-SE" sz="3200" dirty="0" err="1"/>
-              <a:t>issue</a:t>
-            </a:r>
-            <a:r>
-              <a:rPr lang="sv-SE" sz="3200" dirty="0"/>
+              <a:rPr lang="sv-SE" sz="1600" dirty="0" err="1">
+                <a:solidFill>
+                  <a:prstClr val="black"/>
+                </a:solidFill>
+                <a:latin typeface="Arial" panose="020B0604020202020204" pitchFamily="34" charset="0"/>
+                <a:cs typeface="Arial" panose="020B0604020202020204" pitchFamily="34" charset="0"/>
+              </a:rPr>
+              <a:t>printIterator</a:t>
+            </a:r>
+            <a:r>
+              <a:rPr lang="sv-SE" sz="1600" dirty="0">
+                <a:solidFill>
+                  <a:prstClr val="black"/>
+                </a:solidFill>
+                <a:latin typeface="Arial" panose="020B0604020202020204" pitchFamily="34" charset="0"/>
+                <a:cs typeface="Arial" panose="020B0604020202020204" pitchFamily="34" charset="0"/>
+              </a:rPr>
+              <a:t>()</a:t>
+            </a:r>
+            <a:br>
+              <a:rPr lang="sv-SE" sz="1600" dirty="0">
+                <a:solidFill>
+                  <a:prstClr val="black"/>
+                </a:solidFill>
+                <a:latin typeface="Arial" panose="020B0604020202020204" pitchFamily="34" charset="0"/>
+                <a:cs typeface="Arial" panose="020B0604020202020204" pitchFamily="34" charset="0"/>
+              </a:rPr>
+            </a:br>
+            <a:r>
+              <a:rPr lang="sv-SE" sz="1600" dirty="0">
+                <a:solidFill>
+                  <a:prstClr val="black"/>
+                </a:solidFill>
+                <a:latin typeface="Arial" panose="020B0604020202020204" pitchFamily="34" charset="0"/>
+                <a:cs typeface="Arial" panose="020B0604020202020204" pitchFamily="34" charset="0"/>
+              </a:rPr>
+              <a:t>{</a:t>
+            </a:r>
+            <a:br>
+              <a:rPr lang="sv-SE" sz="1600" dirty="0">
+                <a:solidFill>
+                  <a:prstClr val="black"/>
+                </a:solidFill>
+                <a:latin typeface="Arial" panose="020B0604020202020204" pitchFamily="34" charset="0"/>
+                <a:cs typeface="Arial" panose="020B0604020202020204" pitchFamily="34" charset="0"/>
+              </a:rPr>
+            </a:br>
+            <a:r>
+              <a:rPr lang="sv-SE" sz="1600" dirty="0">
+                <a:solidFill>
+                  <a:prstClr val="black"/>
+                </a:solidFill>
+                <a:latin typeface="Arial" panose="020B0604020202020204" pitchFamily="34" charset="0"/>
+                <a:cs typeface="Arial" panose="020B0604020202020204" pitchFamily="34" charset="0"/>
+              </a:rPr>
+              <a:t>    </a:t>
+            </a:r>
+            <a:r>
+              <a:rPr lang="sv-SE" sz="1600" dirty="0" err="1">
+                <a:solidFill>
+                  <a:prstClr val="black"/>
+                </a:solidFill>
+                <a:latin typeface="Arial" panose="020B0604020202020204" pitchFamily="34" charset="0"/>
+                <a:cs typeface="Arial" panose="020B0604020202020204" pitchFamily="34" charset="0"/>
+              </a:rPr>
+              <a:t>std</a:t>
+            </a:r>
+            <a:r>
+              <a:rPr lang="sv-SE" sz="1600" dirty="0">
+                <a:solidFill>
+                  <a:prstClr val="black"/>
+                </a:solidFill>
+                <a:latin typeface="Arial" panose="020B0604020202020204" pitchFamily="34" charset="0"/>
+                <a:cs typeface="Arial" panose="020B0604020202020204" pitchFamily="34" charset="0"/>
+              </a:rPr>
+              <a:t>::</a:t>
+            </a:r>
+            <a:r>
+              <a:rPr lang="sv-SE" sz="1600" dirty="0" err="1">
+                <a:solidFill>
+                  <a:prstClr val="black"/>
+                </a:solidFill>
+                <a:latin typeface="Arial" panose="020B0604020202020204" pitchFamily="34" charset="0"/>
+                <a:cs typeface="Arial" panose="020B0604020202020204" pitchFamily="34" charset="0"/>
+              </a:rPr>
+              <a:t>cout</a:t>
+            </a:r>
+            <a:r>
+              <a:rPr lang="sv-SE" sz="1600" dirty="0">
+                <a:solidFill>
+                  <a:prstClr val="black"/>
+                </a:solidFill>
+                <a:latin typeface="Arial" panose="020B0604020202020204" pitchFamily="34" charset="0"/>
+                <a:cs typeface="Arial" panose="020B0604020202020204" pitchFamily="34" charset="0"/>
+              </a:rPr>
+              <a:t> &lt;&lt; </a:t>
+            </a:r>
+            <a:r>
+              <a:rPr lang="sv-SE" sz="1600" dirty="0" err="1">
+                <a:solidFill>
+                  <a:prstClr val="black"/>
+                </a:solidFill>
+                <a:latin typeface="Arial" panose="020B0604020202020204" pitchFamily="34" charset="0"/>
+                <a:cs typeface="Arial" panose="020B0604020202020204" pitchFamily="34" charset="0"/>
+              </a:rPr>
+              <a:t>vector</a:t>
+            </a:r>
+            <a:r>
+              <a:rPr lang="sv-SE" sz="1600" dirty="0">
+                <a:solidFill>
+                  <a:prstClr val="black"/>
+                </a:solidFill>
+                <a:latin typeface="Arial" panose="020B0604020202020204" pitchFamily="34" charset="0"/>
+                <a:cs typeface="Arial" panose="020B0604020202020204" pitchFamily="34" charset="0"/>
+              </a:rPr>
+              <a:t>&lt;T&gt;::</a:t>
+            </a:r>
+            <a:r>
+              <a:rPr lang="sv-SE" sz="1600" dirty="0" err="1">
+                <a:solidFill>
+                  <a:prstClr val="black"/>
+                </a:solidFill>
+                <a:latin typeface="Arial" panose="020B0604020202020204" pitchFamily="34" charset="0"/>
+                <a:cs typeface="Arial" panose="020B0604020202020204" pitchFamily="34" charset="0"/>
+              </a:rPr>
+              <a:t>iterator</a:t>
+            </a:r>
+            <a:r>
+              <a:rPr lang="sv-SE" sz="1600" dirty="0">
+                <a:solidFill>
+                  <a:prstClr val="black"/>
+                </a:solidFill>
+                <a:latin typeface="Arial" panose="020B0604020202020204" pitchFamily="34" charset="0"/>
+                <a:cs typeface="Arial" panose="020B0604020202020204" pitchFamily="34" charset="0"/>
+              </a:rPr>
+              <a:t>;  // </a:t>
+            </a:r>
+            <a:r>
+              <a:rPr lang="sv-SE" sz="1600" dirty="0" err="1">
+                <a:solidFill>
+                  <a:prstClr val="black"/>
+                </a:solidFill>
+                <a:latin typeface="Arial" panose="020B0604020202020204" pitchFamily="34" charset="0"/>
+                <a:cs typeface="Arial" panose="020B0604020202020204" pitchFamily="34" charset="0"/>
+              </a:rPr>
+              <a:t>Error</a:t>
+            </a:r>
+            <a:r>
+              <a:rPr lang="sv-SE" sz="1600" dirty="0">
+                <a:solidFill>
+                  <a:prstClr val="black"/>
+                </a:solidFill>
+                <a:latin typeface="Arial" panose="020B0604020202020204" pitchFamily="34" charset="0"/>
+                <a:cs typeface="Arial" panose="020B0604020202020204" pitchFamily="34" charset="0"/>
+              </a:rPr>
+              <a:t> at </a:t>
+            </a:r>
+            <a:r>
+              <a:rPr lang="sv-SE" sz="1600" dirty="0" err="1">
+                <a:solidFill>
+                  <a:prstClr val="black"/>
+                </a:solidFill>
+                <a:latin typeface="Arial" panose="020B0604020202020204" pitchFamily="34" charset="0"/>
+                <a:cs typeface="Arial" panose="020B0604020202020204" pitchFamily="34" charset="0"/>
+              </a:rPr>
+              <a:t>parse</a:t>
+            </a:r>
+            <a:r>
+              <a:rPr lang="sv-SE" sz="1600" dirty="0">
+                <a:solidFill>
+                  <a:prstClr val="black"/>
+                </a:solidFill>
+                <a:latin typeface="Arial" panose="020B0604020202020204" pitchFamily="34" charset="0"/>
+                <a:cs typeface="Arial" panose="020B0604020202020204" pitchFamily="34" charset="0"/>
+              </a:rPr>
               <a:t> </a:t>
             </a:r>
             <a:r>
-              <a:rPr lang="sv-SE" sz="3200" dirty="0" err="1"/>
-              <a:t>warnings</a:t>
-            </a:r>
-            <a:r>
-              <a:rPr lang="sv-SE" sz="3200" dirty="0"/>
-              <a:t> ASAP.</a:t>
-            </a:r>
-          </a:p>
-          <a:p>
-            <a:r>
-              <a:rPr lang="sv-SE" sz="3200" dirty="0" err="1"/>
-              <a:t>Implement</a:t>
-            </a:r>
-            <a:r>
-              <a:rPr lang="sv-SE" sz="3200"/>
-              <a:t> directly</a:t>
-            </a:r>
-            <a:r>
-              <a:rPr lang="sv-SE" sz="3200" dirty="0"/>
-              <a:t> in C++26.</a:t>
-            </a:r>
-          </a:p>
-          <a:p>
-            <a:endParaRPr lang="sv-SE" sz="3200" dirty="0"/>
+              <a:rPr lang="sv-SE" sz="1600" dirty="0" err="1">
+                <a:solidFill>
+                  <a:prstClr val="black"/>
+                </a:solidFill>
+                <a:latin typeface="Arial" panose="020B0604020202020204" pitchFamily="34" charset="0"/>
+                <a:cs typeface="Arial" panose="020B0604020202020204" pitchFamily="34" charset="0"/>
+              </a:rPr>
+              <a:t>time</a:t>
+            </a:r>
+            <a:r>
+              <a:rPr lang="sv-SE" sz="1600" dirty="0">
+                <a:solidFill>
+                  <a:prstClr val="black"/>
+                </a:solidFill>
+                <a:latin typeface="Arial" panose="020B0604020202020204" pitchFamily="34" charset="0"/>
+                <a:cs typeface="Arial" panose="020B0604020202020204" pitchFamily="34" charset="0"/>
+              </a:rPr>
+              <a:t>: </a:t>
+            </a:r>
+            <a:r>
+              <a:rPr lang="sv-SE" sz="1600" dirty="0" err="1">
+                <a:solidFill>
+                  <a:prstClr val="black"/>
+                </a:solidFill>
+                <a:latin typeface="Arial" panose="020B0604020202020204" pitchFamily="34" charset="0"/>
+                <a:cs typeface="Arial" panose="020B0604020202020204" pitchFamily="34" charset="0"/>
+              </a:rPr>
+              <a:t>Can’t</a:t>
+            </a:r>
+            <a:r>
+              <a:rPr lang="sv-SE" sz="1600" dirty="0">
+                <a:solidFill>
+                  <a:prstClr val="black"/>
+                </a:solidFill>
+                <a:latin typeface="Arial" panose="020B0604020202020204" pitchFamily="34" charset="0"/>
+                <a:cs typeface="Arial" panose="020B0604020202020204" pitchFamily="34" charset="0"/>
+              </a:rPr>
+              <a:t> </a:t>
+            </a:r>
+            <a:r>
+              <a:rPr lang="sv-SE" sz="1600" dirty="0" err="1">
+                <a:solidFill>
+                  <a:prstClr val="black"/>
+                </a:solidFill>
+                <a:latin typeface="Arial" panose="020B0604020202020204" pitchFamily="34" charset="0"/>
+                <a:cs typeface="Arial" panose="020B0604020202020204" pitchFamily="34" charset="0"/>
+              </a:rPr>
+              <a:t>cout</a:t>
+            </a:r>
+            <a:r>
+              <a:rPr lang="sv-SE" sz="1600" dirty="0">
+                <a:solidFill>
+                  <a:prstClr val="black"/>
+                </a:solidFill>
+                <a:latin typeface="Arial" panose="020B0604020202020204" pitchFamily="34" charset="0"/>
+                <a:cs typeface="Arial" panose="020B0604020202020204" pitchFamily="34" charset="0"/>
+              </a:rPr>
+              <a:t> a </a:t>
+            </a:r>
+            <a:r>
+              <a:rPr lang="sv-SE" sz="1600" dirty="0" err="1">
+                <a:solidFill>
+                  <a:prstClr val="black"/>
+                </a:solidFill>
+                <a:latin typeface="Arial" panose="020B0604020202020204" pitchFamily="34" charset="0"/>
+                <a:cs typeface="Arial" panose="020B0604020202020204" pitchFamily="34" charset="0"/>
+              </a:rPr>
+              <a:t>type</a:t>
+            </a:r>
+            <a:r>
+              <a:rPr lang="sv-SE" sz="1600" dirty="0">
+                <a:solidFill>
+                  <a:prstClr val="black"/>
+                </a:solidFill>
+                <a:latin typeface="Arial" panose="020B0604020202020204" pitchFamily="34" charset="0"/>
+                <a:cs typeface="Arial" panose="020B0604020202020204" pitchFamily="34" charset="0"/>
+              </a:rPr>
+              <a:t>.</a:t>
+            </a:r>
+            <a:br>
+              <a:rPr lang="sv-SE" sz="1600" dirty="0">
+                <a:solidFill>
+                  <a:prstClr val="black"/>
+                </a:solidFill>
+                <a:latin typeface="Arial" panose="020B0604020202020204" pitchFamily="34" charset="0"/>
+                <a:cs typeface="Arial" panose="020B0604020202020204" pitchFamily="34" charset="0"/>
+              </a:rPr>
+            </a:br>
+            <a:r>
+              <a:rPr lang="sv-SE" sz="1600" dirty="0">
+                <a:solidFill>
+                  <a:prstClr val="black"/>
+                </a:solidFill>
+                <a:latin typeface="Arial" panose="020B0604020202020204" pitchFamily="34" charset="0"/>
+                <a:cs typeface="Arial" panose="020B0604020202020204" pitchFamily="34" charset="0"/>
+              </a:rPr>
+              <a:t>}</a:t>
+            </a:r>
+            <a:br>
+              <a:rPr lang="sv-SE" sz="1600" dirty="0">
+                <a:solidFill>
+                  <a:prstClr val="black"/>
+                </a:solidFill>
+                <a:latin typeface="Arial" panose="020B0604020202020204" pitchFamily="34" charset="0"/>
+                <a:cs typeface="Arial" panose="020B0604020202020204" pitchFamily="34" charset="0"/>
+              </a:rPr>
+            </a:br>
+            <a:endParaRPr kumimoji="0" lang="sv-SE" sz="1600" b="0" i="0" u="none" strike="noStrike" kern="1200" cap="none" spc="0" normalizeH="0" baseline="0" noProof="0" dirty="0">
+              <a:ln>
+                <a:noFill/>
+              </a:ln>
+              <a:solidFill>
+                <a:prstClr val="black"/>
+              </a:solidFill>
+              <a:effectLst/>
+              <a:uLnTx/>
+              <a:uFillTx/>
+              <a:latin typeface="Arial" panose="020B0604020202020204" pitchFamily="34" charset="0"/>
+              <a:ea typeface="+mn-ea"/>
+              <a:cs typeface="Arial" panose="020B0604020202020204" pitchFamily="34" charset="0"/>
+            </a:endParaRPr>
           </a:p>
         </p:txBody>
       </p:sp>
     </p:spTree>
     <p:extLst>
       <p:ext uri="{BB962C8B-B14F-4D97-AF65-F5344CB8AC3E}">
-        <p14:creationId xmlns:p14="http://schemas.microsoft.com/office/powerpoint/2010/main" val="3377964672"/>
+        <p14:creationId xmlns:p14="http://schemas.microsoft.com/office/powerpoint/2010/main" val="2212006669"/>
       </p:ext>
     </p:extLst>
   </p:cSld>
@@ -9515,12 +10881,856 @@
           <a:lstStyle/>
           <a:p>
             <a:r>
+              <a:rPr lang="sv-SE" sz="4000" dirty="0" err="1">
+                <a:solidFill>
+                  <a:srgbClr val="FFFFFF"/>
+                </a:solidFill>
+              </a:rPr>
+              <a:t>Introducing</a:t>
+            </a:r>
+            <a:r>
               <a:rPr lang="sv-SE" sz="4000" dirty="0">
                 <a:solidFill>
                   <a:srgbClr val="FFFFFF"/>
                 </a:solidFill>
               </a:rPr>
-              <a:t>Alternatives</a:t>
+              <a:t> </a:t>
+            </a:r>
+            <a:r>
+              <a:rPr lang="sv-SE" sz="4000" dirty="0" err="1">
+                <a:solidFill>
+                  <a:srgbClr val="FFFFFF"/>
+                </a:solidFill>
+              </a:rPr>
+              <a:t>this</a:t>
+            </a:r>
+            <a:r>
+              <a:rPr lang="sv-SE" sz="4000" dirty="0">
+                <a:solidFill>
+                  <a:srgbClr val="FFFFFF"/>
+                </a:solidFill>
+              </a:rPr>
+              <a:t> </a:t>
+            </a:r>
+            <a:r>
+              <a:rPr lang="sv-SE" sz="4000" dirty="0" err="1">
+                <a:solidFill>
+                  <a:srgbClr val="FFFFFF"/>
+                </a:solidFill>
+              </a:rPr>
+              <a:t>functionality</a:t>
+            </a:r>
+            <a:endParaRPr lang="LID4096" sz="4000" dirty="0">
+              <a:solidFill>
+                <a:srgbClr val="FFFFFF"/>
+              </a:solidFill>
+            </a:endParaRPr>
+          </a:p>
+        </p:txBody>
+      </p:sp>
+      <p:sp>
+        <p:nvSpPr>
+          <p:cNvPr id="3" name="Platshållare för innehåll 2">
+            <a:extLst>
+              <a:ext uri="{FF2B5EF4-FFF2-40B4-BE49-F238E27FC236}">
+                <a16:creationId xmlns:a16="http://schemas.microsoft.com/office/drawing/2014/main" id="{2A4FF5C8-FFF5-6199-97CC-74043C45FA89}"/>
+              </a:ext>
+            </a:extLst>
+          </p:cNvPr>
+          <p:cNvSpPr>
+            <a:spLocks noGrp="1"/>
+          </p:cNvSpPr>
+          <p:nvPr>
+            <p:ph idx="1"/>
+          </p:nvPr>
+        </p:nvSpPr>
+        <p:spPr>
+          <a:xfrm>
+            <a:off x="1371599" y="2084784"/>
+            <a:ext cx="9724031" cy="4569462"/>
+          </a:xfrm>
+        </p:spPr>
+        <p:txBody>
+          <a:bodyPr anchor="ctr">
+            <a:normAutofit/>
+          </a:bodyPr>
+          <a:lstStyle/>
+          <a:p>
+            <a:r>
+              <a:rPr lang="sv-SE" sz="3200" dirty="0" err="1"/>
+              <a:t>Deprecate</a:t>
+            </a:r>
+            <a:r>
+              <a:rPr lang="sv-SE" sz="3200" dirty="0"/>
+              <a:t> in </a:t>
+            </a:r>
+            <a:r>
+              <a:rPr lang="sv-SE" sz="3200" dirty="0" err="1"/>
+              <a:t>one</a:t>
+            </a:r>
+            <a:r>
+              <a:rPr lang="sv-SE" sz="3200" dirty="0"/>
+              <a:t> revision (C++23?)</a:t>
+            </a:r>
+          </a:p>
+          <a:p>
+            <a:r>
+              <a:rPr lang="sv-SE" sz="3200" dirty="0" err="1"/>
+              <a:t>Implement</a:t>
+            </a:r>
+            <a:r>
+              <a:rPr lang="sv-SE" sz="3200" dirty="0"/>
+              <a:t> in the </a:t>
+            </a:r>
+            <a:r>
+              <a:rPr lang="sv-SE" sz="3200" dirty="0" err="1"/>
+              <a:t>next</a:t>
+            </a:r>
+            <a:r>
+              <a:rPr lang="sv-SE" sz="3200" dirty="0"/>
+              <a:t> standard revision.</a:t>
+            </a:r>
+          </a:p>
+          <a:p>
+            <a:pPr marL="0" indent="0" algn="ctr">
+              <a:buNone/>
+            </a:pPr>
+            <a:r>
+              <a:rPr lang="sv-SE" sz="3200" dirty="0"/>
+              <a:t>OR</a:t>
+            </a:r>
+          </a:p>
+          <a:p>
+            <a:r>
+              <a:rPr lang="sv-SE" sz="3200" dirty="0"/>
+              <a:t>Just ask </a:t>
+            </a:r>
+            <a:r>
+              <a:rPr lang="sv-SE" sz="3200" dirty="0" err="1"/>
+              <a:t>compiler</a:t>
+            </a:r>
+            <a:r>
+              <a:rPr lang="sv-SE" sz="3200" dirty="0"/>
+              <a:t> </a:t>
+            </a:r>
+            <a:r>
+              <a:rPr lang="sv-SE" sz="3200" dirty="0" err="1"/>
+              <a:t>vendors</a:t>
+            </a:r>
+            <a:r>
+              <a:rPr lang="sv-SE" sz="3200" dirty="0"/>
+              <a:t> to </a:t>
+            </a:r>
+            <a:r>
+              <a:rPr lang="sv-SE" sz="3200" dirty="0" err="1"/>
+              <a:t>issue</a:t>
+            </a:r>
+            <a:r>
+              <a:rPr lang="sv-SE" sz="3200" dirty="0"/>
+              <a:t> </a:t>
+            </a:r>
+            <a:r>
+              <a:rPr lang="sv-SE" sz="3200" dirty="0" err="1"/>
+              <a:t>warnings</a:t>
+            </a:r>
+            <a:r>
+              <a:rPr lang="sv-SE" sz="3200" dirty="0"/>
+              <a:t> ASAP.</a:t>
+            </a:r>
+          </a:p>
+          <a:p>
+            <a:r>
+              <a:rPr lang="sv-SE" sz="3200" dirty="0" err="1"/>
+              <a:t>Implement</a:t>
+            </a:r>
+            <a:r>
+              <a:rPr lang="sv-SE" sz="3200" dirty="0"/>
+              <a:t> </a:t>
+            </a:r>
+            <a:r>
+              <a:rPr lang="sv-SE" sz="3200" dirty="0" err="1"/>
+              <a:t>directly</a:t>
+            </a:r>
+            <a:r>
+              <a:rPr lang="sv-SE" sz="3200" dirty="0"/>
+              <a:t> in C++26.</a:t>
+            </a:r>
+          </a:p>
+          <a:p>
+            <a:pPr marL="0" indent="0" algn="ctr">
+              <a:buNone/>
+            </a:pPr>
+            <a:r>
+              <a:rPr lang="sv-SE" sz="3200" dirty="0"/>
+              <a:t>OR</a:t>
+            </a:r>
+          </a:p>
+          <a:p>
+            <a:r>
+              <a:rPr lang="sv-SE" sz="3200" dirty="0"/>
+              <a:t>Make a </a:t>
+            </a:r>
+            <a:r>
+              <a:rPr lang="sv-SE" sz="3200" dirty="0" err="1"/>
+              <a:t>tool</a:t>
+            </a:r>
+            <a:r>
+              <a:rPr lang="sv-SE" sz="3200" dirty="0"/>
+              <a:t> to </a:t>
+            </a:r>
+            <a:r>
+              <a:rPr lang="sv-SE" sz="3200" dirty="0" err="1"/>
+              <a:t>ensure</a:t>
+            </a:r>
+            <a:r>
+              <a:rPr lang="sv-SE" sz="3200" dirty="0"/>
+              <a:t> small </a:t>
+            </a:r>
+            <a:r>
+              <a:rPr lang="sv-SE" sz="3200" dirty="0" err="1"/>
+              <a:t>enough</a:t>
+            </a:r>
+            <a:r>
+              <a:rPr lang="sv-SE" sz="3200" dirty="0"/>
+              <a:t> </a:t>
+            </a:r>
+            <a:r>
+              <a:rPr lang="sv-SE" sz="3200" dirty="0" err="1"/>
+              <a:t>code</a:t>
+            </a:r>
+            <a:r>
+              <a:rPr lang="sv-SE" sz="3200" dirty="0"/>
+              <a:t> </a:t>
+            </a:r>
+            <a:r>
+              <a:rPr lang="sv-SE" sz="3200" dirty="0" err="1"/>
+              <a:t>breakage</a:t>
+            </a:r>
+            <a:r>
+              <a:rPr lang="sv-SE" sz="3200" dirty="0"/>
+              <a:t>.</a:t>
+            </a:r>
+          </a:p>
+          <a:p>
+            <a:r>
+              <a:rPr lang="sv-SE" sz="3200" dirty="0" err="1"/>
+              <a:t>Implement</a:t>
+            </a:r>
+            <a:r>
+              <a:rPr lang="sv-SE" sz="3200" dirty="0"/>
+              <a:t> </a:t>
+            </a:r>
+            <a:r>
+              <a:rPr lang="sv-SE" sz="3200" dirty="0" err="1"/>
+              <a:t>directly</a:t>
+            </a:r>
+            <a:r>
+              <a:rPr lang="sv-SE" sz="3200" dirty="0"/>
+              <a:t> in C++26.</a:t>
+            </a:r>
+          </a:p>
+          <a:p>
+            <a:pPr marL="0" indent="0">
+              <a:buNone/>
+            </a:pPr>
+            <a:endParaRPr lang="sv-SE" sz="3200" dirty="0"/>
+          </a:p>
+        </p:txBody>
+      </p:sp>
+    </p:spTree>
+    <p:extLst>
+      <p:ext uri="{BB962C8B-B14F-4D97-AF65-F5344CB8AC3E}">
+        <p14:creationId xmlns:p14="http://schemas.microsoft.com/office/powerpoint/2010/main" val="3377964672"/>
+      </p:ext>
+    </p:extLst>
+  </p:cSld>
+  <p:clrMapOvr>
+    <a:masterClrMapping/>
+  </p:clrMapOvr>
+</p:sld>
+</file>
+
+<file path=ppt/slides/slide8.xml><?xml version="1.0" encoding="utf-8"?>
+<p:sld xmlns:a="http://schemas.openxmlformats.org/drawingml/2006/main" xmlns:r="http://schemas.openxmlformats.org/officeDocument/2006/relationships" xmlns:p="http://schemas.openxmlformats.org/presentationml/2006/main">
+  <p:cSld>
+    <p:bg>
+      <p:bgPr>
+        <a:solidFill>
+          <a:schemeClr val="bg1"/>
+        </a:solidFill>
+        <a:effectLst/>
+      </p:bgPr>
+    </p:bg>
+    <p:spTree>
+      <p:nvGrpSpPr>
+        <p:cNvPr id="1" name=""/>
+        <p:cNvGrpSpPr/>
+        <p:nvPr/>
+      </p:nvGrpSpPr>
+      <p:grpSpPr>
+        <a:xfrm>
+          <a:off x="0" y="0"/>
+          <a:ext cx="0" cy="0"/>
+          <a:chOff x="0" y="0"/>
+          <a:chExt cx="0" cy="0"/>
+        </a:xfrm>
+      </p:grpSpPr>
+      <p:sp useBgFill="1">
+        <p:nvSpPr>
+          <p:cNvPr id="8" name="Rectangle 7">
+            <a:extLst>
+              <a:ext uri="{FF2B5EF4-FFF2-40B4-BE49-F238E27FC236}">
+                <a16:creationId xmlns:a16="http://schemas.microsoft.com/office/drawing/2014/main" id="{1B15ED52-F352-441B-82BF-E0EA34836D08}"/>
+              </a:ext>
+              <a:ext uri="{C183D7F6-B498-43B3-948B-1728B52AA6E4}">
+                <adec:decorative xmlns:adec="http://schemas.microsoft.com/office/drawing/2017/decorative" val="1"/>
+              </a:ext>
+            </a:extLst>
+          </p:cNvPr>
+          <p:cNvSpPr>
+            <a:spLocks noGrp="1" noRot="1" noChangeAspect="1" noMove="1" noResize="1" noEditPoints="1" noAdjustHandles="1" noChangeArrowheads="1" noChangeShapeType="1" noTextEdit="1"/>
+          </p:cNvSpPr>
+          <p:nvPr>
+            <p:extLst>
+              <p:ext uri="{386F3935-93C4-4BCD-93E2-E3B085C9AB24}">
+                <p16:designElem xmlns:p16="http://schemas.microsoft.com/office/powerpoint/2015/main" val="1"/>
+              </p:ext>
+            </p:extLst>
+          </p:nvPr>
+        </p:nvSpPr>
+        <p:spPr>
+          <a:xfrm>
+            <a:off x="0" y="0"/>
+            <a:ext cx="12192000" cy="6858000"/>
+          </a:xfrm>
+          <a:prstGeom prst="rect">
+            <a:avLst/>
+          </a:prstGeom>
+          <a:ln w="12700" cap="flat" cmpd="sng" algn="ctr">
+            <a:noFill/>
+            <a:prstDash val="solid"/>
+            <a:miter lim="800000"/>
+          </a:ln>
+          <a:effectLst/>
+          <a:extLst>
+            <a:ext uri="{91240B29-F687-4F45-9708-019B960494DF}">
+              <a14:hiddenLine xmlns:a14="http://schemas.microsoft.com/office/drawing/2010/main" w="12700" cap="flat" cmpd="sng" algn="ctr">
+                <a:solidFill>
+                  <a:schemeClr val="accent1">
+                    <a:shade val="50000"/>
+                  </a:schemeClr>
+                </a:solidFill>
+                <a:prstDash val="solid"/>
+                <a:miter lim="800000"/>
+              </a14:hiddenLine>
+            </a:ext>
+          </a:extLst>
+        </p:spPr>
+        <p:style>
+          <a:lnRef idx="2">
+            <a:schemeClr val="accent1">
+              <a:shade val="50000"/>
+            </a:schemeClr>
+          </a:lnRef>
+          <a:fillRef idx="1">
+            <a:schemeClr val="accent1"/>
+          </a:fillRef>
+          <a:effectRef idx="0">
+            <a:schemeClr val="accent1"/>
+          </a:effectRef>
+          <a:fontRef idx="minor">
+            <a:schemeClr val="lt1"/>
+          </a:fontRef>
+        </p:style>
+        <p:txBody>
+          <a:bodyPr rtlCol="0" anchor="ctr"/>
+          <a:lstStyle/>
+          <a:p>
+            <a:pPr marL="0" marR="0" lvl="0" indent="0" algn="ctr" defTabSz="914400" rtl="0" eaLnBrk="1" fontAlgn="auto" latinLnBrk="0" hangingPunct="1">
+              <a:lnSpc>
+                <a:spcPct val="100000"/>
+              </a:lnSpc>
+              <a:spcBef>
+                <a:spcPts val="0"/>
+              </a:spcBef>
+              <a:spcAft>
+                <a:spcPts val="0"/>
+              </a:spcAft>
+              <a:buClrTx/>
+              <a:buSzTx/>
+              <a:buFontTx/>
+              <a:buNone/>
+              <a:tabLst/>
+              <a:defRPr/>
+            </a:pPr>
+            <a:endParaRPr kumimoji="0" lang="en-US" sz="1800" b="0" i="0" u="none" strike="noStrike" kern="1200" cap="none" spc="0" normalizeH="0" baseline="0" noProof="0">
+              <a:ln>
+                <a:noFill/>
+              </a:ln>
+              <a:solidFill>
+                <a:prstClr val="white"/>
+              </a:solidFill>
+              <a:effectLst/>
+              <a:uLnTx/>
+              <a:uFillTx/>
+              <a:latin typeface="Calibri" panose="020F0502020204030204"/>
+              <a:ea typeface="+mn-ea"/>
+              <a:cs typeface="+mn-cs"/>
+            </a:endParaRPr>
+          </a:p>
+        </p:txBody>
+      </p:sp>
+      <p:sp>
+        <p:nvSpPr>
+          <p:cNvPr id="10" name="Rectangle 9">
+            <a:extLst>
+              <a:ext uri="{FF2B5EF4-FFF2-40B4-BE49-F238E27FC236}">
+                <a16:creationId xmlns:a16="http://schemas.microsoft.com/office/drawing/2014/main" id="{3B2E3793-BFE6-45A2-9B7B-E18844431C99}"/>
+              </a:ext>
+              <a:ext uri="{C183D7F6-B498-43B3-948B-1728B52AA6E4}">
+                <adec:decorative xmlns:adec="http://schemas.microsoft.com/office/drawing/2017/decorative" val="1"/>
+              </a:ext>
+            </a:extLst>
+          </p:cNvPr>
+          <p:cNvSpPr>
+            <a:spLocks noGrp="1" noRot="1" noChangeAspect="1" noMove="1" noResize="1" noEditPoints="1" noAdjustHandles="1" noChangeArrowheads="1" noChangeShapeType="1" noTextEdit="1"/>
+          </p:cNvSpPr>
+          <p:nvPr>
+            <p:extLst>
+              <p:ext uri="{386F3935-93C4-4BCD-93E2-E3B085C9AB24}">
+                <p16:designElem xmlns:p16="http://schemas.microsoft.com/office/powerpoint/2015/main" val="1"/>
+              </p:ext>
+            </p:extLst>
+          </p:nvPr>
+        </p:nvSpPr>
+        <p:spPr>
+          <a:xfrm flipH="1">
+            <a:off x="-1" y="-1"/>
+            <a:ext cx="12191998" cy="1590742"/>
+          </a:xfrm>
+          <a:prstGeom prst="rect">
+            <a:avLst/>
+          </a:prstGeom>
+          <a:gradFill>
+            <a:gsLst>
+              <a:gs pos="0">
+                <a:srgbClr val="000000"/>
+              </a:gs>
+              <a:gs pos="100000">
+                <a:schemeClr val="accent1">
+                  <a:lumMod val="75000"/>
+                </a:schemeClr>
+              </a:gs>
+            </a:gsLst>
+            <a:lin ang="8400000" scaled="0"/>
+          </a:gradFill>
+          <a:ln>
+            <a:noFill/>
+          </a:ln>
+        </p:spPr>
+        <p:style>
+          <a:lnRef idx="2">
+            <a:schemeClr val="accent1">
+              <a:shade val="50000"/>
+            </a:schemeClr>
+          </a:lnRef>
+          <a:fillRef idx="1">
+            <a:schemeClr val="accent1"/>
+          </a:fillRef>
+          <a:effectRef idx="0">
+            <a:schemeClr val="accent1"/>
+          </a:effectRef>
+          <a:fontRef idx="minor">
+            <a:schemeClr val="lt1"/>
+          </a:fontRef>
+        </p:style>
+        <p:txBody>
+          <a:bodyPr rtlCol="0" anchor="ctr"/>
+          <a:lstStyle/>
+          <a:p>
+            <a:pPr marL="0" marR="0" lvl="0" indent="0" algn="ctr" defTabSz="914400" rtl="0" eaLnBrk="1" fontAlgn="auto" latinLnBrk="0" hangingPunct="1">
+              <a:lnSpc>
+                <a:spcPct val="100000"/>
+              </a:lnSpc>
+              <a:spcBef>
+                <a:spcPts val="0"/>
+              </a:spcBef>
+              <a:spcAft>
+                <a:spcPts val="0"/>
+              </a:spcAft>
+              <a:buClrTx/>
+              <a:buSzTx/>
+              <a:buFontTx/>
+              <a:buNone/>
+              <a:tabLst/>
+              <a:defRPr/>
+            </a:pPr>
+            <a:endParaRPr kumimoji="0" lang="en-US" sz="1800" b="0" i="0" u="none" strike="noStrike" kern="1200" cap="none" spc="0" normalizeH="0" baseline="0" noProof="0">
+              <a:ln>
+                <a:noFill/>
+              </a:ln>
+              <a:solidFill>
+                <a:prstClr val="white"/>
+              </a:solidFill>
+              <a:effectLst/>
+              <a:uLnTx/>
+              <a:uFillTx/>
+              <a:latin typeface="Calibri" panose="020F0502020204030204"/>
+              <a:ea typeface="+mn-ea"/>
+              <a:cs typeface="+mn-cs"/>
+            </a:endParaRPr>
+          </a:p>
+        </p:txBody>
+      </p:sp>
+      <p:sp>
+        <p:nvSpPr>
+          <p:cNvPr id="12" name="Rectangle 11">
+            <a:extLst>
+              <a:ext uri="{FF2B5EF4-FFF2-40B4-BE49-F238E27FC236}">
+                <a16:creationId xmlns:a16="http://schemas.microsoft.com/office/drawing/2014/main" id="{BC4C4868-CB8F-4AF9-9CDB-8108F2C19B67}"/>
+              </a:ext>
+              <a:ext uri="{C183D7F6-B498-43B3-948B-1728B52AA6E4}">
+                <adec:decorative xmlns:adec="http://schemas.microsoft.com/office/drawing/2017/decorative" val="1"/>
+              </a:ext>
+            </a:extLst>
+          </p:cNvPr>
+          <p:cNvSpPr>
+            <a:spLocks noGrp="1" noRot="1" noChangeAspect="1" noMove="1" noResize="1" noEditPoints="1" noAdjustHandles="1" noChangeArrowheads="1" noChangeShapeType="1" noTextEdit="1"/>
+          </p:cNvSpPr>
+          <p:nvPr>
+            <p:extLst>
+              <p:ext uri="{386F3935-93C4-4BCD-93E2-E3B085C9AB24}">
+                <p16:designElem xmlns:p16="http://schemas.microsoft.com/office/powerpoint/2015/main" val="1"/>
+              </p:ext>
+            </p:extLst>
+          </p:nvPr>
+        </p:nvSpPr>
+        <p:spPr>
+          <a:xfrm rot="10800000" flipH="1">
+            <a:off x="-3" y="0"/>
+            <a:ext cx="8115306" cy="1590742"/>
+          </a:xfrm>
+          <a:prstGeom prst="rect">
+            <a:avLst/>
+          </a:prstGeom>
+          <a:gradFill>
+            <a:gsLst>
+              <a:gs pos="20000">
+                <a:schemeClr val="accent1">
+                  <a:alpha val="0"/>
+                </a:schemeClr>
+              </a:gs>
+              <a:gs pos="100000">
+                <a:schemeClr val="accent1">
+                  <a:lumMod val="50000"/>
+                  <a:alpha val="55000"/>
+                </a:schemeClr>
+              </a:gs>
+            </a:gsLst>
+            <a:lin ang="13800000" scaled="0"/>
+          </a:gradFill>
+          <a:ln>
+            <a:noFill/>
+          </a:ln>
+        </p:spPr>
+        <p:style>
+          <a:lnRef idx="2">
+            <a:schemeClr val="accent1">
+              <a:shade val="50000"/>
+            </a:schemeClr>
+          </a:lnRef>
+          <a:fillRef idx="1">
+            <a:schemeClr val="accent1"/>
+          </a:fillRef>
+          <a:effectRef idx="0">
+            <a:schemeClr val="accent1"/>
+          </a:effectRef>
+          <a:fontRef idx="minor">
+            <a:schemeClr val="lt1"/>
+          </a:fontRef>
+        </p:style>
+        <p:txBody>
+          <a:bodyPr rtlCol="0" anchor="ctr"/>
+          <a:lstStyle/>
+          <a:p>
+            <a:pPr marL="0" marR="0" lvl="0" indent="0" algn="ctr" defTabSz="914400" rtl="0" eaLnBrk="1" fontAlgn="auto" latinLnBrk="0" hangingPunct="1">
+              <a:lnSpc>
+                <a:spcPct val="100000"/>
+              </a:lnSpc>
+              <a:spcBef>
+                <a:spcPts val="0"/>
+              </a:spcBef>
+              <a:spcAft>
+                <a:spcPts val="0"/>
+              </a:spcAft>
+              <a:buClrTx/>
+              <a:buSzTx/>
+              <a:buFontTx/>
+              <a:buNone/>
+              <a:tabLst/>
+              <a:defRPr/>
+            </a:pPr>
+            <a:endParaRPr kumimoji="0" lang="en-US" sz="1800" b="0" i="0" u="none" strike="noStrike" kern="1200" cap="none" spc="0" normalizeH="0" baseline="0" noProof="0">
+              <a:ln>
+                <a:noFill/>
+              </a:ln>
+              <a:solidFill>
+                <a:prstClr val="white"/>
+              </a:solidFill>
+              <a:effectLst/>
+              <a:uLnTx/>
+              <a:uFillTx/>
+              <a:latin typeface="Calibri" panose="020F0502020204030204"/>
+              <a:ea typeface="+mn-ea"/>
+              <a:cs typeface="+mn-cs"/>
+            </a:endParaRPr>
+          </a:p>
+        </p:txBody>
+      </p:sp>
+      <p:sp>
+        <p:nvSpPr>
+          <p:cNvPr id="14" name="Rectangle 13">
+            <a:extLst>
+              <a:ext uri="{FF2B5EF4-FFF2-40B4-BE49-F238E27FC236}">
+                <a16:creationId xmlns:a16="http://schemas.microsoft.com/office/drawing/2014/main" id="{375E0459-6403-40CD-989D-56A4407CA12E}"/>
+              </a:ext>
+              <a:ext uri="{C183D7F6-B498-43B3-948B-1728B52AA6E4}">
+                <adec:decorative xmlns:adec="http://schemas.microsoft.com/office/drawing/2017/decorative" val="1"/>
+              </a:ext>
+            </a:extLst>
+          </p:cNvPr>
+          <p:cNvSpPr>
+            <a:spLocks noGrp="1" noRot="1" noChangeAspect="1" noMove="1" noResize="1" noEditPoints="1" noAdjustHandles="1" noChangeArrowheads="1" noChangeShapeType="1" noTextEdit="1"/>
+          </p:cNvSpPr>
+          <p:nvPr>
+            <p:extLst>
+              <p:ext uri="{386F3935-93C4-4BCD-93E2-E3B085C9AB24}">
+                <p16:designElem xmlns:p16="http://schemas.microsoft.com/office/powerpoint/2015/main" val="1"/>
+              </p:ext>
+            </p:extLst>
+          </p:nvPr>
+        </p:nvSpPr>
+        <p:spPr>
+          <a:xfrm flipH="1">
+            <a:off x="8115299" y="-1"/>
+            <a:ext cx="4076698" cy="1590742"/>
+          </a:xfrm>
+          <a:prstGeom prst="rect">
+            <a:avLst/>
+          </a:prstGeom>
+          <a:gradFill>
+            <a:gsLst>
+              <a:gs pos="0">
+                <a:schemeClr val="accent1">
+                  <a:alpha val="66000"/>
+                </a:schemeClr>
+              </a:gs>
+              <a:gs pos="100000">
+                <a:srgbClr val="000000">
+                  <a:alpha val="30000"/>
+                </a:srgbClr>
+              </a:gs>
+            </a:gsLst>
+            <a:lin ang="13200000" scaled="0"/>
+          </a:gradFill>
+          <a:ln>
+            <a:noFill/>
+          </a:ln>
+        </p:spPr>
+        <p:style>
+          <a:lnRef idx="2">
+            <a:schemeClr val="accent1">
+              <a:shade val="50000"/>
+            </a:schemeClr>
+          </a:lnRef>
+          <a:fillRef idx="1">
+            <a:schemeClr val="accent1"/>
+          </a:fillRef>
+          <a:effectRef idx="0">
+            <a:schemeClr val="accent1"/>
+          </a:effectRef>
+          <a:fontRef idx="minor">
+            <a:schemeClr val="lt1"/>
+          </a:fontRef>
+        </p:style>
+        <p:txBody>
+          <a:bodyPr rtlCol="0" anchor="ctr"/>
+          <a:lstStyle/>
+          <a:p>
+            <a:pPr marL="0" marR="0" lvl="0" indent="0" algn="ctr" defTabSz="914400" rtl="0" eaLnBrk="1" fontAlgn="auto" latinLnBrk="0" hangingPunct="1">
+              <a:lnSpc>
+                <a:spcPct val="100000"/>
+              </a:lnSpc>
+              <a:spcBef>
+                <a:spcPts val="0"/>
+              </a:spcBef>
+              <a:spcAft>
+                <a:spcPts val="0"/>
+              </a:spcAft>
+              <a:buClrTx/>
+              <a:buSzTx/>
+              <a:buFontTx/>
+              <a:buNone/>
+              <a:tabLst/>
+              <a:defRPr/>
+            </a:pPr>
+            <a:endParaRPr kumimoji="0" lang="en-US" sz="1800" b="0" i="0" u="none" strike="noStrike" kern="1200" cap="none" spc="0" normalizeH="0" baseline="0" noProof="0">
+              <a:ln>
+                <a:noFill/>
+              </a:ln>
+              <a:solidFill>
+                <a:prstClr val="white"/>
+              </a:solidFill>
+              <a:effectLst/>
+              <a:uLnTx/>
+              <a:uFillTx/>
+              <a:latin typeface="Calibri" panose="020F0502020204030204"/>
+              <a:ea typeface="+mn-ea"/>
+              <a:cs typeface="+mn-cs"/>
+            </a:endParaRPr>
+          </a:p>
+        </p:txBody>
+      </p:sp>
+      <p:sp>
+        <p:nvSpPr>
+          <p:cNvPr id="16" name="Rectangle 15">
+            <a:extLst>
+              <a:ext uri="{FF2B5EF4-FFF2-40B4-BE49-F238E27FC236}">
+                <a16:creationId xmlns:a16="http://schemas.microsoft.com/office/drawing/2014/main" id="{53E5B1A8-3AC9-4BD1-9BBC-78CA94F2D1BA}"/>
+              </a:ext>
+              <a:ext uri="{C183D7F6-B498-43B3-948B-1728B52AA6E4}">
+                <adec:decorative xmlns:adec="http://schemas.microsoft.com/office/drawing/2017/decorative" val="1"/>
+              </a:ext>
+            </a:extLst>
+          </p:cNvPr>
+          <p:cNvSpPr>
+            <a:spLocks noGrp="1" noRot="1" noChangeAspect="1" noMove="1" noResize="1" noEditPoints="1" noAdjustHandles="1" noChangeArrowheads="1" noChangeShapeType="1" noTextEdit="1"/>
+          </p:cNvSpPr>
+          <p:nvPr>
+            <p:extLst>
+              <p:ext uri="{386F3935-93C4-4BCD-93E2-E3B085C9AB24}">
+                <p16:designElem xmlns:p16="http://schemas.microsoft.com/office/powerpoint/2015/main" val="1"/>
+              </p:ext>
+            </p:extLst>
+          </p:nvPr>
+        </p:nvSpPr>
+        <p:spPr>
+          <a:xfrm>
+            <a:off x="459350" y="-1"/>
+            <a:ext cx="11732646" cy="1597433"/>
+          </a:xfrm>
+          <a:prstGeom prst="rect">
+            <a:avLst/>
+          </a:prstGeom>
+          <a:gradFill>
+            <a:gsLst>
+              <a:gs pos="50000">
+                <a:srgbClr val="000000">
+                  <a:alpha val="0"/>
+                </a:srgbClr>
+              </a:gs>
+              <a:gs pos="99000">
+                <a:schemeClr val="accent1">
+                  <a:lumMod val="50000"/>
+                  <a:alpha val="52000"/>
+                </a:schemeClr>
+              </a:gs>
+            </a:gsLst>
+            <a:lin ang="16800000" scaled="0"/>
+          </a:gradFill>
+          <a:ln>
+            <a:noFill/>
+          </a:ln>
+        </p:spPr>
+        <p:style>
+          <a:lnRef idx="2">
+            <a:schemeClr val="accent1">
+              <a:shade val="50000"/>
+            </a:schemeClr>
+          </a:lnRef>
+          <a:fillRef idx="1">
+            <a:schemeClr val="accent1"/>
+          </a:fillRef>
+          <a:effectRef idx="0">
+            <a:schemeClr val="accent1"/>
+          </a:effectRef>
+          <a:fontRef idx="minor">
+            <a:schemeClr val="lt1"/>
+          </a:fontRef>
+        </p:style>
+        <p:txBody>
+          <a:bodyPr rtlCol="0" anchor="ctr"/>
+          <a:lstStyle/>
+          <a:p>
+            <a:pPr marL="0" marR="0" lvl="0" indent="0" algn="ctr" defTabSz="914400" rtl="0" eaLnBrk="1" fontAlgn="auto" latinLnBrk="0" hangingPunct="1">
+              <a:lnSpc>
+                <a:spcPct val="100000"/>
+              </a:lnSpc>
+              <a:spcBef>
+                <a:spcPts val="0"/>
+              </a:spcBef>
+              <a:spcAft>
+                <a:spcPts val="0"/>
+              </a:spcAft>
+              <a:buClrTx/>
+              <a:buSzTx/>
+              <a:buFontTx/>
+              <a:buNone/>
+              <a:tabLst/>
+              <a:defRPr/>
+            </a:pPr>
+            <a:endParaRPr kumimoji="0" lang="en-US" sz="1800" b="0" i="0" u="none" strike="noStrike" kern="1200" cap="none" spc="0" normalizeH="0" baseline="0" noProof="0">
+              <a:ln>
+                <a:noFill/>
+              </a:ln>
+              <a:solidFill>
+                <a:prstClr val="white"/>
+              </a:solidFill>
+              <a:effectLst/>
+              <a:uLnTx/>
+              <a:uFillTx/>
+              <a:latin typeface="Calibri" panose="020F0502020204030204"/>
+              <a:ea typeface="+mn-ea"/>
+              <a:cs typeface="+mn-cs"/>
+            </a:endParaRPr>
+          </a:p>
+        </p:txBody>
+      </p:sp>
+      <p:sp>
+        <p:nvSpPr>
+          <p:cNvPr id="2" name="Rubrik 1">
+            <a:extLst>
+              <a:ext uri="{FF2B5EF4-FFF2-40B4-BE49-F238E27FC236}">
+                <a16:creationId xmlns:a16="http://schemas.microsoft.com/office/drawing/2014/main" id="{5061A874-0FDA-27C5-E207-92E76593A7C4}"/>
+              </a:ext>
+            </a:extLst>
+          </p:cNvPr>
+          <p:cNvSpPr>
+            <a:spLocks noGrp="1"/>
+          </p:cNvSpPr>
+          <p:nvPr>
+            <p:ph type="title"/>
+          </p:nvPr>
+        </p:nvSpPr>
+        <p:spPr>
+          <a:xfrm>
+            <a:off x="1371599" y="294538"/>
+            <a:ext cx="9895951" cy="1033669"/>
+          </a:xfrm>
+        </p:spPr>
+        <p:txBody>
+          <a:bodyPr>
+            <a:normAutofit/>
+          </a:bodyPr>
+          <a:lstStyle/>
+          <a:p>
+            <a:r>
+              <a:rPr lang="sv-SE" sz="4000" dirty="0">
+                <a:solidFill>
+                  <a:srgbClr val="FFFFFF"/>
+                </a:solidFill>
+              </a:rPr>
+              <a:t>Alternative approach</a:t>
             </a:r>
             <a:endParaRPr lang="LID4096" sz="4000" dirty="0">
               <a:solidFill>
@@ -9769,7 +11979,7 @@
 </p:sld>
 </file>
 
-<file path=ppt/slides/slide8.xml><?xml version="1.0" encoding="utf-8"?>
+<file path=ppt/slides/slide9.xml><?xml version="1.0" encoding="utf-8"?>
 <p:sld xmlns:a="http://schemas.openxmlformats.org/drawingml/2006/main" xmlns:r="http://schemas.openxmlformats.org/officeDocument/2006/relationships" xmlns:p="http://schemas.openxmlformats.org/presentationml/2006/main">
   <p:cSld>
     <p:bg>

--- a/P2669-DeprecateKindChange/DeprecateKindChange.pptx
+++ b/P2669-DeprecateKindChange/DeprecateKindChange.pptx
@@ -5662,6 +5662,104 @@
               <a:t> over 100: 78%).</a:t>
             </a:r>
           </a:p>
+          <a:p>
+            <a:r>
+              <a:rPr lang="sv-SE" sz="3200" dirty="0" err="1"/>
+              <a:t>Teaching</a:t>
+            </a:r>
+            <a:r>
+              <a:rPr lang="sv-SE" sz="3200" dirty="0"/>
+              <a:t> </a:t>
+            </a:r>
+            <a:r>
+              <a:rPr lang="sv-SE" sz="3200" dirty="0" err="1"/>
+              <a:t>that</a:t>
+            </a:r>
+            <a:r>
+              <a:rPr lang="sv-SE" sz="3200" dirty="0"/>
+              <a:t> </a:t>
+            </a:r>
+            <a:r>
+              <a:rPr lang="sv-SE" sz="3200" dirty="0" err="1"/>
+              <a:t>you</a:t>
+            </a:r>
+            <a:r>
+              <a:rPr lang="sv-SE" sz="3200" dirty="0"/>
+              <a:t> </a:t>
+            </a:r>
+            <a:r>
+              <a:rPr lang="sv-SE" sz="3200" dirty="0" err="1"/>
+              <a:t>need</a:t>
+            </a:r>
+            <a:r>
+              <a:rPr lang="sv-SE" sz="3200" dirty="0"/>
+              <a:t> </a:t>
+            </a:r>
+            <a:r>
+              <a:rPr lang="sv-SE" sz="3200" dirty="0" err="1"/>
+              <a:t>this</a:t>
+            </a:r>
+            <a:r>
+              <a:rPr lang="sv-SE" sz="3200" dirty="0"/>
+              <a:t> </a:t>
+            </a:r>
+            <a:r>
+              <a:rPr lang="sv-SE" sz="3200" dirty="0" err="1"/>
+              <a:t>apparently</a:t>
+            </a:r>
+            <a:r>
+              <a:rPr lang="sv-SE" sz="3200" dirty="0"/>
+              <a:t> </a:t>
+            </a:r>
+            <a:r>
+              <a:rPr lang="sv-SE" sz="3200" dirty="0" err="1"/>
+              <a:t>unnecessary</a:t>
+            </a:r>
+            <a:r>
+              <a:rPr lang="sv-SE" sz="3200" dirty="0"/>
+              <a:t> </a:t>
+            </a:r>
+            <a:r>
+              <a:rPr lang="sv-SE" sz="3200" dirty="0" err="1"/>
+              <a:t>type</a:t>
+            </a:r>
+            <a:r>
+              <a:rPr lang="sv-SE" sz="3200" dirty="0"/>
+              <a:t> </a:t>
+            </a:r>
+            <a:r>
+              <a:rPr lang="sv-SE" sz="3200" dirty="0" err="1"/>
+              <a:t>of</a:t>
+            </a:r>
+            <a:r>
+              <a:rPr lang="sv-SE" sz="3200" dirty="0"/>
+              <a:t> </a:t>
+            </a:r>
+            <a:r>
+              <a:rPr lang="sv-SE" sz="3200" dirty="0" err="1"/>
+              <a:t>disambiguation</a:t>
+            </a:r>
+            <a:r>
+              <a:rPr lang="sv-SE" sz="3200" dirty="0"/>
+              <a:t> is a bit </a:t>
+            </a:r>
+            <a:r>
+              <a:rPr lang="sv-SE" sz="3200" dirty="0" err="1"/>
+              <a:t>of</a:t>
+            </a:r>
+            <a:r>
+              <a:rPr lang="sv-SE" sz="3200" dirty="0"/>
+              <a:t> a </a:t>
+            </a:r>
+            <a:r>
+              <a:rPr lang="sv-SE" sz="3200" dirty="0" err="1"/>
+              <a:t>challenge</a:t>
+            </a:r>
+            <a:r>
+              <a:rPr lang="sv-SE" sz="3200" dirty="0"/>
+              <a:t>.</a:t>
+            </a:r>
+          </a:p>
         </p:txBody>
       </p:sp>
     </p:spTree>
